--- a/TEAM 8_FINAL_PRESENTATION.pptx
+++ b/TEAM 8_FINAL_PRESENTATION.pptx
@@ -12,9 +12,11 @@
     <p:sldId id="280" r:id="rId6"/>
     <p:sldId id="276" r:id="rId7"/>
     <p:sldId id="278" r:id="rId8"/>
-    <p:sldId id="281" r:id="rId9"/>
-    <p:sldId id="268" r:id="rId10"/>
-    <p:sldId id="293" r:id="rId11"/>
+    <p:sldId id="303" r:id="rId9"/>
+    <p:sldId id="304" r:id="rId10"/>
+    <p:sldId id="281" r:id="rId11"/>
+    <p:sldId id="268" r:id="rId12"/>
+    <p:sldId id="293" r:id="rId13"/>
   </p:sldIdLst>
   <p:sldSz cx="12192000" cy="6858000"/>
   <p:notesSz cx="6858000" cy="9144000"/>
@@ -119,6 +121,137 @@
     </p:ext>
   </p:extLst>
 </p:presentation>
+</file>
+
+<file path=ppt/revisionInfo.xml><?xml version="1.0" encoding="utf-8"?>
+<p1510:revInfo xmlns:a="http://schemas.openxmlformats.org/drawingml/2006/main" xmlns:r="http://schemas.openxmlformats.org/officeDocument/2006/relationships" xmlns:p1510="http://schemas.microsoft.com/office/powerpoint/2015/10/main">
+  <p1510:revLst>
+    <p1510:client id="{99DF3C28-EA72-44FB-B663-A163AB2F859F}" v="1" dt="2022-12-08T20:40:05.645"/>
+  </p1510:revLst>
+</p1510:revInfo>
+</file>
+
+<file path=ppt/changesInfos/changesInfo1.xml><?xml version="1.0" encoding="utf-8"?>
+<pc:chgInfo xmlns:a="http://schemas.openxmlformats.org/drawingml/2006/main" xmlns:r="http://schemas.openxmlformats.org/officeDocument/2006/relationships" xmlns:ac="http://schemas.microsoft.com/office/drawing/2013/main/command" xmlns:pc="http://schemas.microsoft.com/office/powerpoint/2013/main/command">
+  <pc:docChgLst>
+    <pc:chgData name="Yashwant Bhaidkar" userId="43c987480cbf8a3d" providerId="LiveId" clId="{99DF3C28-EA72-44FB-B663-A163AB2F859F}"/>
+    <pc:docChg chg="addSld delSld modSld">
+      <pc:chgData name="Yashwant Bhaidkar" userId="43c987480cbf8a3d" providerId="LiveId" clId="{99DF3C28-EA72-44FB-B663-A163AB2F859F}" dt="2022-12-08T20:40:08.963" v="2" actId="47"/>
+      <pc:docMkLst>
+        <pc:docMk/>
+      </pc:docMkLst>
+      <pc:sldChg chg="delSp add del setBg delDesignElem">
+        <pc:chgData name="Yashwant Bhaidkar" userId="43c987480cbf8a3d" providerId="LiveId" clId="{99DF3C28-EA72-44FB-B663-A163AB2F859F}" dt="2022-12-08T20:40:08.963" v="2" actId="47"/>
+        <pc:sldMkLst>
+          <pc:docMk/>
+          <pc:sldMk cId="1795419846" sldId="300"/>
+        </pc:sldMkLst>
+        <pc:spChg chg="del">
+          <ac:chgData name="Yashwant Bhaidkar" userId="43c987480cbf8a3d" providerId="LiveId" clId="{99DF3C28-EA72-44FB-B663-A163AB2F859F}" dt="2022-12-08T20:40:05.645" v="1"/>
+          <ac:spMkLst>
+            <pc:docMk/>
+            <pc:sldMk cId="1795419846" sldId="300"/>
+            <ac:spMk id="7" creationId="{88294908-8B00-4F58-BBBA-20F71A40AA9E}"/>
+          </ac:spMkLst>
+        </pc:spChg>
+        <pc:spChg chg="del">
+          <ac:chgData name="Yashwant Bhaidkar" userId="43c987480cbf8a3d" providerId="LiveId" clId="{99DF3C28-EA72-44FB-B663-A163AB2F859F}" dt="2022-12-08T20:40:05.645" v="1"/>
+          <ac:spMkLst>
+            <pc:docMk/>
+            <pc:sldMk cId="1795419846" sldId="300"/>
+            <ac:spMk id="9" creationId="{4364C879-1404-4203-8E9D-CC5DE0A621A2}"/>
+          </ac:spMkLst>
+        </pc:spChg>
+        <pc:spChg chg="del">
+          <ac:chgData name="Yashwant Bhaidkar" userId="43c987480cbf8a3d" providerId="LiveId" clId="{99DF3C28-EA72-44FB-B663-A163AB2F859F}" dt="2022-12-08T20:40:05.645" v="1"/>
+          <ac:spMkLst>
+            <pc:docMk/>
+            <pc:sldMk cId="1795419846" sldId="300"/>
+            <ac:spMk id="11" creationId="{84617302-4B0D-4351-A6BB-6F0930D943AC}"/>
+          </ac:spMkLst>
+        </pc:spChg>
+        <pc:spChg chg="del">
+          <ac:chgData name="Yashwant Bhaidkar" userId="43c987480cbf8a3d" providerId="LiveId" clId="{99DF3C28-EA72-44FB-B663-A163AB2F859F}" dt="2022-12-08T20:40:05.645" v="1"/>
+          <ac:spMkLst>
+            <pc:docMk/>
+            <pc:sldMk cId="1795419846" sldId="300"/>
+            <ac:spMk id="13" creationId="{DA2C7802-C2E0-4218-8F89-8DD7CCD2CD1C}"/>
+          </ac:spMkLst>
+        </pc:spChg>
+        <pc:spChg chg="del">
+          <ac:chgData name="Yashwant Bhaidkar" userId="43c987480cbf8a3d" providerId="LiveId" clId="{99DF3C28-EA72-44FB-B663-A163AB2F859F}" dt="2022-12-08T20:40:05.645" v="1"/>
+          <ac:spMkLst>
+            <pc:docMk/>
+            <pc:sldMk cId="1795419846" sldId="300"/>
+            <ac:spMk id="15" creationId="{A6D7111A-21E5-4EE9-8A78-10E5530F0116}"/>
+          </ac:spMkLst>
+        </pc:spChg>
+        <pc:spChg chg="del">
+          <ac:chgData name="Yashwant Bhaidkar" userId="43c987480cbf8a3d" providerId="LiveId" clId="{99DF3C28-EA72-44FB-B663-A163AB2F859F}" dt="2022-12-08T20:40:05.645" v="1"/>
+          <ac:spMkLst>
+            <pc:docMk/>
+            <pc:sldMk cId="1795419846" sldId="300"/>
+            <ac:spMk id="17" creationId="{A3969E80-A77B-49FC-9122-D89AFD5EE118}"/>
+          </ac:spMkLst>
+        </pc:spChg>
+        <pc:spChg chg="del">
+          <ac:chgData name="Yashwant Bhaidkar" userId="43c987480cbf8a3d" providerId="LiveId" clId="{99DF3C28-EA72-44FB-B663-A163AB2F859F}" dt="2022-12-08T20:40:05.645" v="1"/>
+          <ac:spMkLst>
+            <pc:docMk/>
+            <pc:sldMk cId="1795419846" sldId="300"/>
+            <ac:spMk id="19" creationId="{1849CA57-76BD-4CF2-80BA-D7A46A01B7B1}"/>
+          </ac:spMkLst>
+        </pc:spChg>
+        <pc:spChg chg="del">
+          <ac:chgData name="Yashwant Bhaidkar" userId="43c987480cbf8a3d" providerId="LiveId" clId="{99DF3C28-EA72-44FB-B663-A163AB2F859F}" dt="2022-12-08T20:40:05.645" v="1"/>
+          <ac:spMkLst>
+            <pc:docMk/>
+            <pc:sldMk cId="1795419846" sldId="300"/>
+            <ac:spMk id="21" creationId="{35E9085E-E730-4768-83D4-6CB7E9897153}"/>
+          </ac:spMkLst>
+        </pc:spChg>
+        <pc:spChg chg="del">
+          <ac:chgData name="Yashwant Bhaidkar" userId="43c987480cbf8a3d" providerId="LiveId" clId="{99DF3C28-EA72-44FB-B663-A163AB2F859F}" dt="2022-12-08T20:40:05.645" v="1"/>
+          <ac:spMkLst>
+            <pc:docMk/>
+            <pc:sldMk cId="1795419846" sldId="300"/>
+            <ac:spMk id="23" creationId="{973272FE-A474-4CAE-8CA2-BCC8B476C3F4}"/>
+          </ac:spMkLst>
+        </pc:spChg>
+        <pc:spChg chg="del">
+          <ac:chgData name="Yashwant Bhaidkar" userId="43c987480cbf8a3d" providerId="LiveId" clId="{99DF3C28-EA72-44FB-B663-A163AB2F859F}" dt="2022-12-08T20:40:05.645" v="1"/>
+          <ac:spMkLst>
+            <pc:docMk/>
+            <pc:sldMk cId="1795419846" sldId="300"/>
+            <ac:spMk id="25" creationId="{E07981EA-05A6-437C-88D7-B377B92B031D}"/>
+          </ac:spMkLst>
+        </pc:spChg>
+        <pc:spChg chg="del">
+          <ac:chgData name="Yashwant Bhaidkar" userId="43c987480cbf8a3d" providerId="LiveId" clId="{99DF3C28-EA72-44FB-B663-A163AB2F859F}" dt="2022-12-08T20:40:05.645" v="1"/>
+          <ac:spMkLst>
+            <pc:docMk/>
+            <pc:sldMk cId="1795419846" sldId="300"/>
+            <ac:spMk id="27" creationId="{15E3C750-986E-4769-B1AE-49289FBEE757}"/>
+          </ac:spMkLst>
+        </pc:spChg>
+      </pc:sldChg>
+      <pc:sldChg chg="add">
+        <pc:chgData name="Yashwant Bhaidkar" userId="43c987480cbf8a3d" providerId="LiveId" clId="{99DF3C28-EA72-44FB-B663-A163AB2F859F}" dt="2022-12-08T20:40:05.645" v="1"/>
+        <pc:sldMkLst>
+          <pc:docMk/>
+          <pc:sldMk cId="3770776131" sldId="303"/>
+        </pc:sldMkLst>
+      </pc:sldChg>
+      <pc:sldChg chg="add">
+        <pc:chgData name="Yashwant Bhaidkar" userId="43c987480cbf8a3d" providerId="LiveId" clId="{99DF3C28-EA72-44FB-B663-A163AB2F859F}" dt="2022-12-08T20:40:05.645" v="1"/>
+        <pc:sldMkLst>
+          <pc:docMk/>
+          <pc:sldMk cId="334321172" sldId="304"/>
+        </pc:sldMkLst>
+      </pc:sldChg>
+    </pc:docChg>
+  </pc:docChgLst>
+</pc:chgInfo>
 </file>
 
 <file path=ppt/slideLayouts/slideLayout1.xml><?xml version="1.0" encoding="utf-8"?>
@@ -4056,6 +4189,1424 @@
 </file>
 
 <file path=ppt/slides/slide10.xml><?xml version="1.0" encoding="utf-8"?>
+<p:sld xmlns:a="http://schemas.openxmlformats.org/drawingml/2006/main" xmlns:r="http://schemas.openxmlformats.org/officeDocument/2006/relationships" xmlns:p="http://schemas.openxmlformats.org/presentationml/2006/main">
+  <p:cSld>
+    <p:bg>
+      <p:bgPr>
+        <a:solidFill>
+          <a:schemeClr val="bg1"/>
+        </a:solidFill>
+        <a:effectLst/>
+      </p:bgPr>
+    </p:bg>
+    <p:spTree>
+      <p:nvGrpSpPr>
+        <p:cNvPr id="1" name=""/>
+        <p:cNvGrpSpPr/>
+        <p:nvPr/>
+      </p:nvGrpSpPr>
+      <p:grpSpPr>
+        <a:xfrm>
+          <a:off x="0" y="0"/>
+          <a:ext cx="0" cy="0"/>
+          <a:chOff x="0" y="0"/>
+          <a:chExt cx="0" cy="0"/>
+        </a:xfrm>
+      </p:grpSpPr>
+      <p:sp>
+        <p:nvSpPr>
+          <p:cNvPr id="8" name="Rectangle 7">
+            <a:extLst>
+              <a:ext uri="{FF2B5EF4-FFF2-40B4-BE49-F238E27FC236}">
+                <a16:creationId xmlns:a16="http://schemas.microsoft.com/office/drawing/2014/main" id="{BC14C6D5-C295-4AE7-9EBC-A7D891451558}"/>
+              </a:ext>
+              <a:ext uri="{C183D7F6-B498-43B3-948B-1728B52AA6E4}">
+                <adec:decorative xmlns:adec="http://schemas.microsoft.com/office/drawing/2017/decorative" val="1"/>
+              </a:ext>
+            </a:extLst>
+          </p:cNvPr>
+          <p:cNvSpPr>
+            <a:spLocks noGrp="1" noRot="1" noChangeAspect="1" noMove="1" noResize="1" noEditPoints="1" noAdjustHandles="1" noChangeArrowheads="1" noChangeShapeType="1" noTextEdit="1"/>
+          </p:cNvSpPr>
+          <p:nvPr>
+            <p:extLst>
+              <p:ext uri="{386F3935-93C4-4BCD-93E2-E3B085C9AB24}">
+                <p16:designElem xmlns:p16="http://schemas.microsoft.com/office/powerpoint/2015/main" val="1"/>
+              </p:ext>
+            </p:extLst>
+          </p:nvPr>
+        </p:nvSpPr>
+        <p:spPr>
+          <a:xfrm>
+            <a:off x="0" y="0"/>
+            <a:ext cx="12192000" cy="6858000"/>
+          </a:xfrm>
+          <a:prstGeom prst="rect">
+            <a:avLst/>
+          </a:prstGeom>
+          <a:solidFill>
+            <a:schemeClr val="bg2"/>
+          </a:solidFill>
+          <a:ln>
+            <a:noFill/>
+          </a:ln>
+        </p:spPr>
+        <p:style>
+          <a:lnRef idx="2">
+            <a:schemeClr val="accent1">
+              <a:shade val="50000"/>
+            </a:schemeClr>
+          </a:lnRef>
+          <a:fillRef idx="1">
+            <a:schemeClr val="accent1"/>
+          </a:fillRef>
+          <a:effectRef idx="0">
+            <a:schemeClr val="accent1"/>
+          </a:effectRef>
+          <a:fontRef idx="minor">
+            <a:schemeClr val="lt1"/>
+          </a:fontRef>
+        </p:style>
+        <p:txBody>
+          <a:bodyPr rtlCol="0" anchor="ctr"/>
+          <a:lstStyle/>
+          <a:p>
+            <a:pPr algn="ctr"/>
+            <a:endParaRPr lang="en-US" dirty="0"/>
+          </a:p>
+        </p:txBody>
+      </p:sp>
+      <p:sp>
+        <p:nvSpPr>
+          <p:cNvPr id="10" name="Rectangle 9">
+            <a:extLst>
+              <a:ext uri="{FF2B5EF4-FFF2-40B4-BE49-F238E27FC236}">
+                <a16:creationId xmlns:a16="http://schemas.microsoft.com/office/drawing/2014/main" id="{A8DE0E0C-D349-42F5-9A39-823BED9EB2F8}"/>
+              </a:ext>
+              <a:ext uri="{C183D7F6-B498-43B3-948B-1728B52AA6E4}">
+                <adec:decorative xmlns:adec="http://schemas.microsoft.com/office/drawing/2017/decorative" val="1"/>
+              </a:ext>
+            </a:extLst>
+          </p:cNvPr>
+          <p:cNvSpPr>
+            <a:spLocks noGrp="1" noRot="1" noChangeAspect="1" noMove="1" noResize="1" noEditPoints="1" noAdjustHandles="1" noChangeArrowheads="1" noChangeShapeType="1" noTextEdit="1"/>
+          </p:cNvSpPr>
+          <p:nvPr>
+            <p:extLst>
+              <p:ext uri="{386F3935-93C4-4BCD-93E2-E3B085C9AB24}">
+                <p16:designElem xmlns:p16="http://schemas.microsoft.com/office/powerpoint/2015/main" val="1"/>
+              </p:ext>
+            </p:extLst>
+          </p:nvPr>
+        </p:nvSpPr>
+        <p:spPr>
+          <a:xfrm rot="2700000">
+            <a:off x="5671500" y="2376240"/>
+            <a:ext cx="2105519" cy="2105518"/>
+          </a:xfrm>
+          <a:prstGeom prst="rect">
+            <a:avLst/>
+          </a:prstGeom>
+          <a:solidFill>
+            <a:schemeClr val="accent4">
+              <a:alpha val="30000"/>
+            </a:schemeClr>
+          </a:solidFill>
+          <a:ln>
+            <a:noFill/>
+          </a:ln>
+        </p:spPr>
+        <p:style>
+          <a:lnRef idx="2">
+            <a:schemeClr val="accent1">
+              <a:shade val="50000"/>
+            </a:schemeClr>
+          </a:lnRef>
+          <a:fillRef idx="1">
+            <a:schemeClr val="accent1"/>
+          </a:fillRef>
+          <a:effectRef idx="0">
+            <a:schemeClr val="accent1"/>
+          </a:effectRef>
+          <a:fontRef idx="minor">
+            <a:schemeClr val="lt1"/>
+          </a:fontRef>
+        </p:style>
+        <p:txBody>
+          <a:bodyPr rtlCol="0" anchor="ctr"/>
+          <a:lstStyle/>
+          <a:p>
+            <a:pPr algn="ctr"/>
+            <a:endParaRPr lang="en-US"/>
+          </a:p>
+        </p:txBody>
+      </p:sp>
+      <p:sp>
+        <p:nvSpPr>
+          <p:cNvPr id="12" name="Freeform: Shape 11">
+            <a:extLst>
+              <a:ext uri="{FF2B5EF4-FFF2-40B4-BE49-F238E27FC236}">
+                <a16:creationId xmlns:a16="http://schemas.microsoft.com/office/drawing/2014/main" id="{FFEC4229-734E-4FC2-B6A0-6DA9B8B1AD9A}"/>
+              </a:ext>
+              <a:ext uri="{C183D7F6-B498-43B3-948B-1728B52AA6E4}">
+                <adec:decorative xmlns:adec="http://schemas.microsoft.com/office/drawing/2017/decorative" val="1"/>
+              </a:ext>
+            </a:extLst>
+          </p:cNvPr>
+          <p:cNvSpPr>
+            <a:spLocks noGrp="1" noRot="1" noChangeAspect="1" noMove="1" noResize="1" noEditPoints="1" noAdjustHandles="1" noChangeArrowheads="1" noChangeShapeType="1" noTextEdit="1"/>
+          </p:cNvSpPr>
+          <p:nvPr>
+            <p:extLst>
+              <p:ext uri="{386F3935-93C4-4BCD-93E2-E3B085C9AB24}">
+                <p16:designElem xmlns:p16="http://schemas.microsoft.com/office/powerpoint/2015/main" val="1"/>
+              </p:ext>
+            </p:extLst>
+          </p:nvPr>
+        </p:nvSpPr>
+        <p:spPr>
+          <a:xfrm rot="2700000">
+            <a:off x="-2036665" y="67603"/>
+            <a:ext cx="6972591" cy="6826263"/>
+          </a:xfrm>
+          <a:custGeom>
+            <a:avLst/>
+            <a:gdLst>
+              <a:gd name="connsiteX0" fmla="*/ 0 w 6972591"/>
+              <a:gd name="connsiteY0" fmla="*/ 1976924 h 6826263"/>
+              <a:gd name="connsiteX1" fmla="*/ 1976924 w 6972591"/>
+              <a:gd name="connsiteY1" fmla="*/ 0 h 6826263"/>
+              <a:gd name="connsiteX2" fmla="*/ 6972591 w 6972591"/>
+              <a:gd name="connsiteY2" fmla="*/ 0 h 6826263"/>
+              <a:gd name="connsiteX3" fmla="*/ 6972590 w 6972591"/>
+              <a:gd name="connsiteY3" fmla="*/ 4703010 h 6826263"/>
+              <a:gd name="connsiteX4" fmla="*/ 4849338 w 6972591"/>
+              <a:gd name="connsiteY4" fmla="*/ 6826263 h 6826263"/>
+            </a:gdLst>
+            <a:ahLst/>
+            <a:cxnLst>
+              <a:cxn ang="0">
+                <a:pos x="connsiteX0" y="connsiteY0"/>
+              </a:cxn>
+              <a:cxn ang="0">
+                <a:pos x="connsiteX1" y="connsiteY1"/>
+              </a:cxn>
+              <a:cxn ang="0">
+                <a:pos x="connsiteX2" y="connsiteY2"/>
+              </a:cxn>
+              <a:cxn ang="0">
+                <a:pos x="connsiteX3" y="connsiteY3"/>
+              </a:cxn>
+              <a:cxn ang="0">
+                <a:pos x="connsiteX4" y="connsiteY4"/>
+              </a:cxn>
+            </a:cxnLst>
+            <a:rect l="l" t="t" r="r" b="b"/>
+            <a:pathLst>
+              <a:path w="6972591" h="6826263">
+                <a:moveTo>
+                  <a:pt x="0" y="1976924"/>
+                </a:moveTo>
+                <a:lnTo>
+                  <a:pt x="1976924" y="0"/>
+                </a:lnTo>
+                <a:lnTo>
+                  <a:pt x="6972591" y="0"/>
+                </a:lnTo>
+                <a:lnTo>
+                  <a:pt x="6972590" y="4703010"/>
+                </a:lnTo>
+                <a:lnTo>
+                  <a:pt x="4849338" y="6826263"/>
+                </a:lnTo>
+                <a:close/>
+              </a:path>
+            </a:pathLst>
+          </a:custGeom>
+          <a:solidFill>
+            <a:schemeClr val="accent1">
+              <a:alpha val="30000"/>
+            </a:schemeClr>
+          </a:solidFill>
+          <a:ln>
+            <a:noFill/>
+          </a:ln>
+        </p:spPr>
+        <p:style>
+          <a:lnRef idx="2">
+            <a:schemeClr val="accent1">
+              <a:shade val="50000"/>
+            </a:schemeClr>
+          </a:lnRef>
+          <a:fillRef idx="1">
+            <a:schemeClr val="accent1"/>
+          </a:fillRef>
+          <a:effectRef idx="0">
+            <a:schemeClr val="accent1"/>
+          </a:effectRef>
+          <a:fontRef idx="minor">
+            <a:schemeClr val="lt1"/>
+          </a:fontRef>
+        </p:style>
+        <p:txBody>
+          <a:bodyPr wrap="square" rtlCol="0" anchor="ctr">
+            <a:noAutofit/>
+          </a:bodyPr>
+          <a:lstStyle/>
+          <a:p>
+            <a:pPr algn="ctr"/>
+            <a:endParaRPr lang="en-US"/>
+          </a:p>
+        </p:txBody>
+      </p:sp>
+      <p:sp>
+        <p:nvSpPr>
+          <p:cNvPr id="14" name="Rectangle 13">
+            <a:extLst>
+              <a:ext uri="{FF2B5EF4-FFF2-40B4-BE49-F238E27FC236}">
+                <a16:creationId xmlns:a16="http://schemas.microsoft.com/office/drawing/2014/main" id="{BC01FF70-2FFE-4A99-9E3F-9699B085CA53}"/>
+              </a:ext>
+              <a:ext uri="{C183D7F6-B498-43B3-948B-1728B52AA6E4}">
+                <adec:decorative xmlns:adec="http://schemas.microsoft.com/office/drawing/2017/decorative" val="1"/>
+              </a:ext>
+            </a:extLst>
+          </p:cNvPr>
+          <p:cNvSpPr>
+            <a:spLocks noGrp="1" noRot="1" noChangeAspect="1" noMove="1" noResize="1" noEditPoints="1" noAdjustHandles="1" noChangeArrowheads="1" noChangeShapeType="1" noTextEdit="1"/>
+          </p:cNvSpPr>
+          <p:nvPr>
+            <p:extLst>
+              <p:ext uri="{386F3935-93C4-4BCD-93E2-E3B085C9AB24}">
+                <p16:designElem xmlns:p16="http://schemas.microsoft.com/office/powerpoint/2015/main" val="1"/>
+              </p:ext>
+            </p:extLst>
+          </p:nvPr>
+        </p:nvSpPr>
+        <p:spPr>
+          <a:xfrm rot="2700000">
+            <a:off x="1839100" y="1809291"/>
+            <a:ext cx="3790670" cy="4214576"/>
+          </a:xfrm>
+          <a:prstGeom prst="rect">
+            <a:avLst/>
+          </a:prstGeom>
+          <a:solidFill>
+            <a:schemeClr val="accent4">
+              <a:alpha val="30000"/>
+            </a:schemeClr>
+          </a:solidFill>
+          <a:ln>
+            <a:noFill/>
+          </a:ln>
+        </p:spPr>
+        <p:style>
+          <a:lnRef idx="2">
+            <a:schemeClr val="accent1">
+              <a:shade val="50000"/>
+            </a:schemeClr>
+          </a:lnRef>
+          <a:fillRef idx="1">
+            <a:schemeClr val="accent1"/>
+          </a:fillRef>
+          <a:effectRef idx="0">
+            <a:schemeClr val="accent1"/>
+          </a:effectRef>
+          <a:fontRef idx="minor">
+            <a:schemeClr val="lt1"/>
+          </a:fontRef>
+        </p:style>
+        <p:txBody>
+          <a:bodyPr rtlCol="0" anchor="ctr"/>
+          <a:lstStyle/>
+          <a:p>
+            <a:pPr algn="ctr"/>
+            <a:endParaRPr lang="en-US"/>
+          </a:p>
+        </p:txBody>
+      </p:sp>
+      <p:sp>
+        <p:nvSpPr>
+          <p:cNvPr id="16" name="Rectangle 15">
+            <a:extLst>
+              <a:ext uri="{FF2B5EF4-FFF2-40B4-BE49-F238E27FC236}">
+                <a16:creationId xmlns:a16="http://schemas.microsoft.com/office/drawing/2014/main" id="{6FA8D7CA-01D6-49EC-955B-6E51F6FB64D2}"/>
+              </a:ext>
+              <a:ext uri="{C183D7F6-B498-43B3-948B-1728B52AA6E4}">
+                <adec:decorative xmlns:adec="http://schemas.microsoft.com/office/drawing/2017/decorative" val="1"/>
+              </a:ext>
+            </a:extLst>
+          </p:cNvPr>
+          <p:cNvSpPr>
+            <a:spLocks noGrp="1" noRot="1" noChangeAspect="1" noMove="1" noResize="1" noEditPoints="1" noAdjustHandles="1" noChangeArrowheads="1" noChangeShapeType="1" noTextEdit="1"/>
+          </p:cNvSpPr>
+          <p:nvPr>
+            <p:extLst>
+              <p:ext uri="{386F3935-93C4-4BCD-93E2-E3B085C9AB24}">
+                <p16:designElem xmlns:p16="http://schemas.microsoft.com/office/powerpoint/2015/main" val="1"/>
+              </p:ext>
+            </p:extLst>
+          </p:nvPr>
+        </p:nvSpPr>
+        <p:spPr>
+          <a:xfrm rot="2700000">
+            <a:off x="1138684" y="1316432"/>
+            <a:ext cx="4225136" cy="4225134"/>
+          </a:xfrm>
+          <a:prstGeom prst="rect">
+            <a:avLst/>
+          </a:prstGeom>
+          <a:solidFill>
+            <a:srgbClr val="FFFFFF"/>
+          </a:solidFill>
+          <a:ln>
+            <a:noFill/>
+          </a:ln>
+        </p:spPr>
+        <p:style>
+          <a:lnRef idx="2">
+            <a:schemeClr val="accent1">
+              <a:shade val="50000"/>
+            </a:schemeClr>
+          </a:lnRef>
+          <a:fillRef idx="1">
+            <a:schemeClr val="accent1"/>
+          </a:fillRef>
+          <a:effectRef idx="0">
+            <a:schemeClr val="accent1"/>
+          </a:effectRef>
+          <a:fontRef idx="minor">
+            <a:schemeClr val="lt1"/>
+          </a:fontRef>
+        </p:style>
+        <p:txBody>
+          <a:bodyPr rtlCol="0" anchor="ctr"/>
+          <a:lstStyle/>
+          <a:p>
+            <a:pPr algn="ctr"/>
+            <a:endParaRPr lang="en-US" sz="1600"/>
+          </a:p>
+        </p:txBody>
+      </p:sp>
+      <p:sp>
+        <p:nvSpPr>
+          <p:cNvPr id="18" name="Freeform: Shape 17">
+            <a:extLst>
+              <a:ext uri="{FF2B5EF4-FFF2-40B4-BE49-F238E27FC236}">
+                <a16:creationId xmlns:a16="http://schemas.microsoft.com/office/drawing/2014/main" id="{ADAA6A52-6F71-45C6-A3A3-8F41040919BD}"/>
+              </a:ext>
+              <a:ext uri="{C183D7F6-B498-43B3-948B-1728B52AA6E4}">
+                <adec:decorative xmlns:adec="http://schemas.microsoft.com/office/drawing/2017/decorative" val="1"/>
+              </a:ext>
+            </a:extLst>
+          </p:cNvPr>
+          <p:cNvSpPr>
+            <a:spLocks noGrp="1" noRot="1" noChangeAspect="1" noMove="1" noResize="1" noEditPoints="1" noAdjustHandles="1" noChangeArrowheads="1" noChangeShapeType="1" noTextEdit="1"/>
+          </p:cNvSpPr>
+          <p:nvPr>
+            <p:extLst>
+              <p:ext uri="{386F3935-93C4-4BCD-93E2-E3B085C9AB24}">
+                <p16:designElem xmlns:p16="http://schemas.microsoft.com/office/powerpoint/2015/main" val="1"/>
+              </p:ext>
+            </p:extLst>
+          </p:nvPr>
+        </p:nvSpPr>
+        <p:spPr>
+          <a:xfrm rot="2700000">
+            <a:off x="563919" y="753376"/>
+            <a:ext cx="5353835" cy="5353835"/>
+          </a:xfrm>
+          <a:custGeom>
+            <a:avLst/>
+            <a:gdLst>
+              <a:gd name="connsiteX0" fmla="*/ 690506 w 5353835"/>
+              <a:gd name="connsiteY0" fmla="*/ 5273742 h 5353835"/>
+              <a:gd name="connsiteX1" fmla="*/ 4927602 w 5353835"/>
+              <a:gd name="connsiteY1" fmla="*/ 5273742 h 5353835"/>
+              <a:gd name="connsiteX2" fmla="*/ 4847509 w 5353835"/>
+              <a:gd name="connsiteY2" fmla="*/ 5353835 h 5353835"/>
+              <a:gd name="connsiteX3" fmla="*/ 770599 w 5353835"/>
+              <a:gd name="connsiteY3" fmla="*/ 5353835 h 5353835"/>
+              <a:gd name="connsiteX4" fmla="*/ 422575 w 5353835"/>
+              <a:gd name="connsiteY4" fmla="*/ 80093 h 5353835"/>
+              <a:gd name="connsiteX5" fmla="*/ 502668 w 5353835"/>
+              <a:gd name="connsiteY5" fmla="*/ 0 h 5353835"/>
+              <a:gd name="connsiteX6" fmla="*/ 5353835 w 5353835"/>
+              <a:gd name="connsiteY6" fmla="*/ 0 h 5353835"/>
+              <a:gd name="connsiteX7" fmla="*/ 5353835 w 5353835"/>
+              <a:gd name="connsiteY7" fmla="*/ 4847509 h 5353835"/>
+              <a:gd name="connsiteX8" fmla="*/ 5273742 w 5353835"/>
+              <a:gd name="connsiteY8" fmla="*/ 4927602 h 5353835"/>
+              <a:gd name="connsiteX9" fmla="*/ 5273742 w 5353835"/>
+              <a:gd name="connsiteY9" fmla="*/ 80093 h 5353835"/>
+              <a:gd name="connsiteX10" fmla="*/ 0 w 5353835"/>
+              <a:gd name="connsiteY10" fmla="*/ 502667 h 5353835"/>
+              <a:gd name="connsiteX11" fmla="*/ 80093 w 5353835"/>
+              <a:gd name="connsiteY11" fmla="*/ 422574 h 5353835"/>
+              <a:gd name="connsiteX12" fmla="*/ 80093 w 5353835"/>
+              <a:gd name="connsiteY12" fmla="*/ 4663329 h 5353835"/>
+              <a:gd name="connsiteX13" fmla="*/ 0 w 5353835"/>
+              <a:gd name="connsiteY13" fmla="*/ 4583236 h 5353835"/>
+            </a:gdLst>
+            <a:ahLst/>
+            <a:cxnLst>
+              <a:cxn ang="0">
+                <a:pos x="connsiteX0" y="connsiteY0"/>
+              </a:cxn>
+              <a:cxn ang="0">
+                <a:pos x="connsiteX1" y="connsiteY1"/>
+              </a:cxn>
+              <a:cxn ang="0">
+                <a:pos x="connsiteX2" y="connsiteY2"/>
+              </a:cxn>
+              <a:cxn ang="0">
+                <a:pos x="connsiteX3" y="connsiteY3"/>
+              </a:cxn>
+              <a:cxn ang="0">
+                <a:pos x="connsiteX4" y="connsiteY4"/>
+              </a:cxn>
+              <a:cxn ang="0">
+                <a:pos x="connsiteX5" y="connsiteY5"/>
+              </a:cxn>
+              <a:cxn ang="0">
+                <a:pos x="connsiteX6" y="connsiteY6"/>
+              </a:cxn>
+              <a:cxn ang="0">
+                <a:pos x="connsiteX7" y="connsiteY7"/>
+              </a:cxn>
+              <a:cxn ang="0">
+                <a:pos x="connsiteX8" y="connsiteY8"/>
+              </a:cxn>
+              <a:cxn ang="0">
+                <a:pos x="connsiteX9" y="connsiteY9"/>
+              </a:cxn>
+              <a:cxn ang="0">
+                <a:pos x="connsiteX10" y="connsiteY10"/>
+              </a:cxn>
+              <a:cxn ang="0">
+                <a:pos x="connsiteX11" y="connsiteY11"/>
+              </a:cxn>
+              <a:cxn ang="0">
+                <a:pos x="connsiteX12" y="connsiteY12"/>
+              </a:cxn>
+              <a:cxn ang="0">
+                <a:pos x="connsiteX13" y="connsiteY13"/>
+              </a:cxn>
+            </a:cxnLst>
+            <a:rect l="l" t="t" r="r" b="b"/>
+            <a:pathLst>
+              <a:path w="5353835" h="5353835">
+                <a:moveTo>
+                  <a:pt x="690506" y="5273742"/>
+                </a:moveTo>
+                <a:lnTo>
+                  <a:pt x="4927602" y="5273742"/>
+                </a:lnTo>
+                <a:lnTo>
+                  <a:pt x="4847509" y="5353835"/>
+                </a:lnTo>
+                <a:lnTo>
+                  <a:pt x="770599" y="5353835"/>
+                </a:lnTo>
+                <a:close/>
+                <a:moveTo>
+                  <a:pt x="422575" y="80093"/>
+                </a:moveTo>
+                <a:lnTo>
+                  <a:pt x="502668" y="0"/>
+                </a:lnTo>
+                <a:lnTo>
+                  <a:pt x="5353835" y="0"/>
+                </a:lnTo>
+                <a:lnTo>
+                  <a:pt x="5353835" y="4847509"/>
+                </a:lnTo>
+                <a:lnTo>
+                  <a:pt x="5273742" y="4927602"/>
+                </a:lnTo>
+                <a:lnTo>
+                  <a:pt x="5273742" y="80093"/>
+                </a:lnTo>
+                <a:close/>
+                <a:moveTo>
+                  <a:pt x="0" y="502667"/>
+                </a:moveTo>
+                <a:lnTo>
+                  <a:pt x="80093" y="422574"/>
+                </a:lnTo>
+                <a:lnTo>
+                  <a:pt x="80093" y="4663329"/>
+                </a:lnTo>
+                <a:lnTo>
+                  <a:pt x="0" y="4583236"/>
+                </a:lnTo>
+                <a:close/>
+              </a:path>
+            </a:pathLst>
+          </a:custGeom>
+          <a:solidFill>
+            <a:srgbClr val="FFFFFF">
+              <a:alpha val="60000"/>
+            </a:srgbClr>
+          </a:solidFill>
+          <a:ln>
+            <a:noFill/>
+          </a:ln>
+        </p:spPr>
+        <p:style>
+          <a:lnRef idx="2">
+            <a:schemeClr val="accent1">
+              <a:shade val="50000"/>
+            </a:schemeClr>
+          </a:lnRef>
+          <a:fillRef idx="1">
+            <a:schemeClr val="accent1"/>
+          </a:fillRef>
+          <a:effectRef idx="0">
+            <a:schemeClr val="accent1"/>
+          </a:effectRef>
+          <a:fontRef idx="minor">
+            <a:schemeClr val="lt1"/>
+          </a:fontRef>
+        </p:style>
+        <p:txBody>
+          <a:bodyPr wrap="square" rtlCol="0" anchor="ctr">
+            <a:noAutofit/>
+          </a:bodyPr>
+          <a:lstStyle/>
+          <a:p>
+            <a:pPr algn="ctr"/>
+            <a:endParaRPr lang="en-US">
+              <a:solidFill>
+                <a:schemeClr val="tx1"/>
+              </a:solidFill>
+            </a:endParaRPr>
+          </a:p>
+        </p:txBody>
+      </p:sp>
+      <p:sp>
+        <p:nvSpPr>
+          <p:cNvPr id="2" name="Title 1">
+            <a:extLst>
+              <a:ext uri="{FF2B5EF4-FFF2-40B4-BE49-F238E27FC236}">
+                <a16:creationId xmlns:a16="http://schemas.microsoft.com/office/drawing/2014/main" id="{4E6081C5-C221-EB7B-6A5C-E41EC38F190A}"/>
+              </a:ext>
+            </a:extLst>
+          </p:cNvPr>
+          <p:cNvSpPr>
+            <a:spLocks noGrp="1"/>
+          </p:cNvSpPr>
+          <p:nvPr>
+            <p:ph type="ctrTitle"/>
+          </p:nvPr>
+        </p:nvSpPr>
+        <p:spPr>
+          <a:xfrm>
+            <a:off x="1116701" y="2452526"/>
+            <a:ext cx="4248318" cy="1952947"/>
+          </a:xfrm>
+          <a:noFill/>
+        </p:spPr>
+        <p:txBody>
+          <a:bodyPr anchor="ctr">
+            <a:normAutofit/>
+          </a:bodyPr>
+          <a:lstStyle/>
+          <a:p>
+            <a:r>
+              <a:rPr lang="en-US" sz="4000" b="1" dirty="0">
+                <a:solidFill>
+                  <a:srgbClr val="080808"/>
+                </a:solidFill>
+                <a:latin typeface="Calibri Light" panose="020F0302020204030204" pitchFamily="34" charset="0"/>
+                <a:cs typeface="Calibri Light" panose="020F0302020204030204" pitchFamily="34" charset="0"/>
+              </a:rPr>
+              <a:t>Predictive Modeling</a:t>
+            </a:r>
+            <a:endParaRPr lang="hi-IN" sz="4000" b="1" dirty="0">
+              <a:solidFill>
+                <a:srgbClr val="080808"/>
+              </a:solidFill>
+              <a:latin typeface="Calibri Light" panose="020F0302020204030204" pitchFamily="34" charset="0"/>
+            </a:endParaRPr>
+          </a:p>
+        </p:txBody>
+      </p:sp>
+      <p:sp>
+        <p:nvSpPr>
+          <p:cNvPr id="20" name="Isosceles Triangle 19">
+            <a:extLst>
+              <a:ext uri="{FF2B5EF4-FFF2-40B4-BE49-F238E27FC236}">
+                <a16:creationId xmlns:a16="http://schemas.microsoft.com/office/drawing/2014/main" id="{DBD14339-4332-4769-B35F-FDA39761E85A}"/>
+              </a:ext>
+              <a:ext uri="{C183D7F6-B498-43B3-948B-1728B52AA6E4}">
+                <adec:decorative xmlns:adec="http://schemas.microsoft.com/office/drawing/2017/decorative" val="1"/>
+              </a:ext>
+            </a:extLst>
+          </p:cNvPr>
+          <p:cNvSpPr>
+            <a:spLocks noGrp="1" noRot="1" noChangeAspect="1" noMove="1" noResize="1" noEditPoints="1" noAdjustHandles="1" noChangeArrowheads="1" noChangeShapeType="1" noTextEdit="1"/>
+          </p:cNvSpPr>
+          <p:nvPr>
+            <p:extLst>
+              <p:ext uri="{386F3935-93C4-4BCD-93E2-E3B085C9AB24}">
+                <p16:designElem xmlns:p16="http://schemas.microsoft.com/office/powerpoint/2015/main" val="1"/>
+              </p:ext>
+            </p:extLst>
+          </p:nvPr>
+        </p:nvSpPr>
+        <p:spPr>
+          <a:xfrm rot="10800000">
+            <a:off x="4298702" y="-1"/>
+            <a:ext cx="2158854" cy="1079427"/>
+          </a:xfrm>
+          <a:prstGeom prst="triangle">
+            <a:avLst/>
+          </a:prstGeom>
+          <a:solidFill>
+            <a:schemeClr val="accent1">
+              <a:alpha val="30000"/>
+            </a:schemeClr>
+          </a:solidFill>
+          <a:ln>
+            <a:noFill/>
+          </a:ln>
+        </p:spPr>
+        <p:style>
+          <a:lnRef idx="2">
+            <a:schemeClr val="accent1">
+              <a:shade val="50000"/>
+            </a:schemeClr>
+          </a:lnRef>
+          <a:fillRef idx="1">
+            <a:schemeClr val="accent1"/>
+          </a:fillRef>
+          <a:effectRef idx="0">
+            <a:schemeClr val="accent1"/>
+          </a:effectRef>
+          <a:fontRef idx="minor">
+            <a:schemeClr val="lt1"/>
+          </a:fontRef>
+        </p:style>
+        <p:txBody>
+          <a:bodyPr wrap="square" rtlCol="0" anchor="ctr">
+            <a:noAutofit/>
+          </a:bodyPr>
+          <a:lstStyle/>
+          <a:p>
+            <a:pPr algn="ctr"/>
+            <a:endParaRPr lang="en-US"/>
+          </a:p>
+        </p:txBody>
+      </p:sp>
+      <p:sp>
+        <p:nvSpPr>
+          <p:cNvPr id="22" name="Rectangle 21">
+            <a:extLst>
+              <a:ext uri="{FF2B5EF4-FFF2-40B4-BE49-F238E27FC236}">
+                <a16:creationId xmlns:a16="http://schemas.microsoft.com/office/drawing/2014/main" id="{24D2F742-54E7-4C62-98C5-F8990E2A017F}"/>
+              </a:ext>
+              <a:ext uri="{C183D7F6-B498-43B3-948B-1728B52AA6E4}">
+                <adec:decorative xmlns:adec="http://schemas.microsoft.com/office/drawing/2017/decorative" val="1"/>
+              </a:ext>
+            </a:extLst>
+          </p:cNvPr>
+          <p:cNvSpPr>
+            <a:spLocks noGrp="1" noRot="1" noChangeAspect="1" noMove="1" noResize="1" noEditPoints="1" noAdjustHandles="1" noChangeArrowheads="1" noChangeShapeType="1" noTextEdit="1"/>
+          </p:cNvSpPr>
+          <p:nvPr>
+            <p:extLst>
+              <p:ext uri="{386F3935-93C4-4BCD-93E2-E3B085C9AB24}">
+                <p16:designElem xmlns:p16="http://schemas.microsoft.com/office/powerpoint/2015/main" val="1"/>
+              </p:ext>
+            </p:extLst>
+          </p:nvPr>
+        </p:nvSpPr>
+        <p:spPr>
+          <a:xfrm rot="2700000">
+            <a:off x="8869144" y="523673"/>
+            <a:ext cx="1827638" cy="1827638"/>
+          </a:xfrm>
+          <a:prstGeom prst="rect">
+            <a:avLst/>
+          </a:prstGeom>
+          <a:solidFill>
+            <a:schemeClr val="accent4">
+              <a:alpha val="30000"/>
+            </a:schemeClr>
+          </a:solidFill>
+          <a:ln>
+            <a:noFill/>
+          </a:ln>
+        </p:spPr>
+        <p:style>
+          <a:lnRef idx="2">
+            <a:schemeClr val="accent1">
+              <a:shade val="50000"/>
+            </a:schemeClr>
+          </a:lnRef>
+          <a:fillRef idx="1">
+            <a:schemeClr val="accent1"/>
+          </a:fillRef>
+          <a:effectRef idx="0">
+            <a:schemeClr val="accent1"/>
+          </a:effectRef>
+          <a:fontRef idx="minor">
+            <a:schemeClr val="lt1"/>
+          </a:fontRef>
+        </p:style>
+        <p:txBody>
+          <a:bodyPr rtlCol="0" anchor="ctr"/>
+          <a:lstStyle/>
+          <a:p>
+            <a:pPr algn="ctr"/>
+            <a:endParaRPr lang="en-US" dirty="0"/>
+          </a:p>
+        </p:txBody>
+      </p:sp>
+      <p:sp>
+        <p:nvSpPr>
+          <p:cNvPr id="24" name="Rectangle 23">
+            <a:extLst>
+              <a:ext uri="{FF2B5EF4-FFF2-40B4-BE49-F238E27FC236}">
+                <a16:creationId xmlns:a16="http://schemas.microsoft.com/office/drawing/2014/main" id="{A176DD56-124E-424A-869A-5281743F2D46}"/>
+              </a:ext>
+              <a:ext uri="{C183D7F6-B498-43B3-948B-1728B52AA6E4}">
+                <adec:decorative xmlns:adec="http://schemas.microsoft.com/office/drawing/2017/decorative" val="1"/>
+              </a:ext>
+            </a:extLst>
+          </p:cNvPr>
+          <p:cNvSpPr>
+            <a:spLocks noGrp="1" noRot="1" noChangeAspect="1" noMove="1" noResize="1" noEditPoints="1" noAdjustHandles="1" noChangeArrowheads="1" noChangeShapeType="1" noTextEdit="1"/>
+          </p:cNvSpPr>
+          <p:nvPr>
+            <p:extLst>
+              <p:ext uri="{386F3935-93C4-4BCD-93E2-E3B085C9AB24}">
+                <p16:designElem xmlns:p16="http://schemas.microsoft.com/office/powerpoint/2015/main" val="1"/>
+              </p:ext>
+            </p:extLst>
+          </p:nvPr>
+        </p:nvSpPr>
+        <p:spPr>
+          <a:xfrm rot="2700000">
+            <a:off x="8624288" y="1584143"/>
+            <a:ext cx="645368" cy="645368"/>
+          </a:xfrm>
+          <a:prstGeom prst="rect">
+            <a:avLst/>
+          </a:prstGeom>
+          <a:solidFill>
+            <a:schemeClr val="accent4">
+              <a:alpha val="30000"/>
+            </a:schemeClr>
+          </a:solidFill>
+          <a:ln>
+            <a:noFill/>
+          </a:ln>
+        </p:spPr>
+        <p:style>
+          <a:lnRef idx="2">
+            <a:schemeClr val="accent1">
+              <a:shade val="50000"/>
+            </a:schemeClr>
+          </a:lnRef>
+          <a:fillRef idx="1">
+            <a:schemeClr val="accent1"/>
+          </a:fillRef>
+          <a:effectRef idx="0">
+            <a:schemeClr val="accent1"/>
+          </a:effectRef>
+          <a:fontRef idx="minor">
+            <a:schemeClr val="lt1"/>
+          </a:fontRef>
+        </p:style>
+        <p:txBody>
+          <a:bodyPr rtlCol="0" anchor="ctr"/>
+          <a:lstStyle/>
+          <a:p>
+            <a:pPr algn="ctr"/>
+            <a:endParaRPr lang="en-US"/>
+          </a:p>
+        </p:txBody>
+      </p:sp>
+      <p:sp>
+        <p:nvSpPr>
+          <p:cNvPr id="26" name="Freeform: Shape 25">
+            <a:extLst>
+              <a:ext uri="{FF2B5EF4-FFF2-40B4-BE49-F238E27FC236}">
+                <a16:creationId xmlns:a16="http://schemas.microsoft.com/office/drawing/2014/main" id="{2401BDF6-9398-44DA-B3E3-5E3E9D80ADE7}"/>
+              </a:ext>
+              <a:ext uri="{C183D7F6-B498-43B3-948B-1728B52AA6E4}">
+                <adec:decorative xmlns:adec="http://schemas.microsoft.com/office/drawing/2017/decorative" val="1"/>
+              </a:ext>
+            </a:extLst>
+          </p:cNvPr>
+          <p:cNvSpPr>
+            <a:spLocks noGrp="1" noRot="1" noChangeAspect="1" noMove="1" noResize="1" noEditPoints="1" noAdjustHandles="1" noChangeArrowheads="1" noChangeShapeType="1" noTextEdit="1"/>
+          </p:cNvSpPr>
+          <p:nvPr>
+            <p:extLst>
+              <p:ext uri="{386F3935-93C4-4BCD-93E2-E3B085C9AB24}">
+                <p16:designElem xmlns:p16="http://schemas.microsoft.com/office/powerpoint/2015/main" val="1"/>
+              </p:ext>
+            </p:extLst>
+          </p:nvPr>
+        </p:nvSpPr>
+        <p:spPr>
+          <a:xfrm rot="2700000">
+            <a:off x="10934212" y="4355671"/>
+            <a:ext cx="1981336" cy="2736866"/>
+          </a:xfrm>
+          <a:custGeom>
+            <a:avLst/>
+            <a:gdLst>
+              <a:gd name="connsiteX0" fmla="*/ 0 w 1981336"/>
+              <a:gd name="connsiteY0" fmla="*/ 0 h 2736866"/>
+              <a:gd name="connsiteX1" fmla="*/ 1981336 w 1981336"/>
+              <a:gd name="connsiteY1" fmla="*/ 1981336 h 2736866"/>
+              <a:gd name="connsiteX2" fmla="*/ 1225806 w 1981336"/>
+              <a:gd name="connsiteY2" fmla="*/ 2736866 h 2736866"/>
+              <a:gd name="connsiteX3" fmla="*/ 0 w 1981336"/>
+              <a:gd name="connsiteY3" fmla="*/ 2736866 h 2736866"/>
+            </a:gdLst>
+            <a:ahLst/>
+            <a:cxnLst>
+              <a:cxn ang="0">
+                <a:pos x="connsiteX0" y="connsiteY0"/>
+              </a:cxn>
+              <a:cxn ang="0">
+                <a:pos x="connsiteX1" y="connsiteY1"/>
+              </a:cxn>
+              <a:cxn ang="0">
+                <a:pos x="connsiteX2" y="connsiteY2"/>
+              </a:cxn>
+              <a:cxn ang="0">
+                <a:pos x="connsiteX3" y="connsiteY3"/>
+              </a:cxn>
+            </a:cxnLst>
+            <a:rect l="l" t="t" r="r" b="b"/>
+            <a:pathLst>
+              <a:path w="1981336" h="2736866">
+                <a:moveTo>
+                  <a:pt x="0" y="0"/>
+                </a:moveTo>
+                <a:lnTo>
+                  <a:pt x="1981336" y="1981336"/>
+                </a:lnTo>
+                <a:lnTo>
+                  <a:pt x="1225806" y="2736866"/>
+                </a:lnTo>
+                <a:lnTo>
+                  <a:pt x="0" y="2736866"/>
+                </a:lnTo>
+                <a:close/>
+              </a:path>
+            </a:pathLst>
+          </a:custGeom>
+          <a:solidFill>
+            <a:schemeClr val="accent1">
+              <a:alpha val="30000"/>
+            </a:schemeClr>
+          </a:solidFill>
+          <a:ln>
+            <a:noFill/>
+          </a:ln>
+        </p:spPr>
+        <p:style>
+          <a:lnRef idx="2">
+            <a:schemeClr val="accent1">
+              <a:shade val="50000"/>
+            </a:schemeClr>
+          </a:lnRef>
+          <a:fillRef idx="1">
+            <a:schemeClr val="accent1"/>
+          </a:fillRef>
+          <a:effectRef idx="0">
+            <a:schemeClr val="accent1"/>
+          </a:effectRef>
+          <a:fontRef idx="minor">
+            <a:schemeClr val="lt1"/>
+          </a:fontRef>
+        </p:style>
+        <p:txBody>
+          <a:bodyPr wrap="square" rtlCol="0" anchor="ctr">
+            <a:noAutofit/>
+          </a:bodyPr>
+          <a:lstStyle/>
+          <a:p>
+            <a:pPr algn="ctr"/>
+            <a:endParaRPr lang="en-US"/>
+          </a:p>
+        </p:txBody>
+      </p:sp>
+      <p:sp>
+        <p:nvSpPr>
+          <p:cNvPr id="28" name="Isosceles Triangle 27">
+            <a:extLst>
+              <a:ext uri="{FF2B5EF4-FFF2-40B4-BE49-F238E27FC236}">
+                <a16:creationId xmlns:a16="http://schemas.microsoft.com/office/drawing/2014/main" id="{90BDA9F5-1E5C-404B-9A6C-5D5C8E0D124E}"/>
+              </a:ext>
+              <a:ext uri="{C183D7F6-B498-43B3-948B-1728B52AA6E4}">
+                <adec:decorative xmlns:adec="http://schemas.microsoft.com/office/drawing/2017/decorative" val="1"/>
+              </a:ext>
+            </a:extLst>
+          </p:cNvPr>
+          <p:cNvSpPr>
+            <a:spLocks noGrp="1" noRot="1" noChangeAspect="1" noMove="1" noResize="1" noEditPoints="1" noAdjustHandles="1" noChangeArrowheads="1" noChangeShapeType="1" noTextEdit="1"/>
+          </p:cNvSpPr>
+          <p:nvPr>
+            <p:extLst>
+              <p:ext uri="{386F3935-93C4-4BCD-93E2-E3B085C9AB24}">
+                <p16:designElem xmlns:p16="http://schemas.microsoft.com/office/powerpoint/2015/main" val="1"/>
+              </p:ext>
+            </p:extLst>
+          </p:nvPr>
+        </p:nvSpPr>
+        <p:spPr>
+          <a:xfrm>
+            <a:off x="5775436" y="3687690"/>
+            <a:ext cx="6325510" cy="3170309"/>
+          </a:xfrm>
+          <a:prstGeom prst="triangle">
+            <a:avLst/>
+          </a:prstGeom>
+          <a:solidFill>
+            <a:schemeClr val="accent1">
+              <a:alpha val="30000"/>
+            </a:schemeClr>
+          </a:solidFill>
+          <a:ln>
+            <a:noFill/>
+          </a:ln>
+        </p:spPr>
+        <p:style>
+          <a:lnRef idx="2">
+            <a:schemeClr val="accent1">
+              <a:shade val="50000"/>
+            </a:schemeClr>
+          </a:lnRef>
+          <a:fillRef idx="1">
+            <a:schemeClr val="accent1"/>
+          </a:fillRef>
+          <a:effectRef idx="0">
+            <a:schemeClr val="accent1"/>
+          </a:effectRef>
+          <a:fontRef idx="minor">
+            <a:schemeClr val="lt1"/>
+          </a:fontRef>
+        </p:style>
+        <p:txBody>
+          <a:bodyPr wrap="square" rtlCol="0" anchor="ctr">
+            <a:noAutofit/>
+          </a:bodyPr>
+          <a:lstStyle/>
+          <a:p>
+            <a:pPr algn="ctr"/>
+            <a:endParaRPr lang="en-US"/>
+          </a:p>
+        </p:txBody>
+      </p:sp>
+    </p:spTree>
+    <p:extLst>
+      <p:ext uri="{BB962C8B-B14F-4D97-AF65-F5344CB8AC3E}">
+        <p14:creationId xmlns:p14="http://schemas.microsoft.com/office/powerpoint/2010/main" val="665999609"/>
+      </p:ext>
+    </p:extLst>
+  </p:cSld>
+  <p:clrMapOvr>
+    <a:masterClrMapping/>
+  </p:clrMapOvr>
+  <p:timing>
+    <p:tnLst>
+      <p:par>
+        <p:cTn id="1" dur="indefinite" restart="never" nodeType="tmRoot">
+          <p:childTnLst>
+            <p:seq concurrent="1" nextAc="seek">
+              <p:cTn id="2" dur="indefinite" nodeType="mainSeq">
+                <p:childTnLst>
+                  <p:par>
+                    <p:cTn id="3" fill="hold">
+                      <p:stCondLst>
+                        <p:cond delay="indefinite"/>
+                        <p:cond evt="onBegin" delay="0">
+                          <p:tn val="2"/>
+                        </p:cond>
+                      </p:stCondLst>
+                      <p:childTnLst>
+                        <p:par>
+                          <p:cTn id="4" fill="hold">
+                            <p:stCondLst>
+                              <p:cond delay="0"/>
+                            </p:stCondLst>
+                            <p:childTnLst>
+                              <p:par>
+                                <p:cTn id="5" presetID="10" presetClass="entr" presetSubtype="0" fill="hold" grpId="0" nodeType="withEffect">
+                                  <p:stCondLst>
+                                    <p:cond delay="500"/>
+                                  </p:stCondLst>
+                                  <p:iterate type="lt">
+                                    <p:tmPct val="10000"/>
+                                  </p:iterate>
+                                  <p:childTnLst>
+                                    <p:set>
+                                      <p:cBhvr>
+                                        <p:cTn id="6" dur="1" fill="hold">
+                                          <p:stCondLst>
+                                            <p:cond delay="0"/>
+                                          </p:stCondLst>
+                                        </p:cTn>
+                                        <p:tgtEl>
+                                          <p:spTgt spid="2"/>
+                                        </p:tgtEl>
+                                        <p:attrNameLst>
+                                          <p:attrName>style.visibility</p:attrName>
+                                        </p:attrNameLst>
+                                      </p:cBhvr>
+                                      <p:to>
+                                        <p:strVal val="visible"/>
+                                      </p:to>
+                                    </p:set>
+                                    <p:animEffect transition="in" filter="fade">
+                                      <p:cBhvr>
+                                        <p:cTn id="7" dur="400"/>
+                                        <p:tgtEl>
+                                          <p:spTgt spid="2"/>
+                                        </p:tgtEl>
+                                      </p:cBhvr>
+                                    </p:animEffect>
+                                  </p:childTnLst>
+                                </p:cTn>
+                              </p:par>
+                            </p:childTnLst>
+                          </p:cTn>
+                        </p:par>
+                      </p:childTnLst>
+                    </p:cTn>
+                  </p:par>
+                </p:childTnLst>
+              </p:cTn>
+              <p:prevCondLst>
+                <p:cond evt="onPrev" delay="0">
+                  <p:tgtEl>
+                    <p:sldTgt/>
+                  </p:tgtEl>
+                </p:cond>
+              </p:prevCondLst>
+              <p:nextCondLst>
+                <p:cond evt="onNext" delay="0">
+                  <p:tgtEl>
+                    <p:sldTgt/>
+                  </p:tgtEl>
+                </p:cond>
+              </p:nextCondLst>
+            </p:seq>
+          </p:childTnLst>
+        </p:cTn>
+      </p:par>
+    </p:tnLst>
+    <p:bldLst>
+      <p:bldP spid="2" grpId="0"/>
+    </p:bldLst>
+  </p:timing>
+</p:sld>
+</file>
+
+<file path=ppt/slides/slide11.xml><?xml version="1.0" encoding="utf-8"?>
+<p:sld xmlns:a="http://schemas.openxmlformats.org/drawingml/2006/main" xmlns:r="http://schemas.openxmlformats.org/officeDocument/2006/relationships" xmlns:p="http://schemas.openxmlformats.org/presentationml/2006/main">
+  <p:cSld>
+    <p:spTree>
+      <p:nvGrpSpPr>
+        <p:cNvPr id="1" name=""/>
+        <p:cNvGrpSpPr/>
+        <p:nvPr/>
+      </p:nvGrpSpPr>
+      <p:grpSpPr>
+        <a:xfrm>
+          <a:off x="0" y="0"/>
+          <a:ext cx="0" cy="0"/>
+          <a:chOff x="0" y="0"/>
+          <a:chExt cx="0" cy="0"/>
+        </a:xfrm>
+      </p:grpSpPr>
+      <p:sp>
+        <p:nvSpPr>
+          <p:cNvPr id="2" name="Title 1">
+            <a:extLst>
+              <a:ext uri="{FF2B5EF4-FFF2-40B4-BE49-F238E27FC236}">
+                <a16:creationId xmlns:a16="http://schemas.microsoft.com/office/drawing/2014/main" id="{CD52AA27-B80B-9A2F-A14A-B59CB473427D}"/>
+              </a:ext>
+            </a:extLst>
+          </p:cNvPr>
+          <p:cNvSpPr>
+            <a:spLocks noGrp="1"/>
+          </p:cNvSpPr>
+          <p:nvPr>
+            <p:ph type="title"/>
+          </p:nvPr>
+        </p:nvSpPr>
+        <p:spPr>
+          <a:xfrm>
+            <a:off x="838200" y="235045"/>
+            <a:ext cx="10515600" cy="719112"/>
+          </a:xfrm>
+        </p:spPr>
+        <p:txBody>
+          <a:bodyPr>
+            <a:normAutofit/>
+          </a:bodyPr>
+          <a:lstStyle/>
+          <a:p>
+            <a:r>
+              <a:rPr lang="en-IN" sz="3000" b="1" dirty="0">
+                <a:latin typeface="+mn-lt"/>
+                <a:cs typeface="Calibri Light" panose="020F0302020204030204" pitchFamily="34" charset="0"/>
+              </a:rPr>
+              <a:t>Linear Regression Model:</a:t>
+            </a:r>
+          </a:p>
+        </p:txBody>
+      </p:sp>
+      <p:sp>
+        <p:nvSpPr>
+          <p:cNvPr id="3" name="Content Placeholder 2">
+            <a:extLst>
+              <a:ext uri="{FF2B5EF4-FFF2-40B4-BE49-F238E27FC236}">
+                <a16:creationId xmlns:a16="http://schemas.microsoft.com/office/drawing/2014/main" id="{00C9AD76-31F6-C25B-A71F-6F72622045D9}"/>
+              </a:ext>
+            </a:extLst>
+          </p:cNvPr>
+          <p:cNvSpPr>
+            <a:spLocks noGrp="1"/>
+          </p:cNvSpPr>
+          <p:nvPr>
+            <p:ph idx="1"/>
+          </p:nvPr>
+        </p:nvSpPr>
+        <p:spPr>
+          <a:xfrm>
+            <a:off x="838199" y="1086678"/>
+            <a:ext cx="9987455" cy="5194852"/>
+          </a:xfrm>
+        </p:spPr>
+        <p:txBody>
+          <a:bodyPr>
+            <a:normAutofit/>
+          </a:bodyPr>
+          <a:lstStyle/>
+          <a:p>
+            <a:r>
+              <a:rPr lang="en-US" sz="1900" dirty="0">
+                <a:cs typeface="Calibri Light" panose="020F0302020204030204" pitchFamily="34" charset="0"/>
+              </a:rPr>
+              <a:t>Linear regression is a linear approach for modelling the relationship between a scalar response and one or more explanatory variables.</a:t>
+            </a:r>
+          </a:p>
+          <a:p>
+            <a:pPr marL="0" indent="0">
+              <a:buNone/>
+            </a:pPr>
+            <a:endParaRPr lang="en-US" sz="1900" b="1" dirty="0">
+              <a:cs typeface="Calibri Light" panose="020F0302020204030204" pitchFamily="34" charset="0"/>
+            </a:endParaRPr>
+          </a:p>
+          <a:p>
+            <a:pPr marL="0" indent="0">
+              <a:buNone/>
+            </a:pPr>
+            <a:r>
+              <a:rPr lang="en-US" sz="2000" b="1" dirty="0">
+                <a:cs typeface="Calibri Light" panose="020F0302020204030204" pitchFamily="34" charset="0"/>
+              </a:rPr>
+              <a:t>Mathematical Equation: </a:t>
+            </a:r>
+            <a:r>
+              <a:rPr lang="en-IN" sz="2000" b="1" i="0" dirty="0">
+                <a:effectLst/>
+                <a:cs typeface="Calibri Light" panose="020F0302020204030204" pitchFamily="34" charset="0"/>
+              </a:rPr>
+              <a:t>      </a:t>
+            </a:r>
+            <a:r>
+              <a:rPr lang="en-IN" sz="2000" i="1" dirty="0">
+                <a:effectLst/>
+                <a:cs typeface="Calibri Light" panose="020F0302020204030204" pitchFamily="34" charset="0"/>
+              </a:rPr>
+              <a:t>y =b0+b1x</a:t>
+            </a:r>
+            <a:endParaRPr lang="en-US" sz="2000" dirty="0"/>
+          </a:p>
+          <a:p>
+            <a:pPr marL="457200" lvl="1" indent="0">
+              <a:buNone/>
+            </a:pPr>
+            <a:endParaRPr lang="en-IN" sz="2000" i="0" dirty="0">
+              <a:effectLst/>
+            </a:endParaRPr>
+          </a:p>
+          <a:p>
+            <a:pPr marL="457200" lvl="1" indent="0">
+              <a:buNone/>
+            </a:pPr>
+            <a:endParaRPr lang="en-US" sz="2800" dirty="0">
+              <a:solidFill>
+                <a:schemeClr val="tx1"/>
+              </a:solidFill>
+              <a:latin typeface="+mj-lt"/>
+            </a:endParaRPr>
+          </a:p>
+          <a:p>
+            <a:pPr marL="457200" lvl="1" indent="0">
+              <a:buNone/>
+            </a:pPr>
+            <a:endParaRPr lang="en-US" sz="2800" dirty="0">
+              <a:solidFill>
+                <a:schemeClr val="tx1"/>
+              </a:solidFill>
+              <a:latin typeface="+mj-lt"/>
+            </a:endParaRPr>
+          </a:p>
+        </p:txBody>
+      </p:sp>
+      <p:pic>
+        <p:nvPicPr>
+          <p:cNvPr id="8" name="Picture 7">
+            <a:extLst>
+              <a:ext uri="{FF2B5EF4-FFF2-40B4-BE49-F238E27FC236}">
+                <a16:creationId xmlns:a16="http://schemas.microsoft.com/office/drawing/2014/main" id="{82D84A91-1815-CA7F-8E7B-DECAC506B360}"/>
+              </a:ext>
+            </a:extLst>
+          </p:cNvPr>
+          <p:cNvPicPr>
+            <a:picLocks noChangeAspect="1"/>
+          </p:cNvPicPr>
+          <p:nvPr/>
+        </p:nvPicPr>
+        <p:blipFill>
+          <a:blip r:embed="rId2"/>
+          <a:stretch>
+            <a:fillRect/>
+          </a:stretch>
+        </p:blipFill>
+        <p:spPr>
+          <a:xfrm>
+            <a:off x="657018" y="3207758"/>
+            <a:ext cx="5692016" cy="2739336"/>
+          </a:xfrm>
+          <a:prstGeom prst="rect">
+            <a:avLst/>
+          </a:prstGeom>
+        </p:spPr>
+      </p:pic>
+      <p:sp>
+        <p:nvSpPr>
+          <p:cNvPr id="4" name="TextBox 3">
+            <a:extLst>
+              <a:ext uri="{FF2B5EF4-FFF2-40B4-BE49-F238E27FC236}">
+                <a16:creationId xmlns:a16="http://schemas.microsoft.com/office/drawing/2014/main" id="{2C796A73-E7E2-0A67-B353-27C323AC5538}"/>
+              </a:ext>
+            </a:extLst>
+          </p:cNvPr>
+          <p:cNvSpPr txBox="1"/>
+          <p:nvPr/>
+        </p:nvSpPr>
+        <p:spPr>
+          <a:xfrm>
+            <a:off x="2705201" y="4817076"/>
+            <a:ext cx="2955444" cy="707886"/>
+          </a:xfrm>
+          <a:prstGeom prst="rect">
+            <a:avLst/>
+          </a:prstGeom>
+          <a:noFill/>
+        </p:spPr>
+        <p:txBody>
+          <a:bodyPr wrap="square" rtlCol="0">
+            <a:spAutoFit/>
+          </a:bodyPr>
+          <a:lstStyle/>
+          <a:p>
+            <a:r>
+              <a:rPr lang="en-US" sz="2000" b="1" i="1" dirty="0">
+                <a:solidFill>
+                  <a:srgbClr val="000000"/>
+                </a:solidFill>
+                <a:latin typeface="Calibri Light" panose="020F0302020204030204" pitchFamily="34" charset="0"/>
+                <a:cs typeface="Calibri Light" panose="020F0302020204030204" pitchFamily="34" charset="0"/>
+              </a:rPr>
+              <a:t>b0: </a:t>
+            </a:r>
+            <a:r>
+              <a:rPr lang="en-US" sz="2000" b="1" i="1" dirty="0">
+                <a:solidFill>
+                  <a:srgbClr val="000000"/>
+                </a:solidFill>
+                <a:effectLst/>
+                <a:latin typeface="Calibri Light" panose="020F0302020204030204" pitchFamily="34" charset="0"/>
+                <a:cs typeface="Calibri Light" panose="020F0302020204030204" pitchFamily="34" charset="0"/>
+              </a:rPr>
+              <a:t>Intercept of the line</a:t>
+            </a:r>
+          </a:p>
+          <a:p>
+            <a:r>
+              <a:rPr lang="en-US" sz="2000" b="1" i="1" dirty="0">
+                <a:solidFill>
+                  <a:srgbClr val="000000"/>
+                </a:solidFill>
+                <a:latin typeface="Calibri Light" panose="020F0302020204030204" pitchFamily="34" charset="0"/>
+                <a:cs typeface="Calibri Light" panose="020F0302020204030204" pitchFamily="34" charset="0"/>
+              </a:rPr>
+              <a:t>b1: Regression Coefficient</a:t>
+            </a:r>
+            <a:endParaRPr lang="hi-IN" sz="2000" b="1" dirty="0">
+              <a:latin typeface="Calibri Light" panose="020F0302020204030204" pitchFamily="34" charset="0"/>
+            </a:endParaRPr>
+          </a:p>
+        </p:txBody>
+      </p:sp>
+      <p:pic>
+        <p:nvPicPr>
+          <p:cNvPr id="14" name="Picture 13">
+            <a:extLst>
+              <a:ext uri="{FF2B5EF4-FFF2-40B4-BE49-F238E27FC236}">
+                <a16:creationId xmlns:a16="http://schemas.microsoft.com/office/drawing/2014/main" id="{C0903322-231D-92B6-2CC8-1C55ED5A4117}"/>
+              </a:ext>
+            </a:extLst>
+          </p:cNvPr>
+          <p:cNvPicPr>
+            <a:picLocks noChangeAspect="1"/>
+          </p:cNvPicPr>
+          <p:nvPr/>
+        </p:nvPicPr>
+        <p:blipFill>
+          <a:blip r:embed="rId3"/>
+          <a:stretch>
+            <a:fillRect/>
+          </a:stretch>
+        </p:blipFill>
+        <p:spPr>
+          <a:xfrm>
+            <a:off x="5831926" y="2822713"/>
+            <a:ext cx="5934075" cy="3246781"/>
+          </a:xfrm>
+          <a:prstGeom prst="rect">
+            <a:avLst/>
+          </a:prstGeom>
+        </p:spPr>
+      </p:pic>
+    </p:spTree>
+    <p:extLst>
+      <p:ext uri="{BB962C8B-B14F-4D97-AF65-F5344CB8AC3E}">
+        <p14:creationId xmlns:p14="http://schemas.microsoft.com/office/powerpoint/2010/main" val="4287874977"/>
+      </p:ext>
+    </p:extLst>
+  </p:cSld>
+  <p:clrMapOvr>
+    <a:masterClrMapping/>
+  </p:clrMapOvr>
+</p:sld>
+</file>
+
+<file path=ppt/slides/slide12.xml><?xml version="1.0" encoding="utf-8"?>
 <p:sld xmlns:a="http://schemas.openxmlformats.org/drawingml/2006/main" xmlns:r="http://schemas.openxmlformats.org/officeDocument/2006/relationships" xmlns:p="http://schemas.openxmlformats.org/presentationml/2006/main">
   <p:cSld>
     <p:spTree>
@@ -8644,14 +10195,6 @@
 <file path=ppt/slides/slide8.xml><?xml version="1.0" encoding="utf-8"?>
 <p:sld xmlns:a="http://schemas.openxmlformats.org/drawingml/2006/main" xmlns:r="http://schemas.openxmlformats.org/officeDocument/2006/relationships" xmlns:p="http://schemas.openxmlformats.org/presentationml/2006/main">
   <p:cSld>
-    <p:bg>
-      <p:bgPr>
-        <a:solidFill>
-          <a:schemeClr val="bg1"/>
-        </a:solidFill>
-        <a:effectLst/>
-      </p:bgPr>
-    </p:bg>
     <p:spTree>
       <p:nvGrpSpPr>
         <p:cNvPr id="1" name=""/>
@@ -8668,41 +10211,328 @@
       </p:grpSpPr>
       <p:sp>
         <p:nvSpPr>
-          <p:cNvPr id="8" name="Rectangle 7">
-            <a:extLst>
-              <a:ext uri="{FF2B5EF4-FFF2-40B4-BE49-F238E27FC236}">
-                <a16:creationId xmlns:a16="http://schemas.microsoft.com/office/drawing/2014/main" id="{BC14C6D5-C295-4AE7-9EBC-A7D891451558}"/>
-              </a:ext>
-              <a:ext uri="{C183D7F6-B498-43B3-948B-1728B52AA6E4}">
-                <adec:decorative xmlns:adec="http://schemas.microsoft.com/office/drawing/2017/decorative" val="1"/>
-              </a:ext>
-            </a:extLst>
-          </p:cNvPr>
-          <p:cNvSpPr>
-            <a:spLocks noGrp="1" noRot="1" noChangeAspect="1" noMove="1" noResize="1" noEditPoints="1" noAdjustHandles="1" noChangeArrowheads="1" noChangeShapeType="1" noTextEdit="1"/>
-          </p:cNvSpPr>
-          <p:nvPr>
-            <p:extLst>
-              <p:ext uri="{386F3935-93C4-4BCD-93E2-E3B085C9AB24}">
-                <p16:designElem xmlns:p16="http://schemas.microsoft.com/office/powerpoint/2015/main" val="1"/>
-              </p:ext>
-            </p:extLst>
+          <p:cNvPr id="2" name="Title 1">
+            <a:extLst>
+              <a:ext uri="{FF2B5EF4-FFF2-40B4-BE49-F238E27FC236}">
+                <a16:creationId xmlns:a16="http://schemas.microsoft.com/office/drawing/2014/main" id="{0A12CB90-911C-50C8-7212-748AD25B95FD}"/>
+              </a:ext>
+            </a:extLst>
+          </p:cNvPr>
+          <p:cNvSpPr>
+            <a:spLocks noGrp="1"/>
+          </p:cNvSpPr>
+          <p:nvPr>
+            <p:ph type="title"/>
           </p:nvPr>
         </p:nvSpPr>
         <p:spPr>
           <a:xfrm>
-            <a:off x="0" y="0"/>
-            <a:ext cx="12192000" cy="6858000"/>
+            <a:off x="838200" y="261350"/>
+            <a:ext cx="10515600" cy="894179"/>
+          </a:xfrm>
+        </p:spPr>
+        <p:txBody>
+          <a:bodyPr>
+            <a:noAutofit/>
+          </a:bodyPr>
+          <a:lstStyle/>
+          <a:p>
+            <a:r>
+              <a:rPr lang="en-IN" sz="3000" b="1" i="0" dirty="0">
+                <a:effectLst/>
+                <a:latin typeface="+mn-lt"/>
+                <a:cs typeface="Calibri Light" panose="020F0302020204030204" pitchFamily="34" charset="0"/>
+              </a:rPr>
+              <a:t>Random Forest Algorithm for Feature selection</a:t>
+            </a:r>
+            <a:br>
+              <a:rPr lang="en-IN" sz="3000" b="0" i="0" dirty="0">
+                <a:effectLst/>
+                <a:latin typeface="+mn-lt"/>
+                <a:cs typeface="Calibri Light" panose="020F0302020204030204" pitchFamily="34" charset="0"/>
+              </a:rPr>
+            </a:br>
+            <a:endParaRPr lang="en-IN" sz="3000" dirty="0">
+              <a:latin typeface="+mn-lt"/>
+              <a:cs typeface="Calibri Light" panose="020F0302020204030204" pitchFamily="34" charset="0"/>
+            </a:endParaRPr>
+          </a:p>
+        </p:txBody>
+      </p:sp>
+      <p:sp>
+        <p:nvSpPr>
+          <p:cNvPr id="3" name="Content Placeholder 2">
+            <a:extLst>
+              <a:ext uri="{FF2B5EF4-FFF2-40B4-BE49-F238E27FC236}">
+                <a16:creationId xmlns:a16="http://schemas.microsoft.com/office/drawing/2014/main" id="{D3E0557D-1316-9949-E1BC-C1B0D00F2C5A}"/>
+              </a:ext>
+            </a:extLst>
+          </p:cNvPr>
+          <p:cNvSpPr>
+            <a:spLocks noGrp="1"/>
+          </p:cNvSpPr>
+          <p:nvPr>
+            <p:ph idx="1"/>
+          </p:nvPr>
+        </p:nvSpPr>
+        <p:spPr>
+          <a:xfrm>
+            <a:off x="838200" y="1259304"/>
+            <a:ext cx="10515600" cy="5309937"/>
+          </a:xfrm>
+        </p:spPr>
+        <p:txBody>
+          <a:bodyPr>
+            <a:normAutofit/>
+          </a:bodyPr>
+          <a:lstStyle/>
+          <a:p>
+            <a:pPr marL="0" indent="0">
+              <a:buNone/>
+            </a:pPr>
+            <a:r>
+              <a:rPr lang="en-IN" sz="2000" b="1" dirty="0">
+                <a:latin typeface="Calibri Light" panose="020F0302020204030204" pitchFamily="34" charset="0"/>
+                <a:cs typeface="Calibri Light" panose="020F0302020204030204" pitchFamily="34" charset="0"/>
+              </a:rPr>
+              <a:t>There</a:t>
+            </a:r>
+            <a:r>
+              <a:rPr lang="en-IN" sz="2400" b="1" dirty="0">
+                <a:latin typeface="Calibri Light" panose="020F0302020204030204" pitchFamily="34" charset="0"/>
+                <a:cs typeface="Calibri Light" panose="020F0302020204030204" pitchFamily="34" charset="0"/>
+              </a:rPr>
+              <a:t> </a:t>
+            </a:r>
+            <a:r>
+              <a:rPr lang="en-IN" sz="2000" b="1" dirty="0">
+                <a:latin typeface="Calibri Light" panose="020F0302020204030204" pitchFamily="34" charset="0"/>
+                <a:cs typeface="Calibri Light" panose="020F0302020204030204" pitchFamily="34" charset="0"/>
+              </a:rPr>
+              <a:t>are</a:t>
+            </a:r>
+            <a:r>
+              <a:rPr lang="en-IN" sz="2400" b="1" dirty="0">
+                <a:latin typeface="Calibri Light" panose="020F0302020204030204" pitchFamily="34" charset="0"/>
+                <a:cs typeface="Calibri Light" panose="020F0302020204030204" pitchFamily="34" charset="0"/>
+              </a:rPr>
+              <a:t> </a:t>
+            </a:r>
+            <a:r>
+              <a:rPr lang="en-IN" sz="2000" b="1" dirty="0">
+                <a:latin typeface="Calibri Light" panose="020F0302020204030204" pitchFamily="34" charset="0"/>
+                <a:cs typeface="Calibri Light" panose="020F0302020204030204" pitchFamily="34" charset="0"/>
+              </a:rPr>
+              <a:t>two ways to perform feature selection with random forest:</a:t>
+            </a:r>
+          </a:p>
+          <a:p>
+            <a:r>
+              <a:rPr lang="en-IN" sz="2000" b="1" dirty="0" err="1">
+                <a:latin typeface="Calibri Light" panose="020F0302020204030204" pitchFamily="34" charset="0"/>
+                <a:cs typeface="Calibri Light" panose="020F0302020204030204" pitchFamily="34" charset="0"/>
+              </a:rPr>
+              <a:t>cforest</a:t>
+            </a:r>
+            <a:r>
+              <a:rPr lang="en-IN" sz="2000" b="1" dirty="0">
+                <a:latin typeface="Calibri Light" panose="020F0302020204030204" pitchFamily="34" charset="0"/>
+                <a:cs typeface="Calibri Light" panose="020F0302020204030204" pitchFamily="34" charset="0"/>
+              </a:rPr>
+              <a:t>(From party library): Gives the variable importance based on </a:t>
+            </a:r>
+            <a:r>
+              <a:rPr lang="en-US" sz="2000" b="1" dirty="0">
+                <a:latin typeface="Calibri Light" panose="020F0302020204030204" pitchFamily="34" charset="0"/>
+                <a:cs typeface="Calibri Light" panose="020F0302020204030204" pitchFamily="34" charset="0"/>
+              </a:rPr>
+              <a:t>variance</a:t>
+            </a:r>
+            <a:r>
+              <a:rPr lang="en-IN" sz="2000" b="1" dirty="0">
+                <a:latin typeface="Calibri Light" panose="020F0302020204030204" pitchFamily="34" charset="0"/>
+                <a:cs typeface="Calibri Light" panose="020F0302020204030204" pitchFamily="34" charset="0"/>
+              </a:rPr>
+              <a:t>.</a:t>
+            </a:r>
+          </a:p>
+          <a:p>
+            <a:pPr marL="0" indent="0">
+              <a:buNone/>
+            </a:pPr>
+            <a:endParaRPr lang="en-IN" b="1" dirty="0">
+              <a:latin typeface="Calibri Light" panose="020F0302020204030204" pitchFamily="34" charset="0"/>
+              <a:cs typeface="Calibri Light" panose="020F0302020204030204" pitchFamily="34" charset="0"/>
+            </a:endParaRPr>
+          </a:p>
+          <a:p>
+            <a:pPr marL="0" indent="0">
+              <a:buNone/>
+            </a:pPr>
+            <a:endParaRPr lang="en-IN" b="1" dirty="0">
+              <a:latin typeface="Calibri Light" panose="020F0302020204030204" pitchFamily="34" charset="0"/>
+              <a:cs typeface="Calibri Light" panose="020F0302020204030204" pitchFamily="34" charset="0"/>
+            </a:endParaRPr>
+          </a:p>
+          <a:p>
+            <a:endParaRPr lang="en-IN" b="1" dirty="0">
+              <a:latin typeface="Calibri Light" panose="020F0302020204030204" pitchFamily="34" charset="0"/>
+              <a:cs typeface="Calibri Light" panose="020F0302020204030204" pitchFamily="34" charset="0"/>
+            </a:endParaRPr>
+          </a:p>
+          <a:p>
+            <a:endParaRPr lang="en-IN" b="1" dirty="0">
+              <a:latin typeface="Calibri Light" panose="020F0302020204030204" pitchFamily="34" charset="0"/>
+              <a:cs typeface="Calibri Light" panose="020F0302020204030204" pitchFamily="34" charset="0"/>
+            </a:endParaRPr>
+          </a:p>
+          <a:p>
+            <a:endParaRPr lang="en-IN" b="1" dirty="0">
+              <a:latin typeface="Calibri Light" panose="020F0302020204030204" pitchFamily="34" charset="0"/>
+              <a:cs typeface="Calibri Light" panose="020F0302020204030204" pitchFamily="34" charset="0"/>
+            </a:endParaRPr>
+          </a:p>
+          <a:p>
+            <a:endParaRPr lang="en-IN" sz="1800" b="1" dirty="0">
+              <a:latin typeface="Calibri Light" panose="020F0302020204030204" pitchFamily="34" charset="0"/>
+              <a:cs typeface="Calibri Light" panose="020F0302020204030204" pitchFamily="34" charset="0"/>
+            </a:endParaRPr>
+          </a:p>
+          <a:p>
+            <a:pPr marL="0" indent="0">
+              <a:buNone/>
+            </a:pPr>
+            <a:r>
+              <a:rPr lang="en-IN" sz="2000" b="1" dirty="0">
+                <a:latin typeface="Calibri Light" panose="020F0302020204030204" pitchFamily="34" charset="0"/>
+                <a:cs typeface="Calibri Light" panose="020F0302020204030204" pitchFamily="34" charset="0"/>
+              </a:rPr>
+              <a:t>As we can clearly see that some features like </a:t>
+            </a:r>
+            <a:r>
+              <a:rPr lang="en-IN" sz="2000" b="1" dirty="0" err="1">
+                <a:latin typeface="Calibri Light" panose="020F0302020204030204" pitchFamily="34" charset="0"/>
+                <a:cs typeface="Calibri Light" panose="020F0302020204030204" pitchFamily="34" charset="0"/>
+              </a:rPr>
+              <a:t>production_year</a:t>
+            </a:r>
+            <a:r>
+              <a:rPr lang="en-IN" sz="2000" b="1" dirty="0">
+                <a:latin typeface="Calibri Light" panose="020F0302020204030204" pitchFamily="34" charset="0"/>
+                <a:cs typeface="Calibri Light" panose="020F0302020204030204" pitchFamily="34" charset="0"/>
+              </a:rPr>
+              <a:t>, </a:t>
+            </a:r>
+            <a:r>
+              <a:rPr lang="en-IN" sz="2000" b="1" dirty="0" err="1">
+                <a:latin typeface="Calibri Light" panose="020F0302020204030204" pitchFamily="34" charset="0"/>
+                <a:cs typeface="Calibri Light" panose="020F0302020204030204" pitchFamily="34" charset="0"/>
+              </a:rPr>
+              <a:t>manufacturer_name</a:t>
+            </a:r>
+            <a:r>
+              <a:rPr lang="en-IN" sz="2000" b="1" dirty="0">
+                <a:latin typeface="Calibri Light" panose="020F0302020204030204" pitchFamily="34" charset="0"/>
+                <a:cs typeface="Calibri Light" panose="020F0302020204030204" pitchFamily="34" charset="0"/>
+              </a:rPr>
+              <a:t>, odometer_value, transmission and body_type are individually explaining the variance better.</a:t>
+            </a:r>
+          </a:p>
+          <a:p>
+            <a:pPr marL="0" indent="0">
+              <a:buNone/>
+            </a:pPr>
+            <a:r>
+              <a:rPr lang="en-IN" sz="2000" b="1" dirty="0">
+                <a:latin typeface="Calibri Light" panose="020F0302020204030204" pitchFamily="34" charset="0"/>
+                <a:cs typeface="Calibri Light" panose="020F0302020204030204" pitchFamily="34" charset="0"/>
+              </a:rPr>
+              <a:t>Unknown feature_7 is explaining the variance better compared to other features.</a:t>
+            </a:r>
+          </a:p>
+        </p:txBody>
+      </p:sp>
+      <p:pic>
+        <p:nvPicPr>
+          <p:cNvPr id="17" name="Picture 16">
+            <a:extLst>
+              <a:ext uri="{FF2B5EF4-FFF2-40B4-BE49-F238E27FC236}">
+                <a16:creationId xmlns:a16="http://schemas.microsoft.com/office/drawing/2014/main" id="{586B10EF-4653-C560-D077-51FFF1B2FC11}"/>
+              </a:ext>
+            </a:extLst>
+          </p:cNvPr>
+          <p:cNvPicPr>
+            <a:picLocks noChangeAspect="1"/>
+          </p:cNvPicPr>
+          <p:nvPr/>
+        </p:nvPicPr>
+        <p:blipFill>
+          <a:blip r:embed="rId2"/>
+          <a:stretch>
+            <a:fillRect/>
+          </a:stretch>
+        </p:blipFill>
+        <p:spPr>
+          <a:xfrm>
+            <a:off x="1707246" y="2361033"/>
+            <a:ext cx="7102455" cy="746825"/>
           </a:xfrm>
           <a:prstGeom prst="rect">
             <a:avLst/>
           </a:prstGeom>
-          <a:solidFill>
-            <a:schemeClr val="bg2"/>
-          </a:solidFill>
-          <a:ln>
-            <a:noFill/>
-          </a:ln>
+        </p:spPr>
+      </p:pic>
+      <p:pic>
+        <p:nvPicPr>
+          <p:cNvPr id="4" name="Picture 3">
+            <a:extLst>
+              <a:ext uri="{FF2B5EF4-FFF2-40B4-BE49-F238E27FC236}">
+                <a16:creationId xmlns:a16="http://schemas.microsoft.com/office/drawing/2014/main" id="{789480FF-AF0B-CF45-3B25-138F0D28110A}"/>
+              </a:ext>
+            </a:extLst>
+          </p:cNvPr>
+          <p:cNvPicPr>
+            <a:picLocks noChangeAspect="1"/>
+          </p:cNvPicPr>
+          <p:nvPr/>
+        </p:nvPicPr>
+        <p:blipFill>
+          <a:blip r:embed="rId3"/>
+          <a:stretch>
+            <a:fillRect/>
+          </a:stretch>
+        </p:blipFill>
+        <p:spPr>
+          <a:xfrm>
+            <a:off x="1387612" y="3554948"/>
+            <a:ext cx="8657070" cy="1219306"/>
+          </a:xfrm>
+          <a:prstGeom prst="rect">
+            <a:avLst/>
+          </a:prstGeom>
+        </p:spPr>
+      </p:pic>
+      <p:sp>
+        <p:nvSpPr>
+          <p:cNvPr id="6" name="Rectangle 5">
+            <a:extLst>
+              <a:ext uri="{FF2B5EF4-FFF2-40B4-BE49-F238E27FC236}">
+                <a16:creationId xmlns:a16="http://schemas.microsoft.com/office/drawing/2014/main" id="{B0C5A350-1491-D50E-2CBE-6EBC4BDBC6ED}"/>
+              </a:ext>
+            </a:extLst>
+          </p:cNvPr>
+          <p:cNvSpPr/>
+          <p:nvPr/>
+        </p:nvSpPr>
+        <p:spPr>
+          <a:xfrm>
+            <a:off x="6416842" y="3554948"/>
+            <a:ext cx="1163053" cy="295157"/>
+          </a:xfrm>
+          <a:prstGeom prst="rect">
+            <a:avLst/>
+          </a:prstGeom>
+          <a:noFill/>
         </p:spPr>
         <p:style>
           <a:lnRef idx="2">
@@ -8725,49 +10555,31 @@
           <a:lstStyle/>
           <a:p>
             <a:pPr algn="ctr"/>
-            <a:endParaRPr lang="en-US" dirty="0"/>
-          </a:p>
-        </p:txBody>
-      </p:sp>
-      <p:sp>
-        <p:nvSpPr>
-          <p:cNvPr id="10" name="Rectangle 9">
-            <a:extLst>
-              <a:ext uri="{FF2B5EF4-FFF2-40B4-BE49-F238E27FC236}">
-                <a16:creationId xmlns:a16="http://schemas.microsoft.com/office/drawing/2014/main" id="{A8DE0E0C-D349-42F5-9A39-823BED9EB2F8}"/>
-              </a:ext>
-              <a:ext uri="{C183D7F6-B498-43B3-948B-1728B52AA6E4}">
-                <adec:decorative xmlns:adec="http://schemas.microsoft.com/office/drawing/2017/decorative" val="1"/>
-              </a:ext>
-            </a:extLst>
-          </p:cNvPr>
-          <p:cNvSpPr>
-            <a:spLocks noGrp="1" noRot="1" noChangeAspect="1" noMove="1" noResize="1" noEditPoints="1" noAdjustHandles="1" noChangeArrowheads="1" noChangeShapeType="1" noTextEdit="1"/>
-          </p:cNvSpPr>
-          <p:nvPr>
-            <p:extLst>
-              <p:ext uri="{386F3935-93C4-4BCD-93E2-E3B085C9AB24}">
-                <p16:designElem xmlns:p16="http://schemas.microsoft.com/office/powerpoint/2015/main" val="1"/>
-              </p:ext>
-            </p:extLst>
-          </p:nvPr>
-        </p:nvSpPr>
-        <p:spPr>
-          <a:xfrm rot="2700000">
-            <a:off x="5671500" y="2376240"/>
-            <a:ext cx="2105519" cy="2105518"/>
+            <a:endParaRPr lang="en-IN"/>
+          </a:p>
+        </p:txBody>
+      </p:sp>
+      <p:sp>
+        <p:nvSpPr>
+          <p:cNvPr id="8" name="Rectangle 7">
+            <a:extLst>
+              <a:ext uri="{FF2B5EF4-FFF2-40B4-BE49-F238E27FC236}">
+                <a16:creationId xmlns:a16="http://schemas.microsoft.com/office/drawing/2014/main" id="{7CFA0EE2-3EA7-CFFC-A0DF-27D6E0928308}"/>
+              </a:ext>
+            </a:extLst>
+          </p:cNvPr>
+          <p:cNvSpPr/>
+          <p:nvPr/>
+        </p:nvSpPr>
+        <p:spPr>
+          <a:xfrm>
+            <a:off x="4066674" y="4275220"/>
+            <a:ext cx="1082842" cy="280737"/>
           </a:xfrm>
           <a:prstGeom prst="rect">
             <a:avLst/>
           </a:prstGeom>
-          <a:solidFill>
-            <a:schemeClr val="accent4">
-              <a:alpha val="30000"/>
-            </a:schemeClr>
-          </a:solidFill>
-          <a:ln>
-            <a:noFill/>
-          </a:ln>
+          <a:noFill/>
         </p:spPr>
         <p:style>
           <a:lnRef idx="2">
@@ -8790,100 +10602,31 @@
           <a:lstStyle/>
           <a:p>
             <a:pPr algn="ctr"/>
-            <a:endParaRPr lang="en-US"/>
-          </a:p>
-        </p:txBody>
-      </p:sp>
-      <p:sp>
-        <p:nvSpPr>
-          <p:cNvPr id="12" name="Freeform: Shape 11">
-            <a:extLst>
-              <a:ext uri="{FF2B5EF4-FFF2-40B4-BE49-F238E27FC236}">
-                <a16:creationId xmlns:a16="http://schemas.microsoft.com/office/drawing/2014/main" id="{FFEC4229-734E-4FC2-B6A0-6DA9B8B1AD9A}"/>
-              </a:ext>
-              <a:ext uri="{C183D7F6-B498-43B3-948B-1728B52AA6E4}">
-                <adec:decorative xmlns:adec="http://schemas.microsoft.com/office/drawing/2017/decorative" val="1"/>
-              </a:ext>
-            </a:extLst>
-          </p:cNvPr>
-          <p:cNvSpPr>
-            <a:spLocks noGrp="1" noRot="1" noChangeAspect="1" noMove="1" noResize="1" noEditPoints="1" noAdjustHandles="1" noChangeArrowheads="1" noChangeShapeType="1" noTextEdit="1"/>
-          </p:cNvSpPr>
-          <p:nvPr>
-            <p:extLst>
-              <p:ext uri="{386F3935-93C4-4BCD-93E2-E3B085C9AB24}">
-                <p16:designElem xmlns:p16="http://schemas.microsoft.com/office/powerpoint/2015/main" val="1"/>
-              </p:ext>
-            </p:extLst>
-          </p:nvPr>
-        </p:nvSpPr>
-        <p:spPr>
-          <a:xfrm rot="2700000">
-            <a:off x="-2036665" y="67603"/>
-            <a:ext cx="6972591" cy="6826263"/>
-          </a:xfrm>
-          <a:custGeom>
+            <a:endParaRPr lang="en-IN"/>
+          </a:p>
+        </p:txBody>
+      </p:sp>
+      <p:sp>
+        <p:nvSpPr>
+          <p:cNvPr id="9" name="Rectangle 8">
+            <a:extLst>
+              <a:ext uri="{FF2B5EF4-FFF2-40B4-BE49-F238E27FC236}">
+                <a16:creationId xmlns:a16="http://schemas.microsoft.com/office/drawing/2014/main" id="{46DDDDB8-E408-4B09-1291-6B2400D18065}"/>
+              </a:ext>
+            </a:extLst>
+          </p:cNvPr>
+          <p:cNvSpPr/>
+          <p:nvPr/>
+        </p:nvSpPr>
+        <p:spPr>
+          <a:xfrm>
+            <a:off x="5269832" y="3554948"/>
+            <a:ext cx="962526" cy="295157"/>
+          </a:xfrm>
+          <a:prstGeom prst="rect">
             <a:avLst/>
-            <a:gdLst>
-              <a:gd name="connsiteX0" fmla="*/ 0 w 6972591"/>
-              <a:gd name="connsiteY0" fmla="*/ 1976924 h 6826263"/>
-              <a:gd name="connsiteX1" fmla="*/ 1976924 w 6972591"/>
-              <a:gd name="connsiteY1" fmla="*/ 0 h 6826263"/>
-              <a:gd name="connsiteX2" fmla="*/ 6972591 w 6972591"/>
-              <a:gd name="connsiteY2" fmla="*/ 0 h 6826263"/>
-              <a:gd name="connsiteX3" fmla="*/ 6972590 w 6972591"/>
-              <a:gd name="connsiteY3" fmla="*/ 4703010 h 6826263"/>
-              <a:gd name="connsiteX4" fmla="*/ 4849338 w 6972591"/>
-              <a:gd name="connsiteY4" fmla="*/ 6826263 h 6826263"/>
-            </a:gdLst>
-            <a:ahLst/>
-            <a:cxnLst>
-              <a:cxn ang="0">
-                <a:pos x="connsiteX0" y="connsiteY0"/>
-              </a:cxn>
-              <a:cxn ang="0">
-                <a:pos x="connsiteX1" y="connsiteY1"/>
-              </a:cxn>
-              <a:cxn ang="0">
-                <a:pos x="connsiteX2" y="connsiteY2"/>
-              </a:cxn>
-              <a:cxn ang="0">
-                <a:pos x="connsiteX3" y="connsiteY3"/>
-              </a:cxn>
-              <a:cxn ang="0">
-                <a:pos x="connsiteX4" y="connsiteY4"/>
-              </a:cxn>
-            </a:cxnLst>
-            <a:rect l="l" t="t" r="r" b="b"/>
-            <a:pathLst>
-              <a:path w="6972591" h="6826263">
-                <a:moveTo>
-                  <a:pt x="0" y="1976924"/>
-                </a:moveTo>
-                <a:lnTo>
-                  <a:pt x="1976924" y="0"/>
-                </a:lnTo>
-                <a:lnTo>
-                  <a:pt x="6972591" y="0"/>
-                </a:lnTo>
-                <a:lnTo>
-                  <a:pt x="6972590" y="4703010"/>
-                </a:lnTo>
-                <a:lnTo>
-                  <a:pt x="4849338" y="6826263"/>
-                </a:lnTo>
-                <a:close/>
-              </a:path>
-            </a:pathLst>
-          </a:custGeom>
-          <a:solidFill>
-            <a:schemeClr val="accent1">
-              <a:alpha val="30000"/>
-            </a:schemeClr>
-          </a:solidFill>
-          <a:ln>
-            <a:noFill/>
-          </a:ln>
+          </a:prstGeom>
+          <a:noFill/>
         </p:spPr>
         <p:style>
           <a:lnRef idx="2">
@@ -8902,55 +10645,35 @@
           </a:fontRef>
         </p:style>
         <p:txBody>
-          <a:bodyPr wrap="square" rtlCol="0" anchor="ctr">
-            <a:noAutofit/>
-          </a:bodyPr>
+          <a:bodyPr rtlCol="0" anchor="ctr"/>
           <a:lstStyle/>
           <a:p>
             <a:pPr algn="ctr"/>
-            <a:endParaRPr lang="en-US"/>
-          </a:p>
-        </p:txBody>
-      </p:sp>
-      <p:sp>
-        <p:nvSpPr>
-          <p:cNvPr id="14" name="Rectangle 13">
-            <a:extLst>
-              <a:ext uri="{FF2B5EF4-FFF2-40B4-BE49-F238E27FC236}">
-                <a16:creationId xmlns:a16="http://schemas.microsoft.com/office/drawing/2014/main" id="{BC01FF70-2FFE-4A99-9E3F-9699B085CA53}"/>
-              </a:ext>
-              <a:ext uri="{C183D7F6-B498-43B3-948B-1728B52AA6E4}">
-                <adec:decorative xmlns:adec="http://schemas.microsoft.com/office/drawing/2017/decorative" val="1"/>
-              </a:ext>
-            </a:extLst>
-          </p:cNvPr>
-          <p:cNvSpPr>
-            <a:spLocks noGrp="1" noRot="1" noChangeAspect="1" noMove="1" noResize="1" noEditPoints="1" noAdjustHandles="1" noChangeArrowheads="1" noChangeShapeType="1" noTextEdit="1"/>
-          </p:cNvSpPr>
-          <p:nvPr>
-            <p:extLst>
-              <p:ext uri="{386F3935-93C4-4BCD-93E2-E3B085C9AB24}">
-                <p16:designElem xmlns:p16="http://schemas.microsoft.com/office/powerpoint/2015/main" val="1"/>
-              </p:ext>
-            </p:extLst>
-          </p:nvPr>
-        </p:nvSpPr>
-        <p:spPr>
-          <a:xfrm rot="2700000">
-            <a:off x="1839100" y="1809291"/>
-            <a:ext cx="3790670" cy="4214576"/>
+            <a:endParaRPr lang="en-IN"/>
+          </a:p>
+        </p:txBody>
+      </p:sp>
+      <p:sp>
+        <p:nvSpPr>
+          <p:cNvPr id="10" name="Rectangle 9">
+            <a:extLst>
+              <a:ext uri="{FF2B5EF4-FFF2-40B4-BE49-F238E27FC236}">
+                <a16:creationId xmlns:a16="http://schemas.microsoft.com/office/drawing/2014/main" id="{8F046205-E0E9-51CB-31E8-3119A9C8E5BC}"/>
+              </a:ext>
+            </a:extLst>
+          </p:cNvPr>
+          <p:cNvSpPr/>
+          <p:nvPr/>
+        </p:nvSpPr>
+        <p:spPr>
+          <a:xfrm>
+            <a:off x="1387612" y="3554948"/>
+            <a:ext cx="1243293" cy="295157"/>
           </a:xfrm>
           <a:prstGeom prst="rect">
             <a:avLst/>
           </a:prstGeom>
-          <a:solidFill>
-            <a:schemeClr val="accent4">
-              <a:alpha val="30000"/>
-            </a:schemeClr>
-          </a:solidFill>
-          <a:ln>
-            <a:noFill/>
-          </a:ln>
+          <a:noFill/>
         </p:spPr>
         <p:style>
           <a:lnRef idx="2">
@@ -8973,47 +10696,31 @@
           <a:lstStyle/>
           <a:p>
             <a:pPr algn="ctr"/>
-            <a:endParaRPr lang="en-US"/>
-          </a:p>
-        </p:txBody>
-      </p:sp>
-      <p:sp>
-        <p:nvSpPr>
-          <p:cNvPr id="16" name="Rectangle 15">
-            <a:extLst>
-              <a:ext uri="{FF2B5EF4-FFF2-40B4-BE49-F238E27FC236}">
-                <a16:creationId xmlns:a16="http://schemas.microsoft.com/office/drawing/2014/main" id="{6FA8D7CA-01D6-49EC-955B-6E51F6FB64D2}"/>
-              </a:ext>
-              <a:ext uri="{C183D7F6-B498-43B3-948B-1728B52AA6E4}">
-                <adec:decorative xmlns:adec="http://schemas.microsoft.com/office/drawing/2017/decorative" val="1"/>
-              </a:ext>
-            </a:extLst>
-          </p:cNvPr>
-          <p:cNvSpPr>
-            <a:spLocks noGrp="1" noRot="1" noChangeAspect="1" noMove="1" noResize="1" noEditPoints="1" noAdjustHandles="1" noChangeArrowheads="1" noChangeShapeType="1" noTextEdit="1"/>
-          </p:cNvSpPr>
-          <p:nvPr>
-            <p:extLst>
-              <p:ext uri="{386F3935-93C4-4BCD-93E2-E3B085C9AB24}">
-                <p16:designElem xmlns:p16="http://schemas.microsoft.com/office/powerpoint/2015/main" val="1"/>
-              </p:ext>
-            </p:extLst>
-          </p:nvPr>
-        </p:nvSpPr>
-        <p:spPr>
-          <a:xfrm rot="2700000">
-            <a:off x="1138684" y="1316432"/>
-            <a:ext cx="4225136" cy="4225134"/>
+            <a:endParaRPr lang="en-IN"/>
+          </a:p>
+        </p:txBody>
+      </p:sp>
+      <p:sp>
+        <p:nvSpPr>
+          <p:cNvPr id="11" name="Rectangle 10">
+            <a:extLst>
+              <a:ext uri="{FF2B5EF4-FFF2-40B4-BE49-F238E27FC236}">
+                <a16:creationId xmlns:a16="http://schemas.microsoft.com/office/drawing/2014/main" id="{02F272E7-FC9A-7104-6306-4AE7086FCE7F}"/>
+              </a:ext>
+            </a:extLst>
+          </p:cNvPr>
+          <p:cNvSpPr/>
+          <p:nvPr/>
+        </p:nvSpPr>
+        <p:spPr>
+          <a:xfrm>
+            <a:off x="4170947" y="3820110"/>
+            <a:ext cx="842211" cy="220773"/>
           </a:xfrm>
           <a:prstGeom prst="rect">
             <a:avLst/>
           </a:prstGeom>
-          <a:solidFill>
-            <a:srgbClr val="FFFFFF"/>
-          </a:solidFill>
-          <a:ln>
-            <a:noFill/>
-          </a:ln>
+          <a:noFill/>
         </p:spPr>
         <p:style>
           <a:lnRef idx="2">
@@ -9036,174 +10743,31 @@
           <a:lstStyle/>
           <a:p>
             <a:pPr algn="ctr"/>
-            <a:endParaRPr lang="en-US" sz="1600"/>
-          </a:p>
-        </p:txBody>
-      </p:sp>
-      <p:sp>
-        <p:nvSpPr>
-          <p:cNvPr id="18" name="Freeform: Shape 17">
-            <a:extLst>
-              <a:ext uri="{FF2B5EF4-FFF2-40B4-BE49-F238E27FC236}">
-                <a16:creationId xmlns:a16="http://schemas.microsoft.com/office/drawing/2014/main" id="{ADAA6A52-6F71-45C6-A3A3-8F41040919BD}"/>
-              </a:ext>
-              <a:ext uri="{C183D7F6-B498-43B3-948B-1728B52AA6E4}">
-                <adec:decorative xmlns:adec="http://schemas.microsoft.com/office/drawing/2017/decorative" val="1"/>
-              </a:ext>
-            </a:extLst>
-          </p:cNvPr>
-          <p:cNvSpPr>
-            <a:spLocks noGrp="1" noRot="1" noChangeAspect="1" noMove="1" noResize="1" noEditPoints="1" noAdjustHandles="1" noChangeArrowheads="1" noChangeShapeType="1" noTextEdit="1"/>
-          </p:cNvSpPr>
-          <p:nvPr>
-            <p:extLst>
-              <p:ext uri="{386F3935-93C4-4BCD-93E2-E3B085C9AB24}">
-                <p16:designElem xmlns:p16="http://schemas.microsoft.com/office/powerpoint/2015/main" val="1"/>
-              </p:ext>
-            </p:extLst>
-          </p:nvPr>
-        </p:nvSpPr>
-        <p:spPr>
-          <a:xfrm rot="2700000">
-            <a:off x="563919" y="753376"/>
-            <a:ext cx="5353835" cy="5353835"/>
-          </a:xfrm>
-          <a:custGeom>
+            <a:endParaRPr lang="en-IN"/>
+          </a:p>
+        </p:txBody>
+      </p:sp>
+      <p:sp>
+        <p:nvSpPr>
+          <p:cNvPr id="12" name="Rectangle 11">
+            <a:extLst>
+              <a:ext uri="{FF2B5EF4-FFF2-40B4-BE49-F238E27FC236}">
+                <a16:creationId xmlns:a16="http://schemas.microsoft.com/office/drawing/2014/main" id="{E653FAEC-7E7A-7813-CEFC-0F9275DE2573}"/>
+              </a:ext>
+            </a:extLst>
+          </p:cNvPr>
+          <p:cNvSpPr/>
+          <p:nvPr/>
+        </p:nvSpPr>
+        <p:spPr>
+          <a:xfrm>
+            <a:off x="7820526" y="3820110"/>
+            <a:ext cx="842211" cy="220773"/>
+          </a:xfrm>
+          <a:prstGeom prst="rect">
             <a:avLst/>
-            <a:gdLst>
-              <a:gd name="connsiteX0" fmla="*/ 690506 w 5353835"/>
-              <a:gd name="connsiteY0" fmla="*/ 5273742 h 5353835"/>
-              <a:gd name="connsiteX1" fmla="*/ 4927602 w 5353835"/>
-              <a:gd name="connsiteY1" fmla="*/ 5273742 h 5353835"/>
-              <a:gd name="connsiteX2" fmla="*/ 4847509 w 5353835"/>
-              <a:gd name="connsiteY2" fmla="*/ 5353835 h 5353835"/>
-              <a:gd name="connsiteX3" fmla="*/ 770599 w 5353835"/>
-              <a:gd name="connsiteY3" fmla="*/ 5353835 h 5353835"/>
-              <a:gd name="connsiteX4" fmla="*/ 422575 w 5353835"/>
-              <a:gd name="connsiteY4" fmla="*/ 80093 h 5353835"/>
-              <a:gd name="connsiteX5" fmla="*/ 502668 w 5353835"/>
-              <a:gd name="connsiteY5" fmla="*/ 0 h 5353835"/>
-              <a:gd name="connsiteX6" fmla="*/ 5353835 w 5353835"/>
-              <a:gd name="connsiteY6" fmla="*/ 0 h 5353835"/>
-              <a:gd name="connsiteX7" fmla="*/ 5353835 w 5353835"/>
-              <a:gd name="connsiteY7" fmla="*/ 4847509 h 5353835"/>
-              <a:gd name="connsiteX8" fmla="*/ 5273742 w 5353835"/>
-              <a:gd name="connsiteY8" fmla="*/ 4927602 h 5353835"/>
-              <a:gd name="connsiteX9" fmla="*/ 5273742 w 5353835"/>
-              <a:gd name="connsiteY9" fmla="*/ 80093 h 5353835"/>
-              <a:gd name="connsiteX10" fmla="*/ 0 w 5353835"/>
-              <a:gd name="connsiteY10" fmla="*/ 502667 h 5353835"/>
-              <a:gd name="connsiteX11" fmla="*/ 80093 w 5353835"/>
-              <a:gd name="connsiteY11" fmla="*/ 422574 h 5353835"/>
-              <a:gd name="connsiteX12" fmla="*/ 80093 w 5353835"/>
-              <a:gd name="connsiteY12" fmla="*/ 4663329 h 5353835"/>
-              <a:gd name="connsiteX13" fmla="*/ 0 w 5353835"/>
-              <a:gd name="connsiteY13" fmla="*/ 4583236 h 5353835"/>
-            </a:gdLst>
-            <a:ahLst/>
-            <a:cxnLst>
-              <a:cxn ang="0">
-                <a:pos x="connsiteX0" y="connsiteY0"/>
-              </a:cxn>
-              <a:cxn ang="0">
-                <a:pos x="connsiteX1" y="connsiteY1"/>
-              </a:cxn>
-              <a:cxn ang="0">
-                <a:pos x="connsiteX2" y="connsiteY2"/>
-              </a:cxn>
-              <a:cxn ang="0">
-                <a:pos x="connsiteX3" y="connsiteY3"/>
-              </a:cxn>
-              <a:cxn ang="0">
-                <a:pos x="connsiteX4" y="connsiteY4"/>
-              </a:cxn>
-              <a:cxn ang="0">
-                <a:pos x="connsiteX5" y="connsiteY5"/>
-              </a:cxn>
-              <a:cxn ang="0">
-                <a:pos x="connsiteX6" y="connsiteY6"/>
-              </a:cxn>
-              <a:cxn ang="0">
-                <a:pos x="connsiteX7" y="connsiteY7"/>
-              </a:cxn>
-              <a:cxn ang="0">
-                <a:pos x="connsiteX8" y="connsiteY8"/>
-              </a:cxn>
-              <a:cxn ang="0">
-                <a:pos x="connsiteX9" y="connsiteY9"/>
-              </a:cxn>
-              <a:cxn ang="0">
-                <a:pos x="connsiteX10" y="connsiteY10"/>
-              </a:cxn>
-              <a:cxn ang="0">
-                <a:pos x="connsiteX11" y="connsiteY11"/>
-              </a:cxn>
-              <a:cxn ang="0">
-                <a:pos x="connsiteX12" y="connsiteY12"/>
-              </a:cxn>
-              <a:cxn ang="0">
-                <a:pos x="connsiteX13" y="connsiteY13"/>
-              </a:cxn>
-            </a:cxnLst>
-            <a:rect l="l" t="t" r="r" b="b"/>
-            <a:pathLst>
-              <a:path w="5353835" h="5353835">
-                <a:moveTo>
-                  <a:pt x="690506" y="5273742"/>
-                </a:moveTo>
-                <a:lnTo>
-                  <a:pt x="4927602" y="5273742"/>
-                </a:lnTo>
-                <a:lnTo>
-                  <a:pt x="4847509" y="5353835"/>
-                </a:lnTo>
-                <a:lnTo>
-                  <a:pt x="770599" y="5353835"/>
-                </a:lnTo>
-                <a:close/>
-                <a:moveTo>
-                  <a:pt x="422575" y="80093"/>
-                </a:moveTo>
-                <a:lnTo>
-                  <a:pt x="502668" y="0"/>
-                </a:lnTo>
-                <a:lnTo>
-                  <a:pt x="5353835" y="0"/>
-                </a:lnTo>
-                <a:lnTo>
-                  <a:pt x="5353835" y="4847509"/>
-                </a:lnTo>
-                <a:lnTo>
-                  <a:pt x="5273742" y="4927602"/>
-                </a:lnTo>
-                <a:lnTo>
-                  <a:pt x="5273742" y="80093"/>
-                </a:lnTo>
-                <a:close/>
-                <a:moveTo>
-                  <a:pt x="0" y="502667"/>
-                </a:moveTo>
-                <a:lnTo>
-                  <a:pt x="80093" y="422574"/>
-                </a:lnTo>
-                <a:lnTo>
-                  <a:pt x="80093" y="4663329"/>
-                </a:lnTo>
-                <a:lnTo>
-                  <a:pt x="0" y="4583236"/>
-                </a:lnTo>
-                <a:close/>
-              </a:path>
-            </a:pathLst>
-          </a:custGeom>
-          <a:solidFill>
-            <a:srgbClr val="FFFFFF">
-              <a:alpha val="60000"/>
-            </a:srgbClr>
-          </a:solidFill>
-          <a:ln>
-            <a:noFill/>
-          </a:ln>
+          </a:prstGeom>
+          <a:noFill/>
         </p:spPr>
         <p:style>
           <a:lnRef idx="2">
@@ -9222,544 +10786,24 @@
           </a:fontRef>
         </p:style>
         <p:txBody>
-          <a:bodyPr wrap="square" rtlCol="0" anchor="ctr">
-            <a:noAutofit/>
-          </a:bodyPr>
+          <a:bodyPr rtlCol="0" anchor="ctr"/>
           <a:lstStyle/>
           <a:p>
             <a:pPr algn="ctr"/>
-            <a:endParaRPr lang="en-US">
-              <a:solidFill>
-                <a:schemeClr val="tx1"/>
-              </a:solidFill>
-            </a:endParaRPr>
-          </a:p>
-        </p:txBody>
-      </p:sp>
-      <p:sp>
-        <p:nvSpPr>
-          <p:cNvPr id="2" name="Title 1">
-            <a:extLst>
-              <a:ext uri="{FF2B5EF4-FFF2-40B4-BE49-F238E27FC236}">
-                <a16:creationId xmlns:a16="http://schemas.microsoft.com/office/drawing/2014/main" id="{4E6081C5-C221-EB7B-6A5C-E41EC38F190A}"/>
-              </a:ext>
-            </a:extLst>
-          </p:cNvPr>
-          <p:cNvSpPr>
-            <a:spLocks noGrp="1"/>
-          </p:cNvSpPr>
-          <p:nvPr>
-            <p:ph type="ctrTitle"/>
-          </p:nvPr>
-        </p:nvSpPr>
-        <p:spPr>
-          <a:xfrm>
-            <a:off x="1116701" y="2452526"/>
-            <a:ext cx="4248318" cy="1952947"/>
-          </a:xfrm>
-          <a:noFill/>
-        </p:spPr>
-        <p:txBody>
-          <a:bodyPr anchor="ctr">
-            <a:normAutofit/>
-          </a:bodyPr>
-          <a:lstStyle/>
-          <a:p>
-            <a:r>
-              <a:rPr lang="en-US" sz="4000" b="1" dirty="0">
-                <a:solidFill>
-                  <a:srgbClr val="080808"/>
-                </a:solidFill>
-                <a:latin typeface="Calibri Light" panose="020F0302020204030204" pitchFamily="34" charset="0"/>
-                <a:cs typeface="Calibri Light" panose="020F0302020204030204" pitchFamily="34" charset="0"/>
-              </a:rPr>
-              <a:t>Predictive Modeling</a:t>
-            </a:r>
-            <a:endParaRPr lang="hi-IN" sz="4000" b="1" dirty="0">
-              <a:solidFill>
-                <a:srgbClr val="080808"/>
-              </a:solidFill>
-              <a:latin typeface="Calibri Light" panose="020F0302020204030204" pitchFamily="34" charset="0"/>
-            </a:endParaRPr>
-          </a:p>
-        </p:txBody>
-      </p:sp>
-      <p:sp>
-        <p:nvSpPr>
-          <p:cNvPr id="20" name="Isosceles Triangle 19">
-            <a:extLst>
-              <a:ext uri="{FF2B5EF4-FFF2-40B4-BE49-F238E27FC236}">
-                <a16:creationId xmlns:a16="http://schemas.microsoft.com/office/drawing/2014/main" id="{DBD14339-4332-4769-B35F-FDA39761E85A}"/>
-              </a:ext>
-              <a:ext uri="{C183D7F6-B498-43B3-948B-1728B52AA6E4}">
-                <adec:decorative xmlns:adec="http://schemas.microsoft.com/office/drawing/2017/decorative" val="1"/>
-              </a:ext>
-            </a:extLst>
-          </p:cNvPr>
-          <p:cNvSpPr>
-            <a:spLocks noGrp="1" noRot="1" noChangeAspect="1" noMove="1" noResize="1" noEditPoints="1" noAdjustHandles="1" noChangeArrowheads="1" noChangeShapeType="1" noTextEdit="1"/>
-          </p:cNvSpPr>
-          <p:nvPr>
-            <p:extLst>
-              <p:ext uri="{386F3935-93C4-4BCD-93E2-E3B085C9AB24}">
-                <p16:designElem xmlns:p16="http://schemas.microsoft.com/office/powerpoint/2015/main" val="1"/>
-              </p:ext>
-            </p:extLst>
-          </p:nvPr>
-        </p:nvSpPr>
-        <p:spPr>
-          <a:xfrm rot="10800000">
-            <a:off x="4298702" y="-1"/>
-            <a:ext cx="2158854" cy="1079427"/>
-          </a:xfrm>
-          <a:prstGeom prst="triangle">
-            <a:avLst/>
-          </a:prstGeom>
-          <a:solidFill>
-            <a:schemeClr val="accent1">
-              <a:alpha val="30000"/>
-            </a:schemeClr>
-          </a:solidFill>
-          <a:ln>
-            <a:noFill/>
-          </a:ln>
-        </p:spPr>
-        <p:style>
-          <a:lnRef idx="2">
-            <a:schemeClr val="accent1">
-              <a:shade val="50000"/>
-            </a:schemeClr>
-          </a:lnRef>
-          <a:fillRef idx="1">
-            <a:schemeClr val="accent1"/>
-          </a:fillRef>
-          <a:effectRef idx="0">
-            <a:schemeClr val="accent1"/>
-          </a:effectRef>
-          <a:fontRef idx="minor">
-            <a:schemeClr val="lt1"/>
-          </a:fontRef>
-        </p:style>
-        <p:txBody>
-          <a:bodyPr wrap="square" rtlCol="0" anchor="ctr">
-            <a:noAutofit/>
-          </a:bodyPr>
-          <a:lstStyle/>
-          <a:p>
-            <a:pPr algn="ctr"/>
-            <a:endParaRPr lang="en-US"/>
-          </a:p>
-        </p:txBody>
-      </p:sp>
-      <p:sp>
-        <p:nvSpPr>
-          <p:cNvPr id="22" name="Rectangle 21">
-            <a:extLst>
-              <a:ext uri="{FF2B5EF4-FFF2-40B4-BE49-F238E27FC236}">
-                <a16:creationId xmlns:a16="http://schemas.microsoft.com/office/drawing/2014/main" id="{24D2F742-54E7-4C62-98C5-F8990E2A017F}"/>
-              </a:ext>
-              <a:ext uri="{C183D7F6-B498-43B3-948B-1728B52AA6E4}">
-                <adec:decorative xmlns:adec="http://schemas.microsoft.com/office/drawing/2017/decorative" val="1"/>
-              </a:ext>
-            </a:extLst>
-          </p:cNvPr>
-          <p:cNvSpPr>
-            <a:spLocks noGrp="1" noRot="1" noChangeAspect="1" noMove="1" noResize="1" noEditPoints="1" noAdjustHandles="1" noChangeArrowheads="1" noChangeShapeType="1" noTextEdit="1"/>
-          </p:cNvSpPr>
-          <p:nvPr>
-            <p:extLst>
-              <p:ext uri="{386F3935-93C4-4BCD-93E2-E3B085C9AB24}">
-                <p16:designElem xmlns:p16="http://schemas.microsoft.com/office/powerpoint/2015/main" val="1"/>
-              </p:ext>
-            </p:extLst>
-          </p:nvPr>
-        </p:nvSpPr>
-        <p:spPr>
-          <a:xfrm rot="2700000">
-            <a:off x="8869144" y="523673"/>
-            <a:ext cx="1827638" cy="1827638"/>
-          </a:xfrm>
-          <a:prstGeom prst="rect">
-            <a:avLst/>
-          </a:prstGeom>
-          <a:solidFill>
-            <a:schemeClr val="accent4">
-              <a:alpha val="30000"/>
-            </a:schemeClr>
-          </a:solidFill>
-          <a:ln>
-            <a:noFill/>
-          </a:ln>
-        </p:spPr>
-        <p:style>
-          <a:lnRef idx="2">
-            <a:schemeClr val="accent1">
-              <a:shade val="50000"/>
-            </a:schemeClr>
-          </a:lnRef>
-          <a:fillRef idx="1">
-            <a:schemeClr val="accent1"/>
-          </a:fillRef>
-          <a:effectRef idx="0">
-            <a:schemeClr val="accent1"/>
-          </a:effectRef>
-          <a:fontRef idx="minor">
-            <a:schemeClr val="lt1"/>
-          </a:fontRef>
-        </p:style>
-        <p:txBody>
-          <a:bodyPr rtlCol="0" anchor="ctr"/>
-          <a:lstStyle/>
-          <a:p>
-            <a:pPr algn="ctr"/>
-            <a:endParaRPr lang="en-US" dirty="0"/>
-          </a:p>
-        </p:txBody>
-      </p:sp>
-      <p:sp>
-        <p:nvSpPr>
-          <p:cNvPr id="24" name="Rectangle 23">
-            <a:extLst>
-              <a:ext uri="{FF2B5EF4-FFF2-40B4-BE49-F238E27FC236}">
-                <a16:creationId xmlns:a16="http://schemas.microsoft.com/office/drawing/2014/main" id="{A176DD56-124E-424A-869A-5281743F2D46}"/>
-              </a:ext>
-              <a:ext uri="{C183D7F6-B498-43B3-948B-1728B52AA6E4}">
-                <adec:decorative xmlns:adec="http://schemas.microsoft.com/office/drawing/2017/decorative" val="1"/>
-              </a:ext>
-            </a:extLst>
-          </p:cNvPr>
-          <p:cNvSpPr>
-            <a:spLocks noGrp="1" noRot="1" noChangeAspect="1" noMove="1" noResize="1" noEditPoints="1" noAdjustHandles="1" noChangeArrowheads="1" noChangeShapeType="1" noTextEdit="1"/>
-          </p:cNvSpPr>
-          <p:nvPr>
-            <p:extLst>
-              <p:ext uri="{386F3935-93C4-4BCD-93E2-E3B085C9AB24}">
-                <p16:designElem xmlns:p16="http://schemas.microsoft.com/office/powerpoint/2015/main" val="1"/>
-              </p:ext>
-            </p:extLst>
-          </p:nvPr>
-        </p:nvSpPr>
-        <p:spPr>
-          <a:xfrm rot="2700000">
-            <a:off x="8624288" y="1584143"/>
-            <a:ext cx="645368" cy="645368"/>
-          </a:xfrm>
-          <a:prstGeom prst="rect">
-            <a:avLst/>
-          </a:prstGeom>
-          <a:solidFill>
-            <a:schemeClr val="accent4">
-              <a:alpha val="30000"/>
-            </a:schemeClr>
-          </a:solidFill>
-          <a:ln>
-            <a:noFill/>
-          </a:ln>
-        </p:spPr>
-        <p:style>
-          <a:lnRef idx="2">
-            <a:schemeClr val="accent1">
-              <a:shade val="50000"/>
-            </a:schemeClr>
-          </a:lnRef>
-          <a:fillRef idx="1">
-            <a:schemeClr val="accent1"/>
-          </a:fillRef>
-          <a:effectRef idx="0">
-            <a:schemeClr val="accent1"/>
-          </a:effectRef>
-          <a:fontRef idx="minor">
-            <a:schemeClr val="lt1"/>
-          </a:fontRef>
-        </p:style>
-        <p:txBody>
-          <a:bodyPr rtlCol="0" anchor="ctr"/>
-          <a:lstStyle/>
-          <a:p>
-            <a:pPr algn="ctr"/>
-            <a:endParaRPr lang="en-US"/>
-          </a:p>
-        </p:txBody>
-      </p:sp>
-      <p:sp>
-        <p:nvSpPr>
-          <p:cNvPr id="26" name="Freeform: Shape 25">
-            <a:extLst>
-              <a:ext uri="{FF2B5EF4-FFF2-40B4-BE49-F238E27FC236}">
-                <a16:creationId xmlns:a16="http://schemas.microsoft.com/office/drawing/2014/main" id="{2401BDF6-9398-44DA-B3E3-5E3E9D80ADE7}"/>
-              </a:ext>
-              <a:ext uri="{C183D7F6-B498-43B3-948B-1728B52AA6E4}">
-                <adec:decorative xmlns:adec="http://schemas.microsoft.com/office/drawing/2017/decorative" val="1"/>
-              </a:ext>
-            </a:extLst>
-          </p:cNvPr>
-          <p:cNvSpPr>
-            <a:spLocks noGrp="1" noRot="1" noChangeAspect="1" noMove="1" noResize="1" noEditPoints="1" noAdjustHandles="1" noChangeArrowheads="1" noChangeShapeType="1" noTextEdit="1"/>
-          </p:cNvSpPr>
-          <p:nvPr>
-            <p:extLst>
-              <p:ext uri="{386F3935-93C4-4BCD-93E2-E3B085C9AB24}">
-                <p16:designElem xmlns:p16="http://schemas.microsoft.com/office/powerpoint/2015/main" val="1"/>
-              </p:ext>
-            </p:extLst>
-          </p:nvPr>
-        </p:nvSpPr>
-        <p:spPr>
-          <a:xfrm rot="2700000">
-            <a:off x="10934212" y="4355671"/>
-            <a:ext cx="1981336" cy="2736866"/>
-          </a:xfrm>
-          <a:custGeom>
-            <a:avLst/>
-            <a:gdLst>
-              <a:gd name="connsiteX0" fmla="*/ 0 w 1981336"/>
-              <a:gd name="connsiteY0" fmla="*/ 0 h 2736866"/>
-              <a:gd name="connsiteX1" fmla="*/ 1981336 w 1981336"/>
-              <a:gd name="connsiteY1" fmla="*/ 1981336 h 2736866"/>
-              <a:gd name="connsiteX2" fmla="*/ 1225806 w 1981336"/>
-              <a:gd name="connsiteY2" fmla="*/ 2736866 h 2736866"/>
-              <a:gd name="connsiteX3" fmla="*/ 0 w 1981336"/>
-              <a:gd name="connsiteY3" fmla="*/ 2736866 h 2736866"/>
-            </a:gdLst>
-            <a:ahLst/>
-            <a:cxnLst>
-              <a:cxn ang="0">
-                <a:pos x="connsiteX0" y="connsiteY0"/>
-              </a:cxn>
-              <a:cxn ang="0">
-                <a:pos x="connsiteX1" y="connsiteY1"/>
-              </a:cxn>
-              <a:cxn ang="0">
-                <a:pos x="connsiteX2" y="connsiteY2"/>
-              </a:cxn>
-              <a:cxn ang="0">
-                <a:pos x="connsiteX3" y="connsiteY3"/>
-              </a:cxn>
-            </a:cxnLst>
-            <a:rect l="l" t="t" r="r" b="b"/>
-            <a:pathLst>
-              <a:path w="1981336" h="2736866">
-                <a:moveTo>
-                  <a:pt x="0" y="0"/>
-                </a:moveTo>
-                <a:lnTo>
-                  <a:pt x="1981336" y="1981336"/>
-                </a:lnTo>
-                <a:lnTo>
-                  <a:pt x="1225806" y="2736866"/>
-                </a:lnTo>
-                <a:lnTo>
-                  <a:pt x="0" y="2736866"/>
-                </a:lnTo>
-                <a:close/>
-              </a:path>
-            </a:pathLst>
-          </a:custGeom>
-          <a:solidFill>
-            <a:schemeClr val="accent1">
-              <a:alpha val="30000"/>
-            </a:schemeClr>
-          </a:solidFill>
-          <a:ln>
-            <a:noFill/>
-          </a:ln>
-        </p:spPr>
-        <p:style>
-          <a:lnRef idx="2">
-            <a:schemeClr val="accent1">
-              <a:shade val="50000"/>
-            </a:schemeClr>
-          </a:lnRef>
-          <a:fillRef idx="1">
-            <a:schemeClr val="accent1"/>
-          </a:fillRef>
-          <a:effectRef idx="0">
-            <a:schemeClr val="accent1"/>
-          </a:effectRef>
-          <a:fontRef idx="minor">
-            <a:schemeClr val="lt1"/>
-          </a:fontRef>
-        </p:style>
-        <p:txBody>
-          <a:bodyPr wrap="square" rtlCol="0" anchor="ctr">
-            <a:noAutofit/>
-          </a:bodyPr>
-          <a:lstStyle/>
-          <a:p>
-            <a:pPr algn="ctr"/>
-            <a:endParaRPr lang="en-US"/>
-          </a:p>
-        </p:txBody>
-      </p:sp>
-      <p:sp>
-        <p:nvSpPr>
-          <p:cNvPr id="28" name="Isosceles Triangle 27">
-            <a:extLst>
-              <a:ext uri="{FF2B5EF4-FFF2-40B4-BE49-F238E27FC236}">
-                <a16:creationId xmlns:a16="http://schemas.microsoft.com/office/drawing/2014/main" id="{90BDA9F5-1E5C-404B-9A6C-5D5C8E0D124E}"/>
-              </a:ext>
-              <a:ext uri="{C183D7F6-B498-43B3-948B-1728B52AA6E4}">
-                <adec:decorative xmlns:adec="http://schemas.microsoft.com/office/drawing/2017/decorative" val="1"/>
-              </a:ext>
-            </a:extLst>
-          </p:cNvPr>
-          <p:cNvSpPr>
-            <a:spLocks noGrp="1" noRot="1" noChangeAspect="1" noMove="1" noResize="1" noEditPoints="1" noAdjustHandles="1" noChangeArrowheads="1" noChangeShapeType="1" noTextEdit="1"/>
-          </p:cNvSpPr>
-          <p:nvPr>
-            <p:extLst>
-              <p:ext uri="{386F3935-93C4-4BCD-93E2-E3B085C9AB24}">
-                <p16:designElem xmlns:p16="http://schemas.microsoft.com/office/powerpoint/2015/main" val="1"/>
-              </p:ext>
-            </p:extLst>
-          </p:nvPr>
-        </p:nvSpPr>
-        <p:spPr>
-          <a:xfrm>
-            <a:off x="5775436" y="3687690"/>
-            <a:ext cx="6325510" cy="3170309"/>
-          </a:xfrm>
-          <a:prstGeom prst="triangle">
-            <a:avLst/>
-          </a:prstGeom>
-          <a:solidFill>
-            <a:schemeClr val="accent1">
-              <a:alpha val="30000"/>
-            </a:schemeClr>
-          </a:solidFill>
-          <a:ln>
-            <a:noFill/>
-          </a:ln>
-        </p:spPr>
-        <p:style>
-          <a:lnRef idx="2">
-            <a:schemeClr val="accent1">
-              <a:shade val="50000"/>
-            </a:schemeClr>
-          </a:lnRef>
-          <a:fillRef idx="1">
-            <a:schemeClr val="accent1"/>
-          </a:fillRef>
-          <a:effectRef idx="0">
-            <a:schemeClr val="accent1"/>
-          </a:effectRef>
-          <a:fontRef idx="minor">
-            <a:schemeClr val="lt1"/>
-          </a:fontRef>
-        </p:style>
-        <p:txBody>
-          <a:bodyPr wrap="square" rtlCol="0" anchor="ctr">
-            <a:noAutofit/>
-          </a:bodyPr>
-          <a:lstStyle/>
-          <a:p>
-            <a:pPr algn="ctr"/>
-            <a:endParaRPr lang="en-US"/>
+            <a:endParaRPr lang="en-IN"/>
           </a:p>
         </p:txBody>
       </p:sp>
     </p:spTree>
     <p:extLst>
       <p:ext uri="{BB962C8B-B14F-4D97-AF65-F5344CB8AC3E}">
-        <p14:creationId xmlns:p14="http://schemas.microsoft.com/office/powerpoint/2010/main" val="665999609"/>
+        <p14:creationId xmlns:p14="http://schemas.microsoft.com/office/powerpoint/2010/main" val="3770776131"/>
       </p:ext>
     </p:extLst>
   </p:cSld>
   <p:clrMapOvr>
     <a:masterClrMapping/>
   </p:clrMapOvr>
-  <p:timing>
-    <p:tnLst>
-      <p:par>
-        <p:cTn id="1" dur="indefinite" restart="never" nodeType="tmRoot">
-          <p:childTnLst>
-            <p:seq concurrent="1" nextAc="seek">
-              <p:cTn id="2" dur="indefinite" nodeType="mainSeq">
-                <p:childTnLst>
-                  <p:par>
-                    <p:cTn id="3" fill="hold">
-                      <p:stCondLst>
-                        <p:cond delay="indefinite"/>
-                        <p:cond evt="onBegin" delay="0">
-                          <p:tn val="2"/>
-                        </p:cond>
-                      </p:stCondLst>
-                      <p:childTnLst>
-                        <p:par>
-                          <p:cTn id="4" fill="hold">
-                            <p:stCondLst>
-                              <p:cond delay="0"/>
-                            </p:stCondLst>
-                            <p:childTnLst>
-                              <p:par>
-                                <p:cTn id="5" presetID="10" presetClass="entr" presetSubtype="0" fill="hold" grpId="0" nodeType="withEffect">
-                                  <p:stCondLst>
-                                    <p:cond delay="500"/>
-                                  </p:stCondLst>
-                                  <p:iterate type="lt">
-                                    <p:tmPct val="10000"/>
-                                  </p:iterate>
-                                  <p:childTnLst>
-                                    <p:set>
-                                      <p:cBhvr>
-                                        <p:cTn id="6" dur="1" fill="hold">
-                                          <p:stCondLst>
-                                            <p:cond delay="0"/>
-                                          </p:stCondLst>
-                                        </p:cTn>
-                                        <p:tgtEl>
-                                          <p:spTgt spid="2"/>
-                                        </p:tgtEl>
-                                        <p:attrNameLst>
-                                          <p:attrName>style.visibility</p:attrName>
-                                        </p:attrNameLst>
-                                      </p:cBhvr>
-                                      <p:to>
-                                        <p:strVal val="visible"/>
-                                      </p:to>
-                                    </p:set>
-                                    <p:animEffect transition="in" filter="fade">
-                                      <p:cBhvr>
-                                        <p:cTn id="7" dur="400"/>
-                                        <p:tgtEl>
-                                          <p:spTgt spid="2"/>
-                                        </p:tgtEl>
-                                      </p:cBhvr>
-                                    </p:animEffect>
-                                  </p:childTnLst>
-                                </p:cTn>
-                              </p:par>
-                            </p:childTnLst>
-                          </p:cTn>
-                        </p:par>
-                      </p:childTnLst>
-                    </p:cTn>
-                  </p:par>
-                </p:childTnLst>
-              </p:cTn>
-              <p:prevCondLst>
-                <p:cond evt="onPrev" delay="0">
-                  <p:tgtEl>
-                    <p:sldTgt/>
-                  </p:tgtEl>
-                </p:cond>
-              </p:prevCondLst>
-              <p:nextCondLst>
-                <p:cond evt="onNext" delay="0">
-                  <p:tgtEl>
-                    <p:sldTgt/>
-                  </p:tgtEl>
-                </p:cond>
-              </p:nextCondLst>
-            </p:seq>
-          </p:childTnLst>
-        </p:cTn>
-      </p:par>
-    </p:tnLst>
-    <p:bldLst>
-      <p:bldP spid="2" grpId="0"/>
-    </p:bldLst>
-  </p:timing>
 </p:sld>
 </file>
 
@@ -9785,7 +10829,7 @@
           <p:cNvPr id="2" name="Title 1">
             <a:extLst>
               <a:ext uri="{FF2B5EF4-FFF2-40B4-BE49-F238E27FC236}">
-                <a16:creationId xmlns:a16="http://schemas.microsoft.com/office/drawing/2014/main" id="{CD52AA27-B80B-9A2F-A14A-B59CB473427D}"/>
+                <a16:creationId xmlns:a16="http://schemas.microsoft.com/office/drawing/2014/main" id="{97B170AB-2D94-944B-6C29-D9BBBC0EC86B}"/>
               </a:ext>
             </a:extLst>
           </p:cNvPr>
@@ -9798,13 +10842,13 @@
         </p:nvSpPr>
         <p:spPr>
           <a:xfrm>
-            <a:off x="838200" y="235045"/>
-            <a:ext cx="10515600" cy="719112"/>
+            <a:off x="509337" y="249142"/>
+            <a:ext cx="12007516" cy="974391"/>
           </a:xfrm>
         </p:spPr>
         <p:txBody>
           <a:bodyPr>
-            <a:normAutofit/>
+            <a:noAutofit/>
           </a:bodyPr>
           <a:lstStyle/>
           <a:p>
@@ -9813,118 +10857,81 @@
                 <a:latin typeface="+mn-lt"/>
                 <a:cs typeface="Calibri Light" panose="020F0302020204030204" pitchFamily="34" charset="0"/>
               </a:rPr>
-              <a:t>Linear Regression Model:</a:t>
-            </a:r>
-          </a:p>
-        </p:txBody>
-      </p:sp>
-      <p:sp>
-        <p:nvSpPr>
-          <p:cNvPr id="3" name="Content Placeholder 2">
-            <a:extLst>
-              <a:ext uri="{FF2B5EF4-FFF2-40B4-BE49-F238E27FC236}">
-                <a16:creationId xmlns:a16="http://schemas.microsoft.com/office/drawing/2014/main" id="{00C9AD76-31F6-C25B-A71F-6F72622045D9}"/>
-              </a:ext>
-            </a:extLst>
-          </p:cNvPr>
-          <p:cNvSpPr>
-            <a:spLocks noGrp="1"/>
-          </p:cNvSpPr>
-          <p:nvPr>
-            <p:ph idx="1"/>
-          </p:nvPr>
-        </p:nvSpPr>
-        <p:spPr>
-          <a:xfrm>
-            <a:off x="838199" y="1086678"/>
-            <a:ext cx="9987455" cy="5194852"/>
-          </a:xfrm>
-        </p:spPr>
-        <p:txBody>
-          <a:bodyPr>
-            <a:normAutofit/>
-          </a:bodyPr>
-          <a:lstStyle/>
-          <a:p>
-            <a:r>
-              <a:rPr lang="en-US" sz="1900" dirty="0">
+              <a:t>Feature Selection Using </a:t>
+            </a:r>
+            <a:r>
+              <a:rPr lang="en-IN" sz="3000" b="1" i="0" dirty="0">
+                <a:effectLst/>
+                <a:latin typeface="+mn-lt"/>
                 <a:cs typeface="Calibri Light" panose="020F0302020204030204" pitchFamily="34" charset="0"/>
               </a:rPr>
-              <a:t>Linear regression is a linear approach for modelling the relationship between a scalar response and one or more explanatory variables.</a:t>
+              <a:t>Random Forest Algorithm</a:t>
+            </a:r>
+            <a:br>
+              <a:rPr lang="en-IN" sz="3000" b="1" i="0" dirty="0">
+                <a:effectLst/>
+                <a:latin typeface="+mn-lt"/>
+                <a:cs typeface="Calibri Light" panose="020F0302020204030204" pitchFamily="34" charset="0"/>
+              </a:rPr>
+            </a:br>
+            <a:endParaRPr lang="en-IN" sz="3000" b="1" dirty="0">
+              <a:latin typeface="+mn-lt"/>
+              <a:cs typeface="Calibri Light" panose="020F0302020204030204" pitchFamily="34" charset="0"/>
+            </a:endParaRPr>
+          </a:p>
+        </p:txBody>
+      </p:sp>
+      <p:sp>
+        <p:nvSpPr>
+          <p:cNvPr id="3" name="Content Placeholder 2">
+            <a:extLst>
+              <a:ext uri="{FF2B5EF4-FFF2-40B4-BE49-F238E27FC236}">
+                <a16:creationId xmlns:a16="http://schemas.microsoft.com/office/drawing/2014/main" id="{EA3D4CDB-F5C1-4748-AF99-4E0FE26A4657}"/>
+              </a:ext>
+            </a:extLst>
+          </p:cNvPr>
+          <p:cNvSpPr>
+            <a:spLocks noGrp="1"/>
+          </p:cNvSpPr>
+          <p:nvPr>
+            <p:ph idx="1"/>
+          </p:nvPr>
+        </p:nvSpPr>
+        <p:spPr>
+          <a:xfrm>
+            <a:off x="336884" y="994611"/>
+            <a:ext cx="11016916" cy="5182352"/>
+          </a:xfrm>
+        </p:spPr>
+        <p:txBody>
+          <a:bodyPr/>
+          <a:lstStyle/>
+          <a:p>
+            <a:r>
+              <a:rPr lang="en-IN" sz="2400" b="1" dirty="0">
+                <a:latin typeface="Calibri Light" panose="020F0302020204030204" pitchFamily="34" charset="0"/>
+                <a:cs typeface="Calibri Light" panose="020F0302020204030204" pitchFamily="34" charset="0"/>
+              </a:rPr>
+              <a:t>Model fitting:</a:t>
             </a:r>
           </a:p>
           <a:p>
             <a:pPr marL="0" indent="0">
               <a:buNone/>
             </a:pPr>
-            <a:endParaRPr lang="en-US" sz="1900" b="1" dirty="0">
+            <a:endParaRPr lang="en-IN" b="1" dirty="0">
+              <a:latin typeface="Calibri Light" panose="020F0302020204030204" pitchFamily="34" charset="0"/>
               <a:cs typeface="Calibri Light" panose="020F0302020204030204" pitchFamily="34" charset="0"/>
             </a:endParaRPr>
           </a:p>
-          <a:p>
-            <a:pPr marL="0" indent="0">
-              <a:buNone/>
-            </a:pPr>
-            <a:r>
-              <a:rPr lang="en-US" sz="2000" b="1" dirty="0">
-                <a:cs typeface="Calibri Light" panose="020F0302020204030204" pitchFamily="34" charset="0"/>
-              </a:rPr>
-              <a:t>Mathematical Equation: </a:t>
-            </a:r>
-            <a:r>
-              <a:rPr lang="en-IN" sz="2000" b="1" i="0" dirty="0">
-                <a:effectLst/>
-                <a:cs typeface="Calibri Light" panose="020F0302020204030204" pitchFamily="34" charset="0"/>
-              </a:rPr>
-              <a:t>      </a:t>
-            </a:r>
-            <a:r>
-              <a:rPr lang="en-IN" sz="2000" i="1" dirty="0">
-                <a:effectLst/>
-                <a:cs typeface="Calibri Light" panose="020F0302020204030204" pitchFamily="34" charset="0"/>
-              </a:rPr>
-              <a:t>y =b0+b1x</a:t>
-            </a:r>
-            <a:endParaRPr lang="en-US" sz="2000" dirty="0"/>
-          </a:p>
-          <a:p>
-            <a:pPr marL="457200" lvl="1" indent="0">
-              <a:buNone/>
-            </a:pPr>
-            <a:endParaRPr lang="en-IN" sz="2000" i="0" dirty="0">
-              <a:effectLst/>
-            </a:endParaRPr>
-          </a:p>
-          <a:p>
-            <a:pPr marL="457200" lvl="1" indent="0">
-              <a:buNone/>
-            </a:pPr>
-            <a:endParaRPr lang="en-US" sz="2800" dirty="0">
-              <a:solidFill>
-                <a:schemeClr val="tx1"/>
-              </a:solidFill>
-              <a:latin typeface="+mj-lt"/>
-            </a:endParaRPr>
-          </a:p>
-          <a:p>
-            <a:pPr marL="457200" lvl="1" indent="0">
-              <a:buNone/>
-            </a:pPr>
-            <a:endParaRPr lang="en-US" sz="2800" dirty="0">
-              <a:solidFill>
-                <a:schemeClr val="tx1"/>
-              </a:solidFill>
-              <a:latin typeface="+mj-lt"/>
-            </a:endParaRPr>
-          </a:p>
         </p:txBody>
       </p:sp>
       <p:pic>
         <p:nvPicPr>
-          <p:cNvPr id="8" name="Picture 7">
-            <a:extLst>
-              <a:ext uri="{FF2B5EF4-FFF2-40B4-BE49-F238E27FC236}">
-                <a16:creationId xmlns:a16="http://schemas.microsoft.com/office/drawing/2014/main" id="{82D84A91-1815-CA7F-8E7B-DECAC506B360}"/>
+          <p:cNvPr id="5" name="Picture 4">
+            <a:extLst>
+              <a:ext uri="{FF2B5EF4-FFF2-40B4-BE49-F238E27FC236}">
+                <a16:creationId xmlns:a16="http://schemas.microsoft.com/office/drawing/2014/main" id="{0F1409FD-2918-21DD-47E0-4744F921D54A}"/>
               </a:ext>
             </a:extLst>
           </p:cNvPr>
@@ -9941,8 +10948,8 @@
         </p:blipFill>
         <p:spPr>
           <a:xfrm>
-            <a:off x="657018" y="3207758"/>
-            <a:ext cx="5692016" cy="2739336"/>
+            <a:off x="2020188" y="1911393"/>
+            <a:ext cx="7285351" cy="548688"/>
           </a:xfrm>
           <a:prstGeom prst="rect">
             <a:avLst/>
@@ -9951,10 +10958,10 @@
       </p:pic>
       <p:sp>
         <p:nvSpPr>
-          <p:cNvPr id="4" name="TextBox 3">
-            <a:extLst>
-              <a:ext uri="{FF2B5EF4-FFF2-40B4-BE49-F238E27FC236}">
-                <a16:creationId xmlns:a16="http://schemas.microsoft.com/office/drawing/2014/main" id="{2C796A73-E7E2-0A67-B353-27C323AC5538}"/>
+          <p:cNvPr id="8" name="TextBox 7">
+            <a:extLst>
+              <a:ext uri="{FF2B5EF4-FFF2-40B4-BE49-F238E27FC236}">
+                <a16:creationId xmlns:a16="http://schemas.microsoft.com/office/drawing/2014/main" id="{ADA1B2B3-CDE5-670D-3710-D0C0F7C766C7}"/>
               </a:ext>
             </a:extLst>
           </p:cNvPr>
@@ -9963,8 +10970,8 @@
         </p:nvSpPr>
         <p:spPr>
           <a:xfrm>
-            <a:off x="2705201" y="4817076"/>
-            <a:ext cx="2955444" cy="707886"/>
+            <a:off x="6761398" y="3098968"/>
+            <a:ext cx="4483768" cy="2985433"/>
           </a:xfrm>
           <a:prstGeom prst="rect">
             <a:avLst/>
@@ -9978,50 +10985,83 @@
           <a:lstStyle/>
           <a:p>
             <a:r>
-              <a:rPr lang="en-US" sz="2000" b="1" i="1" dirty="0">
-                <a:solidFill>
-                  <a:srgbClr val="000000"/>
-                </a:solidFill>
+              <a:rPr lang="en-IN" sz="2000" b="1" dirty="0" err="1">
                 <a:latin typeface="Calibri Light" panose="020F0302020204030204" pitchFamily="34" charset="0"/>
                 <a:cs typeface="Calibri Light" panose="020F0302020204030204" pitchFamily="34" charset="0"/>
               </a:rPr>
-              <a:t>b0: </a:t>
-            </a:r>
-            <a:r>
-              <a:rPr lang="en-US" sz="2000" b="1" i="1" dirty="0">
-                <a:solidFill>
-                  <a:srgbClr val="000000"/>
-                </a:solidFill>
-                <a:effectLst/>
+              <a:t>Production_year</a:t>
+            </a:r>
+            <a:r>
+              <a:rPr lang="en-IN" sz="2000" b="1" dirty="0">
                 <a:latin typeface="Calibri Light" panose="020F0302020204030204" pitchFamily="34" charset="0"/>
                 <a:cs typeface="Calibri Light" panose="020F0302020204030204" pitchFamily="34" charset="0"/>
               </a:rPr>
-              <a:t>Intercept of the line</a:t>
-            </a:r>
-          </a:p>
-          <a:p>
-            <a:r>
-              <a:rPr lang="en-US" sz="2000" b="1" i="1" dirty="0">
-                <a:solidFill>
-                  <a:srgbClr val="000000"/>
-                </a:solidFill>
+              <a:t>, Engine_capacity, drivetrain, body_type and average brand price are the most important features in the prediction of resale car prices </a:t>
+            </a:r>
+          </a:p>
+          <a:p>
+            <a:endParaRPr lang="en-IN" sz="2000" b="1" dirty="0">
+              <a:latin typeface="Calibri Light" panose="020F0302020204030204" pitchFamily="34" charset="0"/>
+              <a:cs typeface="Calibri Light" panose="020F0302020204030204" pitchFamily="34" charset="0"/>
+            </a:endParaRPr>
+          </a:p>
+          <a:p>
+            <a:r>
+              <a:rPr lang="en-IN" sz="2000" b="1" dirty="0">
                 <a:latin typeface="Calibri Light" panose="020F0302020204030204" pitchFamily="34" charset="0"/>
                 <a:cs typeface="Calibri Light" panose="020F0302020204030204" pitchFamily="34" charset="0"/>
               </a:rPr>
-              <a:t>b1: Regression Coefficient</a:t>
-            </a:r>
-            <a:endParaRPr lang="hi-IN" sz="2000" b="1" dirty="0">
+              <a:t>Some features like </a:t>
+            </a:r>
+            <a:r>
+              <a:rPr lang="en-IN" sz="2000" b="1" dirty="0" err="1">
+                <a:latin typeface="Calibri Light" panose="020F0302020204030204" pitchFamily="34" charset="0"/>
+                <a:cs typeface="Calibri Light" panose="020F0302020204030204" pitchFamily="34" charset="0"/>
+              </a:rPr>
+              <a:t>is_exchangeable</a:t>
+            </a:r>
+            <a:r>
+              <a:rPr lang="en-IN" sz="2000" b="1" dirty="0">
+                <a:latin typeface="Calibri Light" panose="020F0302020204030204" pitchFamily="34" charset="0"/>
+                <a:cs typeface="Calibri Light" panose="020F0302020204030204" pitchFamily="34" charset="0"/>
+              </a:rPr>
+              <a:t>, state and </a:t>
+            </a:r>
+            <a:r>
+              <a:rPr lang="en-IN" sz="2000" b="1" dirty="0" err="1">
+                <a:latin typeface="Calibri Light" panose="020F0302020204030204" pitchFamily="34" charset="0"/>
+                <a:cs typeface="Calibri Light" panose="020F0302020204030204" pitchFamily="34" charset="0"/>
+              </a:rPr>
+              <a:t>engine_has_gas</a:t>
+            </a:r>
+            <a:r>
+              <a:rPr lang="en-IN" sz="2000" b="1" dirty="0">
+                <a:latin typeface="Calibri Light" panose="020F0302020204030204" pitchFamily="34" charset="0"/>
+                <a:cs typeface="Calibri Light" panose="020F0302020204030204" pitchFamily="34" charset="0"/>
+              </a:rPr>
+              <a:t> are not important compared to other features.</a:t>
+            </a:r>
+          </a:p>
+          <a:p>
+            <a:endParaRPr lang="en-IN" sz="1400" b="1" dirty="0">
               <a:latin typeface="Calibri Light" panose="020F0302020204030204" pitchFamily="34" charset="0"/>
+              <a:cs typeface="Calibri Light" panose="020F0302020204030204" pitchFamily="34" charset="0"/>
+            </a:endParaRPr>
+          </a:p>
+          <a:p>
+            <a:endParaRPr lang="en-IN" sz="1400" b="1" dirty="0">
+              <a:latin typeface="Calibri Light" panose="020F0302020204030204" pitchFamily="34" charset="0"/>
+              <a:cs typeface="Calibri Light" panose="020F0302020204030204" pitchFamily="34" charset="0"/>
             </a:endParaRPr>
           </a:p>
         </p:txBody>
       </p:sp>
       <p:pic>
         <p:nvPicPr>
-          <p:cNvPr id="14" name="Picture 13">
-            <a:extLst>
-              <a:ext uri="{FF2B5EF4-FFF2-40B4-BE49-F238E27FC236}">
-                <a16:creationId xmlns:a16="http://schemas.microsoft.com/office/drawing/2014/main" id="{C0903322-231D-92B6-2CC8-1C55ED5A4117}"/>
+          <p:cNvPr id="4" name="Picture 3">
+            <a:extLst>
+              <a:ext uri="{FF2B5EF4-FFF2-40B4-BE49-F238E27FC236}">
+                <a16:creationId xmlns:a16="http://schemas.microsoft.com/office/drawing/2014/main" id="{EBC5F0EE-B10F-FB2D-DB5A-17619A4D5692}"/>
               </a:ext>
             </a:extLst>
           </p:cNvPr>
@@ -10038,8 +11078,8 @@
         </p:blipFill>
         <p:spPr>
           <a:xfrm>
-            <a:off x="5831926" y="2822713"/>
-            <a:ext cx="5934075" cy="3246781"/>
+            <a:off x="509337" y="2762907"/>
+            <a:ext cx="5831304" cy="3414056"/>
           </a:xfrm>
           <a:prstGeom prst="rect">
             <a:avLst/>
@@ -10049,7 +11089,7 @@
     </p:spTree>
     <p:extLst>
       <p:ext uri="{BB962C8B-B14F-4D97-AF65-F5344CB8AC3E}">
-        <p14:creationId xmlns:p14="http://schemas.microsoft.com/office/powerpoint/2010/main" val="4287874977"/>
+        <p14:creationId xmlns:p14="http://schemas.microsoft.com/office/powerpoint/2010/main" val="334321172"/>
       </p:ext>
     </p:extLst>
   </p:cSld>

--- a/TEAM 8_FINAL_PRESENTATION.pptx
+++ b/TEAM 8_FINAL_PRESENTATION.pptx
@@ -17,6 +17,13 @@
     <p:sldId id="281" r:id="rId11"/>
     <p:sldId id="268" r:id="rId12"/>
     <p:sldId id="293" r:id="rId13"/>
+    <p:sldId id="271" r:id="rId14"/>
+    <p:sldId id="307" r:id="rId15"/>
+    <p:sldId id="287" r:id="rId16"/>
+    <p:sldId id="308" r:id="rId17"/>
+    <p:sldId id="282" r:id="rId18"/>
+    <p:sldId id="309" r:id="rId19"/>
+    <p:sldId id="300" r:id="rId20"/>
   </p:sldIdLst>
   <p:sldSz cx="12192000" cy="6858000"/>
   <p:notesSz cx="6858000" cy="9144000"/>
@@ -126,7 +133,7 @@
 <file path=ppt/revisionInfo.xml><?xml version="1.0" encoding="utf-8"?>
 <p1510:revInfo xmlns:a="http://schemas.openxmlformats.org/drawingml/2006/main" xmlns:r="http://schemas.openxmlformats.org/officeDocument/2006/relationships" xmlns:p1510="http://schemas.microsoft.com/office/powerpoint/2015/10/main">
   <p1510:revLst>
-    <p1510:client id="{99DF3C28-EA72-44FB-B663-A163AB2F859F}" v="1" dt="2022-12-08T20:40:05.645"/>
+    <p1510:client id="{99DF3C28-EA72-44FB-B663-A163AB2F859F}" v="3" dt="2022-12-08T20:43:47.053"/>
   </p1510:revLst>
 </p1510:revInfo>
 </file>
@@ -136,18 +143,46 @@
   <pc:docChgLst>
     <pc:chgData name="Yashwant Bhaidkar" userId="43c987480cbf8a3d" providerId="LiveId" clId="{99DF3C28-EA72-44FB-B663-A163AB2F859F}"/>
     <pc:docChg chg="addSld delSld modSld">
-      <pc:chgData name="Yashwant Bhaidkar" userId="43c987480cbf8a3d" providerId="LiveId" clId="{99DF3C28-EA72-44FB-B663-A163AB2F859F}" dt="2022-12-08T20:40:08.963" v="2" actId="47"/>
+      <pc:chgData name="Yashwant Bhaidkar" userId="43c987480cbf8a3d" providerId="LiveId" clId="{99DF3C28-EA72-44FB-B663-A163AB2F859F}" dt="2022-12-08T20:43:47.047" v="7"/>
       <pc:docMkLst>
         <pc:docMk/>
       </pc:docMkLst>
+      <pc:sldChg chg="add">
+        <pc:chgData name="Yashwant Bhaidkar" userId="43c987480cbf8a3d" providerId="LiveId" clId="{99DF3C28-EA72-44FB-B663-A163AB2F859F}" dt="2022-12-08T20:43:11.576" v="4"/>
+        <pc:sldMkLst>
+          <pc:docMk/>
+          <pc:sldMk cId="1428237834" sldId="271"/>
+        </pc:sldMkLst>
+      </pc:sldChg>
+      <pc:sldChg chg="add">
+        <pc:chgData name="Yashwant Bhaidkar" userId="43c987480cbf8a3d" providerId="LiveId" clId="{99DF3C28-EA72-44FB-B663-A163AB2F859F}" dt="2022-12-08T20:43:11.576" v="4"/>
+        <pc:sldMkLst>
+          <pc:docMk/>
+          <pc:sldMk cId="841477307" sldId="282"/>
+        </pc:sldMkLst>
+      </pc:sldChg>
+      <pc:sldChg chg="add">
+        <pc:chgData name="Yashwant Bhaidkar" userId="43c987480cbf8a3d" providerId="LiveId" clId="{99DF3C28-EA72-44FB-B663-A163AB2F859F}" dt="2022-12-08T20:43:11.576" v="4"/>
+        <pc:sldMkLst>
+          <pc:docMk/>
+          <pc:sldMk cId="969963409" sldId="287"/>
+        </pc:sldMkLst>
+      </pc:sldChg>
+      <pc:sldChg chg="add">
+        <pc:chgData name="Yashwant Bhaidkar" userId="43c987480cbf8a3d" providerId="LiveId" clId="{99DF3C28-EA72-44FB-B663-A163AB2F859F}" dt="2022-12-08T20:43:47.047" v="7"/>
+        <pc:sldMkLst>
+          <pc:docMk/>
+          <pc:sldMk cId="730172255" sldId="300"/>
+        </pc:sldMkLst>
+      </pc:sldChg>
       <pc:sldChg chg="delSp add del setBg delDesignElem">
-        <pc:chgData name="Yashwant Bhaidkar" userId="43c987480cbf8a3d" providerId="LiveId" clId="{99DF3C28-EA72-44FB-B663-A163AB2F859F}" dt="2022-12-08T20:40:08.963" v="2" actId="47"/>
+        <pc:chgData name="Yashwant Bhaidkar" userId="43c987480cbf8a3d" providerId="LiveId" clId="{99DF3C28-EA72-44FB-B663-A163AB2F859F}" dt="2022-12-08T20:43:45.508" v="6" actId="2696"/>
         <pc:sldMkLst>
           <pc:docMk/>
           <pc:sldMk cId="1795419846" sldId="300"/>
         </pc:sldMkLst>
         <pc:spChg chg="del">
-          <ac:chgData name="Yashwant Bhaidkar" userId="43c987480cbf8a3d" providerId="LiveId" clId="{99DF3C28-EA72-44FB-B663-A163AB2F859F}" dt="2022-12-08T20:40:05.645" v="1"/>
+          <ac:chgData name="Yashwant Bhaidkar" userId="43c987480cbf8a3d" providerId="LiveId" clId="{99DF3C28-EA72-44FB-B663-A163AB2F859F}" dt="2022-12-08T20:43:11.576" v="4"/>
           <ac:spMkLst>
             <pc:docMk/>
             <pc:sldMk cId="1795419846" sldId="300"/>
@@ -155,7 +190,7 @@
           </ac:spMkLst>
         </pc:spChg>
         <pc:spChg chg="del">
-          <ac:chgData name="Yashwant Bhaidkar" userId="43c987480cbf8a3d" providerId="LiveId" clId="{99DF3C28-EA72-44FB-B663-A163AB2F859F}" dt="2022-12-08T20:40:05.645" v="1"/>
+          <ac:chgData name="Yashwant Bhaidkar" userId="43c987480cbf8a3d" providerId="LiveId" clId="{99DF3C28-EA72-44FB-B663-A163AB2F859F}" dt="2022-12-08T20:43:11.576" v="4"/>
           <ac:spMkLst>
             <pc:docMk/>
             <pc:sldMk cId="1795419846" sldId="300"/>
@@ -163,7 +198,7 @@
           </ac:spMkLst>
         </pc:spChg>
         <pc:spChg chg="del">
-          <ac:chgData name="Yashwant Bhaidkar" userId="43c987480cbf8a3d" providerId="LiveId" clId="{99DF3C28-EA72-44FB-B663-A163AB2F859F}" dt="2022-12-08T20:40:05.645" v="1"/>
+          <ac:chgData name="Yashwant Bhaidkar" userId="43c987480cbf8a3d" providerId="LiveId" clId="{99DF3C28-EA72-44FB-B663-A163AB2F859F}" dt="2022-12-08T20:43:11.576" v="4"/>
           <ac:spMkLst>
             <pc:docMk/>
             <pc:sldMk cId="1795419846" sldId="300"/>
@@ -171,7 +206,7 @@
           </ac:spMkLst>
         </pc:spChg>
         <pc:spChg chg="del">
-          <ac:chgData name="Yashwant Bhaidkar" userId="43c987480cbf8a3d" providerId="LiveId" clId="{99DF3C28-EA72-44FB-B663-A163AB2F859F}" dt="2022-12-08T20:40:05.645" v="1"/>
+          <ac:chgData name="Yashwant Bhaidkar" userId="43c987480cbf8a3d" providerId="LiveId" clId="{99DF3C28-EA72-44FB-B663-A163AB2F859F}" dt="2022-12-08T20:43:11.576" v="4"/>
           <ac:spMkLst>
             <pc:docMk/>
             <pc:sldMk cId="1795419846" sldId="300"/>
@@ -179,7 +214,7 @@
           </ac:spMkLst>
         </pc:spChg>
         <pc:spChg chg="del">
-          <ac:chgData name="Yashwant Bhaidkar" userId="43c987480cbf8a3d" providerId="LiveId" clId="{99DF3C28-EA72-44FB-B663-A163AB2F859F}" dt="2022-12-08T20:40:05.645" v="1"/>
+          <ac:chgData name="Yashwant Bhaidkar" userId="43c987480cbf8a3d" providerId="LiveId" clId="{99DF3C28-EA72-44FB-B663-A163AB2F859F}" dt="2022-12-08T20:43:11.576" v="4"/>
           <ac:spMkLst>
             <pc:docMk/>
             <pc:sldMk cId="1795419846" sldId="300"/>
@@ -187,7 +222,7 @@
           </ac:spMkLst>
         </pc:spChg>
         <pc:spChg chg="del">
-          <ac:chgData name="Yashwant Bhaidkar" userId="43c987480cbf8a3d" providerId="LiveId" clId="{99DF3C28-EA72-44FB-B663-A163AB2F859F}" dt="2022-12-08T20:40:05.645" v="1"/>
+          <ac:chgData name="Yashwant Bhaidkar" userId="43c987480cbf8a3d" providerId="LiveId" clId="{99DF3C28-EA72-44FB-B663-A163AB2F859F}" dt="2022-12-08T20:43:11.576" v="4"/>
           <ac:spMkLst>
             <pc:docMk/>
             <pc:sldMk cId="1795419846" sldId="300"/>
@@ -195,7 +230,7 @@
           </ac:spMkLst>
         </pc:spChg>
         <pc:spChg chg="del">
-          <ac:chgData name="Yashwant Bhaidkar" userId="43c987480cbf8a3d" providerId="LiveId" clId="{99DF3C28-EA72-44FB-B663-A163AB2F859F}" dt="2022-12-08T20:40:05.645" v="1"/>
+          <ac:chgData name="Yashwant Bhaidkar" userId="43c987480cbf8a3d" providerId="LiveId" clId="{99DF3C28-EA72-44FB-B663-A163AB2F859F}" dt="2022-12-08T20:43:11.576" v="4"/>
           <ac:spMkLst>
             <pc:docMk/>
             <pc:sldMk cId="1795419846" sldId="300"/>
@@ -203,7 +238,7 @@
           </ac:spMkLst>
         </pc:spChg>
         <pc:spChg chg="del">
-          <ac:chgData name="Yashwant Bhaidkar" userId="43c987480cbf8a3d" providerId="LiveId" clId="{99DF3C28-EA72-44FB-B663-A163AB2F859F}" dt="2022-12-08T20:40:05.645" v="1"/>
+          <ac:chgData name="Yashwant Bhaidkar" userId="43c987480cbf8a3d" providerId="LiveId" clId="{99DF3C28-EA72-44FB-B663-A163AB2F859F}" dt="2022-12-08T20:43:11.576" v="4"/>
           <ac:spMkLst>
             <pc:docMk/>
             <pc:sldMk cId="1795419846" sldId="300"/>
@@ -211,7 +246,7 @@
           </ac:spMkLst>
         </pc:spChg>
         <pc:spChg chg="del">
-          <ac:chgData name="Yashwant Bhaidkar" userId="43c987480cbf8a3d" providerId="LiveId" clId="{99DF3C28-EA72-44FB-B663-A163AB2F859F}" dt="2022-12-08T20:40:05.645" v="1"/>
+          <ac:chgData name="Yashwant Bhaidkar" userId="43c987480cbf8a3d" providerId="LiveId" clId="{99DF3C28-EA72-44FB-B663-A163AB2F859F}" dt="2022-12-08T20:43:11.576" v="4"/>
           <ac:spMkLst>
             <pc:docMk/>
             <pc:sldMk cId="1795419846" sldId="300"/>
@@ -219,7 +254,7 @@
           </ac:spMkLst>
         </pc:spChg>
         <pc:spChg chg="del">
-          <ac:chgData name="Yashwant Bhaidkar" userId="43c987480cbf8a3d" providerId="LiveId" clId="{99DF3C28-EA72-44FB-B663-A163AB2F859F}" dt="2022-12-08T20:40:05.645" v="1"/>
+          <ac:chgData name="Yashwant Bhaidkar" userId="43c987480cbf8a3d" providerId="LiveId" clId="{99DF3C28-EA72-44FB-B663-A163AB2F859F}" dt="2022-12-08T20:43:11.576" v="4"/>
           <ac:spMkLst>
             <pc:docMk/>
             <pc:sldMk cId="1795419846" sldId="300"/>
@@ -227,7 +262,7 @@
           </ac:spMkLst>
         </pc:spChg>
         <pc:spChg chg="del">
-          <ac:chgData name="Yashwant Bhaidkar" userId="43c987480cbf8a3d" providerId="LiveId" clId="{99DF3C28-EA72-44FB-B663-A163AB2F859F}" dt="2022-12-08T20:40:05.645" v="1"/>
+          <ac:chgData name="Yashwant Bhaidkar" userId="43c987480cbf8a3d" providerId="LiveId" clId="{99DF3C28-EA72-44FB-B663-A163AB2F859F}" dt="2022-12-08T20:43:11.576" v="4"/>
           <ac:spMkLst>
             <pc:docMk/>
             <pc:sldMk cId="1795419846" sldId="300"/>
@@ -247,6 +282,41 @@
         <pc:sldMkLst>
           <pc:docMk/>
           <pc:sldMk cId="334321172" sldId="304"/>
+        </pc:sldMkLst>
+      </pc:sldChg>
+      <pc:sldChg chg="add del">
+        <pc:chgData name="Yashwant Bhaidkar" userId="43c987480cbf8a3d" providerId="LiveId" clId="{99DF3C28-EA72-44FB-B663-A163AB2F859F}" dt="2022-12-08T20:43:32.262" v="5" actId="2696"/>
+        <pc:sldMkLst>
+          <pc:docMk/>
+          <pc:sldMk cId="3520408403" sldId="305"/>
+        </pc:sldMkLst>
+      </pc:sldChg>
+      <pc:sldChg chg="add del">
+        <pc:chgData name="Yashwant Bhaidkar" userId="43c987480cbf8a3d" providerId="LiveId" clId="{99DF3C28-EA72-44FB-B663-A163AB2F859F}" dt="2022-12-08T20:43:32.262" v="5" actId="2696"/>
+        <pc:sldMkLst>
+          <pc:docMk/>
+          <pc:sldMk cId="1474624219" sldId="306"/>
+        </pc:sldMkLst>
+      </pc:sldChg>
+      <pc:sldChg chg="add">
+        <pc:chgData name="Yashwant Bhaidkar" userId="43c987480cbf8a3d" providerId="LiveId" clId="{99DF3C28-EA72-44FB-B663-A163AB2F859F}" dt="2022-12-08T20:43:11.576" v="4"/>
+        <pc:sldMkLst>
+          <pc:docMk/>
+          <pc:sldMk cId="909250607" sldId="307"/>
+        </pc:sldMkLst>
+      </pc:sldChg>
+      <pc:sldChg chg="add">
+        <pc:chgData name="Yashwant Bhaidkar" userId="43c987480cbf8a3d" providerId="LiveId" clId="{99DF3C28-EA72-44FB-B663-A163AB2F859F}" dt="2022-12-08T20:43:11.576" v="4"/>
+        <pc:sldMkLst>
+          <pc:docMk/>
+          <pc:sldMk cId="581151939" sldId="308"/>
+        </pc:sldMkLst>
+      </pc:sldChg>
+      <pc:sldChg chg="add">
+        <pc:chgData name="Yashwant Bhaidkar" userId="43c987480cbf8a3d" providerId="LiveId" clId="{99DF3C28-EA72-44FB-B663-A163AB2F859F}" dt="2022-12-08T20:43:11.576" v="4"/>
+        <pc:sldMkLst>
+          <pc:docMk/>
+          <pc:sldMk cId="4090539189" sldId="309"/>
         </pc:sldMkLst>
       </pc:sldChg>
     </pc:docChg>
@@ -6032,6 +6102,2594 @@
       <p:transition spd="slow" advTm="9028"/>
     </mc:Fallback>
   </mc:AlternateContent>
+</p:sld>
+</file>
+
+<file path=ppt/slides/slide13.xml><?xml version="1.0" encoding="utf-8"?>
+<p:sld xmlns:a="http://schemas.openxmlformats.org/drawingml/2006/main" xmlns:r="http://schemas.openxmlformats.org/officeDocument/2006/relationships" xmlns:p="http://schemas.openxmlformats.org/presentationml/2006/main">
+  <p:cSld>
+    <p:spTree>
+      <p:nvGrpSpPr>
+        <p:cNvPr id="1" name=""/>
+        <p:cNvGrpSpPr/>
+        <p:nvPr/>
+      </p:nvGrpSpPr>
+      <p:grpSpPr>
+        <a:xfrm>
+          <a:off x="0" y="0"/>
+          <a:ext cx="0" cy="0"/>
+          <a:chOff x="0" y="0"/>
+          <a:chExt cx="0" cy="0"/>
+        </a:xfrm>
+      </p:grpSpPr>
+      <p:sp>
+        <p:nvSpPr>
+          <p:cNvPr id="2" name="Title 1">
+            <a:extLst>
+              <a:ext uri="{FF2B5EF4-FFF2-40B4-BE49-F238E27FC236}">
+                <a16:creationId xmlns:a16="http://schemas.microsoft.com/office/drawing/2014/main" id="{BD76F5DC-947E-7F44-F695-683988A91641}"/>
+              </a:ext>
+            </a:extLst>
+          </p:cNvPr>
+          <p:cNvSpPr>
+            <a:spLocks noGrp="1"/>
+          </p:cNvSpPr>
+          <p:nvPr>
+            <p:ph type="title"/>
+          </p:nvPr>
+        </p:nvSpPr>
+        <p:spPr>
+          <a:xfrm>
+            <a:off x="387178" y="0"/>
+            <a:ext cx="10515600" cy="713665"/>
+          </a:xfrm>
+        </p:spPr>
+        <p:txBody>
+          <a:bodyPr>
+            <a:normAutofit/>
+          </a:bodyPr>
+          <a:lstStyle/>
+          <a:p>
+            <a:r>
+              <a:rPr lang="en-IN" sz="3200" b="1" dirty="0">
+                <a:latin typeface="+mn-lt"/>
+              </a:rPr>
+              <a:t>Random Forest Regressor</a:t>
+            </a:r>
+          </a:p>
+        </p:txBody>
+      </p:sp>
+      <p:sp>
+        <p:nvSpPr>
+          <p:cNvPr id="3" name="Content Placeholder 2">
+            <a:extLst>
+              <a:ext uri="{FF2B5EF4-FFF2-40B4-BE49-F238E27FC236}">
+                <a16:creationId xmlns:a16="http://schemas.microsoft.com/office/drawing/2014/main" id="{997CA512-24F3-ECA9-AB32-6426466FA640}"/>
+              </a:ext>
+            </a:extLst>
+          </p:cNvPr>
+          <p:cNvSpPr>
+            <a:spLocks noGrp="1"/>
+          </p:cNvSpPr>
+          <p:nvPr>
+            <p:ph idx="1"/>
+          </p:nvPr>
+        </p:nvSpPr>
+        <p:spPr>
+          <a:xfrm>
+            <a:off x="387178" y="825277"/>
+            <a:ext cx="11588254" cy="5880323"/>
+          </a:xfrm>
+        </p:spPr>
+        <p:txBody>
+          <a:bodyPr/>
+          <a:lstStyle/>
+          <a:p>
+            <a:pPr marL="0" indent="0">
+              <a:buNone/>
+            </a:pPr>
+            <a:r>
+              <a:rPr lang="en-IN" sz="2000" dirty="0"/>
+              <a:t>Random forest is a decision tree-based algorithm that uses the bagging(Bootstrap Aggregation)</a:t>
+            </a:r>
+          </a:p>
+          <a:p>
+            <a:pPr marL="0" indent="0">
+              <a:buNone/>
+            </a:pPr>
+            <a:r>
+              <a:rPr lang="en-IN" sz="2000" dirty="0"/>
+              <a:t> technique to reduce the variance of the model.</a:t>
+            </a:r>
+          </a:p>
+          <a:p>
+            <a:endParaRPr lang="en-IN" b="1" dirty="0"/>
+          </a:p>
+        </p:txBody>
+      </p:sp>
+      <p:pic>
+        <p:nvPicPr>
+          <p:cNvPr id="10" name="Picture 9">
+            <a:extLst>
+              <a:ext uri="{FF2B5EF4-FFF2-40B4-BE49-F238E27FC236}">
+                <a16:creationId xmlns:a16="http://schemas.microsoft.com/office/drawing/2014/main" id="{4EF98919-EEE6-9D37-34E5-8A630A15E538}"/>
+              </a:ext>
+            </a:extLst>
+          </p:cNvPr>
+          <p:cNvPicPr>
+            <a:picLocks noChangeAspect="1"/>
+          </p:cNvPicPr>
+          <p:nvPr/>
+        </p:nvPicPr>
+        <p:blipFill>
+          <a:blip r:embed="rId2"/>
+          <a:stretch>
+            <a:fillRect/>
+          </a:stretch>
+        </p:blipFill>
+        <p:spPr>
+          <a:xfrm>
+            <a:off x="485822" y="2179773"/>
+            <a:ext cx="5334000" cy="4371681"/>
+          </a:xfrm>
+          <a:prstGeom prst="rect">
+            <a:avLst/>
+          </a:prstGeom>
+        </p:spPr>
+      </p:pic>
+      <p:pic>
+        <p:nvPicPr>
+          <p:cNvPr id="12" name="Picture 11">
+            <a:extLst>
+              <a:ext uri="{FF2B5EF4-FFF2-40B4-BE49-F238E27FC236}">
+                <a16:creationId xmlns:a16="http://schemas.microsoft.com/office/drawing/2014/main" id="{D49ECD90-0840-6902-59BE-12C49FCD18B3}"/>
+              </a:ext>
+            </a:extLst>
+          </p:cNvPr>
+          <p:cNvPicPr>
+            <a:picLocks noChangeAspect="1"/>
+          </p:cNvPicPr>
+          <p:nvPr/>
+        </p:nvPicPr>
+        <p:blipFill>
+          <a:blip r:embed="rId3"/>
+          <a:stretch>
+            <a:fillRect/>
+          </a:stretch>
+        </p:blipFill>
+        <p:spPr>
+          <a:xfrm>
+            <a:off x="6841080" y="2730555"/>
+            <a:ext cx="4568712" cy="3302168"/>
+          </a:xfrm>
+          <a:prstGeom prst="rect">
+            <a:avLst/>
+          </a:prstGeom>
+        </p:spPr>
+      </p:pic>
+      <p:sp>
+        <p:nvSpPr>
+          <p:cNvPr id="4" name="TextBox 3">
+            <a:extLst>
+              <a:ext uri="{FF2B5EF4-FFF2-40B4-BE49-F238E27FC236}">
+                <a16:creationId xmlns:a16="http://schemas.microsoft.com/office/drawing/2014/main" id="{14DDB1BA-BD50-F93E-88E0-55A2F0BE6949}"/>
+              </a:ext>
+            </a:extLst>
+          </p:cNvPr>
+          <p:cNvSpPr txBox="1"/>
+          <p:nvPr/>
+        </p:nvSpPr>
+        <p:spPr>
+          <a:xfrm>
+            <a:off x="1374981" y="1718108"/>
+            <a:ext cx="4363182" cy="400110"/>
+          </a:xfrm>
+          <a:prstGeom prst="rect">
+            <a:avLst/>
+          </a:prstGeom>
+          <a:noFill/>
+        </p:spPr>
+        <p:txBody>
+          <a:bodyPr wrap="none" rtlCol="0">
+            <a:spAutoFit/>
+          </a:bodyPr>
+          <a:lstStyle/>
+          <a:p>
+            <a:r>
+              <a:rPr lang="en-IN" sz="2000" dirty="0"/>
+              <a:t>Random forest Regressor – Visualization</a:t>
+            </a:r>
+          </a:p>
+        </p:txBody>
+      </p:sp>
+      <p:sp>
+        <p:nvSpPr>
+          <p:cNvPr id="6" name="TextBox 5">
+            <a:extLst>
+              <a:ext uri="{FF2B5EF4-FFF2-40B4-BE49-F238E27FC236}">
+                <a16:creationId xmlns:a16="http://schemas.microsoft.com/office/drawing/2014/main" id="{E25A6926-0D67-A99E-AD6A-54C777425EB3}"/>
+              </a:ext>
+            </a:extLst>
+          </p:cNvPr>
+          <p:cNvSpPr txBox="1"/>
+          <p:nvPr/>
+        </p:nvSpPr>
+        <p:spPr>
+          <a:xfrm>
+            <a:off x="7524248" y="1779663"/>
+            <a:ext cx="4141824" cy="400110"/>
+          </a:xfrm>
+          <a:prstGeom prst="rect">
+            <a:avLst/>
+          </a:prstGeom>
+          <a:noFill/>
+        </p:spPr>
+        <p:txBody>
+          <a:bodyPr wrap="square" rtlCol="0">
+            <a:spAutoFit/>
+          </a:bodyPr>
+          <a:lstStyle/>
+          <a:p>
+            <a:r>
+              <a:rPr lang="en-IN" sz="2000" dirty="0"/>
+              <a:t>Decision Tree Example(Base Lerner)</a:t>
+            </a:r>
+          </a:p>
+        </p:txBody>
+      </p:sp>
+      <p:sp>
+        <p:nvSpPr>
+          <p:cNvPr id="7" name="TextBox 6">
+            <a:extLst>
+              <a:ext uri="{FF2B5EF4-FFF2-40B4-BE49-F238E27FC236}">
+                <a16:creationId xmlns:a16="http://schemas.microsoft.com/office/drawing/2014/main" id="{3D68D8FA-BE3B-33C9-63C6-8B0CD7D0C25B}"/>
+              </a:ext>
+            </a:extLst>
+          </p:cNvPr>
+          <p:cNvSpPr txBox="1"/>
+          <p:nvPr/>
+        </p:nvSpPr>
+        <p:spPr>
+          <a:xfrm>
+            <a:off x="5370562" y="2270498"/>
+            <a:ext cx="1656094" cy="400110"/>
+          </a:xfrm>
+          <a:prstGeom prst="rect">
+            <a:avLst/>
+          </a:prstGeom>
+          <a:noFill/>
+        </p:spPr>
+        <p:txBody>
+          <a:bodyPr wrap="none" rtlCol="0">
+            <a:spAutoFit/>
+          </a:bodyPr>
+          <a:lstStyle/>
+          <a:p>
+            <a:r>
+              <a:rPr lang="en-IN" sz="2000" dirty="0"/>
+              <a:t>Bootstrapping</a:t>
+            </a:r>
+          </a:p>
+        </p:txBody>
+      </p:sp>
+      <p:cxnSp>
+        <p:nvCxnSpPr>
+          <p:cNvPr id="9" name="Straight Arrow Connector 8">
+            <a:extLst>
+              <a:ext uri="{FF2B5EF4-FFF2-40B4-BE49-F238E27FC236}">
+                <a16:creationId xmlns:a16="http://schemas.microsoft.com/office/drawing/2014/main" id="{588379ED-64FB-AF5B-7546-3D51092EC660}"/>
+              </a:ext>
+            </a:extLst>
+          </p:cNvPr>
+          <p:cNvCxnSpPr>
+            <a:cxnSpLocks/>
+            <a:stCxn id="7" idx="1"/>
+          </p:cNvCxnSpPr>
+          <p:nvPr/>
+        </p:nvCxnSpPr>
+        <p:spPr>
+          <a:xfrm flipH="1">
+            <a:off x="4139771" y="2470553"/>
+            <a:ext cx="1230791" cy="186575"/>
+          </a:xfrm>
+          <a:prstGeom prst="straightConnector1">
+            <a:avLst/>
+          </a:prstGeom>
+          <a:ln>
+            <a:tailEnd type="triangle"/>
+          </a:ln>
+        </p:spPr>
+        <p:style>
+          <a:lnRef idx="1">
+            <a:schemeClr val="accent1"/>
+          </a:lnRef>
+          <a:fillRef idx="0">
+            <a:schemeClr val="accent1"/>
+          </a:fillRef>
+          <a:effectRef idx="0">
+            <a:schemeClr val="accent1"/>
+          </a:effectRef>
+          <a:fontRef idx="minor">
+            <a:schemeClr val="tx1"/>
+          </a:fontRef>
+        </p:style>
+      </p:cxnSp>
+      <p:cxnSp>
+        <p:nvCxnSpPr>
+          <p:cNvPr id="16" name="Straight Arrow Connector 15">
+            <a:extLst>
+              <a:ext uri="{FF2B5EF4-FFF2-40B4-BE49-F238E27FC236}">
+                <a16:creationId xmlns:a16="http://schemas.microsoft.com/office/drawing/2014/main" id="{308436C5-308B-0365-3C50-9D1AD70B9BA3}"/>
+              </a:ext>
+            </a:extLst>
+          </p:cNvPr>
+          <p:cNvCxnSpPr>
+            <a:cxnSpLocks/>
+            <a:stCxn id="7" idx="1"/>
+          </p:cNvCxnSpPr>
+          <p:nvPr/>
+        </p:nvCxnSpPr>
+        <p:spPr>
+          <a:xfrm flipH="1">
+            <a:off x="3850105" y="2470553"/>
+            <a:ext cx="1520457" cy="425047"/>
+          </a:xfrm>
+          <a:prstGeom prst="straightConnector1">
+            <a:avLst/>
+          </a:prstGeom>
+          <a:ln>
+            <a:tailEnd type="triangle"/>
+          </a:ln>
+        </p:spPr>
+        <p:style>
+          <a:lnRef idx="1">
+            <a:schemeClr val="accent1"/>
+          </a:lnRef>
+          <a:fillRef idx="0">
+            <a:schemeClr val="accent1"/>
+          </a:fillRef>
+          <a:effectRef idx="0">
+            <a:schemeClr val="accent1"/>
+          </a:effectRef>
+          <a:fontRef idx="minor">
+            <a:schemeClr val="tx1"/>
+          </a:fontRef>
+        </p:style>
+      </p:cxnSp>
+      <p:sp>
+        <p:nvSpPr>
+          <p:cNvPr id="17" name="TextBox 16">
+            <a:extLst>
+              <a:ext uri="{FF2B5EF4-FFF2-40B4-BE49-F238E27FC236}">
+                <a16:creationId xmlns:a16="http://schemas.microsoft.com/office/drawing/2014/main" id="{9B3FA692-4D35-DFA0-0B30-38BEB48D2284}"/>
+              </a:ext>
+            </a:extLst>
+          </p:cNvPr>
+          <p:cNvSpPr txBox="1"/>
+          <p:nvPr/>
+        </p:nvSpPr>
+        <p:spPr>
+          <a:xfrm>
+            <a:off x="4958348" y="4983892"/>
+            <a:ext cx="1442896" cy="400110"/>
+          </a:xfrm>
+          <a:prstGeom prst="rect">
+            <a:avLst/>
+          </a:prstGeom>
+          <a:noFill/>
+        </p:spPr>
+        <p:txBody>
+          <a:bodyPr wrap="none" rtlCol="0">
+            <a:spAutoFit/>
+          </a:bodyPr>
+          <a:lstStyle/>
+          <a:p>
+            <a:r>
+              <a:rPr lang="en-IN" sz="2000" dirty="0"/>
+              <a:t>Aggregation</a:t>
+            </a:r>
+          </a:p>
+        </p:txBody>
+      </p:sp>
+      <p:cxnSp>
+        <p:nvCxnSpPr>
+          <p:cNvPr id="19" name="Straight Arrow Connector 18">
+            <a:extLst>
+              <a:ext uri="{FF2B5EF4-FFF2-40B4-BE49-F238E27FC236}">
+                <a16:creationId xmlns:a16="http://schemas.microsoft.com/office/drawing/2014/main" id="{1CB662A4-907C-3AC5-2209-74C7DCC3D313}"/>
+              </a:ext>
+            </a:extLst>
+          </p:cNvPr>
+          <p:cNvCxnSpPr>
+            <a:cxnSpLocks/>
+            <a:stCxn id="17" idx="1"/>
+          </p:cNvCxnSpPr>
+          <p:nvPr/>
+        </p:nvCxnSpPr>
+        <p:spPr>
+          <a:xfrm flipH="1">
+            <a:off x="3748216" y="5183947"/>
+            <a:ext cx="1210132" cy="169277"/>
+          </a:xfrm>
+          <a:prstGeom prst="straightConnector1">
+            <a:avLst/>
+          </a:prstGeom>
+          <a:ln>
+            <a:tailEnd type="triangle"/>
+          </a:ln>
+        </p:spPr>
+        <p:style>
+          <a:lnRef idx="1">
+            <a:schemeClr val="accent1"/>
+          </a:lnRef>
+          <a:fillRef idx="0">
+            <a:schemeClr val="accent1"/>
+          </a:fillRef>
+          <a:effectRef idx="0">
+            <a:schemeClr val="accent1"/>
+          </a:effectRef>
+          <a:fontRef idx="minor">
+            <a:schemeClr val="tx1"/>
+          </a:fontRef>
+        </p:style>
+      </p:cxnSp>
+    </p:spTree>
+    <p:extLst>
+      <p:ext uri="{BB962C8B-B14F-4D97-AF65-F5344CB8AC3E}">
+        <p14:creationId xmlns:p14="http://schemas.microsoft.com/office/powerpoint/2010/main" val="1428237834"/>
+      </p:ext>
+    </p:extLst>
+  </p:cSld>
+  <p:clrMapOvr>
+    <a:masterClrMapping/>
+  </p:clrMapOvr>
+</p:sld>
+</file>
+
+<file path=ppt/slides/slide14.xml><?xml version="1.0" encoding="utf-8"?>
+<p:sld xmlns:a="http://schemas.openxmlformats.org/drawingml/2006/main" xmlns:r="http://schemas.openxmlformats.org/officeDocument/2006/relationships" xmlns:p="http://schemas.openxmlformats.org/presentationml/2006/main">
+  <p:cSld>
+    <p:spTree>
+      <p:nvGrpSpPr>
+        <p:cNvPr id="1" name=""/>
+        <p:cNvGrpSpPr/>
+        <p:nvPr/>
+      </p:nvGrpSpPr>
+      <p:grpSpPr>
+        <a:xfrm>
+          <a:off x="0" y="0"/>
+          <a:ext cx="0" cy="0"/>
+          <a:chOff x="0" y="0"/>
+          <a:chExt cx="0" cy="0"/>
+        </a:xfrm>
+      </p:grpSpPr>
+      <p:sp>
+        <p:nvSpPr>
+          <p:cNvPr id="2" name="Title 1">
+            <a:extLst>
+              <a:ext uri="{FF2B5EF4-FFF2-40B4-BE49-F238E27FC236}">
+                <a16:creationId xmlns:a16="http://schemas.microsoft.com/office/drawing/2014/main" id="{BD76F5DC-947E-7F44-F695-683988A91641}"/>
+              </a:ext>
+            </a:extLst>
+          </p:cNvPr>
+          <p:cNvSpPr>
+            <a:spLocks noGrp="1"/>
+          </p:cNvSpPr>
+          <p:nvPr>
+            <p:ph type="title"/>
+          </p:nvPr>
+        </p:nvSpPr>
+        <p:spPr>
+          <a:xfrm>
+            <a:off x="466305" y="324525"/>
+            <a:ext cx="10515600" cy="672843"/>
+          </a:xfrm>
+        </p:spPr>
+        <p:txBody>
+          <a:bodyPr>
+            <a:normAutofit/>
+          </a:bodyPr>
+          <a:lstStyle/>
+          <a:p>
+            <a:r>
+              <a:rPr lang="en-IN" sz="3200" b="1" dirty="0">
+                <a:latin typeface="+mn-lt"/>
+              </a:rPr>
+              <a:t>Random Forest Regressor: Results</a:t>
+            </a:r>
+          </a:p>
+        </p:txBody>
+      </p:sp>
+      <p:sp>
+        <p:nvSpPr>
+          <p:cNvPr id="3" name="Content Placeholder 2">
+            <a:extLst>
+              <a:ext uri="{FF2B5EF4-FFF2-40B4-BE49-F238E27FC236}">
+                <a16:creationId xmlns:a16="http://schemas.microsoft.com/office/drawing/2014/main" id="{997CA512-24F3-ECA9-AB32-6426466FA640}"/>
+              </a:ext>
+            </a:extLst>
+          </p:cNvPr>
+          <p:cNvSpPr>
+            <a:spLocks noGrp="1"/>
+          </p:cNvSpPr>
+          <p:nvPr>
+            <p:ph idx="1"/>
+          </p:nvPr>
+        </p:nvSpPr>
+        <p:spPr>
+          <a:xfrm>
+            <a:off x="345989" y="997368"/>
+            <a:ext cx="11467070" cy="5708232"/>
+          </a:xfrm>
+        </p:spPr>
+        <p:txBody>
+          <a:bodyPr>
+            <a:normAutofit/>
+          </a:bodyPr>
+          <a:lstStyle/>
+          <a:p>
+            <a:pPr marL="0" indent="0">
+              <a:buNone/>
+            </a:pPr>
+            <a:endParaRPr lang="en-IN" dirty="0"/>
+          </a:p>
+          <a:p>
+            <a:pPr marL="0" indent="0">
+              <a:buNone/>
+            </a:pPr>
+            <a:endParaRPr lang="en-IN" dirty="0"/>
+          </a:p>
+          <a:p>
+            <a:pPr marL="0" indent="0">
+              <a:buNone/>
+            </a:pPr>
+            <a:endParaRPr lang="en-IN" dirty="0"/>
+          </a:p>
+          <a:p>
+            <a:pPr marL="0" indent="0">
+              <a:buNone/>
+            </a:pPr>
+            <a:endParaRPr lang="en-IN" dirty="0"/>
+          </a:p>
+          <a:p>
+            <a:pPr marL="0" indent="0">
+              <a:buNone/>
+            </a:pPr>
+            <a:endParaRPr lang="en-IN" dirty="0"/>
+          </a:p>
+          <a:p>
+            <a:pPr marL="0" indent="0">
+              <a:buNone/>
+            </a:pPr>
+            <a:endParaRPr lang="en-IN" dirty="0"/>
+          </a:p>
+          <a:p>
+            <a:pPr marL="0" indent="0">
+              <a:buNone/>
+            </a:pPr>
+            <a:endParaRPr lang="en-IN" dirty="0"/>
+          </a:p>
+          <a:p>
+            <a:pPr marL="0" indent="0">
+              <a:buNone/>
+            </a:pPr>
+            <a:endParaRPr lang="en-IN" dirty="0"/>
+          </a:p>
+          <a:p>
+            <a:pPr marL="0" indent="0">
+              <a:buNone/>
+            </a:pPr>
+            <a:endParaRPr lang="en-IN" dirty="0"/>
+          </a:p>
+          <a:p>
+            <a:pPr marL="0" indent="0">
+              <a:buNone/>
+            </a:pPr>
+            <a:r>
+              <a:rPr lang="en-IN" sz="2000" dirty="0"/>
+              <a:t>Using an iterative algorithm, we got the best value for the number of trees as 200 and the test </a:t>
+            </a:r>
+            <a:r>
+              <a:rPr lang="en-IN" sz="2000" dirty="0" err="1"/>
+              <a:t>Rsquared</a:t>
+            </a:r>
+            <a:r>
+              <a:rPr lang="en-IN" sz="2000" dirty="0"/>
+              <a:t> value for the best RF model is 90.64%.</a:t>
+            </a:r>
+          </a:p>
+          <a:p>
+            <a:pPr marL="0" indent="0">
+              <a:buNone/>
+            </a:pPr>
+            <a:endParaRPr lang="en-IN" dirty="0"/>
+          </a:p>
+          <a:p>
+            <a:endParaRPr lang="en-IN" dirty="0"/>
+          </a:p>
+          <a:p>
+            <a:endParaRPr lang="en-IN" dirty="0"/>
+          </a:p>
+        </p:txBody>
+      </p:sp>
+      <p:pic>
+        <p:nvPicPr>
+          <p:cNvPr id="5" name="Picture 4">
+            <a:extLst>
+              <a:ext uri="{FF2B5EF4-FFF2-40B4-BE49-F238E27FC236}">
+                <a16:creationId xmlns:a16="http://schemas.microsoft.com/office/drawing/2014/main" id="{EA26B0DE-07EE-2F83-BF6A-E965040E5CED}"/>
+              </a:ext>
+            </a:extLst>
+          </p:cNvPr>
+          <p:cNvPicPr>
+            <a:picLocks noChangeAspect="1"/>
+          </p:cNvPicPr>
+          <p:nvPr/>
+        </p:nvPicPr>
+        <p:blipFill>
+          <a:blip r:embed="rId2"/>
+          <a:stretch>
+            <a:fillRect/>
+          </a:stretch>
+        </p:blipFill>
+        <p:spPr>
+          <a:xfrm>
+            <a:off x="1655924" y="1380988"/>
+            <a:ext cx="8591393" cy="1518425"/>
+          </a:xfrm>
+          <a:prstGeom prst="rect">
+            <a:avLst/>
+          </a:prstGeom>
+        </p:spPr>
+      </p:pic>
+      <p:pic>
+        <p:nvPicPr>
+          <p:cNvPr id="8" name="Picture 7">
+            <a:extLst>
+              <a:ext uri="{FF2B5EF4-FFF2-40B4-BE49-F238E27FC236}">
+                <a16:creationId xmlns:a16="http://schemas.microsoft.com/office/drawing/2014/main" id="{CA0F4F21-2A3E-35F9-A47C-030A6143B518}"/>
+              </a:ext>
+            </a:extLst>
+          </p:cNvPr>
+          <p:cNvPicPr>
+            <a:picLocks noChangeAspect="1"/>
+          </p:cNvPicPr>
+          <p:nvPr/>
+        </p:nvPicPr>
+        <p:blipFill>
+          <a:blip r:embed="rId3"/>
+          <a:stretch>
+            <a:fillRect/>
+          </a:stretch>
+        </p:blipFill>
+        <p:spPr>
+          <a:xfrm>
+            <a:off x="3217626" y="3429000"/>
+            <a:ext cx="4290432" cy="1386960"/>
+          </a:xfrm>
+          <a:prstGeom prst="rect">
+            <a:avLst/>
+          </a:prstGeom>
+        </p:spPr>
+      </p:pic>
+    </p:spTree>
+    <p:extLst>
+      <p:ext uri="{BB962C8B-B14F-4D97-AF65-F5344CB8AC3E}">
+        <p14:creationId xmlns:p14="http://schemas.microsoft.com/office/powerpoint/2010/main" val="909250607"/>
+      </p:ext>
+    </p:extLst>
+  </p:cSld>
+  <p:clrMapOvr>
+    <a:masterClrMapping/>
+  </p:clrMapOvr>
+</p:sld>
+</file>
+
+<file path=ppt/slides/slide15.xml><?xml version="1.0" encoding="utf-8"?>
+<p:sld xmlns:a="http://schemas.openxmlformats.org/drawingml/2006/main" xmlns:r="http://schemas.openxmlformats.org/officeDocument/2006/relationships" xmlns:p="http://schemas.openxmlformats.org/presentationml/2006/main">
+  <p:cSld>
+    <p:spTree>
+      <p:nvGrpSpPr>
+        <p:cNvPr id="1" name=""/>
+        <p:cNvGrpSpPr/>
+        <p:nvPr/>
+      </p:nvGrpSpPr>
+      <p:grpSpPr>
+        <a:xfrm>
+          <a:off x="0" y="0"/>
+          <a:ext cx="0" cy="0"/>
+          <a:chOff x="0" y="0"/>
+          <a:chExt cx="0" cy="0"/>
+        </a:xfrm>
+      </p:grpSpPr>
+      <p:sp>
+        <p:nvSpPr>
+          <p:cNvPr id="2" name="Title 1">
+            <a:extLst>
+              <a:ext uri="{FF2B5EF4-FFF2-40B4-BE49-F238E27FC236}">
+                <a16:creationId xmlns:a16="http://schemas.microsoft.com/office/drawing/2014/main" id="{BD76F5DC-947E-7F44-F695-683988A91641}"/>
+              </a:ext>
+            </a:extLst>
+          </p:cNvPr>
+          <p:cNvSpPr>
+            <a:spLocks noGrp="1"/>
+          </p:cNvSpPr>
+          <p:nvPr>
+            <p:ph type="title"/>
+          </p:nvPr>
+        </p:nvSpPr>
+        <p:spPr>
+          <a:xfrm>
+            <a:off x="765752" y="93278"/>
+            <a:ext cx="10515600" cy="661570"/>
+          </a:xfrm>
+        </p:spPr>
+        <p:txBody>
+          <a:bodyPr>
+            <a:normAutofit/>
+          </a:bodyPr>
+          <a:lstStyle/>
+          <a:p>
+            <a:r>
+              <a:rPr lang="en-IN" sz="3200" b="1" dirty="0" err="1">
+                <a:latin typeface="+mn-lt"/>
+              </a:rPr>
+              <a:t>XGBoost</a:t>
+            </a:r>
+            <a:r>
+              <a:rPr lang="en-IN" sz="3200" b="1" dirty="0">
+                <a:latin typeface="+mn-lt"/>
+              </a:rPr>
+              <a:t> Regressor – Intuition</a:t>
+            </a:r>
+          </a:p>
+        </p:txBody>
+      </p:sp>
+      <p:sp>
+        <p:nvSpPr>
+          <p:cNvPr id="3" name="Content Placeholder 2">
+            <a:extLst>
+              <a:ext uri="{FF2B5EF4-FFF2-40B4-BE49-F238E27FC236}">
+                <a16:creationId xmlns:a16="http://schemas.microsoft.com/office/drawing/2014/main" id="{997CA512-24F3-ECA9-AB32-6426466FA640}"/>
+              </a:ext>
+            </a:extLst>
+          </p:cNvPr>
+          <p:cNvSpPr>
+            <a:spLocks noGrp="1"/>
+          </p:cNvSpPr>
+          <p:nvPr>
+            <p:ph idx="1"/>
+          </p:nvPr>
+        </p:nvSpPr>
+        <p:spPr>
+          <a:xfrm>
+            <a:off x="329514" y="858252"/>
+            <a:ext cx="11681253" cy="5906469"/>
+          </a:xfrm>
+        </p:spPr>
+        <p:txBody>
+          <a:bodyPr>
+            <a:normAutofit/>
+          </a:bodyPr>
+          <a:lstStyle/>
+          <a:p>
+            <a:pPr marL="0" indent="0">
+              <a:buNone/>
+            </a:pPr>
+            <a:r>
+              <a:rPr lang="en-IN" sz="2000" dirty="0" err="1"/>
+              <a:t>XGBoost</a:t>
+            </a:r>
+            <a:r>
+              <a:rPr lang="en-IN" sz="2000" dirty="0"/>
+              <a:t> Regressor is one of the ensemble techniques which is based on the boosting mechanism.</a:t>
+            </a:r>
+          </a:p>
+        </p:txBody>
+      </p:sp>
+      <p:sp>
+        <p:nvSpPr>
+          <p:cNvPr id="5" name="TextBox 4">
+            <a:extLst>
+              <a:ext uri="{FF2B5EF4-FFF2-40B4-BE49-F238E27FC236}">
+                <a16:creationId xmlns:a16="http://schemas.microsoft.com/office/drawing/2014/main" id="{95E3701D-6FF2-6C5E-D17E-5DBBF52D079E}"/>
+              </a:ext>
+            </a:extLst>
+          </p:cNvPr>
+          <p:cNvSpPr txBox="1"/>
+          <p:nvPr/>
+        </p:nvSpPr>
+        <p:spPr>
+          <a:xfrm>
+            <a:off x="6714635" y="3492478"/>
+            <a:ext cx="4774234" cy="369332"/>
+          </a:xfrm>
+          <a:prstGeom prst="rect">
+            <a:avLst/>
+          </a:prstGeom>
+          <a:noFill/>
+        </p:spPr>
+        <p:txBody>
+          <a:bodyPr wrap="square" rtlCol="0">
+            <a:spAutoFit/>
+          </a:bodyPr>
+          <a:lstStyle/>
+          <a:p>
+            <a:pPr algn="ctr"/>
+            <a:r>
+              <a:rPr lang="en-IN" b="1" dirty="0"/>
+              <a:t>Calculating gain using similarity score</a:t>
+            </a:r>
+          </a:p>
+        </p:txBody>
+      </p:sp>
+      <p:pic>
+        <p:nvPicPr>
+          <p:cNvPr id="7" name="Picture 6">
+            <a:extLst>
+              <a:ext uri="{FF2B5EF4-FFF2-40B4-BE49-F238E27FC236}">
+                <a16:creationId xmlns:a16="http://schemas.microsoft.com/office/drawing/2014/main" id="{0B3134F0-93EE-E7F1-0440-EAC1F40D9014}"/>
+              </a:ext>
+            </a:extLst>
+          </p:cNvPr>
+          <p:cNvPicPr>
+            <a:picLocks noChangeAspect="1"/>
+          </p:cNvPicPr>
+          <p:nvPr/>
+        </p:nvPicPr>
+        <p:blipFill>
+          <a:blip r:embed="rId2"/>
+          <a:stretch>
+            <a:fillRect/>
+          </a:stretch>
+        </p:blipFill>
+        <p:spPr>
+          <a:xfrm>
+            <a:off x="572967" y="2217901"/>
+            <a:ext cx="4927959" cy="4397121"/>
+          </a:xfrm>
+          <a:prstGeom prst="rect">
+            <a:avLst/>
+          </a:prstGeom>
+        </p:spPr>
+      </p:pic>
+      <p:pic>
+        <p:nvPicPr>
+          <p:cNvPr id="9" name="Picture 8">
+            <a:extLst>
+              <a:ext uri="{FF2B5EF4-FFF2-40B4-BE49-F238E27FC236}">
+                <a16:creationId xmlns:a16="http://schemas.microsoft.com/office/drawing/2014/main" id="{C30164FD-5106-09B6-4054-44362A155EB2}"/>
+              </a:ext>
+            </a:extLst>
+          </p:cNvPr>
+          <p:cNvPicPr>
+            <a:picLocks noChangeAspect="1"/>
+          </p:cNvPicPr>
+          <p:nvPr/>
+        </p:nvPicPr>
+        <p:blipFill>
+          <a:blip r:embed="rId3"/>
+          <a:stretch>
+            <a:fillRect/>
+          </a:stretch>
+        </p:blipFill>
+        <p:spPr>
+          <a:xfrm>
+            <a:off x="6665604" y="1546467"/>
+            <a:ext cx="4953429" cy="1447925"/>
+          </a:xfrm>
+          <a:prstGeom prst="rect">
+            <a:avLst/>
+          </a:prstGeom>
+        </p:spPr>
+      </p:pic>
+      <p:pic>
+        <p:nvPicPr>
+          <p:cNvPr id="11" name="Picture 10">
+            <a:extLst>
+              <a:ext uri="{FF2B5EF4-FFF2-40B4-BE49-F238E27FC236}">
+                <a16:creationId xmlns:a16="http://schemas.microsoft.com/office/drawing/2014/main" id="{AC775000-845C-4417-F76A-0FA7C0346FFF}"/>
+              </a:ext>
+            </a:extLst>
+          </p:cNvPr>
+          <p:cNvPicPr>
+            <a:picLocks noChangeAspect="1"/>
+          </p:cNvPicPr>
+          <p:nvPr/>
+        </p:nvPicPr>
+        <p:blipFill>
+          <a:blip r:embed="rId4"/>
+          <a:stretch>
+            <a:fillRect/>
+          </a:stretch>
+        </p:blipFill>
+        <p:spPr>
+          <a:xfrm>
+            <a:off x="7490053" y="3970082"/>
+            <a:ext cx="4701947" cy="2598645"/>
+          </a:xfrm>
+          <a:prstGeom prst="rect">
+            <a:avLst/>
+          </a:prstGeom>
+        </p:spPr>
+      </p:pic>
+      <p:sp>
+        <p:nvSpPr>
+          <p:cNvPr id="12" name="TextBox 11">
+            <a:extLst>
+              <a:ext uri="{FF2B5EF4-FFF2-40B4-BE49-F238E27FC236}">
+                <a16:creationId xmlns:a16="http://schemas.microsoft.com/office/drawing/2014/main" id="{B8951F85-DC26-6DBD-EF7D-CFF1001BC6DE}"/>
+              </a:ext>
+            </a:extLst>
+          </p:cNvPr>
+          <p:cNvSpPr txBox="1"/>
+          <p:nvPr/>
+        </p:nvSpPr>
+        <p:spPr>
+          <a:xfrm>
+            <a:off x="1860883" y="1848569"/>
+            <a:ext cx="2382960" cy="400110"/>
+          </a:xfrm>
+          <a:prstGeom prst="rect">
+            <a:avLst/>
+          </a:prstGeom>
+          <a:noFill/>
+        </p:spPr>
+        <p:txBody>
+          <a:bodyPr wrap="none" rtlCol="0">
+            <a:spAutoFit/>
+          </a:bodyPr>
+          <a:lstStyle/>
+          <a:p>
+            <a:r>
+              <a:rPr lang="en-IN" sz="2000" b="1" dirty="0" err="1"/>
+              <a:t>XGBoost</a:t>
+            </a:r>
+            <a:r>
+              <a:rPr lang="en-IN" sz="2000" b="1" dirty="0"/>
+              <a:t> Mechanism</a:t>
+            </a:r>
+          </a:p>
+        </p:txBody>
+      </p:sp>
+      <p:pic>
+        <p:nvPicPr>
+          <p:cNvPr id="17" name="Picture 16">
+            <a:extLst>
+              <a:ext uri="{FF2B5EF4-FFF2-40B4-BE49-F238E27FC236}">
+                <a16:creationId xmlns:a16="http://schemas.microsoft.com/office/drawing/2014/main" id="{DA9D3D87-79B6-C146-AC63-FF8E230DAA59}"/>
+              </a:ext>
+            </a:extLst>
+          </p:cNvPr>
+          <p:cNvPicPr>
+            <a:picLocks noChangeAspect="1"/>
+          </p:cNvPicPr>
+          <p:nvPr/>
+        </p:nvPicPr>
+        <p:blipFill>
+          <a:blip r:embed="rId5"/>
+          <a:stretch>
+            <a:fillRect/>
+          </a:stretch>
+        </p:blipFill>
+        <p:spPr>
+          <a:xfrm>
+            <a:off x="6195876" y="4406582"/>
+            <a:ext cx="990399" cy="1725643"/>
+          </a:xfrm>
+          <a:prstGeom prst="rect">
+            <a:avLst/>
+          </a:prstGeom>
+        </p:spPr>
+      </p:pic>
+      <p:sp>
+        <p:nvSpPr>
+          <p:cNvPr id="18" name="TextBox 17">
+            <a:extLst>
+              <a:ext uri="{FF2B5EF4-FFF2-40B4-BE49-F238E27FC236}">
+                <a16:creationId xmlns:a16="http://schemas.microsoft.com/office/drawing/2014/main" id="{6511EB39-8AFF-901A-39FD-E60246B34A72}"/>
+              </a:ext>
+            </a:extLst>
+          </p:cNvPr>
+          <p:cNvSpPr txBox="1"/>
+          <p:nvPr/>
+        </p:nvSpPr>
+        <p:spPr>
+          <a:xfrm>
+            <a:off x="8793566" y="4761701"/>
+            <a:ext cx="381836" cy="369332"/>
+          </a:xfrm>
+          <a:prstGeom prst="rect">
+            <a:avLst/>
+          </a:prstGeom>
+          <a:noFill/>
+        </p:spPr>
+        <p:txBody>
+          <a:bodyPr wrap="none" rtlCol="0">
+            <a:spAutoFit/>
+          </a:bodyPr>
+          <a:lstStyle/>
+          <a:p>
+            <a:r>
+              <a:rPr lang="en-IN" dirty="0"/>
+              <a:t>M</a:t>
+            </a:r>
+          </a:p>
+        </p:txBody>
+      </p:sp>
+      <p:sp>
+        <p:nvSpPr>
+          <p:cNvPr id="19" name="TextBox 18">
+            <a:extLst>
+              <a:ext uri="{FF2B5EF4-FFF2-40B4-BE49-F238E27FC236}">
+                <a16:creationId xmlns:a16="http://schemas.microsoft.com/office/drawing/2014/main" id="{4F2D7826-202D-E69C-D66E-7C9ABA715F12}"/>
+              </a:ext>
+            </a:extLst>
+          </p:cNvPr>
+          <p:cNvSpPr txBox="1"/>
+          <p:nvPr/>
+        </p:nvSpPr>
+        <p:spPr>
+          <a:xfrm>
+            <a:off x="10026316" y="4761701"/>
+            <a:ext cx="290464" cy="369332"/>
+          </a:xfrm>
+          <a:prstGeom prst="rect">
+            <a:avLst/>
+          </a:prstGeom>
+          <a:noFill/>
+        </p:spPr>
+        <p:txBody>
+          <a:bodyPr wrap="none" rtlCol="0">
+            <a:spAutoFit/>
+          </a:bodyPr>
+          <a:lstStyle/>
+          <a:p>
+            <a:r>
+              <a:rPr lang="en-IN" dirty="0"/>
+              <a:t>F</a:t>
+            </a:r>
+          </a:p>
+        </p:txBody>
+      </p:sp>
+    </p:spTree>
+    <p:extLst>
+      <p:ext uri="{BB962C8B-B14F-4D97-AF65-F5344CB8AC3E}">
+        <p14:creationId xmlns:p14="http://schemas.microsoft.com/office/powerpoint/2010/main" val="969963409"/>
+      </p:ext>
+    </p:extLst>
+  </p:cSld>
+  <p:clrMapOvr>
+    <a:masterClrMapping/>
+  </p:clrMapOvr>
+</p:sld>
+</file>
+
+<file path=ppt/slides/slide16.xml><?xml version="1.0" encoding="utf-8"?>
+<p:sld xmlns:a="http://schemas.openxmlformats.org/drawingml/2006/main" xmlns:r="http://schemas.openxmlformats.org/officeDocument/2006/relationships" xmlns:p="http://schemas.openxmlformats.org/presentationml/2006/main">
+  <p:cSld>
+    <p:spTree>
+      <p:nvGrpSpPr>
+        <p:cNvPr id="1" name=""/>
+        <p:cNvGrpSpPr/>
+        <p:nvPr/>
+      </p:nvGrpSpPr>
+      <p:grpSpPr>
+        <a:xfrm>
+          <a:off x="0" y="0"/>
+          <a:ext cx="0" cy="0"/>
+          <a:chOff x="0" y="0"/>
+          <a:chExt cx="0" cy="0"/>
+        </a:xfrm>
+      </p:grpSpPr>
+      <p:sp>
+        <p:nvSpPr>
+          <p:cNvPr id="2" name="Title 1">
+            <a:extLst>
+              <a:ext uri="{FF2B5EF4-FFF2-40B4-BE49-F238E27FC236}">
+                <a16:creationId xmlns:a16="http://schemas.microsoft.com/office/drawing/2014/main" id="{456FBD11-8B7B-7BF2-9D53-585FE75D1D31}"/>
+              </a:ext>
+            </a:extLst>
+          </p:cNvPr>
+          <p:cNvSpPr>
+            <a:spLocks noGrp="1"/>
+          </p:cNvSpPr>
+          <p:nvPr>
+            <p:ph type="title"/>
+          </p:nvPr>
+        </p:nvSpPr>
+        <p:spPr>
+          <a:xfrm>
+            <a:off x="838200" y="42434"/>
+            <a:ext cx="10515600" cy="629486"/>
+          </a:xfrm>
+        </p:spPr>
+        <p:txBody>
+          <a:bodyPr>
+            <a:noAutofit/>
+          </a:bodyPr>
+          <a:lstStyle/>
+          <a:p>
+            <a:r>
+              <a:rPr lang="en-IN" sz="3200" b="1" dirty="0" err="1">
+                <a:latin typeface="+mn-lt"/>
+              </a:rPr>
+              <a:t>XGBoost</a:t>
+            </a:r>
+            <a:r>
+              <a:rPr lang="en-IN" sz="3200" b="1" dirty="0">
+                <a:latin typeface="+mn-lt"/>
+              </a:rPr>
+              <a:t> Regressor with Hyperparameter Tuning</a:t>
+            </a:r>
+          </a:p>
+        </p:txBody>
+      </p:sp>
+      <p:sp>
+        <p:nvSpPr>
+          <p:cNvPr id="3" name="Content Placeholder 2">
+            <a:extLst>
+              <a:ext uri="{FF2B5EF4-FFF2-40B4-BE49-F238E27FC236}">
+                <a16:creationId xmlns:a16="http://schemas.microsoft.com/office/drawing/2014/main" id="{7628083F-234A-A296-2D98-6D90F9E543AA}"/>
+              </a:ext>
+            </a:extLst>
+          </p:cNvPr>
+          <p:cNvSpPr>
+            <a:spLocks noGrp="1"/>
+          </p:cNvSpPr>
+          <p:nvPr>
+            <p:ph idx="1"/>
+          </p:nvPr>
+        </p:nvSpPr>
+        <p:spPr>
+          <a:xfrm>
+            <a:off x="838200" y="818146"/>
+            <a:ext cx="10864516" cy="5997420"/>
+          </a:xfrm>
+        </p:spPr>
+        <p:txBody>
+          <a:bodyPr>
+            <a:normAutofit/>
+          </a:bodyPr>
+          <a:lstStyle/>
+          <a:p>
+            <a:endParaRPr lang="en-IN" sz="2000" dirty="0"/>
+          </a:p>
+          <a:p>
+            <a:endParaRPr lang="en-IN" sz="2000" dirty="0"/>
+          </a:p>
+          <a:p>
+            <a:endParaRPr lang="en-IN" sz="2000" dirty="0"/>
+          </a:p>
+          <a:p>
+            <a:endParaRPr lang="en-IN" sz="2000" dirty="0"/>
+          </a:p>
+          <a:p>
+            <a:endParaRPr lang="en-IN" sz="2000" dirty="0"/>
+          </a:p>
+          <a:p>
+            <a:endParaRPr lang="en-IN" sz="2000" dirty="0"/>
+          </a:p>
+          <a:p>
+            <a:endParaRPr lang="en-IN" sz="2000" dirty="0"/>
+          </a:p>
+          <a:p>
+            <a:endParaRPr lang="en-IN" sz="2000" dirty="0"/>
+          </a:p>
+          <a:p>
+            <a:endParaRPr lang="en-IN" sz="2000" dirty="0"/>
+          </a:p>
+          <a:p>
+            <a:endParaRPr lang="en-IN" sz="2000" dirty="0"/>
+          </a:p>
+          <a:p>
+            <a:pPr marL="0" indent="0">
+              <a:buNone/>
+            </a:pPr>
+            <a:endParaRPr lang="en-IN" sz="2000" dirty="0"/>
+          </a:p>
+          <a:p>
+            <a:pPr marL="0" indent="0">
+              <a:buNone/>
+            </a:pPr>
+            <a:endParaRPr lang="en-IN" sz="2000" dirty="0"/>
+          </a:p>
+          <a:p>
+            <a:pPr marL="0" indent="0">
+              <a:buNone/>
+            </a:pPr>
+            <a:r>
+              <a:rPr lang="en-IN" sz="2000" dirty="0"/>
+              <a:t>Using the hyperparameter tuning method we got the model with </a:t>
+            </a:r>
+            <a:r>
+              <a:rPr lang="en-IN" sz="2000" dirty="0" err="1"/>
+              <a:t>max_depth</a:t>
+            </a:r>
+            <a:r>
+              <a:rPr lang="en-IN" sz="2000" dirty="0"/>
+              <a:t> 4 and </a:t>
+            </a:r>
+            <a:r>
+              <a:rPr lang="en-IN" sz="2000" dirty="0" err="1"/>
+              <a:t>nrounds</a:t>
+            </a:r>
+            <a:r>
+              <a:rPr lang="en-IN" sz="2000" dirty="0"/>
+              <a:t> = 600 is giving the maximum </a:t>
+            </a:r>
+            <a:r>
+              <a:rPr lang="en-IN" sz="2000" dirty="0" err="1"/>
+              <a:t>Rsquared</a:t>
+            </a:r>
+            <a:r>
+              <a:rPr lang="en-IN" sz="2000" dirty="0"/>
+              <a:t> value and Minimum root mean squared error.</a:t>
+            </a:r>
+          </a:p>
+        </p:txBody>
+      </p:sp>
+      <p:pic>
+        <p:nvPicPr>
+          <p:cNvPr id="7" name="Picture 6">
+            <a:extLst>
+              <a:ext uri="{FF2B5EF4-FFF2-40B4-BE49-F238E27FC236}">
+                <a16:creationId xmlns:a16="http://schemas.microsoft.com/office/drawing/2014/main" id="{53C517CC-D1E9-42A4-CFFA-D5CF395E90E2}"/>
+              </a:ext>
+            </a:extLst>
+          </p:cNvPr>
+          <p:cNvPicPr>
+            <a:picLocks noChangeAspect="1"/>
+          </p:cNvPicPr>
+          <p:nvPr/>
+        </p:nvPicPr>
+        <p:blipFill>
+          <a:blip r:embed="rId2"/>
+          <a:stretch>
+            <a:fillRect/>
+          </a:stretch>
+        </p:blipFill>
+        <p:spPr>
+          <a:xfrm>
+            <a:off x="1402358" y="1998019"/>
+            <a:ext cx="2911092" cy="556308"/>
+          </a:xfrm>
+          <a:prstGeom prst="rect">
+            <a:avLst/>
+          </a:prstGeom>
+        </p:spPr>
+      </p:pic>
+      <p:pic>
+        <p:nvPicPr>
+          <p:cNvPr id="9" name="Picture 8">
+            <a:extLst>
+              <a:ext uri="{FF2B5EF4-FFF2-40B4-BE49-F238E27FC236}">
+                <a16:creationId xmlns:a16="http://schemas.microsoft.com/office/drawing/2014/main" id="{57601FF2-AEF6-AF2C-2022-DE49B1A0D6A2}"/>
+              </a:ext>
+            </a:extLst>
+          </p:cNvPr>
+          <p:cNvPicPr>
+            <a:picLocks noChangeAspect="1"/>
+          </p:cNvPicPr>
+          <p:nvPr/>
+        </p:nvPicPr>
+        <p:blipFill>
+          <a:blip r:embed="rId3"/>
+          <a:stretch>
+            <a:fillRect/>
+          </a:stretch>
+        </p:blipFill>
+        <p:spPr>
+          <a:xfrm>
+            <a:off x="2039341" y="3651453"/>
+            <a:ext cx="7521592" cy="1714649"/>
+          </a:xfrm>
+          <a:prstGeom prst="rect">
+            <a:avLst/>
+          </a:prstGeom>
+        </p:spPr>
+      </p:pic>
+      <p:pic>
+        <p:nvPicPr>
+          <p:cNvPr id="8" name="Picture 7">
+            <a:extLst>
+              <a:ext uri="{FF2B5EF4-FFF2-40B4-BE49-F238E27FC236}">
+                <a16:creationId xmlns:a16="http://schemas.microsoft.com/office/drawing/2014/main" id="{6B9AFACA-75A1-4F9E-2E89-335DB555DB8B}"/>
+              </a:ext>
+            </a:extLst>
+          </p:cNvPr>
+          <p:cNvPicPr>
+            <a:picLocks noChangeAspect="1"/>
+          </p:cNvPicPr>
+          <p:nvPr/>
+        </p:nvPicPr>
+        <p:blipFill>
+          <a:blip r:embed="rId4"/>
+          <a:stretch>
+            <a:fillRect/>
+          </a:stretch>
+        </p:blipFill>
+        <p:spPr>
+          <a:xfrm>
+            <a:off x="6905575" y="1704806"/>
+            <a:ext cx="3596952" cy="1089754"/>
+          </a:xfrm>
+          <a:prstGeom prst="rect">
+            <a:avLst/>
+          </a:prstGeom>
+        </p:spPr>
+      </p:pic>
+      <p:sp>
+        <p:nvSpPr>
+          <p:cNvPr id="10" name="TextBox 9">
+            <a:extLst>
+              <a:ext uri="{FF2B5EF4-FFF2-40B4-BE49-F238E27FC236}">
+                <a16:creationId xmlns:a16="http://schemas.microsoft.com/office/drawing/2014/main" id="{8C273F12-6DD8-2CCB-AC44-9B435C4C6723}"/>
+              </a:ext>
+            </a:extLst>
+          </p:cNvPr>
+          <p:cNvSpPr txBox="1"/>
+          <p:nvPr/>
+        </p:nvSpPr>
+        <p:spPr>
+          <a:xfrm>
+            <a:off x="2393221" y="3154770"/>
+            <a:ext cx="7042121" cy="400110"/>
+          </a:xfrm>
+          <a:prstGeom prst="rect">
+            <a:avLst/>
+          </a:prstGeom>
+          <a:noFill/>
+        </p:spPr>
+        <p:txBody>
+          <a:bodyPr wrap="none" rtlCol="0">
+            <a:spAutoFit/>
+          </a:bodyPr>
+          <a:lstStyle/>
+          <a:p>
+            <a:r>
+              <a:rPr lang="en-IN" sz="2000" dirty="0"/>
+              <a:t>An iterative algorithm to find the best value of depth and </a:t>
+            </a:r>
+            <a:r>
+              <a:rPr lang="en-IN" sz="2000" dirty="0" err="1"/>
+              <a:t>nrounds</a:t>
+            </a:r>
+            <a:endParaRPr lang="en-IN" sz="2000" dirty="0"/>
+          </a:p>
+        </p:txBody>
+      </p:sp>
+      <p:sp>
+        <p:nvSpPr>
+          <p:cNvPr id="11" name="TextBox 10">
+            <a:extLst>
+              <a:ext uri="{FF2B5EF4-FFF2-40B4-BE49-F238E27FC236}">
+                <a16:creationId xmlns:a16="http://schemas.microsoft.com/office/drawing/2014/main" id="{0545175F-B0D1-B4B0-AC42-B3083295CBD8}"/>
+              </a:ext>
+            </a:extLst>
+          </p:cNvPr>
+          <p:cNvSpPr txBox="1"/>
+          <p:nvPr/>
+        </p:nvSpPr>
+        <p:spPr>
+          <a:xfrm>
+            <a:off x="6217236" y="1152969"/>
+            <a:ext cx="5159426" cy="400110"/>
+          </a:xfrm>
+          <a:prstGeom prst="rect">
+            <a:avLst/>
+          </a:prstGeom>
+          <a:noFill/>
+        </p:spPr>
+        <p:txBody>
+          <a:bodyPr wrap="none" rtlCol="0">
+            <a:spAutoFit/>
+          </a:bodyPr>
+          <a:lstStyle/>
+          <a:p>
+            <a:r>
+              <a:rPr lang="en-IN" sz="2000" dirty="0"/>
+              <a:t>Matrix Transformation for training and test data</a:t>
+            </a:r>
+          </a:p>
+        </p:txBody>
+      </p:sp>
+      <p:sp>
+        <p:nvSpPr>
+          <p:cNvPr id="12" name="TextBox 11">
+            <a:extLst>
+              <a:ext uri="{FF2B5EF4-FFF2-40B4-BE49-F238E27FC236}">
+                <a16:creationId xmlns:a16="http://schemas.microsoft.com/office/drawing/2014/main" id="{495B9253-AEC1-0FFE-8581-C639B3D43440}"/>
+              </a:ext>
+            </a:extLst>
+          </p:cNvPr>
+          <p:cNvSpPr txBox="1"/>
+          <p:nvPr/>
+        </p:nvSpPr>
+        <p:spPr>
+          <a:xfrm>
+            <a:off x="628063" y="1160101"/>
+            <a:ext cx="4459682" cy="400110"/>
+          </a:xfrm>
+          <a:prstGeom prst="rect">
+            <a:avLst/>
+          </a:prstGeom>
+          <a:noFill/>
+        </p:spPr>
+        <p:txBody>
+          <a:bodyPr wrap="none" rtlCol="0">
+            <a:spAutoFit/>
+          </a:bodyPr>
+          <a:lstStyle/>
+          <a:p>
+            <a:r>
+              <a:rPr lang="en-IN" sz="2000" dirty="0"/>
+              <a:t>Passing range for hyperparameter Tuning</a:t>
+            </a:r>
+          </a:p>
+        </p:txBody>
+      </p:sp>
+      <p:cxnSp>
+        <p:nvCxnSpPr>
+          <p:cNvPr id="16" name="Straight Connector 15">
+            <a:extLst>
+              <a:ext uri="{FF2B5EF4-FFF2-40B4-BE49-F238E27FC236}">
+                <a16:creationId xmlns:a16="http://schemas.microsoft.com/office/drawing/2014/main" id="{5E6BDFD8-228E-C013-F161-BF847A507EB9}"/>
+              </a:ext>
+            </a:extLst>
+          </p:cNvPr>
+          <p:cNvCxnSpPr/>
+          <p:nvPr/>
+        </p:nvCxnSpPr>
+        <p:spPr>
+          <a:xfrm flipH="1">
+            <a:off x="1074821" y="3050751"/>
+            <a:ext cx="4369071" cy="0"/>
+          </a:xfrm>
+          <a:prstGeom prst="line">
+            <a:avLst/>
+          </a:prstGeom>
+        </p:spPr>
+        <p:style>
+          <a:lnRef idx="1">
+            <a:schemeClr val="accent1"/>
+          </a:lnRef>
+          <a:fillRef idx="0">
+            <a:schemeClr val="accent1"/>
+          </a:fillRef>
+          <a:effectRef idx="0">
+            <a:schemeClr val="accent1"/>
+          </a:effectRef>
+          <a:fontRef idx="minor">
+            <a:schemeClr val="tx1"/>
+          </a:fontRef>
+        </p:style>
+      </p:cxnSp>
+      <p:cxnSp>
+        <p:nvCxnSpPr>
+          <p:cNvPr id="18" name="Straight Connector 17">
+            <a:extLst>
+              <a:ext uri="{FF2B5EF4-FFF2-40B4-BE49-F238E27FC236}">
+                <a16:creationId xmlns:a16="http://schemas.microsoft.com/office/drawing/2014/main" id="{4E5DEB92-4259-F698-3F46-1D775B7F7322}"/>
+              </a:ext>
+            </a:extLst>
+          </p:cNvPr>
+          <p:cNvCxnSpPr/>
+          <p:nvPr/>
+        </p:nvCxnSpPr>
+        <p:spPr>
+          <a:xfrm>
+            <a:off x="5443892" y="3050751"/>
+            <a:ext cx="4897817" cy="0"/>
+          </a:xfrm>
+          <a:prstGeom prst="line">
+            <a:avLst/>
+          </a:prstGeom>
+        </p:spPr>
+        <p:style>
+          <a:lnRef idx="1">
+            <a:schemeClr val="accent1"/>
+          </a:lnRef>
+          <a:fillRef idx="0">
+            <a:schemeClr val="accent1"/>
+          </a:fillRef>
+          <a:effectRef idx="0">
+            <a:schemeClr val="accent1"/>
+          </a:effectRef>
+          <a:fontRef idx="minor">
+            <a:schemeClr val="tx1"/>
+          </a:fontRef>
+        </p:style>
+      </p:cxnSp>
+    </p:spTree>
+    <p:extLst>
+      <p:ext uri="{BB962C8B-B14F-4D97-AF65-F5344CB8AC3E}">
+        <p14:creationId xmlns:p14="http://schemas.microsoft.com/office/powerpoint/2010/main" val="581151939"/>
+      </p:ext>
+    </p:extLst>
+  </p:cSld>
+  <p:clrMapOvr>
+    <a:masterClrMapping/>
+  </p:clrMapOvr>
+</p:sld>
+</file>
+
+<file path=ppt/slides/slide17.xml><?xml version="1.0" encoding="utf-8"?>
+<p:sld xmlns:a="http://schemas.openxmlformats.org/drawingml/2006/main" xmlns:r="http://schemas.openxmlformats.org/officeDocument/2006/relationships" xmlns:p="http://schemas.openxmlformats.org/presentationml/2006/main">
+  <p:cSld>
+    <p:spTree>
+      <p:nvGrpSpPr>
+        <p:cNvPr id="1" name=""/>
+        <p:cNvGrpSpPr/>
+        <p:nvPr/>
+      </p:nvGrpSpPr>
+      <p:grpSpPr>
+        <a:xfrm>
+          <a:off x="0" y="0"/>
+          <a:ext cx="0" cy="0"/>
+          <a:chOff x="0" y="0"/>
+          <a:chExt cx="0" cy="0"/>
+        </a:xfrm>
+      </p:grpSpPr>
+      <p:sp>
+        <p:nvSpPr>
+          <p:cNvPr id="2" name="Title 1">
+            <a:extLst>
+              <a:ext uri="{FF2B5EF4-FFF2-40B4-BE49-F238E27FC236}">
+                <a16:creationId xmlns:a16="http://schemas.microsoft.com/office/drawing/2014/main" id="{265F92F4-49B1-0900-C83A-8CE9FE53DAE2}"/>
+              </a:ext>
+            </a:extLst>
+          </p:cNvPr>
+          <p:cNvSpPr>
+            <a:spLocks noGrp="1"/>
+          </p:cNvSpPr>
+          <p:nvPr>
+            <p:ph type="title"/>
+          </p:nvPr>
+        </p:nvSpPr>
+        <p:spPr>
+          <a:xfrm>
+            <a:off x="838200" y="0"/>
+            <a:ext cx="10515600" cy="597400"/>
+          </a:xfrm>
+        </p:spPr>
+        <p:txBody>
+          <a:bodyPr>
+            <a:normAutofit/>
+          </a:bodyPr>
+          <a:lstStyle/>
+          <a:p>
+            <a:r>
+              <a:rPr lang="en-IN" sz="3200" b="1" dirty="0" err="1">
+                <a:latin typeface="+mn-lt"/>
+              </a:rPr>
+              <a:t>XGBoost</a:t>
+            </a:r>
+            <a:r>
+              <a:rPr lang="en-IN" sz="3200" b="1" dirty="0">
+                <a:latin typeface="+mn-lt"/>
+              </a:rPr>
+              <a:t> – Best model selection with Hyperparameter Tuning</a:t>
+            </a:r>
+          </a:p>
+        </p:txBody>
+      </p:sp>
+      <p:sp>
+        <p:nvSpPr>
+          <p:cNvPr id="3" name="Content Placeholder 2">
+            <a:extLst>
+              <a:ext uri="{FF2B5EF4-FFF2-40B4-BE49-F238E27FC236}">
+                <a16:creationId xmlns:a16="http://schemas.microsoft.com/office/drawing/2014/main" id="{BB0956A1-B24B-0AB8-DE75-336352031BFB}"/>
+              </a:ext>
+            </a:extLst>
+          </p:cNvPr>
+          <p:cNvSpPr>
+            <a:spLocks noGrp="1"/>
+          </p:cNvSpPr>
+          <p:nvPr>
+            <p:ph idx="1"/>
+          </p:nvPr>
+        </p:nvSpPr>
+        <p:spPr>
+          <a:xfrm>
+            <a:off x="838200" y="1219200"/>
+            <a:ext cx="10515600" cy="4957763"/>
+          </a:xfrm>
+        </p:spPr>
+        <p:txBody>
+          <a:bodyPr/>
+          <a:lstStyle/>
+          <a:p>
+            <a:pPr marL="0" indent="0">
+              <a:buNone/>
+            </a:pPr>
+            <a:endParaRPr lang="en-IN" dirty="0"/>
+          </a:p>
+          <a:p>
+            <a:endParaRPr lang="en-IN" dirty="0"/>
+          </a:p>
+          <a:p>
+            <a:endParaRPr lang="en-IN" dirty="0"/>
+          </a:p>
+          <a:p>
+            <a:endParaRPr lang="en-IN" dirty="0"/>
+          </a:p>
+        </p:txBody>
+      </p:sp>
+      <p:pic>
+        <p:nvPicPr>
+          <p:cNvPr id="7" name="Picture 6">
+            <a:extLst>
+              <a:ext uri="{FF2B5EF4-FFF2-40B4-BE49-F238E27FC236}">
+                <a16:creationId xmlns:a16="http://schemas.microsoft.com/office/drawing/2014/main" id="{5062A7CB-300C-1E4D-C106-6669C58871E6}"/>
+              </a:ext>
+            </a:extLst>
+          </p:cNvPr>
+          <p:cNvPicPr>
+            <a:picLocks noChangeAspect="1"/>
+          </p:cNvPicPr>
+          <p:nvPr/>
+        </p:nvPicPr>
+        <p:blipFill>
+          <a:blip r:embed="rId2"/>
+          <a:stretch>
+            <a:fillRect/>
+          </a:stretch>
+        </p:blipFill>
+        <p:spPr>
+          <a:xfrm>
+            <a:off x="3363266" y="5871229"/>
+            <a:ext cx="4293418" cy="969576"/>
+          </a:xfrm>
+          <a:prstGeom prst="rect">
+            <a:avLst/>
+          </a:prstGeom>
+        </p:spPr>
+      </p:pic>
+      <p:pic>
+        <p:nvPicPr>
+          <p:cNvPr id="9" name="Picture 8">
+            <a:extLst>
+              <a:ext uri="{FF2B5EF4-FFF2-40B4-BE49-F238E27FC236}">
+                <a16:creationId xmlns:a16="http://schemas.microsoft.com/office/drawing/2014/main" id="{CA1EC61F-9AF8-4799-81C7-FEE51BD75934}"/>
+              </a:ext>
+            </a:extLst>
+          </p:cNvPr>
+          <p:cNvPicPr>
+            <a:picLocks noChangeAspect="1"/>
+          </p:cNvPicPr>
+          <p:nvPr/>
+        </p:nvPicPr>
+        <p:blipFill>
+          <a:blip r:embed="rId3"/>
+          <a:stretch>
+            <a:fillRect/>
+          </a:stretch>
+        </p:blipFill>
+        <p:spPr>
+          <a:xfrm>
+            <a:off x="685388" y="864450"/>
+            <a:ext cx="4012229" cy="2364748"/>
+          </a:xfrm>
+          <a:prstGeom prst="rect">
+            <a:avLst/>
+          </a:prstGeom>
+        </p:spPr>
+      </p:pic>
+      <p:pic>
+        <p:nvPicPr>
+          <p:cNvPr id="11" name="Picture 10">
+            <a:extLst>
+              <a:ext uri="{FF2B5EF4-FFF2-40B4-BE49-F238E27FC236}">
+                <a16:creationId xmlns:a16="http://schemas.microsoft.com/office/drawing/2014/main" id="{9EFFC309-6A8B-4F05-1D63-349E71E98E77}"/>
+              </a:ext>
+            </a:extLst>
+          </p:cNvPr>
+          <p:cNvPicPr>
+            <a:picLocks noChangeAspect="1"/>
+          </p:cNvPicPr>
+          <p:nvPr/>
+        </p:nvPicPr>
+        <p:blipFill>
+          <a:blip r:embed="rId4"/>
+          <a:stretch>
+            <a:fillRect/>
+          </a:stretch>
+        </p:blipFill>
+        <p:spPr>
+          <a:xfrm>
+            <a:off x="685388" y="3330930"/>
+            <a:ext cx="4293418" cy="2498096"/>
+          </a:xfrm>
+          <a:prstGeom prst="rect">
+            <a:avLst/>
+          </a:prstGeom>
+        </p:spPr>
+      </p:pic>
+      <p:pic>
+        <p:nvPicPr>
+          <p:cNvPr id="17" name="Picture 16">
+            <a:extLst>
+              <a:ext uri="{FF2B5EF4-FFF2-40B4-BE49-F238E27FC236}">
+                <a16:creationId xmlns:a16="http://schemas.microsoft.com/office/drawing/2014/main" id="{BBBC5877-51B1-1F9D-81CB-C5DC03F569C7}"/>
+              </a:ext>
+            </a:extLst>
+          </p:cNvPr>
+          <p:cNvPicPr>
+            <a:picLocks noChangeAspect="1"/>
+          </p:cNvPicPr>
+          <p:nvPr/>
+        </p:nvPicPr>
+        <p:blipFill>
+          <a:blip r:embed="rId5"/>
+          <a:stretch>
+            <a:fillRect/>
+          </a:stretch>
+        </p:blipFill>
+        <p:spPr>
+          <a:xfrm>
+            <a:off x="6103007" y="864450"/>
+            <a:ext cx="4078743" cy="2466480"/>
+          </a:xfrm>
+          <a:prstGeom prst="rect">
+            <a:avLst/>
+          </a:prstGeom>
+        </p:spPr>
+      </p:pic>
+      <p:pic>
+        <p:nvPicPr>
+          <p:cNvPr id="19" name="Picture 18">
+            <a:extLst>
+              <a:ext uri="{FF2B5EF4-FFF2-40B4-BE49-F238E27FC236}">
+                <a16:creationId xmlns:a16="http://schemas.microsoft.com/office/drawing/2014/main" id="{F56AAC6C-2BDB-A283-BC92-B37C41CEFA1F}"/>
+              </a:ext>
+            </a:extLst>
+          </p:cNvPr>
+          <p:cNvPicPr>
+            <a:picLocks noChangeAspect="1"/>
+          </p:cNvPicPr>
+          <p:nvPr/>
+        </p:nvPicPr>
+        <p:blipFill>
+          <a:blip r:embed="rId6"/>
+          <a:stretch>
+            <a:fillRect/>
+          </a:stretch>
+        </p:blipFill>
+        <p:spPr>
+          <a:xfrm>
+            <a:off x="6096000" y="3246560"/>
+            <a:ext cx="4402856" cy="2646493"/>
+          </a:xfrm>
+          <a:prstGeom prst="rect">
+            <a:avLst/>
+          </a:prstGeom>
+        </p:spPr>
+      </p:pic>
+      <p:cxnSp>
+        <p:nvCxnSpPr>
+          <p:cNvPr id="5" name="Straight Connector 4">
+            <a:extLst>
+              <a:ext uri="{FF2B5EF4-FFF2-40B4-BE49-F238E27FC236}">
+                <a16:creationId xmlns:a16="http://schemas.microsoft.com/office/drawing/2014/main" id="{EF2AB39F-F758-726B-4F20-359A8313E675}"/>
+              </a:ext>
+            </a:extLst>
+          </p:cNvPr>
+          <p:cNvCxnSpPr/>
+          <p:nvPr/>
+        </p:nvCxnSpPr>
+        <p:spPr>
+          <a:xfrm>
+            <a:off x="5509975" y="555358"/>
+            <a:ext cx="0" cy="5083442"/>
+          </a:xfrm>
+          <a:prstGeom prst="line">
+            <a:avLst/>
+          </a:prstGeom>
+        </p:spPr>
+        <p:style>
+          <a:lnRef idx="1">
+            <a:schemeClr val="accent1"/>
+          </a:lnRef>
+          <a:fillRef idx="0">
+            <a:schemeClr val="accent1"/>
+          </a:fillRef>
+          <a:effectRef idx="0">
+            <a:schemeClr val="accent1"/>
+          </a:effectRef>
+          <a:fontRef idx="minor">
+            <a:schemeClr val="tx1"/>
+          </a:fontRef>
+        </p:style>
+      </p:cxnSp>
+    </p:spTree>
+    <p:extLst>
+      <p:ext uri="{BB962C8B-B14F-4D97-AF65-F5344CB8AC3E}">
+        <p14:creationId xmlns:p14="http://schemas.microsoft.com/office/powerpoint/2010/main" val="841477307"/>
+      </p:ext>
+    </p:extLst>
+  </p:cSld>
+  <p:clrMapOvr>
+    <a:masterClrMapping/>
+  </p:clrMapOvr>
+</p:sld>
+</file>
+
+<file path=ppt/slides/slide18.xml><?xml version="1.0" encoding="utf-8"?>
+<p:sld xmlns:a="http://schemas.openxmlformats.org/drawingml/2006/main" xmlns:r="http://schemas.openxmlformats.org/officeDocument/2006/relationships" xmlns:p="http://schemas.openxmlformats.org/presentationml/2006/main">
+  <p:cSld>
+    <p:spTree>
+      <p:nvGrpSpPr>
+        <p:cNvPr id="1" name=""/>
+        <p:cNvGrpSpPr/>
+        <p:nvPr/>
+      </p:nvGrpSpPr>
+      <p:grpSpPr>
+        <a:xfrm>
+          <a:off x="0" y="0"/>
+          <a:ext cx="0" cy="0"/>
+          <a:chOff x="0" y="0"/>
+          <a:chExt cx="0" cy="0"/>
+        </a:xfrm>
+      </p:grpSpPr>
+      <p:sp>
+        <p:nvSpPr>
+          <p:cNvPr id="2" name="Title 1">
+            <a:extLst>
+              <a:ext uri="{FF2B5EF4-FFF2-40B4-BE49-F238E27FC236}">
+                <a16:creationId xmlns:a16="http://schemas.microsoft.com/office/drawing/2014/main" id="{F453E7CA-6BA4-AE64-5325-47E0EB9A20BA}"/>
+              </a:ext>
+            </a:extLst>
+          </p:cNvPr>
+          <p:cNvSpPr>
+            <a:spLocks noGrp="1"/>
+          </p:cNvSpPr>
+          <p:nvPr>
+            <p:ph type="title"/>
+          </p:nvPr>
+        </p:nvSpPr>
+        <p:spPr>
+          <a:xfrm>
+            <a:off x="838200" y="365126"/>
+            <a:ext cx="10515600" cy="773864"/>
+          </a:xfrm>
+        </p:spPr>
+        <p:txBody>
+          <a:bodyPr>
+            <a:normAutofit/>
+          </a:bodyPr>
+          <a:lstStyle/>
+          <a:p>
+            <a:r>
+              <a:rPr lang="en-IN" sz="3200" b="1" dirty="0">
+                <a:latin typeface="+mn-lt"/>
+              </a:rPr>
+              <a:t>Summary of Model Results:</a:t>
+            </a:r>
+          </a:p>
+        </p:txBody>
+      </p:sp>
+      <p:graphicFrame>
+        <p:nvGraphicFramePr>
+          <p:cNvPr id="4" name="Table 4">
+            <a:extLst>
+              <a:ext uri="{FF2B5EF4-FFF2-40B4-BE49-F238E27FC236}">
+                <a16:creationId xmlns:a16="http://schemas.microsoft.com/office/drawing/2014/main" id="{7677C3FE-5721-DA8C-3228-0FA0606EA12A}"/>
+              </a:ext>
+            </a:extLst>
+          </p:cNvPr>
+          <p:cNvGraphicFramePr>
+            <a:graphicFrameLocks noGrp="1"/>
+          </p:cNvGraphicFramePr>
+          <p:nvPr>
+            <p:ph idx="1"/>
+          </p:nvPr>
+        </p:nvGraphicFramePr>
+        <p:xfrm>
+          <a:off x="838200" y="1491916"/>
+          <a:ext cx="10515600" cy="3577387"/>
+        </p:xfrm>
+        <a:graphic>
+          <a:graphicData uri="http://schemas.openxmlformats.org/drawingml/2006/table">
+            <a:tbl>
+              <a:tblPr firstRow="1" bandRow="1">
+                <a:tableStyleId>{5C22544A-7EE6-4342-B048-85BDC9FD1C3A}</a:tableStyleId>
+              </a:tblPr>
+              <a:tblGrid>
+                <a:gridCol w="2103120">
+                  <a:extLst>
+                    <a:ext uri="{9D8B030D-6E8A-4147-A177-3AD203B41FA5}">
+                      <a16:colId xmlns:a16="http://schemas.microsoft.com/office/drawing/2014/main" val="2802901101"/>
+                    </a:ext>
+                  </a:extLst>
+                </a:gridCol>
+                <a:gridCol w="2103120">
+                  <a:extLst>
+                    <a:ext uri="{9D8B030D-6E8A-4147-A177-3AD203B41FA5}">
+                      <a16:colId xmlns:a16="http://schemas.microsoft.com/office/drawing/2014/main" val="351254930"/>
+                    </a:ext>
+                  </a:extLst>
+                </a:gridCol>
+                <a:gridCol w="2103120">
+                  <a:extLst>
+                    <a:ext uri="{9D8B030D-6E8A-4147-A177-3AD203B41FA5}">
+                      <a16:colId xmlns:a16="http://schemas.microsoft.com/office/drawing/2014/main" val="3437466710"/>
+                    </a:ext>
+                  </a:extLst>
+                </a:gridCol>
+                <a:gridCol w="2103120">
+                  <a:extLst>
+                    <a:ext uri="{9D8B030D-6E8A-4147-A177-3AD203B41FA5}">
+                      <a16:colId xmlns:a16="http://schemas.microsoft.com/office/drawing/2014/main" val="2993918040"/>
+                    </a:ext>
+                  </a:extLst>
+                </a:gridCol>
+                <a:gridCol w="2103120">
+                  <a:extLst>
+                    <a:ext uri="{9D8B030D-6E8A-4147-A177-3AD203B41FA5}">
+                      <a16:colId xmlns:a16="http://schemas.microsoft.com/office/drawing/2014/main" val="1594398749"/>
+                    </a:ext>
+                  </a:extLst>
+                </a:gridCol>
+              </a:tblGrid>
+              <a:tr h="787928">
+                <a:tc>
+                  <a:txBody>
+                    <a:bodyPr/>
+                    <a:lstStyle/>
+                    <a:p>
+                      <a:r>
+                        <a:rPr lang="en-IN" dirty="0"/>
+                        <a:t>Model(Algorithm)</a:t>
+                      </a:r>
+                    </a:p>
+                  </a:txBody>
+                  <a:tcPr/>
+                </a:tc>
+                <a:tc>
+                  <a:txBody>
+                    <a:bodyPr/>
+                    <a:lstStyle/>
+                    <a:p>
+                      <a:r>
+                        <a:rPr lang="en-IN" dirty="0"/>
+                        <a:t>R-squared(Train)</a:t>
+                      </a:r>
+                    </a:p>
+                  </a:txBody>
+                  <a:tcPr/>
+                </a:tc>
+                <a:tc>
+                  <a:txBody>
+                    <a:bodyPr/>
+                    <a:lstStyle/>
+                    <a:p>
+                      <a:pPr marL="0" marR="0" lvl="0" indent="0" algn="l" defTabSz="914400" rtl="0" eaLnBrk="1" fontAlgn="auto" latinLnBrk="0" hangingPunct="1">
+                        <a:lnSpc>
+                          <a:spcPct val="100000"/>
+                        </a:lnSpc>
+                        <a:spcBef>
+                          <a:spcPts val="0"/>
+                        </a:spcBef>
+                        <a:spcAft>
+                          <a:spcPts val="0"/>
+                        </a:spcAft>
+                        <a:buClrTx/>
+                        <a:buSzTx/>
+                        <a:buFontTx/>
+                        <a:buNone/>
+                        <a:tabLst/>
+                        <a:defRPr/>
+                      </a:pPr>
+                      <a:r>
+                        <a:rPr lang="en-IN" dirty="0"/>
+                        <a:t>R-squared(Test)</a:t>
+                      </a:r>
+                    </a:p>
+                  </a:txBody>
+                  <a:tcPr/>
+                </a:tc>
+                <a:tc>
+                  <a:txBody>
+                    <a:bodyPr/>
+                    <a:lstStyle/>
+                    <a:p>
+                      <a:r>
+                        <a:rPr lang="en-IN" dirty="0"/>
+                        <a:t>RMSE(Train)</a:t>
+                      </a:r>
+                    </a:p>
+                  </a:txBody>
+                  <a:tcPr/>
+                </a:tc>
+                <a:tc>
+                  <a:txBody>
+                    <a:bodyPr/>
+                    <a:lstStyle/>
+                    <a:p>
+                      <a:r>
+                        <a:rPr lang="en-IN" dirty="0"/>
+                        <a:t>RMSE(Test)</a:t>
+                      </a:r>
+                    </a:p>
+                  </a:txBody>
+                  <a:tcPr/>
+                </a:tc>
+                <a:extLst>
+                  <a:ext uri="{0D108BD9-81ED-4DB2-BD59-A6C34878D82A}">
+                    <a16:rowId xmlns:a16="http://schemas.microsoft.com/office/drawing/2014/main" val="2515094857"/>
+                  </a:ext>
+                </a:extLst>
+              </a:tr>
+              <a:tr h="414726">
+                <a:tc>
+                  <a:txBody>
+                    <a:bodyPr/>
+                    <a:lstStyle/>
+                    <a:p>
+                      <a:r>
+                        <a:rPr lang="en-IN" dirty="0"/>
+                        <a:t>Linear Regression</a:t>
+                      </a:r>
+                    </a:p>
+                  </a:txBody>
+                  <a:tcPr/>
+                </a:tc>
+                <a:tc>
+                  <a:txBody>
+                    <a:bodyPr/>
+                    <a:lstStyle/>
+                    <a:p>
+                      <a:r>
+                        <a:rPr lang="en-IN" dirty="0"/>
+                        <a:t>75.58%</a:t>
+                      </a:r>
+                    </a:p>
+                  </a:txBody>
+                  <a:tcPr/>
+                </a:tc>
+                <a:tc>
+                  <a:txBody>
+                    <a:bodyPr/>
+                    <a:lstStyle/>
+                    <a:p>
+                      <a:r>
+                        <a:rPr lang="en-IN" dirty="0"/>
+                        <a:t>74.65%</a:t>
+                      </a:r>
+                    </a:p>
+                  </a:txBody>
+                  <a:tcPr/>
+                </a:tc>
+                <a:tc>
+                  <a:txBody>
+                    <a:bodyPr/>
+                    <a:lstStyle/>
+                    <a:p>
+                      <a:r>
+                        <a:rPr lang="en-IN" dirty="0"/>
+                        <a:t>0.4933</a:t>
+                      </a:r>
+                    </a:p>
+                  </a:txBody>
+                  <a:tcPr/>
+                </a:tc>
+                <a:tc>
+                  <a:txBody>
+                    <a:bodyPr/>
+                    <a:lstStyle/>
+                    <a:p>
+                      <a:r>
+                        <a:rPr lang="en-IN" dirty="0"/>
+                        <a:t>0.5070</a:t>
+                      </a:r>
+                    </a:p>
+                  </a:txBody>
+                  <a:tcPr/>
+                </a:tc>
+                <a:extLst>
+                  <a:ext uri="{0D108BD9-81ED-4DB2-BD59-A6C34878D82A}">
+                    <a16:rowId xmlns:a16="http://schemas.microsoft.com/office/drawing/2014/main" val="3380751878"/>
+                  </a:ext>
+                </a:extLst>
+              </a:tr>
+              <a:tr h="414726">
+                <a:tc>
+                  <a:txBody>
+                    <a:bodyPr/>
+                    <a:lstStyle/>
+                    <a:p>
+                      <a:r>
+                        <a:rPr lang="en-IN" dirty="0"/>
+                        <a:t>Lasso Regression</a:t>
+                      </a:r>
+                    </a:p>
+                  </a:txBody>
+                  <a:tcPr/>
+                </a:tc>
+                <a:tc>
+                  <a:txBody>
+                    <a:bodyPr/>
+                    <a:lstStyle/>
+                    <a:p>
+                      <a:r>
+                        <a:rPr lang="en-IN" dirty="0"/>
+                        <a:t>75.84%</a:t>
+                      </a:r>
+                    </a:p>
+                  </a:txBody>
+                  <a:tcPr/>
+                </a:tc>
+                <a:tc>
+                  <a:txBody>
+                    <a:bodyPr/>
+                    <a:lstStyle/>
+                    <a:p>
+                      <a:r>
+                        <a:rPr lang="en-IN" dirty="0"/>
+                        <a:t>73.58%</a:t>
+                      </a:r>
+                    </a:p>
+                  </a:txBody>
+                  <a:tcPr/>
+                </a:tc>
+                <a:tc>
+                  <a:txBody>
+                    <a:bodyPr/>
+                    <a:lstStyle/>
+                    <a:p>
+                      <a:r>
+                        <a:rPr lang="en-IN" dirty="0"/>
+                        <a:t>0.4897</a:t>
+                      </a:r>
+                    </a:p>
+                  </a:txBody>
+                  <a:tcPr/>
+                </a:tc>
+                <a:tc>
+                  <a:txBody>
+                    <a:bodyPr/>
+                    <a:lstStyle/>
+                    <a:p>
+                      <a:r>
+                        <a:rPr lang="en-IN" dirty="0"/>
+                        <a:t>0.5212</a:t>
+                      </a:r>
+                    </a:p>
+                  </a:txBody>
+                  <a:tcPr/>
+                </a:tc>
+                <a:extLst>
+                  <a:ext uri="{0D108BD9-81ED-4DB2-BD59-A6C34878D82A}">
+                    <a16:rowId xmlns:a16="http://schemas.microsoft.com/office/drawing/2014/main" val="765008775"/>
+                  </a:ext>
+                </a:extLst>
+              </a:tr>
+              <a:tr h="414726">
+                <a:tc>
+                  <a:txBody>
+                    <a:bodyPr/>
+                    <a:lstStyle/>
+                    <a:p>
+                      <a:r>
+                        <a:rPr lang="en-IN" dirty="0"/>
+                        <a:t>Ridge Regression</a:t>
+                      </a:r>
+                    </a:p>
+                  </a:txBody>
+                  <a:tcPr/>
+                </a:tc>
+                <a:tc>
+                  <a:txBody>
+                    <a:bodyPr/>
+                    <a:lstStyle/>
+                    <a:p>
+                      <a:r>
+                        <a:rPr lang="en-IN" dirty="0"/>
+                        <a:t>75.64%</a:t>
+                      </a:r>
+                    </a:p>
+                  </a:txBody>
+                  <a:tcPr/>
+                </a:tc>
+                <a:tc>
+                  <a:txBody>
+                    <a:bodyPr/>
+                    <a:lstStyle/>
+                    <a:p>
+                      <a:r>
+                        <a:rPr lang="en-IN" dirty="0"/>
+                        <a:t>73.51%</a:t>
+                      </a:r>
+                    </a:p>
+                  </a:txBody>
+                  <a:tcPr/>
+                </a:tc>
+                <a:tc>
+                  <a:txBody>
+                    <a:bodyPr/>
+                    <a:lstStyle/>
+                    <a:p>
+                      <a:r>
+                        <a:rPr lang="en-IN" dirty="0"/>
+                        <a:t>0.4924</a:t>
+                      </a:r>
+                    </a:p>
+                  </a:txBody>
+                  <a:tcPr/>
+                </a:tc>
+                <a:tc>
+                  <a:txBody>
+                    <a:bodyPr/>
+                    <a:lstStyle/>
+                    <a:p>
+                      <a:r>
+                        <a:rPr lang="en-IN" dirty="0"/>
+                        <a:t>0.5226</a:t>
+                      </a:r>
+                    </a:p>
+                  </a:txBody>
+                  <a:tcPr/>
+                </a:tc>
+                <a:extLst>
+                  <a:ext uri="{0D108BD9-81ED-4DB2-BD59-A6C34878D82A}">
+                    <a16:rowId xmlns:a16="http://schemas.microsoft.com/office/drawing/2014/main" val="615029044"/>
+                  </a:ext>
+                </a:extLst>
+              </a:tr>
+              <a:tr h="414726">
+                <a:tc>
+                  <a:txBody>
+                    <a:bodyPr/>
+                    <a:lstStyle/>
+                    <a:p>
+                      <a:r>
+                        <a:rPr lang="en-IN" dirty="0"/>
+                        <a:t>SVM Regressor</a:t>
+                      </a:r>
+                    </a:p>
+                  </a:txBody>
+                  <a:tcPr/>
+                </a:tc>
+                <a:tc>
+                  <a:txBody>
+                    <a:bodyPr/>
+                    <a:lstStyle/>
+                    <a:p>
+                      <a:r>
+                        <a:rPr lang="en-IN" dirty="0"/>
+                        <a:t>88.04%</a:t>
+                      </a:r>
+                    </a:p>
+                  </a:txBody>
+                  <a:tcPr/>
+                </a:tc>
+                <a:tc>
+                  <a:txBody>
+                    <a:bodyPr/>
+                    <a:lstStyle/>
+                    <a:p>
+                      <a:r>
+                        <a:rPr lang="en-IN" dirty="0"/>
+                        <a:t>88.92%</a:t>
+                      </a:r>
+                    </a:p>
+                  </a:txBody>
+                  <a:tcPr/>
+                </a:tc>
+                <a:tc>
+                  <a:txBody>
+                    <a:bodyPr/>
+                    <a:lstStyle/>
+                    <a:p>
+                      <a:r>
+                        <a:rPr lang="en-IN" dirty="0"/>
+                        <a:t>0.3615</a:t>
+                      </a:r>
+                    </a:p>
+                  </a:txBody>
+                  <a:tcPr/>
+                </a:tc>
+                <a:tc>
+                  <a:txBody>
+                    <a:bodyPr/>
+                    <a:lstStyle/>
+                    <a:p>
+                      <a:r>
+                        <a:rPr lang="en-IN" dirty="0"/>
+                        <a:t>0.3415</a:t>
+                      </a:r>
+                    </a:p>
+                  </a:txBody>
+                  <a:tcPr/>
+                </a:tc>
+                <a:extLst>
+                  <a:ext uri="{0D108BD9-81ED-4DB2-BD59-A6C34878D82A}">
+                    <a16:rowId xmlns:a16="http://schemas.microsoft.com/office/drawing/2014/main" val="2951312833"/>
+                  </a:ext>
+                </a:extLst>
+              </a:tr>
+              <a:tr h="715829">
+                <a:tc>
+                  <a:txBody>
+                    <a:bodyPr/>
+                    <a:lstStyle/>
+                    <a:p>
+                      <a:r>
+                        <a:rPr lang="en-IN" dirty="0"/>
+                        <a:t>Random Forest Regressor</a:t>
+                      </a:r>
+                    </a:p>
+                  </a:txBody>
+                  <a:tcPr/>
+                </a:tc>
+                <a:tc>
+                  <a:txBody>
+                    <a:bodyPr/>
+                    <a:lstStyle/>
+                    <a:p>
+                      <a:r>
+                        <a:rPr lang="en-IN" dirty="0"/>
+                        <a:t>97.87%</a:t>
+                      </a:r>
+                    </a:p>
+                  </a:txBody>
+                  <a:tcPr/>
+                </a:tc>
+                <a:tc>
+                  <a:txBody>
+                    <a:bodyPr/>
+                    <a:lstStyle/>
+                    <a:p>
+                      <a:r>
+                        <a:rPr lang="en-IN" dirty="0"/>
+                        <a:t>90.64%</a:t>
+                      </a:r>
+                    </a:p>
+                  </a:txBody>
+                  <a:tcPr/>
+                </a:tc>
+                <a:tc>
+                  <a:txBody>
+                    <a:bodyPr/>
+                    <a:lstStyle/>
+                    <a:p>
+                      <a:r>
+                        <a:rPr lang="en-IN" dirty="0"/>
+                        <a:t>0.1511</a:t>
+                      </a:r>
+                    </a:p>
+                  </a:txBody>
+                  <a:tcPr/>
+                </a:tc>
+                <a:tc>
+                  <a:txBody>
+                    <a:bodyPr/>
+                    <a:lstStyle/>
+                    <a:p>
+                      <a:r>
+                        <a:rPr lang="en-IN" dirty="0"/>
+                        <a:t>0.3116</a:t>
+                      </a:r>
+                    </a:p>
+                  </a:txBody>
+                  <a:tcPr/>
+                </a:tc>
+                <a:extLst>
+                  <a:ext uri="{0D108BD9-81ED-4DB2-BD59-A6C34878D82A}">
+                    <a16:rowId xmlns:a16="http://schemas.microsoft.com/office/drawing/2014/main" val="3250272351"/>
+                  </a:ext>
+                </a:extLst>
+              </a:tr>
+              <a:tr h="414726">
+                <a:tc>
+                  <a:txBody>
+                    <a:bodyPr/>
+                    <a:lstStyle/>
+                    <a:p>
+                      <a:r>
+                        <a:rPr lang="en-IN" dirty="0" err="1"/>
+                        <a:t>XGBoost</a:t>
+                      </a:r>
+                      <a:r>
+                        <a:rPr lang="en-IN" dirty="0"/>
+                        <a:t> Regressor</a:t>
+                      </a:r>
+                    </a:p>
+                  </a:txBody>
+                  <a:tcPr/>
+                </a:tc>
+                <a:tc>
+                  <a:txBody>
+                    <a:bodyPr/>
+                    <a:lstStyle/>
+                    <a:p>
+                      <a:r>
+                        <a:rPr lang="en-IN" dirty="0"/>
+                        <a:t>96.56%</a:t>
+                      </a:r>
+                    </a:p>
+                  </a:txBody>
+                  <a:tcPr/>
+                </a:tc>
+                <a:tc>
+                  <a:txBody>
+                    <a:bodyPr/>
+                    <a:lstStyle/>
+                    <a:p>
+                      <a:r>
+                        <a:rPr lang="en-IN" dirty="0"/>
+                        <a:t>92.73%</a:t>
+                      </a:r>
+                    </a:p>
+                  </a:txBody>
+                  <a:tcPr/>
+                </a:tc>
+                <a:tc>
+                  <a:txBody>
+                    <a:bodyPr/>
+                    <a:lstStyle/>
+                    <a:p>
+                      <a:r>
+                        <a:rPr lang="en-IN" dirty="0"/>
+                        <a:t>0.1859</a:t>
+                      </a:r>
+                    </a:p>
+                  </a:txBody>
+                  <a:tcPr/>
+                </a:tc>
+                <a:tc>
+                  <a:txBody>
+                    <a:bodyPr/>
+                    <a:lstStyle/>
+                    <a:p>
+                      <a:r>
+                        <a:rPr lang="en-IN" dirty="0"/>
+                        <a:t>0.2688</a:t>
+                      </a:r>
+                    </a:p>
+                  </a:txBody>
+                  <a:tcPr/>
+                </a:tc>
+                <a:extLst>
+                  <a:ext uri="{0D108BD9-81ED-4DB2-BD59-A6C34878D82A}">
+                    <a16:rowId xmlns:a16="http://schemas.microsoft.com/office/drawing/2014/main" val="2285796489"/>
+                  </a:ext>
+                </a:extLst>
+              </a:tr>
+            </a:tbl>
+          </a:graphicData>
+        </a:graphic>
+      </p:graphicFrame>
+      <p:sp>
+        <p:nvSpPr>
+          <p:cNvPr id="5" name="TextBox 4">
+            <a:extLst>
+              <a:ext uri="{FF2B5EF4-FFF2-40B4-BE49-F238E27FC236}">
+                <a16:creationId xmlns:a16="http://schemas.microsoft.com/office/drawing/2014/main" id="{FF234027-3B78-D44E-0FBC-A7940AD3BCE6}"/>
+              </a:ext>
+            </a:extLst>
+          </p:cNvPr>
+          <p:cNvSpPr txBox="1"/>
+          <p:nvPr/>
+        </p:nvSpPr>
+        <p:spPr>
+          <a:xfrm>
+            <a:off x="838200" y="5422229"/>
+            <a:ext cx="9787636" cy="1323439"/>
+          </a:xfrm>
+          <a:prstGeom prst="rect">
+            <a:avLst/>
+          </a:prstGeom>
+          <a:noFill/>
+        </p:spPr>
+        <p:txBody>
+          <a:bodyPr wrap="square" rtlCol="0">
+            <a:spAutoFit/>
+          </a:bodyPr>
+          <a:lstStyle/>
+          <a:p>
+            <a:r>
+              <a:rPr lang="en-IN" sz="2000" dirty="0"/>
+              <a:t>The linear regression model performed significantly well and there is not much difference observed in the case of lasso and Ridge.</a:t>
+            </a:r>
+          </a:p>
+          <a:p>
+            <a:r>
+              <a:rPr lang="en-IN" sz="2000" dirty="0"/>
+              <a:t>Bagging and boosting regressors did very well and we got test R-squared above 90% with minimum RMSE compared to other models.</a:t>
+            </a:r>
+          </a:p>
+        </p:txBody>
+      </p:sp>
+    </p:spTree>
+    <p:extLst>
+      <p:ext uri="{BB962C8B-B14F-4D97-AF65-F5344CB8AC3E}">
+        <p14:creationId xmlns:p14="http://schemas.microsoft.com/office/powerpoint/2010/main" val="4090539189"/>
+      </p:ext>
+    </p:extLst>
+  </p:cSld>
+  <p:clrMapOvr>
+    <a:masterClrMapping/>
+  </p:clrMapOvr>
+</p:sld>
+</file>
+
+<file path=ppt/slides/slide19.xml><?xml version="1.0" encoding="utf-8"?>
+<p:sld xmlns:a="http://schemas.openxmlformats.org/drawingml/2006/main" xmlns:r="http://schemas.openxmlformats.org/officeDocument/2006/relationships" xmlns:p="http://schemas.openxmlformats.org/presentationml/2006/main">
+  <p:cSld>
+    <p:spTree>
+      <p:nvGrpSpPr>
+        <p:cNvPr id="1" name=""/>
+        <p:cNvGrpSpPr/>
+        <p:nvPr/>
+      </p:nvGrpSpPr>
+      <p:grpSpPr>
+        <a:xfrm>
+          <a:off x="0" y="0"/>
+          <a:ext cx="0" cy="0"/>
+          <a:chOff x="0" y="0"/>
+          <a:chExt cx="0" cy="0"/>
+        </a:xfrm>
+      </p:grpSpPr>
+      <p:sp>
+        <p:nvSpPr>
+          <p:cNvPr id="2" name="Title 1">
+            <a:extLst>
+              <a:ext uri="{FF2B5EF4-FFF2-40B4-BE49-F238E27FC236}">
+                <a16:creationId xmlns:a16="http://schemas.microsoft.com/office/drawing/2014/main" id="{2E474F94-4E61-17E6-1DC9-6753BCDB87E6}"/>
+              </a:ext>
+            </a:extLst>
+          </p:cNvPr>
+          <p:cNvSpPr>
+            <a:spLocks noGrp="1"/>
+          </p:cNvSpPr>
+          <p:nvPr>
+            <p:ph type="ctrTitle"/>
+          </p:nvPr>
+        </p:nvSpPr>
+        <p:spPr>
+          <a:xfrm>
+            <a:off x="3204642" y="2353641"/>
+            <a:ext cx="5782716" cy="2150719"/>
+          </a:xfrm>
+          <a:noFill/>
+        </p:spPr>
+        <p:txBody>
+          <a:bodyPr anchor="ctr">
+            <a:normAutofit/>
+          </a:bodyPr>
+          <a:lstStyle/>
+          <a:p>
+            <a:r>
+              <a:rPr lang="en-US" sz="5400" b="1" dirty="0">
+                <a:solidFill>
+                  <a:srgbClr val="080808"/>
+                </a:solidFill>
+                <a:latin typeface="Calibri" panose="020F0502020204030204" pitchFamily="34" charset="0"/>
+                <a:cs typeface="Calibri" panose="020F0502020204030204" pitchFamily="34" charset="0"/>
+              </a:rPr>
+              <a:t>THANK YOU</a:t>
+            </a:r>
+            <a:endParaRPr lang="hi-IN" sz="5400" b="1" dirty="0">
+              <a:solidFill>
+                <a:srgbClr val="080808"/>
+              </a:solidFill>
+              <a:latin typeface="Calibri" panose="020F0502020204030204" pitchFamily="34" charset="0"/>
+            </a:endParaRPr>
+          </a:p>
+        </p:txBody>
+      </p:sp>
+    </p:spTree>
+    <p:extLst>
+      <p:ext uri="{BB962C8B-B14F-4D97-AF65-F5344CB8AC3E}">
+        <p14:creationId xmlns:p14="http://schemas.microsoft.com/office/powerpoint/2010/main" val="730172255"/>
+      </p:ext>
+    </p:extLst>
+  </p:cSld>
+  <p:clrMapOvr>
+    <a:masterClrMapping/>
+  </p:clrMapOvr>
 </p:sld>
 </file>
 

--- a/TEAM 8_FINAL_PRESENTATION.pptx
+++ b/TEAM 8_FINAL_PRESENTATION.pptx
@@ -14,16 +14,20 @@
     <p:sldId id="278" r:id="rId8"/>
     <p:sldId id="303" r:id="rId9"/>
     <p:sldId id="304" r:id="rId10"/>
-    <p:sldId id="281" r:id="rId11"/>
-    <p:sldId id="268" r:id="rId12"/>
-    <p:sldId id="293" r:id="rId13"/>
-    <p:sldId id="271" r:id="rId14"/>
-    <p:sldId id="307" r:id="rId15"/>
-    <p:sldId id="287" r:id="rId16"/>
-    <p:sldId id="308" r:id="rId17"/>
-    <p:sldId id="282" r:id="rId18"/>
-    <p:sldId id="309" r:id="rId19"/>
-    <p:sldId id="300" r:id="rId20"/>
+    <p:sldId id="279" r:id="rId11"/>
+    <p:sldId id="265" r:id="rId12"/>
+    <p:sldId id="281" r:id="rId13"/>
+    <p:sldId id="268" r:id="rId14"/>
+    <p:sldId id="293" r:id="rId15"/>
+    <p:sldId id="271" r:id="rId16"/>
+    <p:sldId id="307" r:id="rId17"/>
+    <p:sldId id="270" r:id="rId18"/>
+    <p:sldId id="284" r:id="rId19"/>
+    <p:sldId id="287" r:id="rId20"/>
+    <p:sldId id="308" r:id="rId21"/>
+    <p:sldId id="282" r:id="rId22"/>
+    <p:sldId id="309" r:id="rId23"/>
+    <p:sldId id="300" r:id="rId24"/>
   </p:sldIdLst>
   <p:sldSz cx="12192000" cy="6858000"/>
   <p:notesSz cx="6858000" cy="9144000"/>
@@ -471,7 +475,7 @@
           <a:p>
             <a:fld id="{5D086F0A-AF7E-4566-93F7-8A62D64384D9}" type="datetimeFigureOut">
               <a:rPr lang="en-IN" smtClean="0"/>
-              <a:t>08-12-2022</a:t>
+              <a:t>08/12/22</a:t>
             </a:fld>
             <a:endParaRPr lang="en-IN"/>
           </a:p>
@@ -669,7 +673,7 @@
           <a:p>
             <a:fld id="{5D086F0A-AF7E-4566-93F7-8A62D64384D9}" type="datetimeFigureOut">
               <a:rPr lang="en-IN" smtClean="0"/>
-              <a:t>08-12-2022</a:t>
+              <a:t>08/12/22</a:t>
             </a:fld>
             <a:endParaRPr lang="en-IN"/>
           </a:p>
@@ -877,7 +881,7 @@
           <a:p>
             <a:fld id="{5D086F0A-AF7E-4566-93F7-8A62D64384D9}" type="datetimeFigureOut">
               <a:rPr lang="en-IN" smtClean="0"/>
-              <a:t>08-12-2022</a:t>
+              <a:t>08/12/22</a:t>
             </a:fld>
             <a:endParaRPr lang="en-IN"/>
           </a:p>
@@ -1075,7 +1079,7 @@
           <a:p>
             <a:fld id="{5D086F0A-AF7E-4566-93F7-8A62D64384D9}" type="datetimeFigureOut">
               <a:rPr lang="en-IN" smtClean="0"/>
-              <a:t>08-12-2022</a:t>
+              <a:t>08/12/22</a:t>
             </a:fld>
             <a:endParaRPr lang="en-IN"/>
           </a:p>
@@ -1350,7 +1354,7 @@
           <a:p>
             <a:fld id="{5D086F0A-AF7E-4566-93F7-8A62D64384D9}" type="datetimeFigureOut">
               <a:rPr lang="en-IN" smtClean="0"/>
-              <a:t>08-12-2022</a:t>
+              <a:t>08/12/22</a:t>
             </a:fld>
             <a:endParaRPr lang="en-IN"/>
           </a:p>
@@ -1615,7 +1619,7 @@
           <a:p>
             <a:fld id="{5D086F0A-AF7E-4566-93F7-8A62D64384D9}" type="datetimeFigureOut">
               <a:rPr lang="en-IN" smtClean="0"/>
-              <a:t>08-12-2022</a:t>
+              <a:t>08/12/22</a:t>
             </a:fld>
             <a:endParaRPr lang="en-IN"/>
           </a:p>
@@ -2027,7 +2031,7 @@
           <a:p>
             <a:fld id="{5D086F0A-AF7E-4566-93F7-8A62D64384D9}" type="datetimeFigureOut">
               <a:rPr lang="en-IN" smtClean="0"/>
-              <a:t>08-12-2022</a:t>
+              <a:t>08/12/22</a:t>
             </a:fld>
             <a:endParaRPr lang="en-IN"/>
           </a:p>
@@ -2168,7 +2172,7 @@
           <a:p>
             <a:fld id="{5D086F0A-AF7E-4566-93F7-8A62D64384D9}" type="datetimeFigureOut">
               <a:rPr lang="en-IN" smtClean="0"/>
-              <a:t>08-12-2022</a:t>
+              <a:t>08/12/22</a:t>
             </a:fld>
             <a:endParaRPr lang="en-IN"/>
           </a:p>
@@ -2281,7 +2285,7 @@
           <a:p>
             <a:fld id="{5D086F0A-AF7E-4566-93F7-8A62D64384D9}" type="datetimeFigureOut">
               <a:rPr lang="en-IN" smtClean="0"/>
-              <a:t>08-12-2022</a:t>
+              <a:t>08/12/22</a:t>
             </a:fld>
             <a:endParaRPr lang="en-IN"/>
           </a:p>
@@ -2592,7 +2596,7 @@
           <a:p>
             <a:fld id="{5D086F0A-AF7E-4566-93F7-8A62D64384D9}" type="datetimeFigureOut">
               <a:rPr lang="en-IN" smtClean="0"/>
-              <a:t>08-12-2022</a:t>
+              <a:t>08/12/22</a:t>
             </a:fld>
             <a:endParaRPr lang="en-IN"/>
           </a:p>
@@ -2880,7 +2884,7 @@
           <a:p>
             <a:fld id="{5D086F0A-AF7E-4566-93F7-8A62D64384D9}" type="datetimeFigureOut">
               <a:rPr lang="en-IN" smtClean="0"/>
-              <a:t>08-12-2022</a:t>
+              <a:t>08/12/22</a:t>
             </a:fld>
             <a:endParaRPr lang="en-IN"/>
           </a:p>
@@ -3121,7 +3125,7 @@
           <a:p>
             <a:fld id="{5D086F0A-AF7E-4566-93F7-8A62D64384D9}" type="datetimeFigureOut">
               <a:rPr lang="en-IN" smtClean="0"/>
-              <a:t>08-12-2022</a:t>
+              <a:t>08/12/22</a:t>
             </a:fld>
             <a:endParaRPr lang="en-IN"/>
           </a:p>
@@ -4261,6 +4265,466 @@
 <file path=ppt/slides/slide10.xml><?xml version="1.0" encoding="utf-8"?>
 <p:sld xmlns:a="http://schemas.openxmlformats.org/drawingml/2006/main" xmlns:r="http://schemas.openxmlformats.org/officeDocument/2006/relationships" xmlns:p="http://schemas.openxmlformats.org/presentationml/2006/main">
   <p:cSld>
+    <p:spTree>
+      <p:nvGrpSpPr>
+        <p:cNvPr id="1" name=""/>
+        <p:cNvGrpSpPr/>
+        <p:nvPr/>
+      </p:nvGrpSpPr>
+      <p:grpSpPr>
+        <a:xfrm>
+          <a:off x="0" y="0"/>
+          <a:ext cx="0" cy="0"/>
+          <a:chOff x="0" y="0"/>
+          <a:chExt cx="0" cy="0"/>
+        </a:xfrm>
+      </p:grpSpPr>
+      <p:sp>
+        <p:nvSpPr>
+          <p:cNvPr id="2" name="Title 1">
+            <a:extLst>
+              <a:ext uri="{FF2B5EF4-FFF2-40B4-BE49-F238E27FC236}">
+                <a16:creationId xmlns:a16="http://schemas.microsoft.com/office/drawing/2014/main" id="{53E6291E-D680-413F-9E39-E20E03AFDBD9}"/>
+              </a:ext>
+            </a:extLst>
+          </p:cNvPr>
+          <p:cNvSpPr>
+            <a:spLocks noGrp="1"/>
+          </p:cNvSpPr>
+          <p:nvPr>
+            <p:ph type="title"/>
+          </p:nvPr>
+        </p:nvSpPr>
+        <p:spPr>
+          <a:xfrm>
+            <a:off x="643467" y="321734"/>
+            <a:ext cx="10905066" cy="1135737"/>
+          </a:xfrm>
+        </p:spPr>
+        <p:txBody>
+          <a:bodyPr>
+            <a:normAutofit/>
+          </a:bodyPr>
+          <a:lstStyle/>
+          <a:p>
+            <a:r>
+              <a:rPr lang="en-IN" sz="3000" b="1" dirty="0">
+                <a:latin typeface="+mn-lt"/>
+                <a:cs typeface="Calibri Light" panose="020F0302020204030204" pitchFamily="34" charset="0"/>
+              </a:rPr>
+              <a:t>Step Wise Regression Method:</a:t>
+            </a:r>
+          </a:p>
+        </p:txBody>
+      </p:sp>
+      <p:sp>
+        <p:nvSpPr>
+          <p:cNvPr id="3" name="Content Placeholder 2">
+            <a:extLst>
+              <a:ext uri="{FF2B5EF4-FFF2-40B4-BE49-F238E27FC236}">
+                <a16:creationId xmlns:a16="http://schemas.microsoft.com/office/drawing/2014/main" id="{11FBBCF3-6E9D-0DEE-F311-24100B73E39F}"/>
+              </a:ext>
+            </a:extLst>
+          </p:cNvPr>
+          <p:cNvSpPr>
+            <a:spLocks noGrp="1"/>
+          </p:cNvSpPr>
+          <p:nvPr>
+            <p:ph idx="1"/>
+          </p:nvPr>
+        </p:nvSpPr>
+        <p:spPr>
+          <a:xfrm>
+            <a:off x="643467" y="1457471"/>
+            <a:ext cx="10905066" cy="4393982"/>
+          </a:xfrm>
+        </p:spPr>
+        <p:txBody>
+          <a:bodyPr>
+            <a:normAutofit/>
+          </a:bodyPr>
+          <a:lstStyle/>
+          <a:p>
+            <a:pPr marL="0" indent="0" fontAlgn="base">
+              <a:buNone/>
+            </a:pPr>
+            <a:endParaRPr lang="en-US" sz="2000" dirty="0">
+              <a:cs typeface="Calibri Light" panose="020F0302020204030204" pitchFamily="34" charset="0"/>
+            </a:endParaRPr>
+          </a:p>
+          <a:p>
+            <a:pPr fontAlgn="base"/>
+            <a:r>
+              <a:rPr lang="en-US" sz="2000" i="0" dirty="0">
+                <a:effectLst/>
+                <a:cs typeface="Calibri Light" panose="020F0302020204030204" pitchFamily="34" charset="0"/>
+              </a:rPr>
+              <a:t>Step wise regression model is a procedure we can use to build a regression model from a set of predictor variables by entering and removing predictors in a stepwise manner into the model until there is no statistically valid reason to enter or remove any more.</a:t>
+            </a:r>
+          </a:p>
+          <a:p>
+            <a:pPr fontAlgn="base"/>
+            <a:r>
+              <a:rPr lang="en-US" sz="2000" i="0" dirty="0">
+                <a:effectLst/>
+                <a:cs typeface="Calibri Light" panose="020F0302020204030204" pitchFamily="34" charset="0"/>
+              </a:rPr>
+              <a:t>The goal of stepwise regression is to build a regression model that includes all of the predictor variables that are statistically significantly related to the response variable.</a:t>
+            </a:r>
+          </a:p>
+          <a:p>
+            <a:pPr fontAlgn="base"/>
+            <a:r>
+              <a:rPr lang="en-US" sz="2000" i="0" dirty="0">
+                <a:effectLst/>
+                <a:cs typeface="Calibri Light" panose="020F0302020204030204" pitchFamily="34" charset="0"/>
+              </a:rPr>
+              <a:t>There are three strategies of stepwise regression:</a:t>
+            </a:r>
+          </a:p>
+          <a:p>
+            <a:pPr marL="457200" indent="-457200" fontAlgn="base">
+              <a:buFont typeface="+mj-lt"/>
+              <a:buAutoNum type="arabicPeriod"/>
+            </a:pPr>
+            <a:r>
+              <a:rPr lang="en-US" sz="2000" i="0" dirty="0">
+                <a:effectLst/>
+                <a:cs typeface="Calibri Light" panose="020F0302020204030204" pitchFamily="34" charset="0"/>
+              </a:rPr>
+              <a:t>Forward selection - starts with no predictors</a:t>
+            </a:r>
+          </a:p>
+          <a:p>
+            <a:pPr marL="457200" indent="-457200" fontAlgn="base">
+              <a:buFont typeface="+mj-lt"/>
+              <a:buAutoNum type="arabicPeriod"/>
+            </a:pPr>
+            <a:r>
+              <a:rPr lang="en-US" sz="2000" i="0" dirty="0">
+                <a:effectLst/>
+                <a:cs typeface="Calibri Light" panose="020F0302020204030204" pitchFamily="34" charset="0"/>
+              </a:rPr>
+              <a:t>Backward selection - starts with all predictors</a:t>
+            </a:r>
+          </a:p>
+          <a:p>
+            <a:pPr marL="457200" indent="-457200" fontAlgn="base">
+              <a:buFont typeface="+mj-lt"/>
+              <a:buAutoNum type="arabicPeriod"/>
+            </a:pPr>
+            <a:r>
+              <a:rPr lang="en-US" sz="2000" i="0" dirty="0">
+                <a:effectLst/>
+                <a:cs typeface="Calibri Light" panose="020F0302020204030204" pitchFamily="34" charset="0"/>
+              </a:rPr>
+              <a:t>Stepwise selection - combination of both forward and backward selections</a:t>
+            </a:r>
+          </a:p>
+          <a:p>
+            <a:pPr fontAlgn="base"/>
+            <a:endParaRPr lang="en-US" sz="2000" i="0" dirty="0">
+              <a:effectLst/>
+              <a:cs typeface="Calibri Light" panose="020F0302020204030204" pitchFamily="34" charset="0"/>
+            </a:endParaRPr>
+          </a:p>
+          <a:p>
+            <a:pPr fontAlgn="base"/>
+            <a:endParaRPr lang="en-US" sz="2000" b="1" i="0" dirty="0">
+              <a:effectLst/>
+              <a:latin typeface="Calibri Light" panose="020F0302020204030204" pitchFamily="34" charset="0"/>
+              <a:cs typeface="Calibri Light" panose="020F0302020204030204" pitchFamily="34" charset="0"/>
+            </a:endParaRPr>
+          </a:p>
+          <a:p>
+            <a:pPr fontAlgn="base"/>
+            <a:endParaRPr lang="en-US" sz="2000" b="1" i="0" dirty="0">
+              <a:effectLst/>
+              <a:latin typeface="Calibri Light" panose="020F0302020204030204" pitchFamily="34" charset="0"/>
+              <a:cs typeface="Calibri Light" panose="020F0302020204030204" pitchFamily="34" charset="0"/>
+            </a:endParaRPr>
+          </a:p>
+          <a:p>
+            <a:endParaRPr lang="en-IN" sz="2000" b="1" dirty="0">
+              <a:latin typeface="Calibri Light" panose="020F0302020204030204" pitchFamily="34" charset="0"/>
+              <a:cs typeface="Calibri Light" panose="020F0302020204030204" pitchFamily="34" charset="0"/>
+            </a:endParaRPr>
+          </a:p>
+          <a:p>
+            <a:endParaRPr lang="en-IN" sz="2000" b="1" dirty="0">
+              <a:latin typeface="Calibri Light" panose="020F0302020204030204" pitchFamily="34" charset="0"/>
+              <a:cs typeface="Calibri Light" panose="020F0302020204030204" pitchFamily="34" charset="0"/>
+            </a:endParaRPr>
+          </a:p>
+          <a:p>
+            <a:endParaRPr lang="en-IN" sz="2000" b="1" dirty="0">
+              <a:latin typeface="Calibri Light" panose="020F0302020204030204" pitchFamily="34" charset="0"/>
+              <a:cs typeface="Calibri Light" panose="020F0302020204030204" pitchFamily="34" charset="0"/>
+            </a:endParaRPr>
+          </a:p>
+        </p:txBody>
+      </p:sp>
+    </p:spTree>
+    <p:extLst>
+      <p:ext uri="{BB962C8B-B14F-4D97-AF65-F5344CB8AC3E}">
+        <p14:creationId xmlns:p14="http://schemas.microsoft.com/office/powerpoint/2010/main" val="3740500737"/>
+      </p:ext>
+    </p:extLst>
+  </p:cSld>
+  <p:clrMapOvr>
+    <a:masterClrMapping/>
+  </p:clrMapOvr>
+</p:sld>
+</file>
+
+<file path=ppt/slides/slide11.xml><?xml version="1.0" encoding="utf-8"?>
+<p:sld xmlns:a="http://schemas.openxmlformats.org/drawingml/2006/main" xmlns:r="http://schemas.openxmlformats.org/officeDocument/2006/relationships" xmlns:p="http://schemas.openxmlformats.org/presentationml/2006/main">
+  <p:cSld>
+    <p:spTree>
+      <p:nvGrpSpPr>
+        <p:cNvPr id="1" name=""/>
+        <p:cNvGrpSpPr/>
+        <p:nvPr/>
+      </p:nvGrpSpPr>
+      <p:grpSpPr>
+        <a:xfrm>
+          <a:off x="0" y="0"/>
+          <a:ext cx="0" cy="0"/>
+          <a:chOff x="0" y="0"/>
+          <a:chExt cx="0" cy="0"/>
+        </a:xfrm>
+      </p:grpSpPr>
+      <p:sp>
+        <p:nvSpPr>
+          <p:cNvPr id="2" name="Title 1">
+            <a:extLst>
+              <a:ext uri="{FF2B5EF4-FFF2-40B4-BE49-F238E27FC236}">
+                <a16:creationId xmlns:a16="http://schemas.microsoft.com/office/drawing/2014/main" id="{519158BA-6A92-700D-D8AD-282CEF27BA22}"/>
+              </a:ext>
+            </a:extLst>
+          </p:cNvPr>
+          <p:cNvSpPr>
+            <a:spLocks noGrp="1"/>
+          </p:cNvSpPr>
+          <p:nvPr>
+            <p:ph type="title"/>
+          </p:nvPr>
+        </p:nvSpPr>
+        <p:spPr>
+          <a:xfrm>
+            <a:off x="503583" y="278736"/>
+            <a:ext cx="10850217" cy="918692"/>
+          </a:xfrm>
+        </p:spPr>
+        <p:txBody>
+          <a:bodyPr>
+            <a:normAutofit/>
+          </a:bodyPr>
+          <a:lstStyle/>
+          <a:p>
+            <a:r>
+              <a:rPr lang="en-IN" sz="3000" b="1" dirty="0">
+                <a:latin typeface="+mn-lt"/>
+                <a:cs typeface="Calibri Light" panose="020F0302020204030204" pitchFamily="34" charset="0"/>
+              </a:rPr>
+              <a:t>Step Wise Regression Method: Results</a:t>
+            </a:r>
+          </a:p>
+        </p:txBody>
+      </p:sp>
+      <p:sp>
+        <p:nvSpPr>
+          <p:cNvPr id="3" name="Content Placeholder 2">
+            <a:extLst>
+              <a:ext uri="{FF2B5EF4-FFF2-40B4-BE49-F238E27FC236}">
+                <a16:creationId xmlns:a16="http://schemas.microsoft.com/office/drawing/2014/main" id="{A1DFF0E8-1246-AA19-818C-3A9FAD3306C1}"/>
+              </a:ext>
+            </a:extLst>
+          </p:cNvPr>
+          <p:cNvSpPr>
+            <a:spLocks noGrp="1"/>
+          </p:cNvSpPr>
+          <p:nvPr>
+            <p:ph idx="1"/>
+          </p:nvPr>
+        </p:nvSpPr>
+        <p:spPr>
+          <a:xfrm>
+            <a:off x="396741" y="1197428"/>
+            <a:ext cx="11398518" cy="5660571"/>
+          </a:xfrm>
+        </p:spPr>
+        <p:txBody>
+          <a:bodyPr>
+            <a:normAutofit fontScale="92500" lnSpcReduction="10000"/>
+          </a:bodyPr>
+          <a:lstStyle/>
+          <a:p>
+            <a:r>
+              <a:rPr lang="en-US" sz="2200" b="1" i="0" dirty="0">
+                <a:effectLst/>
+                <a:latin typeface="+mj-lt"/>
+                <a:cs typeface="Calibri Light" panose="020F0302020204030204" pitchFamily="34" charset="0"/>
+              </a:rPr>
+              <a:t>start with no predictors-sequentially add the most contributive predictors. After adding each new variable, remove any variables that no longer provide an improvement in the model </a:t>
+            </a:r>
+            <a:r>
+              <a:rPr lang="en-US" sz="2200" b="1" i="0" dirty="0">
+                <a:solidFill>
+                  <a:srgbClr val="021B34"/>
+                </a:solidFill>
+                <a:effectLst/>
+                <a:latin typeface="+mj-lt"/>
+                <a:cs typeface="Calibri Light" panose="020F0302020204030204" pitchFamily="34" charset="0"/>
+              </a:rPr>
+              <a:t>fit.</a:t>
+            </a:r>
+            <a:endParaRPr lang="en-IN" sz="2200" b="1" dirty="0">
+              <a:latin typeface="+mj-lt"/>
+              <a:cs typeface="Calibri Light" panose="020F0302020204030204" pitchFamily="34" charset="0"/>
+            </a:endParaRPr>
+          </a:p>
+          <a:p>
+            <a:endParaRPr lang="en-IN" b="1" dirty="0">
+              <a:latin typeface="+mj-lt"/>
+              <a:cs typeface="Calibri Light" panose="020F0302020204030204" pitchFamily="34" charset="0"/>
+            </a:endParaRPr>
+          </a:p>
+          <a:p>
+            <a:endParaRPr lang="en-IN" b="1" dirty="0">
+              <a:latin typeface="+mj-lt"/>
+              <a:cs typeface="Calibri Light" panose="020F0302020204030204" pitchFamily="34" charset="0"/>
+            </a:endParaRPr>
+          </a:p>
+          <a:p>
+            <a:endParaRPr lang="en-IN" b="1" dirty="0">
+              <a:latin typeface="+mj-lt"/>
+              <a:cs typeface="Calibri Light" panose="020F0302020204030204" pitchFamily="34" charset="0"/>
+            </a:endParaRPr>
+          </a:p>
+          <a:p>
+            <a:endParaRPr lang="en-IN" b="1" dirty="0">
+              <a:latin typeface="+mj-lt"/>
+              <a:cs typeface="Calibri Light" panose="020F0302020204030204" pitchFamily="34" charset="0"/>
+            </a:endParaRPr>
+          </a:p>
+          <a:p>
+            <a:endParaRPr lang="en-IN" b="1" dirty="0">
+              <a:latin typeface="+mj-lt"/>
+              <a:cs typeface="Calibri Light" panose="020F0302020204030204" pitchFamily="34" charset="0"/>
+            </a:endParaRPr>
+          </a:p>
+          <a:p>
+            <a:endParaRPr lang="en-US" dirty="0">
+              <a:latin typeface="+mj-lt"/>
+            </a:endParaRPr>
+          </a:p>
+          <a:p>
+            <a:endParaRPr lang="en-US" dirty="0">
+              <a:latin typeface="+mj-lt"/>
+            </a:endParaRPr>
+          </a:p>
+          <a:p>
+            <a:endParaRPr lang="en-US" dirty="0">
+              <a:latin typeface="+mj-lt"/>
+            </a:endParaRPr>
+          </a:p>
+          <a:p>
+            <a:endParaRPr lang="en-US" dirty="0">
+              <a:latin typeface="+mj-lt"/>
+            </a:endParaRPr>
+          </a:p>
+          <a:p>
+            <a:endParaRPr lang="en-US" dirty="0">
+              <a:latin typeface="+mj-lt"/>
+            </a:endParaRPr>
+          </a:p>
+          <a:p>
+            <a:r>
+              <a:rPr lang="en-US" sz="2200" b="1" dirty="0">
+                <a:latin typeface="+mj-lt"/>
+              </a:rPr>
+              <a:t>The features above are in the order of their importance for the model</a:t>
+            </a:r>
+          </a:p>
+        </p:txBody>
+      </p:sp>
+      <p:pic>
+        <p:nvPicPr>
+          <p:cNvPr id="9" name="Picture 8">
+            <a:extLst>
+              <a:ext uri="{FF2B5EF4-FFF2-40B4-BE49-F238E27FC236}">
+                <a16:creationId xmlns:a16="http://schemas.microsoft.com/office/drawing/2014/main" id="{BC4722B0-B7B9-2601-A8D8-1F79823AF3DF}"/>
+              </a:ext>
+            </a:extLst>
+          </p:cNvPr>
+          <p:cNvPicPr>
+            <a:picLocks noChangeAspect="1"/>
+          </p:cNvPicPr>
+          <p:nvPr/>
+        </p:nvPicPr>
+        <p:blipFill>
+          <a:blip r:embed="rId2"/>
+          <a:stretch>
+            <a:fillRect/>
+          </a:stretch>
+        </p:blipFill>
+        <p:spPr>
+          <a:xfrm>
+            <a:off x="1001254" y="1802744"/>
+            <a:ext cx="9426757" cy="967824"/>
+          </a:xfrm>
+          <a:prstGeom prst="rect">
+            <a:avLst/>
+          </a:prstGeom>
+        </p:spPr>
+      </p:pic>
+      <p:pic>
+        <p:nvPicPr>
+          <p:cNvPr id="6" name="Picture 5">
+            <a:extLst>
+              <a:ext uri="{FF2B5EF4-FFF2-40B4-BE49-F238E27FC236}">
+                <a16:creationId xmlns:a16="http://schemas.microsoft.com/office/drawing/2014/main" id="{6158FDC6-0FD2-620F-2583-0A9340DBA37C}"/>
+              </a:ext>
+            </a:extLst>
+          </p:cNvPr>
+          <p:cNvPicPr>
+            <a:picLocks noChangeAspect="1"/>
+          </p:cNvPicPr>
+          <p:nvPr/>
+        </p:nvPicPr>
+        <p:blipFill>
+          <a:blip r:embed="rId3"/>
+          <a:stretch>
+            <a:fillRect/>
+          </a:stretch>
+        </p:blipFill>
+        <p:spPr>
+          <a:xfrm>
+            <a:off x="931181" y="2877146"/>
+            <a:ext cx="9704162" cy="3120883"/>
+          </a:xfrm>
+          <a:prstGeom prst="rect">
+            <a:avLst/>
+          </a:prstGeom>
+        </p:spPr>
+      </p:pic>
+    </p:spTree>
+    <p:extLst>
+      <p:ext uri="{BB962C8B-B14F-4D97-AF65-F5344CB8AC3E}">
+        <p14:creationId xmlns:p14="http://schemas.microsoft.com/office/powerpoint/2010/main" val="851349849"/>
+      </p:ext>
+    </p:extLst>
+  </p:cSld>
+  <p:clrMapOvr>
+    <a:masterClrMapping/>
+  </p:clrMapOvr>
+</p:sld>
+</file>
+
+<file path=ppt/slides/slide12.xml><?xml version="1.0" encoding="utf-8"?>
+<p:sld xmlns:a="http://schemas.openxmlformats.org/drawingml/2006/main" xmlns:r="http://schemas.openxmlformats.org/officeDocument/2006/relationships" xmlns:p="http://schemas.openxmlformats.org/presentationml/2006/main">
+  <p:cSld>
     <p:bg>
       <p:bgPr>
         <a:solidFill>
@@ -5380,7 +5844,7 @@
 </p:sld>
 </file>
 
-<file path=ppt/slides/slide11.xml><?xml version="1.0" encoding="utf-8"?>
+<file path=ppt/slides/slide13.xml><?xml version="1.0" encoding="utf-8"?>
 <p:sld xmlns:a="http://schemas.openxmlformats.org/drawingml/2006/main" xmlns:r="http://schemas.openxmlformats.org/officeDocument/2006/relationships" xmlns:p="http://schemas.openxmlformats.org/presentationml/2006/main">
   <p:cSld>
     <p:spTree>
@@ -5676,7 +6140,7 @@
 </p:sld>
 </file>
 
-<file path=ppt/slides/slide12.xml><?xml version="1.0" encoding="utf-8"?>
+<file path=ppt/slides/slide14.xml><?xml version="1.0" encoding="utf-8"?>
 <p:sld xmlns:a="http://schemas.openxmlformats.org/drawingml/2006/main" xmlns:r="http://schemas.openxmlformats.org/officeDocument/2006/relationships" xmlns:p="http://schemas.openxmlformats.org/presentationml/2006/main">
   <p:cSld>
     <p:spTree>
@@ -6105,7 +6569,7 @@
 </p:sld>
 </file>
 
-<file path=ppt/slides/slide13.xml><?xml version="1.0" encoding="utf-8"?>
+<file path=ppt/slides/slide15.xml><?xml version="1.0" encoding="utf-8"?>
 <p:sld xmlns:a="http://schemas.openxmlformats.org/drawingml/2006/main" xmlns:r="http://schemas.openxmlformats.org/officeDocument/2006/relationships" xmlns:p="http://schemas.openxmlformats.org/presentationml/2006/main">
   <p:cSld>
     <p:spTree>
@@ -6546,625 +7010,6 @@
 </p:sld>
 </file>
 
-<file path=ppt/slides/slide14.xml><?xml version="1.0" encoding="utf-8"?>
-<p:sld xmlns:a="http://schemas.openxmlformats.org/drawingml/2006/main" xmlns:r="http://schemas.openxmlformats.org/officeDocument/2006/relationships" xmlns:p="http://schemas.openxmlformats.org/presentationml/2006/main">
-  <p:cSld>
-    <p:spTree>
-      <p:nvGrpSpPr>
-        <p:cNvPr id="1" name=""/>
-        <p:cNvGrpSpPr/>
-        <p:nvPr/>
-      </p:nvGrpSpPr>
-      <p:grpSpPr>
-        <a:xfrm>
-          <a:off x="0" y="0"/>
-          <a:ext cx="0" cy="0"/>
-          <a:chOff x="0" y="0"/>
-          <a:chExt cx="0" cy="0"/>
-        </a:xfrm>
-      </p:grpSpPr>
-      <p:sp>
-        <p:nvSpPr>
-          <p:cNvPr id="2" name="Title 1">
-            <a:extLst>
-              <a:ext uri="{FF2B5EF4-FFF2-40B4-BE49-F238E27FC236}">
-                <a16:creationId xmlns:a16="http://schemas.microsoft.com/office/drawing/2014/main" id="{BD76F5DC-947E-7F44-F695-683988A91641}"/>
-              </a:ext>
-            </a:extLst>
-          </p:cNvPr>
-          <p:cNvSpPr>
-            <a:spLocks noGrp="1"/>
-          </p:cNvSpPr>
-          <p:nvPr>
-            <p:ph type="title"/>
-          </p:nvPr>
-        </p:nvSpPr>
-        <p:spPr>
-          <a:xfrm>
-            <a:off x="466305" y="324525"/>
-            <a:ext cx="10515600" cy="672843"/>
-          </a:xfrm>
-        </p:spPr>
-        <p:txBody>
-          <a:bodyPr>
-            <a:normAutofit/>
-          </a:bodyPr>
-          <a:lstStyle/>
-          <a:p>
-            <a:r>
-              <a:rPr lang="en-IN" sz="3200" b="1" dirty="0">
-                <a:latin typeface="+mn-lt"/>
-              </a:rPr>
-              <a:t>Random Forest Regressor: Results</a:t>
-            </a:r>
-          </a:p>
-        </p:txBody>
-      </p:sp>
-      <p:sp>
-        <p:nvSpPr>
-          <p:cNvPr id="3" name="Content Placeholder 2">
-            <a:extLst>
-              <a:ext uri="{FF2B5EF4-FFF2-40B4-BE49-F238E27FC236}">
-                <a16:creationId xmlns:a16="http://schemas.microsoft.com/office/drawing/2014/main" id="{997CA512-24F3-ECA9-AB32-6426466FA640}"/>
-              </a:ext>
-            </a:extLst>
-          </p:cNvPr>
-          <p:cNvSpPr>
-            <a:spLocks noGrp="1"/>
-          </p:cNvSpPr>
-          <p:nvPr>
-            <p:ph idx="1"/>
-          </p:nvPr>
-        </p:nvSpPr>
-        <p:spPr>
-          <a:xfrm>
-            <a:off x="345989" y="997368"/>
-            <a:ext cx="11467070" cy="5708232"/>
-          </a:xfrm>
-        </p:spPr>
-        <p:txBody>
-          <a:bodyPr>
-            <a:normAutofit/>
-          </a:bodyPr>
-          <a:lstStyle/>
-          <a:p>
-            <a:pPr marL="0" indent="0">
-              <a:buNone/>
-            </a:pPr>
-            <a:endParaRPr lang="en-IN" dirty="0"/>
-          </a:p>
-          <a:p>
-            <a:pPr marL="0" indent="0">
-              <a:buNone/>
-            </a:pPr>
-            <a:endParaRPr lang="en-IN" dirty="0"/>
-          </a:p>
-          <a:p>
-            <a:pPr marL="0" indent="0">
-              <a:buNone/>
-            </a:pPr>
-            <a:endParaRPr lang="en-IN" dirty="0"/>
-          </a:p>
-          <a:p>
-            <a:pPr marL="0" indent="0">
-              <a:buNone/>
-            </a:pPr>
-            <a:endParaRPr lang="en-IN" dirty="0"/>
-          </a:p>
-          <a:p>
-            <a:pPr marL="0" indent="0">
-              <a:buNone/>
-            </a:pPr>
-            <a:endParaRPr lang="en-IN" dirty="0"/>
-          </a:p>
-          <a:p>
-            <a:pPr marL="0" indent="0">
-              <a:buNone/>
-            </a:pPr>
-            <a:endParaRPr lang="en-IN" dirty="0"/>
-          </a:p>
-          <a:p>
-            <a:pPr marL="0" indent="0">
-              <a:buNone/>
-            </a:pPr>
-            <a:endParaRPr lang="en-IN" dirty="0"/>
-          </a:p>
-          <a:p>
-            <a:pPr marL="0" indent="0">
-              <a:buNone/>
-            </a:pPr>
-            <a:endParaRPr lang="en-IN" dirty="0"/>
-          </a:p>
-          <a:p>
-            <a:pPr marL="0" indent="0">
-              <a:buNone/>
-            </a:pPr>
-            <a:endParaRPr lang="en-IN" dirty="0"/>
-          </a:p>
-          <a:p>
-            <a:pPr marL="0" indent="0">
-              <a:buNone/>
-            </a:pPr>
-            <a:r>
-              <a:rPr lang="en-IN" sz="2000" dirty="0"/>
-              <a:t>Using an iterative algorithm, we got the best value for the number of trees as 200 and the test </a:t>
-            </a:r>
-            <a:r>
-              <a:rPr lang="en-IN" sz="2000" dirty="0" err="1"/>
-              <a:t>Rsquared</a:t>
-            </a:r>
-            <a:r>
-              <a:rPr lang="en-IN" sz="2000" dirty="0"/>
-              <a:t> value for the best RF model is 90.64%.</a:t>
-            </a:r>
-          </a:p>
-          <a:p>
-            <a:pPr marL="0" indent="0">
-              <a:buNone/>
-            </a:pPr>
-            <a:endParaRPr lang="en-IN" dirty="0"/>
-          </a:p>
-          <a:p>
-            <a:endParaRPr lang="en-IN" dirty="0"/>
-          </a:p>
-          <a:p>
-            <a:endParaRPr lang="en-IN" dirty="0"/>
-          </a:p>
-        </p:txBody>
-      </p:sp>
-      <p:pic>
-        <p:nvPicPr>
-          <p:cNvPr id="5" name="Picture 4">
-            <a:extLst>
-              <a:ext uri="{FF2B5EF4-FFF2-40B4-BE49-F238E27FC236}">
-                <a16:creationId xmlns:a16="http://schemas.microsoft.com/office/drawing/2014/main" id="{EA26B0DE-07EE-2F83-BF6A-E965040E5CED}"/>
-              </a:ext>
-            </a:extLst>
-          </p:cNvPr>
-          <p:cNvPicPr>
-            <a:picLocks noChangeAspect="1"/>
-          </p:cNvPicPr>
-          <p:nvPr/>
-        </p:nvPicPr>
-        <p:blipFill>
-          <a:blip r:embed="rId2"/>
-          <a:stretch>
-            <a:fillRect/>
-          </a:stretch>
-        </p:blipFill>
-        <p:spPr>
-          <a:xfrm>
-            <a:off x="1655924" y="1380988"/>
-            <a:ext cx="8591393" cy="1518425"/>
-          </a:xfrm>
-          <a:prstGeom prst="rect">
-            <a:avLst/>
-          </a:prstGeom>
-        </p:spPr>
-      </p:pic>
-      <p:pic>
-        <p:nvPicPr>
-          <p:cNvPr id="8" name="Picture 7">
-            <a:extLst>
-              <a:ext uri="{FF2B5EF4-FFF2-40B4-BE49-F238E27FC236}">
-                <a16:creationId xmlns:a16="http://schemas.microsoft.com/office/drawing/2014/main" id="{CA0F4F21-2A3E-35F9-A47C-030A6143B518}"/>
-              </a:ext>
-            </a:extLst>
-          </p:cNvPr>
-          <p:cNvPicPr>
-            <a:picLocks noChangeAspect="1"/>
-          </p:cNvPicPr>
-          <p:nvPr/>
-        </p:nvPicPr>
-        <p:blipFill>
-          <a:blip r:embed="rId3"/>
-          <a:stretch>
-            <a:fillRect/>
-          </a:stretch>
-        </p:blipFill>
-        <p:spPr>
-          <a:xfrm>
-            <a:off x="3217626" y="3429000"/>
-            <a:ext cx="4290432" cy="1386960"/>
-          </a:xfrm>
-          <a:prstGeom prst="rect">
-            <a:avLst/>
-          </a:prstGeom>
-        </p:spPr>
-      </p:pic>
-    </p:spTree>
-    <p:extLst>
-      <p:ext uri="{BB962C8B-B14F-4D97-AF65-F5344CB8AC3E}">
-        <p14:creationId xmlns:p14="http://schemas.microsoft.com/office/powerpoint/2010/main" val="909250607"/>
-      </p:ext>
-    </p:extLst>
-  </p:cSld>
-  <p:clrMapOvr>
-    <a:masterClrMapping/>
-  </p:clrMapOvr>
-</p:sld>
-</file>
-
-<file path=ppt/slides/slide15.xml><?xml version="1.0" encoding="utf-8"?>
-<p:sld xmlns:a="http://schemas.openxmlformats.org/drawingml/2006/main" xmlns:r="http://schemas.openxmlformats.org/officeDocument/2006/relationships" xmlns:p="http://schemas.openxmlformats.org/presentationml/2006/main">
-  <p:cSld>
-    <p:spTree>
-      <p:nvGrpSpPr>
-        <p:cNvPr id="1" name=""/>
-        <p:cNvGrpSpPr/>
-        <p:nvPr/>
-      </p:nvGrpSpPr>
-      <p:grpSpPr>
-        <a:xfrm>
-          <a:off x="0" y="0"/>
-          <a:ext cx="0" cy="0"/>
-          <a:chOff x="0" y="0"/>
-          <a:chExt cx="0" cy="0"/>
-        </a:xfrm>
-      </p:grpSpPr>
-      <p:sp>
-        <p:nvSpPr>
-          <p:cNvPr id="2" name="Title 1">
-            <a:extLst>
-              <a:ext uri="{FF2B5EF4-FFF2-40B4-BE49-F238E27FC236}">
-                <a16:creationId xmlns:a16="http://schemas.microsoft.com/office/drawing/2014/main" id="{BD76F5DC-947E-7F44-F695-683988A91641}"/>
-              </a:ext>
-            </a:extLst>
-          </p:cNvPr>
-          <p:cNvSpPr>
-            <a:spLocks noGrp="1"/>
-          </p:cNvSpPr>
-          <p:nvPr>
-            <p:ph type="title"/>
-          </p:nvPr>
-        </p:nvSpPr>
-        <p:spPr>
-          <a:xfrm>
-            <a:off x="765752" y="93278"/>
-            <a:ext cx="10515600" cy="661570"/>
-          </a:xfrm>
-        </p:spPr>
-        <p:txBody>
-          <a:bodyPr>
-            <a:normAutofit/>
-          </a:bodyPr>
-          <a:lstStyle/>
-          <a:p>
-            <a:r>
-              <a:rPr lang="en-IN" sz="3200" b="1" dirty="0" err="1">
-                <a:latin typeface="+mn-lt"/>
-              </a:rPr>
-              <a:t>XGBoost</a:t>
-            </a:r>
-            <a:r>
-              <a:rPr lang="en-IN" sz="3200" b="1" dirty="0">
-                <a:latin typeface="+mn-lt"/>
-              </a:rPr>
-              <a:t> Regressor – Intuition</a:t>
-            </a:r>
-          </a:p>
-        </p:txBody>
-      </p:sp>
-      <p:sp>
-        <p:nvSpPr>
-          <p:cNvPr id="3" name="Content Placeholder 2">
-            <a:extLst>
-              <a:ext uri="{FF2B5EF4-FFF2-40B4-BE49-F238E27FC236}">
-                <a16:creationId xmlns:a16="http://schemas.microsoft.com/office/drawing/2014/main" id="{997CA512-24F3-ECA9-AB32-6426466FA640}"/>
-              </a:ext>
-            </a:extLst>
-          </p:cNvPr>
-          <p:cNvSpPr>
-            <a:spLocks noGrp="1"/>
-          </p:cNvSpPr>
-          <p:nvPr>
-            <p:ph idx="1"/>
-          </p:nvPr>
-        </p:nvSpPr>
-        <p:spPr>
-          <a:xfrm>
-            <a:off x="329514" y="858252"/>
-            <a:ext cx="11681253" cy="5906469"/>
-          </a:xfrm>
-        </p:spPr>
-        <p:txBody>
-          <a:bodyPr>
-            <a:normAutofit/>
-          </a:bodyPr>
-          <a:lstStyle/>
-          <a:p>
-            <a:pPr marL="0" indent="0">
-              <a:buNone/>
-            </a:pPr>
-            <a:r>
-              <a:rPr lang="en-IN" sz="2000" dirty="0" err="1"/>
-              <a:t>XGBoost</a:t>
-            </a:r>
-            <a:r>
-              <a:rPr lang="en-IN" sz="2000" dirty="0"/>
-              <a:t> Regressor is one of the ensemble techniques which is based on the boosting mechanism.</a:t>
-            </a:r>
-          </a:p>
-        </p:txBody>
-      </p:sp>
-      <p:sp>
-        <p:nvSpPr>
-          <p:cNvPr id="5" name="TextBox 4">
-            <a:extLst>
-              <a:ext uri="{FF2B5EF4-FFF2-40B4-BE49-F238E27FC236}">
-                <a16:creationId xmlns:a16="http://schemas.microsoft.com/office/drawing/2014/main" id="{95E3701D-6FF2-6C5E-D17E-5DBBF52D079E}"/>
-              </a:ext>
-            </a:extLst>
-          </p:cNvPr>
-          <p:cNvSpPr txBox="1"/>
-          <p:nvPr/>
-        </p:nvSpPr>
-        <p:spPr>
-          <a:xfrm>
-            <a:off x="6714635" y="3492478"/>
-            <a:ext cx="4774234" cy="369332"/>
-          </a:xfrm>
-          <a:prstGeom prst="rect">
-            <a:avLst/>
-          </a:prstGeom>
-          <a:noFill/>
-        </p:spPr>
-        <p:txBody>
-          <a:bodyPr wrap="square" rtlCol="0">
-            <a:spAutoFit/>
-          </a:bodyPr>
-          <a:lstStyle/>
-          <a:p>
-            <a:pPr algn="ctr"/>
-            <a:r>
-              <a:rPr lang="en-IN" b="1" dirty="0"/>
-              <a:t>Calculating gain using similarity score</a:t>
-            </a:r>
-          </a:p>
-        </p:txBody>
-      </p:sp>
-      <p:pic>
-        <p:nvPicPr>
-          <p:cNvPr id="7" name="Picture 6">
-            <a:extLst>
-              <a:ext uri="{FF2B5EF4-FFF2-40B4-BE49-F238E27FC236}">
-                <a16:creationId xmlns:a16="http://schemas.microsoft.com/office/drawing/2014/main" id="{0B3134F0-93EE-E7F1-0440-EAC1F40D9014}"/>
-              </a:ext>
-            </a:extLst>
-          </p:cNvPr>
-          <p:cNvPicPr>
-            <a:picLocks noChangeAspect="1"/>
-          </p:cNvPicPr>
-          <p:nvPr/>
-        </p:nvPicPr>
-        <p:blipFill>
-          <a:blip r:embed="rId2"/>
-          <a:stretch>
-            <a:fillRect/>
-          </a:stretch>
-        </p:blipFill>
-        <p:spPr>
-          <a:xfrm>
-            <a:off x="572967" y="2217901"/>
-            <a:ext cx="4927959" cy="4397121"/>
-          </a:xfrm>
-          <a:prstGeom prst="rect">
-            <a:avLst/>
-          </a:prstGeom>
-        </p:spPr>
-      </p:pic>
-      <p:pic>
-        <p:nvPicPr>
-          <p:cNvPr id="9" name="Picture 8">
-            <a:extLst>
-              <a:ext uri="{FF2B5EF4-FFF2-40B4-BE49-F238E27FC236}">
-                <a16:creationId xmlns:a16="http://schemas.microsoft.com/office/drawing/2014/main" id="{C30164FD-5106-09B6-4054-44362A155EB2}"/>
-              </a:ext>
-            </a:extLst>
-          </p:cNvPr>
-          <p:cNvPicPr>
-            <a:picLocks noChangeAspect="1"/>
-          </p:cNvPicPr>
-          <p:nvPr/>
-        </p:nvPicPr>
-        <p:blipFill>
-          <a:blip r:embed="rId3"/>
-          <a:stretch>
-            <a:fillRect/>
-          </a:stretch>
-        </p:blipFill>
-        <p:spPr>
-          <a:xfrm>
-            <a:off x="6665604" y="1546467"/>
-            <a:ext cx="4953429" cy="1447925"/>
-          </a:xfrm>
-          <a:prstGeom prst="rect">
-            <a:avLst/>
-          </a:prstGeom>
-        </p:spPr>
-      </p:pic>
-      <p:pic>
-        <p:nvPicPr>
-          <p:cNvPr id="11" name="Picture 10">
-            <a:extLst>
-              <a:ext uri="{FF2B5EF4-FFF2-40B4-BE49-F238E27FC236}">
-                <a16:creationId xmlns:a16="http://schemas.microsoft.com/office/drawing/2014/main" id="{AC775000-845C-4417-F76A-0FA7C0346FFF}"/>
-              </a:ext>
-            </a:extLst>
-          </p:cNvPr>
-          <p:cNvPicPr>
-            <a:picLocks noChangeAspect="1"/>
-          </p:cNvPicPr>
-          <p:nvPr/>
-        </p:nvPicPr>
-        <p:blipFill>
-          <a:blip r:embed="rId4"/>
-          <a:stretch>
-            <a:fillRect/>
-          </a:stretch>
-        </p:blipFill>
-        <p:spPr>
-          <a:xfrm>
-            <a:off x="7490053" y="3970082"/>
-            <a:ext cx="4701947" cy="2598645"/>
-          </a:xfrm>
-          <a:prstGeom prst="rect">
-            <a:avLst/>
-          </a:prstGeom>
-        </p:spPr>
-      </p:pic>
-      <p:sp>
-        <p:nvSpPr>
-          <p:cNvPr id="12" name="TextBox 11">
-            <a:extLst>
-              <a:ext uri="{FF2B5EF4-FFF2-40B4-BE49-F238E27FC236}">
-                <a16:creationId xmlns:a16="http://schemas.microsoft.com/office/drawing/2014/main" id="{B8951F85-DC26-6DBD-EF7D-CFF1001BC6DE}"/>
-              </a:ext>
-            </a:extLst>
-          </p:cNvPr>
-          <p:cNvSpPr txBox="1"/>
-          <p:nvPr/>
-        </p:nvSpPr>
-        <p:spPr>
-          <a:xfrm>
-            <a:off x="1860883" y="1848569"/>
-            <a:ext cx="2382960" cy="400110"/>
-          </a:xfrm>
-          <a:prstGeom prst="rect">
-            <a:avLst/>
-          </a:prstGeom>
-          <a:noFill/>
-        </p:spPr>
-        <p:txBody>
-          <a:bodyPr wrap="none" rtlCol="0">
-            <a:spAutoFit/>
-          </a:bodyPr>
-          <a:lstStyle/>
-          <a:p>
-            <a:r>
-              <a:rPr lang="en-IN" sz="2000" b="1" dirty="0" err="1"/>
-              <a:t>XGBoost</a:t>
-            </a:r>
-            <a:r>
-              <a:rPr lang="en-IN" sz="2000" b="1" dirty="0"/>
-              <a:t> Mechanism</a:t>
-            </a:r>
-          </a:p>
-        </p:txBody>
-      </p:sp>
-      <p:pic>
-        <p:nvPicPr>
-          <p:cNvPr id="17" name="Picture 16">
-            <a:extLst>
-              <a:ext uri="{FF2B5EF4-FFF2-40B4-BE49-F238E27FC236}">
-                <a16:creationId xmlns:a16="http://schemas.microsoft.com/office/drawing/2014/main" id="{DA9D3D87-79B6-C146-AC63-FF8E230DAA59}"/>
-              </a:ext>
-            </a:extLst>
-          </p:cNvPr>
-          <p:cNvPicPr>
-            <a:picLocks noChangeAspect="1"/>
-          </p:cNvPicPr>
-          <p:nvPr/>
-        </p:nvPicPr>
-        <p:blipFill>
-          <a:blip r:embed="rId5"/>
-          <a:stretch>
-            <a:fillRect/>
-          </a:stretch>
-        </p:blipFill>
-        <p:spPr>
-          <a:xfrm>
-            <a:off x="6195876" y="4406582"/>
-            <a:ext cx="990399" cy="1725643"/>
-          </a:xfrm>
-          <a:prstGeom prst="rect">
-            <a:avLst/>
-          </a:prstGeom>
-        </p:spPr>
-      </p:pic>
-      <p:sp>
-        <p:nvSpPr>
-          <p:cNvPr id="18" name="TextBox 17">
-            <a:extLst>
-              <a:ext uri="{FF2B5EF4-FFF2-40B4-BE49-F238E27FC236}">
-                <a16:creationId xmlns:a16="http://schemas.microsoft.com/office/drawing/2014/main" id="{6511EB39-8AFF-901A-39FD-E60246B34A72}"/>
-              </a:ext>
-            </a:extLst>
-          </p:cNvPr>
-          <p:cNvSpPr txBox="1"/>
-          <p:nvPr/>
-        </p:nvSpPr>
-        <p:spPr>
-          <a:xfrm>
-            <a:off x="8793566" y="4761701"/>
-            <a:ext cx="381836" cy="369332"/>
-          </a:xfrm>
-          <a:prstGeom prst="rect">
-            <a:avLst/>
-          </a:prstGeom>
-          <a:noFill/>
-        </p:spPr>
-        <p:txBody>
-          <a:bodyPr wrap="none" rtlCol="0">
-            <a:spAutoFit/>
-          </a:bodyPr>
-          <a:lstStyle/>
-          <a:p>
-            <a:r>
-              <a:rPr lang="en-IN" dirty="0"/>
-              <a:t>M</a:t>
-            </a:r>
-          </a:p>
-        </p:txBody>
-      </p:sp>
-      <p:sp>
-        <p:nvSpPr>
-          <p:cNvPr id="19" name="TextBox 18">
-            <a:extLst>
-              <a:ext uri="{FF2B5EF4-FFF2-40B4-BE49-F238E27FC236}">
-                <a16:creationId xmlns:a16="http://schemas.microsoft.com/office/drawing/2014/main" id="{4F2D7826-202D-E69C-D66E-7C9ABA715F12}"/>
-              </a:ext>
-            </a:extLst>
-          </p:cNvPr>
-          <p:cNvSpPr txBox="1"/>
-          <p:nvPr/>
-        </p:nvSpPr>
-        <p:spPr>
-          <a:xfrm>
-            <a:off x="10026316" y="4761701"/>
-            <a:ext cx="290464" cy="369332"/>
-          </a:xfrm>
-          <a:prstGeom prst="rect">
-            <a:avLst/>
-          </a:prstGeom>
-          <a:noFill/>
-        </p:spPr>
-        <p:txBody>
-          <a:bodyPr wrap="none" rtlCol="0">
-            <a:spAutoFit/>
-          </a:bodyPr>
-          <a:lstStyle/>
-          <a:p>
-            <a:r>
-              <a:rPr lang="en-IN" dirty="0"/>
-              <a:t>F</a:t>
-            </a:r>
-          </a:p>
-        </p:txBody>
-      </p:sp>
-    </p:spTree>
-    <p:extLst>
-      <p:ext uri="{BB962C8B-B14F-4D97-AF65-F5344CB8AC3E}">
-        <p14:creationId xmlns:p14="http://schemas.microsoft.com/office/powerpoint/2010/main" val="969963409"/>
-      </p:ext>
-    </p:extLst>
-  </p:cSld>
-  <p:clrMapOvr>
-    <a:masterClrMapping/>
-  </p:clrMapOvr>
-</p:sld>
-</file>
-
 <file path=ppt/slides/slide16.xml><?xml version="1.0" encoding="utf-8"?>
 <p:sld xmlns:a="http://schemas.openxmlformats.org/drawingml/2006/main" xmlns:r="http://schemas.openxmlformats.org/officeDocument/2006/relationships" xmlns:p="http://schemas.openxmlformats.org/presentationml/2006/main">
   <p:cSld>
@@ -7187,7 +7032,7 @@
           <p:cNvPr id="2" name="Title 1">
             <a:extLst>
               <a:ext uri="{FF2B5EF4-FFF2-40B4-BE49-F238E27FC236}">
-                <a16:creationId xmlns:a16="http://schemas.microsoft.com/office/drawing/2014/main" id="{456FBD11-8B7B-7BF2-9D53-585FE75D1D31}"/>
+                <a16:creationId xmlns:a16="http://schemas.microsoft.com/office/drawing/2014/main" id="{BD76F5DC-947E-7F44-F695-683988A91641}"/>
               </a:ext>
             </a:extLst>
           </p:cNvPr>
@@ -7200,27 +7045,21 @@
         </p:nvSpPr>
         <p:spPr>
           <a:xfrm>
-            <a:off x="838200" y="42434"/>
-            <a:ext cx="10515600" cy="629486"/>
+            <a:off x="466305" y="324525"/>
+            <a:ext cx="10515600" cy="672843"/>
           </a:xfrm>
         </p:spPr>
         <p:txBody>
           <a:bodyPr>
-            <a:noAutofit/>
+            <a:normAutofit/>
           </a:bodyPr>
           <a:lstStyle/>
           <a:p>
-            <a:r>
-              <a:rPr lang="en-IN" sz="3200" b="1" dirty="0" err="1">
-                <a:latin typeface="+mn-lt"/>
-              </a:rPr>
-              <a:t>XGBoost</a:t>
-            </a:r>
             <a:r>
               <a:rPr lang="en-IN" sz="3200" b="1" dirty="0">
                 <a:latin typeface="+mn-lt"/>
               </a:rPr>
-              <a:t> Regressor with Hyperparameter Tuning</a:t>
+              <a:t>Random Forest Regressor: Results</a:t>
             </a:r>
           </a:p>
         </p:txBody>
@@ -7230,7 +7069,7 @@
           <p:cNvPr id="3" name="Content Placeholder 2">
             <a:extLst>
               <a:ext uri="{FF2B5EF4-FFF2-40B4-BE49-F238E27FC236}">
-                <a16:creationId xmlns:a16="http://schemas.microsoft.com/office/drawing/2014/main" id="{7628083F-234A-A296-2D98-6D90F9E543AA}"/>
+                <a16:creationId xmlns:a16="http://schemas.microsoft.com/office/drawing/2014/main" id="{997CA512-24F3-ECA9-AB32-6426466FA640}"/>
               </a:ext>
             </a:extLst>
           </p:cNvPr>
@@ -7243,8 +7082,8 @@
         </p:nvSpPr>
         <p:spPr>
           <a:xfrm>
-            <a:off x="838200" y="818146"/>
-            <a:ext cx="10864516" cy="5997420"/>
+            <a:off x="345989" y="997368"/>
+            <a:ext cx="11467070" cy="5708232"/>
           </a:xfrm>
         </p:spPr>
         <p:txBody>
@@ -7253,70 +7092,66 @@
           </a:bodyPr>
           <a:lstStyle/>
           <a:p>
-            <a:endParaRPr lang="en-IN" sz="2000" dirty="0"/>
-          </a:p>
-          <a:p>
-            <a:endParaRPr lang="en-IN" sz="2000" dirty="0"/>
-          </a:p>
-          <a:p>
-            <a:endParaRPr lang="en-IN" sz="2000" dirty="0"/>
-          </a:p>
-          <a:p>
-            <a:endParaRPr lang="en-IN" sz="2000" dirty="0"/>
-          </a:p>
-          <a:p>
-            <a:endParaRPr lang="en-IN" sz="2000" dirty="0"/>
-          </a:p>
-          <a:p>
-            <a:endParaRPr lang="en-IN" sz="2000" dirty="0"/>
-          </a:p>
-          <a:p>
-            <a:endParaRPr lang="en-IN" sz="2000" dirty="0"/>
-          </a:p>
-          <a:p>
-            <a:endParaRPr lang="en-IN" sz="2000" dirty="0"/>
-          </a:p>
-          <a:p>
-            <a:endParaRPr lang="en-IN" sz="2000" dirty="0"/>
-          </a:p>
-          <a:p>
-            <a:endParaRPr lang="en-IN" sz="2000" dirty="0"/>
-          </a:p>
-          <a:p>
             <a:pPr marL="0" indent="0">
               <a:buNone/>
             </a:pPr>
-            <a:endParaRPr lang="en-IN" sz="2000" dirty="0"/>
+            <a:endParaRPr lang="en-IN" dirty="0"/>
           </a:p>
           <a:p>
             <a:pPr marL="0" indent="0">
               <a:buNone/>
             </a:pPr>
-            <a:endParaRPr lang="en-IN" sz="2000" dirty="0"/>
+            <a:endParaRPr lang="en-IN" dirty="0"/>
           </a:p>
           <a:p>
             <a:pPr marL="0" indent="0">
               <a:buNone/>
             </a:pPr>
+            <a:endParaRPr lang="en-IN" dirty="0"/>
+          </a:p>
+          <a:p>
+            <a:pPr marL="0" indent="0">
+              <a:buNone/>
+            </a:pPr>
+            <a:endParaRPr lang="en-IN" dirty="0"/>
+          </a:p>
+          <a:p>
+            <a:pPr marL="0" indent="0">
+              <a:buNone/>
+            </a:pPr>
+            <a:endParaRPr lang="en-IN" dirty="0"/>
+          </a:p>
+          <a:p>
+            <a:pPr marL="0" indent="0">
+              <a:buNone/>
+            </a:pPr>
+            <a:endParaRPr lang="en-IN" dirty="0"/>
+          </a:p>
+          <a:p>
+            <a:pPr marL="0" indent="0">
+              <a:buNone/>
+            </a:pPr>
+            <a:endParaRPr lang="en-IN" dirty="0"/>
+          </a:p>
+          <a:p>
+            <a:pPr marL="0" indent="0">
+              <a:buNone/>
+            </a:pPr>
+            <a:endParaRPr lang="en-IN" dirty="0"/>
+          </a:p>
+          <a:p>
+            <a:pPr marL="0" indent="0">
+              <a:buNone/>
+            </a:pPr>
+            <a:endParaRPr lang="en-IN" dirty="0"/>
+          </a:p>
+          <a:p>
+            <a:pPr marL="0" indent="0">
+              <a:buNone/>
+            </a:pPr>
             <a:r>
               <a:rPr lang="en-IN" sz="2000" dirty="0"/>
-              <a:t>Using the hyperparameter tuning method we got the model with </a:t>
-            </a:r>
-            <a:r>
-              <a:rPr lang="en-IN" sz="2000" dirty="0" err="1"/>
-              <a:t>max_depth</a:t>
-            </a:r>
-            <a:r>
-              <a:rPr lang="en-IN" sz="2000" dirty="0"/>
-              <a:t> 4 and </a:t>
-            </a:r>
-            <a:r>
-              <a:rPr lang="en-IN" sz="2000" dirty="0" err="1"/>
-              <a:t>nrounds</a:t>
-            </a:r>
-            <a:r>
-              <a:rPr lang="en-IN" sz="2000" dirty="0"/>
-              <a:t> = 600 is giving the maximum </a:t>
+              <a:t>Using an iterative algorithm, we got the best value for the number of trees as 200 and the test </a:t>
             </a:r>
             <a:r>
               <a:rPr lang="en-IN" sz="2000" dirty="0" err="1"/>
@@ -7324,17 +7159,29 @@
             </a:r>
             <a:r>
               <a:rPr lang="en-IN" sz="2000" dirty="0"/>
-              <a:t> value and Minimum root mean squared error.</a:t>
-            </a:r>
+              <a:t> value for the best RF model is 90.64%.</a:t>
+            </a:r>
+          </a:p>
+          <a:p>
+            <a:pPr marL="0" indent="0">
+              <a:buNone/>
+            </a:pPr>
+            <a:endParaRPr lang="en-IN" dirty="0"/>
+          </a:p>
+          <a:p>
+            <a:endParaRPr lang="en-IN" dirty="0"/>
+          </a:p>
+          <a:p>
+            <a:endParaRPr lang="en-IN" dirty="0"/>
           </a:p>
         </p:txBody>
       </p:sp>
       <p:pic>
         <p:nvPicPr>
-          <p:cNvPr id="7" name="Picture 6">
-            <a:extLst>
-              <a:ext uri="{FF2B5EF4-FFF2-40B4-BE49-F238E27FC236}">
-                <a16:creationId xmlns:a16="http://schemas.microsoft.com/office/drawing/2014/main" id="{53C517CC-D1E9-42A4-CFFA-D5CF395E90E2}"/>
+          <p:cNvPr id="5" name="Picture 4">
+            <a:extLst>
+              <a:ext uri="{FF2B5EF4-FFF2-40B4-BE49-F238E27FC236}">
+                <a16:creationId xmlns:a16="http://schemas.microsoft.com/office/drawing/2014/main" id="{EA26B0DE-07EE-2F83-BF6A-E965040E5CED}"/>
               </a:ext>
             </a:extLst>
           </p:cNvPr>
@@ -7351,8 +7198,8 @@
         </p:blipFill>
         <p:spPr>
           <a:xfrm>
-            <a:off x="1402358" y="1998019"/>
-            <a:ext cx="2911092" cy="556308"/>
+            <a:off x="1655924" y="1380988"/>
+            <a:ext cx="8591393" cy="1518425"/>
           </a:xfrm>
           <a:prstGeom prst="rect">
             <a:avLst/>
@@ -7361,10 +7208,10 @@
       </p:pic>
       <p:pic>
         <p:nvPicPr>
-          <p:cNvPr id="9" name="Picture 8">
-            <a:extLst>
-              <a:ext uri="{FF2B5EF4-FFF2-40B4-BE49-F238E27FC236}">
-                <a16:creationId xmlns:a16="http://schemas.microsoft.com/office/drawing/2014/main" id="{57601FF2-AEF6-AF2C-2022-DE49B1A0D6A2}"/>
+          <p:cNvPr id="8" name="Picture 7">
+            <a:extLst>
+              <a:ext uri="{FF2B5EF4-FFF2-40B4-BE49-F238E27FC236}">
+                <a16:creationId xmlns:a16="http://schemas.microsoft.com/office/drawing/2014/main" id="{CA0F4F21-2A3E-35F9-A47C-030A6143B518}"/>
               </a:ext>
             </a:extLst>
           </p:cNvPr>
@@ -7381,230 +7228,18 @@
         </p:blipFill>
         <p:spPr>
           <a:xfrm>
-            <a:off x="2039341" y="3651453"/>
-            <a:ext cx="7521592" cy="1714649"/>
+            <a:off x="3217626" y="3429000"/>
+            <a:ext cx="4290432" cy="1386960"/>
           </a:xfrm>
           <a:prstGeom prst="rect">
             <a:avLst/>
           </a:prstGeom>
         </p:spPr>
       </p:pic>
-      <p:pic>
-        <p:nvPicPr>
-          <p:cNvPr id="8" name="Picture 7">
-            <a:extLst>
-              <a:ext uri="{FF2B5EF4-FFF2-40B4-BE49-F238E27FC236}">
-                <a16:creationId xmlns:a16="http://schemas.microsoft.com/office/drawing/2014/main" id="{6B9AFACA-75A1-4F9E-2E89-335DB555DB8B}"/>
-              </a:ext>
-            </a:extLst>
-          </p:cNvPr>
-          <p:cNvPicPr>
-            <a:picLocks noChangeAspect="1"/>
-          </p:cNvPicPr>
-          <p:nvPr/>
-        </p:nvPicPr>
-        <p:blipFill>
-          <a:blip r:embed="rId4"/>
-          <a:stretch>
-            <a:fillRect/>
-          </a:stretch>
-        </p:blipFill>
-        <p:spPr>
-          <a:xfrm>
-            <a:off x="6905575" y="1704806"/>
-            <a:ext cx="3596952" cy="1089754"/>
-          </a:xfrm>
-          <a:prstGeom prst="rect">
-            <a:avLst/>
-          </a:prstGeom>
-        </p:spPr>
-      </p:pic>
-      <p:sp>
-        <p:nvSpPr>
-          <p:cNvPr id="10" name="TextBox 9">
-            <a:extLst>
-              <a:ext uri="{FF2B5EF4-FFF2-40B4-BE49-F238E27FC236}">
-                <a16:creationId xmlns:a16="http://schemas.microsoft.com/office/drawing/2014/main" id="{8C273F12-6DD8-2CCB-AC44-9B435C4C6723}"/>
-              </a:ext>
-            </a:extLst>
-          </p:cNvPr>
-          <p:cNvSpPr txBox="1"/>
-          <p:nvPr/>
-        </p:nvSpPr>
-        <p:spPr>
-          <a:xfrm>
-            <a:off x="2393221" y="3154770"/>
-            <a:ext cx="7042121" cy="400110"/>
-          </a:xfrm>
-          <a:prstGeom prst="rect">
-            <a:avLst/>
-          </a:prstGeom>
-          <a:noFill/>
-        </p:spPr>
-        <p:txBody>
-          <a:bodyPr wrap="none" rtlCol="0">
-            <a:spAutoFit/>
-          </a:bodyPr>
-          <a:lstStyle/>
-          <a:p>
-            <a:r>
-              <a:rPr lang="en-IN" sz="2000" dirty="0"/>
-              <a:t>An iterative algorithm to find the best value of depth and </a:t>
-            </a:r>
-            <a:r>
-              <a:rPr lang="en-IN" sz="2000" dirty="0" err="1"/>
-              <a:t>nrounds</a:t>
-            </a:r>
-            <a:endParaRPr lang="en-IN" sz="2000" dirty="0"/>
-          </a:p>
-        </p:txBody>
-      </p:sp>
-      <p:sp>
-        <p:nvSpPr>
-          <p:cNvPr id="11" name="TextBox 10">
-            <a:extLst>
-              <a:ext uri="{FF2B5EF4-FFF2-40B4-BE49-F238E27FC236}">
-                <a16:creationId xmlns:a16="http://schemas.microsoft.com/office/drawing/2014/main" id="{0545175F-B0D1-B4B0-AC42-B3083295CBD8}"/>
-              </a:ext>
-            </a:extLst>
-          </p:cNvPr>
-          <p:cNvSpPr txBox="1"/>
-          <p:nvPr/>
-        </p:nvSpPr>
-        <p:spPr>
-          <a:xfrm>
-            <a:off x="6217236" y="1152969"/>
-            <a:ext cx="5159426" cy="400110"/>
-          </a:xfrm>
-          <a:prstGeom prst="rect">
-            <a:avLst/>
-          </a:prstGeom>
-          <a:noFill/>
-        </p:spPr>
-        <p:txBody>
-          <a:bodyPr wrap="none" rtlCol="0">
-            <a:spAutoFit/>
-          </a:bodyPr>
-          <a:lstStyle/>
-          <a:p>
-            <a:r>
-              <a:rPr lang="en-IN" sz="2000" dirty="0"/>
-              <a:t>Matrix Transformation for training and test data</a:t>
-            </a:r>
-          </a:p>
-        </p:txBody>
-      </p:sp>
-      <p:sp>
-        <p:nvSpPr>
-          <p:cNvPr id="12" name="TextBox 11">
-            <a:extLst>
-              <a:ext uri="{FF2B5EF4-FFF2-40B4-BE49-F238E27FC236}">
-                <a16:creationId xmlns:a16="http://schemas.microsoft.com/office/drawing/2014/main" id="{495B9253-AEC1-0FFE-8581-C639B3D43440}"/>
-              </a:ext>
-            </a:extLst>
-          </p:cNvPr>
-          <p:cNvSpPr txBox="1"/>
-          <p:nvPr/>
-        </p:nvSpPr>
-        <p:spPr>
-          <a:xfrm>
-            <a:off x="628063" y="1160101"/>
-            <a:ext cx="4459682" cy="400110"/>
-          </a:xfrm>
-          <a:prstGeom prst="rect">
-            <a:avLst/>
-          </a:prstGeom>
-          <a:noFill/>
-        </p:spPr>
-        <p:txBody>
-          <a:bodyPr wrap="none" rtlCol="0">
-            <a:spAutoFit/>
-          </a:bodyPr>
-          <a:lstStyle/>
-          <a:p>
-            <a:r>
-              <a:rPr lang="en-IN" sz="2000" dirty="0"/>
-              <a:t>Passing range for hyperparameter Tuning</a:t>
-            </a:r>
-          </a:p>
-        </p:txBody>
-      </p:sp>
-      <p:cxnSp>
-        <p:nvCxnSpPr>
-          <p:cNvPr id="16" name="Straight Connector 15">
-            <a:extLst>
-              <a:ext uri="{FF2B5EF4-FFF2-40B4-BE49-F238E27FC236}">
-                <a16:creationId xmlns:a16="http://schemas.microsoft.com/office/drawing/2014/main" id="{5E6BDFD8-228E-C013-F161-BF847A507EB9}"/>
-              </a:ext>
-            </a:extLst>
-          </p:cNvPr>
-          <p:cNvCxnSpPr/>
-          <p:nvPr/>
-        </p:nvCxnSpPr>
-        <p:spPr>
-          <a:xfrm flipH="1">
-            <a:off x="1074821" y="3050751"/>
-            <a:ext cx="4369071" cy="0"/>
-          </a:xfrm>
-          <a:prstGeom prst="line">
-            <a:avLst/>
-          </a:prstGeom>
-        </p:spPr>
-        <p:style>
-          <a:lnRef idx="1">
-            <a:schemeClr val="accent1"/>
-          </a:lnRef>
-          <a:fillRef idx="0">
-            <a:schemeClr val="accent1"/>
-          </a:fillRef>
-          <a:effectRef idx="0">
-            <a:schemeClr val="accent1"/>
-          </a:effectRef>
-          <a:fontRef idx="minor">
-            <a:schemeClr val="tx1"/>
-          </a:fontRef>
-        </p:style>
-      </p:cxnSp>
-      <p:cxnSp>
-        <p:nvCxnSpPr>
-          <p:cNvPr id="18" name="Straight Connector 17">
-            <a:extLst>
-              <a:ext uri="{FF2B5EF4-FFF2-40B4-BE49-F238E27FC236}">
-                <a16:creationId xmlns:a16="http://schemas.microsoft.com/office/drawing/2014/main" id="{4E5DEB92-4259-F698-3F46-1D775B7F7322}"/>
-              </a:ext>
-            </a:extLst>
-          </p:cNvPr>
-          <p:cNvCxnSpPr/>
-          <p:nvPr/>
-        </p:nvCxnSpPr>
-        <p:spPr>
-          <a:xfrm>
-            <a:off x="5443892" y="3050751"/>
-            <a:ext cx="4897817" cy="0"/>
-          </a:xfrm>
-          <a:prstGeom prst="line">
-            <a:avLst/>
-          </a:prstGeom>
-        </p:spPr>
-        <p:style>
-          <a:lnRef idx="1">
-            <a:schemeClr val="accent1"/>
-          </a:lnRef>
-          <a:fillRef idx="0">
-            <a:schemeClr val="accent1"/>
-          </a:fillRef>
-          <a:effectRef idx="0">
-            <a:schemeClr val="accent1"/>
-          </a:effectRef>
-          <a:fontRef idx="minor">
-            <a:schemeClr val="tx1"/>
-          </a:fontRef>
-        </p:style>
-      </p:cxnSp>
     </p:spTree>
     <p:extLst>
       <p:ext uri="{BB962C8B-B14F-4D97-AF65-F5344CB8AC3E}">
-        <p14:creationId xmlns:p14="http://schemas.microsoft.com/office/powerpoint/2010/main" val="581151939"/>
+        <p14:creationId xmlns:p14="http://schemas.microsoft.com/office/powerpoint/2010/main" val="909250607"/>
       </p:ext>
     </p:extLst>
   </p:cSld>
@@ -7636,7 +7271,7 @@
           <p:cNvPr id="2" name="Title 1">
             <a:extLst>
               <a:ext uri="{FF2B5EF4-FFF2-40B4-BE49-F238E27FC236}">
-                <a16:creationId xmlns:a16="http://schemas.microsoft.com/office/drawing/2014/main" id="{265F92F4-49B1-0900-C83A-8CE9FE53DAE2}"/>
+                <a16:creationId xmlns:a16="http://schemas.microsoft.com/office/drawing/2014/main" id="{EEEEF9C9-55DC-5403-875C-001F30EED9B1}"/>
               </a:ext>
             </a:extLst>
           </p:cNvPr>
@@ -7649,8 +7284,8 @@
         </p:nvSpPr>
         <p:spPr>
           <a:xfrm>
-            <a:off x="838200" y="0"/>
-            <a:ext cx="10515600" cy="597400"/>
+            <a:off x="643467" y="321734"/>
+            <a:ext cx="10905066" cy="1135737"/>
           </a:xfrm>
         </p:spPr>
         <p:txBody>
@@ -7660,16 +7295,11 @@
           <a:lstStyle/>
           <a:p>
             <a:r>
-              <a:rPr lang="en-IN" sz="3200" b="1" dirty="0" err="1">
+              <a:rPr lang="en-IN" sz="3000" b="1" dirty="0">
                 <a:latin typeface="+mn-lt"/>
+                <a:cs typeface="Calibri Light" panose="020F0302020204030204" pitchFamily="34" charset="0"/>
               </a:rPr>
-              <a:t>XGBoost</a:t>
-            </a:r>
-            <a:r>
-              <a:rPr lang="en-IN" sz="3200" b="1" dirty="0">
-                <a:latin typeface="+mn-lt"/>
-              </a:rPr>
-              <a:t> – Best model selection with Hyperparameter Tuning</a:t>
+              <a:t>SVM Regressor:</a:t>
             </a:r>
           </a:p>
         </p:txBody>
@@ -7679,7 +7309,7 @@
           <p:cNvPr id="3" name="Content Placeholder 2">
             <a:extLst>
               <a:ext uri="{FF2B5EF4-FFF2-40B4-BE49-F238E27FC236}">
-                <a16:creationId xmlns:a16="http://schemas.microsoft.com/office/drawing/2014/main" id="{BB0956A1-B24B-0AB8-DE75-336352031BFB}"/>
+                <a16:creationId xmlns:a16="http://schemas.microsoft.com/office/drawing/2014/main" id="{FC940CB6-01B8-B804-9962-CCC2425AB771}"/>
               </a:ext>
             </a:extLst>
           </p:cNvPr>
@@ -7692,36 +7322,97 @@
         </p:nvSpPr>
         <p:spPr>
           <a:xfrm>
-            <a:off x="838200" y="1219200"/>
-            <a:ext cx="10515600" cy="4957763"/>
-          </a:xfrm>
-        </p:spPr>
-        <p:txBody>
-          <a:bodyPr/>
-          <a:lstStyle/>
-          <a:p>
-            <a:pPr marL="0" indent="0">
-              <a:buNone/>
-            </a:pPr>
-            <a:endParaRPr lang="en-IN" dirty="0"/>
-          </a:p>
-          <a:p>
-            <a:endParaRPr lang="en-IN" dirty="0"/>
-          </a:p>
-          <a:p>
-            <a:endParaRPr lang="en-IN" dirty="0"/>
-          </a:p>
-          <a:p>
-            <a:endParaRPr lang="en-IN" dirty="0"/>
+            <a:off x="643467" y="1113183"/>
+            <a:ext cx="10905066" cy="4721160"/>
+          </a:xfrm>
+        </p:spPr>
+        <p:txBody>
+          <a:bodyPr>
+            <a:normAutofit/>
+          </a:bodyPr>
+          <a:lstStyle/>
+          <a:p>
+            <a:pPr fontAlgn="base"/>
+            <a:endParaRPr lang="en-US" sz="1800" i="0" dirty="0">
+              <a:effectLst/>
+              <a:cs typeface="Calibri Light" panose="020F0302020204030204" pitchFamily="34" charset="0"/>
+            </a:endParaRPr>
+          </a:p>
+          <a:p>
+            <a:pPr fontAlgn="base"/>
+            <a:r>
+              <a:rPr lang="en-US" sz="1800" i="0" dirty="0">
+                <a:effectLst/>
+                <a:cs typeface="Calibri Light" panose="020F0302020204030204" pitchFamily="34" charset="0"/>
+              </a:rPr>
+              <a:t>Support Vector Machine can also be used for regression problem wherein dependent, or target variable is continuous.</a:t>
+            </a:r>
+          </a:p>
+          <a:p>
+            <a:pPr fontAlgn="base"/>
+            <a:r>
+              <a:rPr lang="en-US" sz="1800" i="0" dirty="0">
+                <a:effectLst/>
+                <a:cs typeface="Calibri Light" panose="020F0302020204030204" pitchFamily="34" charset="0"/>
+              </a:rPr>
+              <a:t>The goal of SVM regression is same as classification problem i.e. to find maximum margin. Here, it means minimize error. </a:t>
+            </a:r>
+          </a:p>
+          <a:p>
+            <a:pPr fontAlgn="base"/>
+            <a:r>
+              <a:rPr lang="en-US" sz="1800" i="0" dirty="0">
+                <a:effectLst/>
+                <a:cs typeface="Calibri Light" panose="020F0302020204030204" pitchFamily="34" charset="0"/>
+              </a:rPr>
+              <a:t>In the case of regression, a margin of tolerance (epsilon) is set in approximation to the SVM. </a:t>
+            </a:r>
+          </a:p>
+          <a:p>
+            <a:pPr fontAlgn="base"/>
+            <a:r>
+              <a:rPr lang="en-US" sz="1800" i="0" dirty="0">
+                <a:effectLst/>
+                <a:cs typeface="Calibri Light" panose="020F0302020204030204" pitchFamily="34" charset="0"/>
+              </a:rPr>
+              <a:t>The primary goal is to minimize error, individualizing the hyperplane which maximizes the margin, keeping in mind that part of the error is tolerated.</a:t>
+            </a:r>
+            <a:br>
+              <a:rPr lang="en-US" sz="1800" dirty="0">
+                <a:cs typeface="Calibri Light" panose="020F0302020204030204" pitchFamily="34" charset="0"/>
+              </a:rPr>
+            </a:br>
+            <a:endParaRPr lang="en-US" sz="1800" i="0" dirty="0">
+              <a:effectLst/>
+              <a:cs typeface="Calibri Light" panose="020F0302020204030204" pitchFamily="34" charset="0"/>
+            </a:endParaRPr>
+          </a:p>
+          <a:p>
+            <a:endParaRPr lang="en-US" sz="2000" b="1" dirty="0">
+              <a:latin typeface="Calibri Light" panose="020F0302020204030204" pitchFamily="34" charset="0"/>
+              <a:cs typeface="Calibri Light" panose="020F0302020204030204" pitchFamily="34" charset="0"/>
+            </a:endParaRPr>
+          </a:p>
+          <a:p>
+            <a:endParaRPr lang="en-IN" sz="2000" b="1" dirty="0">
+              <a:latin typeface="Calibri Light" panose="020F0302020204030204" pitchFamily="34" charset="0"/>
+              <a:cs typeface="Calibri Light" panose="020F0302020204030204" pitchFamily="34" charset="0"/>
+            </a:endParaRPr>
+          </a:p>
+          <a:p>
+            <a:endParaRPr lang="en-IN" sz="2000" b="1" dirty="0">
+              <a:latin typeface="Calibri Light" panose="020F0302020204030204" pitchFamily="34" charset="0"/>
+              <a:cs typeface="Calibri Light" panose="020F0302020204030204" pitchFamily="34" charset="0"/>
+            </a:endParaRPr>
           </a:p>
         </p:txBody>
       </p:sp>
       <p:pic>
         <p:nvPicPr>
-          <p:cNvPr id="7" name="Picture 6">
-            <a:extLst>
-              <a:ext uri="{FF2B5EF4-FFF2-40B4-BE49-F238E27FC236}">
-                <a16:creationId xmlns:a16="http://schemas.microsoft.com/office/drawing/2014/main" id="{5062A7CB-300C-1E4D-C106-6669C58871E6}"/>
+          <p:cNvPr id="5" name="Picture 4" descr="Chart, scatter chart&#10;&#10;Description automatically generated">
+            <a:extLst>
+              <a:ext uri="{FF2B5EF4-FFF2-40B4-BE49-F238E27FC236}">
+                <a16:creationId xmlns:a16="http://schemas.microsoft.com/office/drawing/2014/main" id="{58DD720B-4466-C981-BC70-D14004C56DAA}"/>
               </a:ext>
             </a:extLst>
           </p:cNvPr>
@@ -7731,181 +7422,31 @@
           <p:nvPr/>
         </p:nvPicPr>
         <p:blipFill>
-          <a:blip r:embed="rId2"/>
+          <a:blip r:embed="rId2">
+            <a:extLst>
+              <a:ext uri="{28A0092B-C50C-407E-A947-70E740481C1C}">
+                <a14:useLocalDpi xmlns:a14="http://schemas.microsoft.com/office/drawing/2010/main" val="0"/>
+              </a:ext>
+            </a:extLst>
+          </a:blip>
           <a:stretch>
             <a:fillRect/>
           </a:stretch>
         </p:blipFill>
         <p:spPr>
           <a:xfrm>
-            <a:off x="3363266" y="5871229"/>
-            <a:ext cx="4293418" cy="969576"/>
+            <a:off x="6096000" y="3538010"/>
+            <a:ext cx="4419600" cy="2352912"/>
           </a:xfrm>
           <a:prstGeom prst="rect">
             <a:avLst/>
           </a:prstGeom>
         </p:spPr>
       </p:pic>
-      <p:pic>
-        <p:nvPicPr>
-          <p:cNvPr id="9" name="Picture 8">
-            <a:extLst>
-              <a:ext uri="{FF2B5EF4-FFF2-40B4-BE49-F238E27FC236}">
-                <a16:creationId xmlns:a16="http://schemas.microsoft.com/office/drawing/2014/main" id="{CA1EC61F-9AF8-4799-81C7-FEE51BD75934}"/>
-              </a:ext>
-            </a:extLst>
-          </p:cNvPr>
-          <p:cNvPicPr>
-            <a:picLocks noChangeAspect="1"/>
-          </p:cNvPicPr>
-          <p:nvPr/>
-        </p:nvPicPr>
-        <p:blipFill>
-          <a:blip r:embed="rId3"/>
-          <a:stretch>
-            <a:fillRect/>
-          </a:stretch>
-        </p:blipFill>
-        <p:spPr>
-          <a:xfrm>
-            <a:off x="685388" y="864450"/>
-            <a:ext cx="4012229" cy="2364748"/>
-          </a:xfrm>
-          <a:prstGeom prst="rect">
-            <a:avLst/>
-          </a:prstGeom>
-        </p:spPr>
-      </p:pic>
-      <p:pic>
-        <p:nvPicPr>
-          <p:cNvPr id="11" name="Picture 10">
-            <a:extLst>
-              <a:ext uri="{FF2B5EF4-FFF2-40B4-BE49-F238E27FC236}">
-                <a16:creationId xmlns:a16="http://schemas.microsoft.com/office/drawing/2014/main" id="{9EFFC309-6A8B-4F05-1D63-349E71E98E77}"/>
-              </a:ext>
-            </a:extLst>
-          </p:cNvPr>
-          <p:cNvPicPr>
-            <a:picLocks noChangeAspect="1"/>
-          </p:cNvPicPr>
-          <p:nvPr/>
-        </p:nvPicPr>
-        <p:blipFill>
-          <a:blip r:embed="rId4"/>
-          <a:stretch>
-            <a:fillRect/>
-          </a:stretch>
-        </p:blipFill>
-        <p:spPr>
-          <a:xfrm>
-            <a:off x="685388" y="3330930"/>
-            <a:ext cx="4293418" cy="2498096"/>
-          </a:xfrm>
-          <a:prstGeom prst="rect">
-            <a:avLst/>
-          </a:prstGeom>
-        </p:spPr>
-      </p:pic>
-      <p:pic>
-        <p:nvPicPr>
-          <p:cNvPr id="17" name="Picture 16">
-            <a:extLst>
-              <a:ext uri="{FF2B5EF4-FFF2-40B4-BE49-F238E27FC236}">
-                <a16:creationId xmlns:a16="http://schemas.microsoft.com/office/drawing/2014/main" id="{BBBC5877-51B1-1F9D-81CB-C5DC03F569C7}"/>
-              </a:ext>
-            </a:extLst>
-          </p:cNvPr>
-          <p:cNvPicPr>
-            <a:picLocks noChangeAspect="1"/>
-          </p:cNvPicPr>
-          <p:nvPr/>
-        </p:nvPicPr>
-        <p:blipFill>
-          <a:blip r:embed="rId5"/>
-          <a:stretch>
-            <a:fillRect/>
-          </a:stretch>
-        </p:blipFill>
-        <p:spPr>
-          <a:xfrm>
-            <a:off x="6103007" y="864450"/>
-            <a:ext cx="4078743" cy="2466480"/>
-          </a:xfrm>
-          <a:prstGeom prst="rect">
-            <a:avLst/>
-          </a:prstGeom>
-        </p:spPr>
-      </p:pic>
-      <p:pic>
-        <p:nvPicPr>
-          <p:cNvPr id="19" name="Picture 18">
-            <a:extLst>
-              <a:ext uri="{FF2B5EF4-FFF2-40B4-BE49-F238E27FC236}">
-                <a16:creationId xmlns:a16="http://schemas.microsoft.com/office/drawing/2014/main" id="{F56AAC6C-2BDB-A283-BC92-B37C41CEFA1F}"/>
-              </a:ext>
-            </a:extLst>
-          </p:cNvPr>
-          <p:cNvPicPr>
-            <a:picLocks noChangeAspect="1"/>
-          </p:cNvPicPr>
-          <p:nvPr/>
-        </p:nvPicPr>
-        <p:blipFill>
-          <a:blip r:embed="rId6"/>
-          <a:stretch>
-            <a:fillRect/>
-          </a:stretch>
-        </p:blipFill>
-        <p:spPr>
-          <a:xfrm>
-            <a:off x="6096000" y="3246560"/>
-            <a:ext cx="4402856" cy="2646493"/>
-          </a:xfrm>
-          <a:prstGeom prst="rect">
-            <a:avLst/>
-          </a:prstGeom>
-        </p:spPr>
-      </p:pic>
-      <p:cxnSp>
-        <p:nvCxnSpPr>
-          <p:cNvPr id="5" name="Straight Connector 4">
-            <a:extLst>
-              <a:ext uri="{FF2B5EF4-FFF2-40B4-BE49-F238E27FC236}">
-                <a16:creationId xmlns:a16="http://schemas.microsoft.com/office/drawing/2014/main" id="{EF2AB39F-F758-726B-4F20-359A8313E675}"/>
-              </a:ext>
-            </a:extLst>
-          </p:cNvPr>
-          <p:cNvCxnSpPr/>
-          <p:nvPr/>
-        </p:nvCxnSpPr>
-        <p:spPr>
-          <a:xfrm>
-            <a:off x="5509975" y="555358"/>
-            <a:ext cx="0" cy="5083442"/>
-          </a:xfrm>
-          <a:prstGeom prst="line">
-            <a:avLst/>
-          </a:prstGeom>
-        </p:spPr>
-        <p:style>
-          <a:lnRef idx="1">
-            <a:schemeClr val="accent1"/>
-          </a:lnRef>
-          <a:fillRef idx="0">
-            <a:schemeClr val="accent1"/>
-          </a:fillRef>
-          <a:effectRef idx="0">
-            <a:schemeClr val="accent1"/>
-          </a:effectRef>
-          <a:fontRef idx="minor">
-            <a:schemeClr val="tx1"/>
-          </a:fontRef>
-        </p:style>
-      </p:cxnSp>
     </p:spTree>
     <p:extLst>
       <p:ext uri="{BB962C8B-B14F-4D97-AF65-F5344CB8AC3E}">
-        <p14:creationId xmlns:p14="http://schemas.microsoft.com/office/powerpoint/2010/main" val="841477307"/>
+        <p14:creationId xmlns:p14="http://schemas.microsoft.com/office/powerpoint/2010/main" val="4106631437"/>
       </p:ext>
     </p:extLst>
   </p:cSld>
@@ -7937,7 +7478,7 @@
           <p:cNvPr id="2" name="Title 1">
             <a:extLst>
               <a:ext uri="{FF2B5EF4-FFF2-40B4-BE49-F238E27FC236}">
-                <a16:creationId xmlns:a16="http://schemas.microsoft.com/office/drawing/2014/main" id="{F453E7CA-6BA4-AE64-5325-47E0EB9A20BA}"/>
+                <a16:creationId xmlns:a16="http://schemas.microsoft.com/office/drawing/2014/main" id="{EEEEF9C9-55DC-5403-875C-001F30EED9B1}"/>
               </a:ext>
             </a:extLst>
           </p:cNvPr>
@@ -7950,623 +7491,31 @@
         </p:nvSpPr>
         <p:spPr>
           <a:xfrm>
-            <a:off x="838200" y="365126"/>
-            <a:ext cx="10515600" cy="773864"/>
-          </a:xfrm>
-        </p:spPr>
-        <p:txBody>
-          <a:bodyPr>
+            <a:off x="643467" y="321734"/>
+            <a:ext cx="10905066" cy="1135737"/>
+          </a:xfrm>
+        </p:spPr>
+        <p:txBody>
+          <a:bodyPr vert="horz" lIns="91440" tIns="45720" rIns="91440" bIns="45720" rtlCol="0" anchor="ctr">
             <a:normAutofit/>
           </a:bodyPr>
           <a:lstStyle/>
           <a:p>
             <a:r>
-              <a:rPr lang="en-IN" sz="3200" b="1" dirty="0">
+              <a:rPr lang="en-US" sz="3000" b="1" dirty="0">
                 <a:latin typeface="+mn-lt"/>
               </a:rPr>
-              <a:t>Summary of Model Results:</a:t>
-            </a:r>
-          </a:p>
-        </p:txBody>
-      </p:sp>
-      <p:graphicFrame>
-        <p:nvGraphicFramePr>
-          <p:cNvPr id="4" name="Table 4">
-            <a:extLst>
-              <a:ext uri="{FF2B5EF4-FFF2-40B4-BE49-F238E27FC236}">
-                <a16:creationId xmlns:a16="http://schemas.microsoft.com/office/drawing/2014/main" id="{7677C3FE-5721-DA8C-3228-0FA0606EA12A}"/>
-              </a:ext>
-            </a:extLst>
-          </p:cNvPr>
-          <p:cNvGraphicFramePr>
-            <a:graphicFrameLocks noGrp="1"/>
-          </p:cNvGraphicFramePr>
-          <p:nvPr>
-            <p:ph idx="1"/>
-          </p:nvPr>
-        </p:nvGraphicFramePr>
-        <p:xfrm>
-          <a:off x="838200" y="1491916"/>
-          <a:ext cx="10515600" cy="3577387"/>
-        </p:xfrm>
-        <a:graphic>
-          <a:graphicData uri="http://schemas.openxmlformats.org/drawingml/2006/table">
-            <a:tbl>
-              <a:tblPr firstRow="1" bandRow="1">
-                <a:tableStyleId>{5C22544A-7EE6-4342-B048-85BDC9FD1C3A}</a:tableStyleId>
-              </a:tblPr>
-              <a:tblGrid>
-                <a:gridCol w="2103120">
-                  <a:extLst>
-                    <a:ext uri="{9D8B030D-6E8A-4147-A177-3AD203B41FA5}">
-                      <a16:colId xmlns:a16="http://schemas.microsoft.com/office/drawing/2014/main" val="2802901101"/>
-                    </a:ext>
-                  </a:extLst>
-                </a:gridCol>
-                <a:gridCol w="2103120">
-                  <a:extLst>
-                    <a:ext uri="{9D8B030D-6E8A-4147-A177-3AD203B41FA5}">
-                      <a16:colId xmlns:a16="http://schemas.microsoft.com/office/drawing/2014/main" val="351254930"/>
-                    </a:ext>
-                  </a:extLst>
-                </a:gridCol>
-                <a:gridCol w="2103120">
-                  <a:extLst>
-                    <a:ext uri="{9D8B030D-6E8A-4147-A177-3AD203B41FA5}">
-                      <a16:colId xmlns:a16="http://schemas.microsoft.com/office/drawing/2014/main" val="3437466710"/>
-                    </a:ext>
-                  </a:extLst>
-                </a:gridCol>
-                <a:gridCol w="2103120">
-                  <a:extLst>
-                    <a:ext uri="{9D8B030D-6E8A-4147-A177-3AD203B41FA5}">
-                      <a16:colId xmlns:a16="http://schemas.microsoft.com/office/drawing/2014/main" val="2993918040"/>
-                    </a:ext>
-                  </a:extLst>
-                </a:gridCol>
-                <a:gridCol w="2103120">
-                  <a:extLst>
-                    <a:ext uri="{9D8B030D-6E8A-4147-A177-3AD203B41FA5}">
-                      <a16:colId xmlns:a16="http://schemas.microsoft.com/office/drawing/2014/main" val="1594398749"/>
-                    </a:ext>
-                  </a:extLst>
-                </a:gridCol>
-              </a:tblGrid>
-              <a:tr h="787928">
-                <a:tc>
-                  <a:txBody>
-                    <a:bodyPr/>
-                    <a:lstStyle/>
-                    <a:p>
-                      <a:r>
-                        <a:rPr lang="en-IN" dirty="0"/>
-                        <a:t>Model(Algorithm)</a:t>
-                      </a:r>
-                    </a:p>
-                  </a:txBody>
-                  <a:tcPr/>
-                </a:tc>
-                <a:tc>
-                  <a:txBody>
-                    <a:bodyPr/>
-                    <a:lstStyle/>
-                    <a:p>
-                      <a:r>
-                        <a:rPr lang="en-IN" dirty="0"/>
-                        <a:t>R-squared(Train)</a:t>
-                      </a:r>
-                    </a:p>
-                  </a:txBody>
-                  <a:tcPr/>
-                </a:tc>
-                <a:tc>
-                  <a:txBody>
-                    <a:bodyPr/>
-                    <a:lstStyle/>
-                    <a:p>
-                      <a:pPr marL="0" marR="0" lvl="0" indent="0" algn="l" defTabSz="914400" rtl="0" eaLnBrk="1" fontAlgn="auto" latinLnBrk="0" hangingPunct="1">
-                        <a:lnSpc>
-                          <a:spcPct val="100000"/>
-                        </a:lnSpc>
-                        <a:spcBef>
-                          <a:spcPts val="0"/>
-                        </a:spcBef>
-                        <a:spcAft>
-                          <a:spcPts val="0"/>
-                        </a:spcAft>
-                        <a:buClrTx/>
-                        <a:buSzTx/>
-                        <a:buFontTx/>
-                        <a:buNone/>
-                        <a:tabLst/>
-                        <a:defRPr/>
-                      </a:pPr>
-                      <a:r>
-                        <a:rPr lang="en-IN" dirty="0"/>
-                        <a:t>R-squared(Test)</a:t>
-                      </a:r>
-                    </a:p>
-                  </a:txBody>
-                  <a:tcPr/>
-                </a:tc>
-                <a:tc>
-                  <a:txBody>
-                    <a:bodyPr/>
-                    <a:lstStyle/>
-                    <a:p>
-                      <a:r>
-                        <a:rPr lang="en-IN" dirty="0"/>
-                        <a:t>RMSE(Train)</a:t>
-                      </a:r>
-                    </a:p>
-                  </a:txBody>
-                  <a:tcPr/>
-                </a:tc>
-                <a:tc>
-                  <a:txBody>
-                    <a:bodyPr/>
-                    <a:lstStyle/>
-                    <a:p>
-                      <a:r>
-                        <a:rPr lang="en-IN" dirty="0"/>
-                        <a:t>RMSE(Test)</a:t>
-                      </a:r>
-                    </a:p>
-                  </a:txBody>
-                  <a:tcPr/>
-                </a:tc>
-                <a:extLst>
-                  <a:ext uri="{0D108BD9-81ED-4DB2-BD59-A6C34878D82A}">
-                    <a16:rowId xmlns:a16="http://schemas.microsoft.com/office/drawing/2014/main" val="2515094857"/>
-                  </a:ext>
-                </a:extLst>
-              </a:tr>
-              <a:tr h="414726">
-                <a:tc>
-                  <a:txBody>
-                    <a:bodyPr/>
-                    <a:lstStyle/>
-                    <a:p>
-                      <a:r>
-                        <a:rPr lang="en-IN" dirty="0"/>
-                        <a:t>Linear Regression</a:t>
-                      </a:r>
-                    </a:p>
-                  </a:txBody>
-                  <a:tcPr/>
-                </a:tc>
-                <a:tc>
-                  <a:txBody>
-                    <a:bodyPr/>
-                    <a:lstStyle/>
-                    <a:p>
-                      <a:r>
-                        <a:rPr lang="en-IN" dirty="0"/>
-                        <a:t>75.58%</a:t>
-                      </a:r>
-                    </a:p>
-                  </a:txBody>
-                  <a:tcPr/>
-                </a:tc>
-                <a:tc>
-                  <a:txBody>
-                    <a:bodyPr/>
-                    <a:lstStyle/>
-                    <a:p>
-                      <a:r>
-                        <a:rPr lang="en-IN" dirty="0"/>
-                        <a:t>74.65%</a:t>
-                      </a:r>
-                    </a:p>
-                  </a:txBody>
-                  <a:tcPr/>
-                </a:tc>
-                <a:tc>
-                  <a:txBody>
-                    <a:bodyPr/>
-                    <a:lstStyle/>
-                    <a:p>
-                      <a:r>
-                        <a:rPr lang="en-IN" dirty="0"/>
-                        <a:t>0.4933</a:t>
-                      </a:r>
-                    </a:p>
-                  </a:txBody>
-                  <a:tcPr/>
-                </a:tc>
-                <a:tc>
-                  <a:txBody>
-                    <a:bodyPr/>
-                    <a:lstStyle/>
-                    <a:p>
-                      <a:r>
-                        <a:rPr lang="en-IN" dirty="0"/>
-                        <a:t>0.5070</a:t>
-                      </a:r>
-                    </a:p>
-                  </a:txBody>
-                  <a:tcPr/>
-                </a:tc>
-                <a:extLst>
-                  <a:ext uri="{0D108BD9-81ED-4DB2-BD59-A6C34878D82A}">
-                    <a16:rowId xmlns:a16="http://schemas.microsoft.com/office/drawing/2014/main" val="3380751878"/>
-                  </a:ext>
-                </a:extLst>
-              </a:tr>
-              <a:tr h="414726">
-                <a:tc>
-                  <a:txBody>
-                    <a:bodyPr/>
-                    <a:lstStyle/>
-                    <a:p>
-                      <a:r>
-                        <a:rPr lang="en-IN" dirty="0"/>
-                        <a:t>Lasso Regression</a:t>
-                      </a:r>
-                    </a:p>
-                  </a:txBody>
-                  <a:tcPr/>
-                </a:tc>
-                <a:tc>
-                  <a:txBody>
-                    <a:bodyPr/>
-                    <a:lstStyle/>
-                    <a:p>
-                      <a:r>
-                        <a:rPr lang="en-IN" dirty="0"/>
-                        <a:t>75.84%</a:t>
-                      </a:r>
-                    </a:p>
-                  </a:txBody>
-                  <a:tcPr/>
-                </a:tc>
-                <a:tc>
-                  <a:txBody>
-                    <a:bodyPr/>
-                    <a:lstStyle/>
-                    <a:p>
-                      <a:r>
-                        <a:rPr lang="en-IN" dirty="0"/>
-                        <a:t>73.58%</a:t>
-                      </a:r>
-                    </a:p>
-                  </a:txBody>
-                  <a:tcPr/>
-                </a:tc>
-                <a:tc>
-                  <a:txBody>
-                    <a:bodyPr/>
-                    <a:lstStyle/>
-                    <a:p>
-                      <a:r>
-                        <a:rPr lang="en-IN" dirty="0"/>
-                        <a:t>0.4897</a:t>
-                      </a:r>
-                    </a:p>
-                  </a:txBody>
-                  <a:tcPr/>
-                </a:tc>
-                <a:tc>
-                  <a:txBody>
-                    <a:bodyPr/>
-                    <a:lstStyle/>
-                    <a:p>
-                      <a:r>
-                        <a:rPr lang="en-IN" dirty="0"/>
-                        <a:t>0.5212</a:t>
-                      </a:r>
-                    </a:p>
-                  </a:txBody>
-                  <a:tcPr/>
-                </a:tc>
-                <a:extLst>
-                  <a:ext uri="{0D108BD9-81ED-4DB2-BD59-A6C34878D82A}">
-                    <a16:rowId xmlns:a16="http://schemas.microsoft.com/office/drawing/2014/main" val="765008775"/>
-                  </a:ext>
-                </a:extLst>
-              </a:tr>
-              <a:tr h="414726">
-                <a:tc>
-                  <a:txBody>
-                    <a:bodyPr/>
-                    <a:lstStyle/>
-                    <a:p>
-                      <a:r>
-                        <a:rPr lang="en-IN" dirty="0"/>
-                        <a:t>Ridge Regression</a:t>
-                      </a:r>
-                    </a:p>
-                  </a:txBody>
-                  <a:tcPr/>
-                </a:tc>
-                <a:tc>
-                  <a:txBody>
-                    <a:bodyPr/>
-                    <a:lstStyle/>
-                    <a:p>
-                      <a:r>
-                        <a:rPr lang="en-IN" dirty="0"/>
-                        <a:t>75.64%</a:t>
-                      </a:r>
-                    </a:p>
-                  </a:txBody>
-                  <a:tcPr/>
-                </a:tc>
-                <a:tc>
-                  <a:txBody>
-                    <a:bodyPr/>
-                    <a:lstStyle/>
-                    <a:p>
-                      <a:r>
-                        <a:rPr lang="en-IN" dirty="0"/>
-                        <a:t>73.51%</a:t>
-                      </a:r>
-                    </a:p>
-                  </a:txBody>
-                  <a:tcPr/>
-                </a:tc>
-                <a:tc>
-                  <a:txBody>
-                    <a:bodyPr/>
-                    <a:lstStyle/>
-                    <a:p>
-                      <a:r>
-                        <a:rPr lang="en-IN" dirty="0"/>
-                        <a:t>0.4924</a:t>
-                      </a:r>
-                    </a:p>
-                  </a:txBody>
-                  <a:tcPr/>
-                </a:tc>
-                <a:tc>
-                  <a:txBody>
-                    <a:bodyPr/>
-                    <a:lstStyle/>
-                    <a:p>
-                      <a:r>
-                        <a:rPr lang="en-IN" dirty="0"/>
-                        <a:t>0.5226</a:t>
-                      </a:r>
-                    </a:p>
-                  </a:txBody>
-                  <a:tcPr/>
-                </a:tc>
-                <a:extLst>
-                  <a:ext uri="{0D108BD9-81ED-4DB2-BD59-A6C34878D82A}">
-                    <a16:rowId xmlns:a16="http://schemas.microsoft.com/office/drawing/2014/main" val="615029044"/>
-                  </a:ext>
-                </a:extLst>
-              </a:tr>
-              <a:tr h="414726">
-                <a:tc>
-                  <a:txBody>
-                    <a:bodyPr/>
-                    <a:lstStyle/>
-                    <a:p>
-                      <a:r>
-                        <a:rPr lang="en-IN" dirty="0"/>
-                        <a:t>SVM Regressor</a:t>
-                      </a:r>
-                    </a:p>
-                  </a:txBody>
-                  <a:tcPr/>
-                </a:tc>
-                <a:tc>
-                  <a:txBody>
-                    <a:bodyPr/>
-                    <a:lstStyle/>
-                    <a:p>
-                      <a:r>
-                        <a:rPr lang="en-IN" dirty="0"/>
-                        <a:t>88.04%</a:t>
-                      </a:r>
-                    </a:p>
-                  </a:txBody>
-                  <a:tcPr/>
-                </a:tc>
-                <a:tc>
-                  <a:txBody>
-                    <a:bodyPr/>
-                    <a:lstStyle/>
-                    <a:p>
-                      <a:r>
-                        <a:rPr lang="en-IN" dirty="0"/>
-                        <a:t>88.92%</a:t>
-                      </a:r>
-                    </a:p>
-                  </a:txBody>
-                  <a:tcPr/>
-                </a:tc>
-                <a:tc>
-                  <a:txBody>
-                    <a:bodyPr/>
-                    <a:lstStyle/>
-                    <a:p>
-                      <a:r>
-                        <a:rPr lang="en-IN" dirty="0"/>
-                        <a:t>0.3615</a:t>
-                      </a:r>
-                    </a:p>
-                  </a:txBody>
-                  <a:tcPr/>
-                </a:tc>
-                <a:tc>
-                  <a:txBody>
-                    <a:bodyPr/>
-                    <a:lstStyle/>
-                    <a:p>
-                      <a:r>
-                        <a:rPr lang="en-IN" dirty="0"/>
-                        <a:t>0.3415</a:t>
-                      </a:r>
-                    </a:p>
-                  </a:txBody>
-                  <a:tcPr/>
-                </a:tc>
-                <a:extLst>
-                  <a:ext uri="{0D108BD9-81ED-4DB2-BD59-A6C34878D82A}">
-                    <a16:rowId xmlns:a16="http://schemas.microsoft.com/office/drawing/2014/main" val="2951312833"/>
-                  </a:ext>
-                </a:extLst>
-              </a:tr>
-              <a:tr h="715829">
-                <a:tc>
-                  <a:txBody>
-                    <a:bodyPr/>
-                    <a:lstStyle/>
-                    <a:p>
-                      <a:r>
-                        <a:rPr lang="en-IN" dirty="0"/>
-                        <a:t>Random Forest Regressor</a:t>
-                      </a:r>
-                    </a:p>
-                  </a:txBody>
-                  <a:tcPr/>
-                </a:tc>
-                <a:tc>
-                  <a:txBody>
-                    <a:bodyPr/>
-                    <a:lstStyle/>
-                    <a:p>
-                      <a:r>
-                        <a:rPr lang="en-IN" dirty="0"/>
-                        <a:t>97.87%</a:t>
-                      </a:r>
-                    </a:p>
-                  </a:txBody>
-                  <a:tcPr/>
-                </a:tc>
-                <a:tc>
-                  <a:txBody>
-                    <a:bodyPr/>
-                    <a:lstStyle/>
-                    <a:p>
-                      <a:r>
-                        <a:rPr lang="en-IN" dirty="0"/>
-                        <a:t>90.64%</a:t>
-                      </a:r>
-                    </a:p>
-                  </a:txBody>
-                  <a:tcPr/>
-                </a:tc>
-                <a:tc>
-                  <a:txBody>
-                    <a:bodyPr/>
-                    <a:lstStyle/>
-                    <a:p>
-                      <a:r>
-                        <a:rPr lang="en-IN" dirty="0"/>
-                        <a:t>0.1511</a:t>
-                      </a:r>
-                    </a:p>
-                  </a:txBody>
-                  <a:tcPr/>
-                </a:tc>
-                <a:tc>
-                  <a:txBody>
-                    <a:bodyPr/>
-                    <a:lstStyle/>
-                    <a:p>
-                      <a:r>
-                        <a:rPr lang="en-IN" dirty="0"/>
-                        <a:t>0.3116</a:t>
-                      </a:r>
-                    </a:p>
-                  </a:txBody>
-                  <a:tcPr/>
-                </a:tc>
-                <a:extLst>
-                  <a:ext uri="{0D108BD9-81ED-4DB2-BD59-A6C34878D82A}">
-                    <a16:rowId xmlns:a16="http://schemas.microsoft.com/office/drawing/2014/main" val="3250272351"/>
-                  </a:ext>
-                </a:extLst>
-              </a:tr>
-              <a:tr h="414726">
-                <a:tc>
-                  <a:txBody>
-                    <a:bodyPr/>
-                    <a:lstStyle/>
-                    <a:p>
-                      <a:r>
-                        <a:rPr lang="en-IN" dirty="0" err="1"/>
-                        <a:t>XGBoost</a:t>
-                      </a:r>
-                      <a:r>
-                        <a:rPr lang="en-IN" dirty="0"/>
-                        <a:t> Regressor</a:t>
-                      </a:r>
-                    </a:p>
-                  </a:txBody>
-                  <a:tcPr/>
-                </a:tc>
-                <a:tc>
-                  <a:txBody>
-                    <a:bodyPr/>
-                    <a:lstStyle/>
-                    <a:p>
-                      <a:r>
-                        <a:rPr lang="en-IN" dirty="0"/>
-                        <a:t>96.56%</a:t>
-                      </a:r>
-                    </a:p>
-                  </a:txBody>
-                  <a:tcPr/>
-                </a:tc>
-                <a:tc>
-                  <a:txBody>
-                    <a:bodyPr/>
-                    <a:lstStyle/>
-                    <a:p>
-                      <a:r>
-                        <a:rPr lang="en-IN" dirty="0"/>
-                        <a:t>92.73%</a:t>
-                      </a:r>
-                    </a:p>
-                  </a:txBody>
-                  <a:tcPr/>
-                </a:tc>
-                <a:tc>
-                  <a:txBody>
-                    <a:bodyPr/>
-                    <a:lstStyle/>
-                    <a:p>
-                      <a:r>
-                        <a:rPr lang="en-IN" dirty="0"/>
-                        <a:t>0.1859</a:t>
-                      </a:r>
-                    </a:p>
-                  </a:txBody>
-                  <a:tcPr/>
-                </a:tc>
-                <a:tc>
-                  <a:txBody>
-                    <a:bodyPr/>
-                    <a:lstStyle/>
-                    <a:p>
-                      <a:r>
-                        <a:rPr lang="en-IN" dirty="0"/>
-                        <a:t>0.2688</a:t>
-                      </a:r>
-                    </a:p>
-                  </a:txBody>
-                  <a:tcPr/>
-                </a:tc>
-                <a:extLst>
-                  <a:ext uri="{0D108BD9-81ED-4DB2-BD59-A6C34878D82A}">
-                    <a16:rowId xmlns:a16="http://schemas.microsoft.com/office/drawing/2014/main" val="2285796489"/>
-                  </a:ext>
-                </a:extLst>
-              </a:tr>
-            </a:tbl>
-          </a:graphicData>
-        </a:graphic>
-      </p:graphicFrame>
-      <p:sp>
-        <p:nvSpPr>
-          <p:cNvPr id="5" name="TextBox 4">
-            <a:extLst>
-              <a:ext uri="{FF2B5EF4-FFF2-40B4-BE49-F238E27FC236}">
-                <a16:creationId xmlns:a16="http://schemas.microsoft.com/office/drawing/2014/main" id="{FF234027-3B78-D44E-0FBC-A7940AD3BCE6}"/>
+              <a:t>SVM Regressor: Results</a:t>
+            </a:r>
+          </a:p>
+        </p:txBody>
+      </p:sp>
+      <p:sp>
+        <p:nvSpPr>
+          <p:cNvPr id="6" name="TextBox 5">
+            <a:extLst>
+              <a:ext uri="{FF2B5EF4-FFF2-40B4-BE49-F238E27FC236}">
+                <a16:creationId xmlns:a16="http://schemas.microsoft.com/office/drawing/2014/main" id="{0E1DE864-D1A2-45E8-F057-5EFA137B9E8E}"/>
               </a:ext>
             </a:extLst>
           </p:cNvPr>
@@ -8575,37 +7524,158 @@
         </p:nvSpPr>
         <p:spPr>
           <a:xfrm>
-            <a:off x="838200" y="5422229"/>
-            <a:ext cx="9787636" cy="1323439"/>
+            <a:off x="643469" y="1782981"/>
+            <a:ext cx="4008384" cy="4393982"/>
           </a:xfrm>
           <a:prstGeom prst="rect">
             <a:avLst/>
           </a:prstGeom>
-          <a:noFill/>
-        </p:spPr>
-        <p:txBody>
-          <a:bodyPr wrap="square" rtlCol="0">
-            <a:spAutoFit/>
+        </p:spPr>
+        <p:txBody>
+          <a:bodyPr vert="horz" lIns="91440" tIns="45720" rIns="91440" bIns="45720" rtlCol="0">
+            <a:normAutofit/>
           </a:bodyPr>
           <a:lstStyle/>
           <a:p>
-            <a:r>
-              <a:rPr lang="en-IN" sz="2000" dirty="0"/>
-              <a:t>The linear regression model performed significantly well and there is not much difference observed in the case of lasso and Ridge.</a:t>
-            </a:r>
-          </a:p>
-          <a:p>
-            <a:r>
-              <a:rPr lang="en-IN" sz="2000" dirty="0"/>
-              <a:t>Bagging and boosting regressors did very well and we got test R-squared above 90% with minimum RMSE compared to other models.</a:t>
-            </a:r>
-          </a:p>
-        </p:txBody>
-      </p:sp>
+            <a:pPr marL="285750" indent="-228600">
+              <a:lnSpc>
+                <a:spcPct val="90000"/>
+              </a:lnSpc>
+              <a:spcAft>
+                <a:spcPts val="600"/>
+              </a:spcAft>
+              <a:buFont typeface="Arial" panose="020B0604020202020204" pitchFamily="34" charset="0"/>
+              <a:buChar char="•"/>
+            </a:pPr>
+            <a:r>
+              <a:rPr lang="en-US" dirty="0" err="1"/>
+              <a:t>Svm</a:t>
+            </a:r>
+            <a:r>
+              <a:rPr lang="en-US" dirty="0"/>
+              <a:t> model is passed with the best features .</a:t>
+            </a:r>
+          </a:p>
+          <a:p>
+            <a:pPr marL="285750" indent="-228600">
+              <a:lnSpc>
+                <a:spcPct val="90000"/>
+              </a:lnSpc>
+              <a:spcAft>
+                <a:spcPts val="600"/>
+              </a:spcAft>
+              <a:buFont typeface="Arial" panose="020B0604020202020204" pitchFamily="34" charset="0"/>
+              <a:buChar char="•"/>
+            </a:pPr>
+            <a:r>
+              <a:rPr lang="en-US" dirty="0"/>
+              <a:t>The RMSE and </a:t>
+            </a:r>
+            <a:r>
+              <a:rPr lang="en-US" dirty="0" err="1"/>
+              <a:t>Rsquared</a:t>
+            </a:r>
+            <a:r>
+              <a:rPr lang="en-US" dirty="0"/>
+              <a:t> values for the test ad train data is shown </a:t>
+            </a:r>
+          </a:p>
+        </p:txBody>
+      </p:sp>
+      <p:pic>
+        <p:nvPicPr>
+          <p:cNvPr id="5" name="Picture 4">
+            <a:extLst>
+              <a:ext uri="{FF2B5EF4-FFF2-40B4-BE49-F238E27FC236}">
+                <a16:creationId xmlns:a16="http://schemas.microsoft.com/office/drawing/2014/main" id="{DD6EAFE1-0CF6-39DC-3EAC-514B715D4539}"/>
+              </a:ext>
+            </a:extLst>
+          </p:cNvPr>
+          <p:cNvPicPr>
+            <a:picLocks noChangeAspect="1"/>
+          </p:cNvPicPr>
+          <p:nvPr/>
+        </p:nvPicPr>
+        <p:blipFill>
+          <a:blip r:embed="rId2"/>
+          <a:stretch>
+            <a:fillRect/>
+          </a:stretch>
+        </p:blipFill>
+        <p:spPr>
+          <a:xfrm>
+            <a:off x="5295320" y="4317307"/>
+            <a:ext cx="6253212" cy="1570665"/>
+          </a:xfrm>
+          <a:prstGeom prst="rect">
+            <a:avLst/>
+          </a:prstGeom>
+        </p:spPr>
+      </p:pic>
+      <p:pic>
+        <p:nvPicPr>
+          <p:cNvPr id="3" name="Picture 2">
+            <a:extLst>
+              <a:ext uri="{FF2B5EF4-FFF2-40B4-BE49-F238E27FC236}">
+                <a16:creationId xmlns:a16="http://schemas.microsoft.com/office/drawing/2014/main" id="{0C01ED45-109C-15D0-DE70-96BEAF24A4F0}"/>
+              </a:ext>
+            </a:extLst>
+          </p:cNvPr>
+          <p:cNvPicPr>
+            <a:picLocks noChangeAspect="1"/>
+          </p:cNvPicPr>
+          <p:nvPr/>
+        </p:nvPicPr>
+        <p:blipFill>
+          <a:blip r:embed="rId3"/>
+          <a:stretch>
+            <a:fillRect/>
+          </a:stretch>
+        </p:blipFill>
+        <p:spPr>
+          <a:xfrm>
+            <a:off x="5295320" y="1515727"/>
+            <a:ext cx="5802171" cy="1024965"/>
+          </a:xfrm>
+          <a:prstGeom prst="rect">
+            <a:avLst/>
+          </a:prstGeom>
+        </p:spPr>
+      </p:pic>
+      <p:pic>
+        <p:nvPicPr>
+          <p:cNvPr id="7" name="Picture 6">
+            <a:extLst>
+              <a:ext uri="{FF2B5EF4-FFF2-40B4-BE49-F238E27FC236}">
+                <a16:creationId xmlns:a16="http://schemas.microsoft.com/office/drawing/2014/main" id="{8D81B251-2277-FDE0-964C-1098D635B2F3}"/>
+              </a:ext>
+            </a:extLst>
+          </p:cNvPr>
+          <p:cNvPicPr>
+            <a:picLocks noChangeAspect="1"/>
+          </p:cNvPicPr>
+          <p:nvPr/>
+        </p:nvPicPr>
+        <p:blipFill>
+          <a:blip r:embed="rId4"/>
+          <a:stretch>
+            <a:fillRect/>
+          </a:stretch>
+        </p:blipFill>
+        <p:spPr>
+          <a:xfrm>
+            <a:off x="5295320" y="2707322"/>
+            <a:ext cx="3010161" cy="1272650"/>
+          </a:xfrm>
+          <a:prstGeom prst="rect">
+            <a:avLst/>
+          </a:prstGeom>
+        </p:spPr>
+      </p:pic>
     </p:spTree>
     <p:extLst>
       <p:ext uri="{BB962C8B-B14F-4D97-AF65-F5344CB8AC3E}">
-        <p14:creationId xmlns:p14="http://schemas.microsoft.com/office/powerpoint/2010/main" val="4090539189"/>
+        <p14:creationId xmlns:p14="http://schemas.microsoft.com/office/powerpoint/2010/main" val="2410918077"/>
       </p:ext>
     </p:extLst>
   </p:cSld>
@@ -8637,7 +7707,7 @@
           <p:cNvPr id="2" name="Title 1">
             <a:extLst>
               <a:ext uri="{FF2B5EF4-FFF2-40B4-BE49-F238E27FC236}">
-                <a16:creationId xmlns:a16="http://schemas.microsoft.com/office/drawing/2014/main" id="{2E474F94-4E61-17E6-1DC9-6753BCDB87E6}"/>
+                <a16:creationId xmlns:a16="http://schemas.microsoft.com/office/drawing/2014/main" id="{BD76F5DC-947E-7F44-F695-683988A91641}"/>
               </a:ext>
             </a:extLst>
           </p:cNvPr>
@@ -8645,45 +7715,347 @@
             <a:spLocks noGrp="1"/>
           </p:cNvSpPr>
           <p:nvPr>
-            <p:ph type="ctrTitle"/>
+            <p:ph type="title"/>
           </p:nvPr>
         </p:nvSpPr>
         <p:spPr>
           <a:xfrm>
-            <a:off x="3204642" y="2353641"/>
-            <a:ext cx="5782716" cy="2150719"/>
-          </a:xfrm>
-          <a:noFill/>
-        </p:spPr>
-        <p:txBody>
-          <a:bodyPr anchor="ctr">
+            <a:off x="765752" y="93278"/>
+            <a:ext cx="10515600" cy="661570"/>
+          </a:xfrm>
+        </p:spPr>
+        <p:txBody>
+          <a:bodyPr>
             <a:normAutofit/>
           </a:bodyPr>
           <a:lstStyle/>
           <a:p>
             <a:r>
-              <a:rPr lang="en-US" sz="5400" b="1" dirty="0">
-                <a:solidFill>
-                  <a:srgbClr val="080808"/>
-                </a:solidFill>
-                <a:latin typeface="Calibri" panose="020F0502020204030204" pitchFamily="34" charset="0"/>
-                <a:cs typeface="Calibri" panose="020F0502020204030204" pitchFamily="34" charset="0"/>
+              <a:rPr lang="en-IN" sz="3200" b="1" dirty="0" err="1">
+                <a:latin typeface="+mn-lt"/>
               </a:rPr>
-              <a:t>THANK YOU</a:t>
-            </a:r>
-            <a:endParaRPr lang="hi-IN" sz="5400" b="1" dirty="0">
-              <a:solidFill>
-                <a:srgbClr val="080808"/>
-              </a:solidFill>
-              <a:latin typeface="Calibri" panose="020F0502020204030204" pitchFamily="34" charset="0"/>
-            </a:endParaRPr>
+              <a:t>XGBoost</a:t>
+            </a:r>
+            <a:r>
+              <a:rPr lang="en-IN" sz="3200" b="1" dirty="0">
+                <a:latin typeface="+mn-lt"/>
+              </a:rPr>
+              <a:t> Regressor – Intuition</a:t>
+            </a:r>
+          </a:p>
+        </p:txBody>
+      </p:sp>
+      <p:sp>
+        <p:nvSpPr>
+          <p:cNvPr id="3" name="Content Placeholder 2">
+            <a:extLst>
+              <a:ext uri="{FF2B5EF4-FFF2-40B4-BE49-F238E27FC236}">
+                <a16:creationId xmlns:a16="http://schemas.microsoft.com/office/drawing/2014/main" id="{997CA512-24F3-ECA9-AB32-6426466FA640}"/>
+              </a:ext>
+            </a:extLst>
+          </p:cNvPr>
+          <p:cNvSpPr>
+            <a:spLocks noGrp="1"/>
+          </p:cNvSpPr>
+          <p:nvPr>
+            <p:ph idx="1"/>
+          </p:nvPr>
+        </p:nvSpPr>
+        <p:spPr>
+          <a:xfrm>
+            <a:off x="329514" y="858252"/>
+            <a:ext cx="11681253" cy="5906469"/>
+          </a:xfrm>
+        </p:spPr>
+        <p:txBody>
+          <a:bodyPr>
+            <a:normAutofit/>
+          </a:bodyPr>
+          <a:lstStyle/>
+          <a:p>
+            <a:pPr marL="0" indent="0">
+              <a:buNone/>
+            </a:pPr>
+            <a:r>
+              <a:rPr lang="en-IN" sz="2000" dirty="0" err="1"/>
+              <a:t>XGBoost</a:t>
+            </a:r>
+            <a:r>
+              <a:rPr lang="en-IN" sz="2000" dirty="0"/>
+              <a:t> Regressor is one of the ensemble techniques which is based on the boosting mechanism.</a:t>
+            </a:r>
+          </a:p>
+        </p:txBody>
+      </p:sp>
+      <p:sp>
+        <p:nvSpPr>
+          <p:cNvPr id="5" name="TextBox 4">
+            <a:extLst>
+              <a:ext uri="{FF2B5EF4-FFF2-40B4-BE49-F238E27FC236}">
+                <a16:creationId xmlns:a16="http://schemas.microsoft.com/office/drawing/2014/main" id="{95E3701D-6FF2-6C5E-D17E-5DBBF52D079E}"/>
+              </a:ext>
+            </a:extLst>
+          </p:cNvPr>
+          <p:cNvSpPr txBox="1"/>
+          <p:nvPr/>
+        </p:nvSpPr>
+        <p:spPr>
+          <a:xfrm>
+            <a:off x="6714635" y="3492478"/>
+            <a:ext cx="4774234" cy="369332"/>
+          </a:xfrm>
+          <a:prstGeom prst="rect">
+            <a:avLst/>
+          </a:prstGeom>
+          <a:noFill/>
+        </p:spPr>
+        <p:txBody>
+          <a:bodyPr wrap="square" rtlCol="0">
+            <a:spAutoFit/>
+          </a:bodyPr>
+          <a:lstStyle/>
+          <a:p>
+            <a:pPr algn="ctr"/>
+            <a:r>
+              <a:rPr lang="en-IN" b="1" dirty="0"/>
+              <a:t>Calculating gain using similarity score</a:t>
+            </a:r>
+          </a:p>
+        </p:txBody>
+      </p:sp>
+      <p:pic>
+        <p:nvPicPr>
+          <p:cNvPr id="7" name="Picture 6">
+            <a:extLst>
+              <a:ext uri="{FF2B5EF4-FFF2-40B4-BE49-F238E27FC236}">
+                <a16:creationId xmlns:a16="http://schemas.microsoft.com/office/drawing/2014/main" id="{0B3134F0-93EE-E7F1-0440-EAC1F40D9014}"/>
+              </a:ext>
+            </a:extLst>
+          </p:cNvPr>
+          <p:cNvPicPr>
+            <a:picLocks noChangeAspect="1"/>
+          </p:cNvPicPr>
+          <p:nvPr/>
+        </p:nvPicPr>
+        <p:blipFill>
+          <a:blip r:embed="rId2"/>
+          <a:stretch>
+            <a:fillRect/>
+          </a:stretch>
+        </p:blipFill>
+        <p:spPr>
+          <a:xfrm>
+            <a:off x="572967" y="2217901"/>
+            <a:ext cx="4927959" cy="4397121"/>
+          </a:xfrm>
+          <a:prstGeom prst="rect">
+            <a:avLst/>
+          </a:prstGeom>
+        </p:spPr>
+      </p:pic>
+      <p:pic>
+        <p:nvPicPr>
+          <p:cNvPr id="9" name="Picture 8">
+            <a:extLst>
+              <a:ext uri="{FF2B5EF4-FFF2-40B4-BE49-F238E27FC236}">
+                <a16:creationId xmlns:a16="http://schemas.microsoft.com/office/drawing/2014/main" id="{C30164FD-5106-09B6-4054-44362A155EB2}"/>
+              </a:ext>
+            </a:extLst>
+          </p:cNvPr>
+          <p:cNvPicPr>
+            <a:picLocks noChangeAspect="1"/>
+          </p:cNvPicPr>
+          <p:nvPr/>
+        </p:nvPicPr>
+        <p:blipFill>
+          <a:blip r:embed="rId3"/>
+          <a:stretch>
+            <a:fillRect/>
+          </a:stretch>
+        </p:blipFill>
+        <p:spPr>
+          <a:xfrm>
+            <a:off x="6665604" y="1546467"/>
+            <a:ext cx="4953429" cy="1447925"/>
+          </a:xfrm>
+          <a:prstGeom prst="rect">
+            <a:avLst/>
+          </a:prstGeom>
+        </p:spPr>
+      </p:pic>
+      <p:pic>
+        <p:nvPicPr>
+          <p:cNvPr id="11" name="Picture 10">
+            <a:extLst>
+              <a:ext uri="{FF2B5EF4-FFF2-40B4-BE49-F238E27FC236}">
+                <a16:creationId xmlns:a16="http://schemas.microsoft.com/office/drawing/2014/main" id="{AC775000-845C-4417-F76A-0FA7C0346FFF}"/>
+              </a:ext>
+            </a:extLst>
+          </p:cNvPr>
+          <p:cNvPicPr>
+            <a:picLocks noChangeAspect="1"/>
+          </p:cNvPicPr>
+          <p:nvPr/>
+        </p:nvPicPr>
+        <p:blipFill>
+          <a:blip r:embed="rId4"/>
+          <a:stretch>
+            <a:fillRect/>
+          </a:stretch>
+        </p:blipFill>
+        <p:spPr>
+          <a:xfrm>
+            <a:off x="7490053" y="3970082"/>
+            <a:ext cx="4701947" cy="2598645"/>
+          </a:xfrm>
+          <a:prstGeom prst="rect">
+            <a:avLst/>
+          </a:prstGeom>
+        </p:spPr>
+      </p:pic>
+      <p:sp>
+        <p:nvSpPr>
+          <p:cNvPr id="12" name="TextBox 11">
+            <a:extLst>
+              <a:ext uri="{FF2B5EF4-FFF2-40B4-BE49-F238E27FC236}">
+                <a16:creationId xmlns:a16="http://schemas.microsoft.com/office/drawing/2014/main" id="{B8951F85-DC26-6DBD-EF7D-CFF1001BC6DE}"/>
+              </a:ext>
+            </a:extLst>
+          </p:cNvPr>
+          <p:cNvSpPr txBox="1"/>
+          <p:nvPr/>
+        </p:nvSpPr>
+        <p:spPr>
+          <a:xfrm>
+            <a:off x="1860883" y="1848569"/>
+            <a:ext cx="2382960" cy="400110"/>
+          </a:xfrm>
+          <a:prstGeom prst="rect">
+            <a:avLst/>
+          </a:prstGeom>
+          <a:noFill/>
+        </p:spPr>
+        <p:txBody>
+          <a:bodyPr wrap="none" rtlCol="0">
+            <a:spAutoFit/>
+          </a:bodyPr>
+          <a:lstStyle/>
+          <a:p>
+            <a:r>
+              <a:rPr lang="en-IN" sz="2000" b="1" dirty="0" err="1"/>
+              <a:t>XGBoost</a:t>
+            </a:r>
+            <a:r>
+              <a:rPr lang="en-IN" sz="2000" b="1" dirty="0"/>
+              <a:t> Mechanism</a:t>
+            </a:r>
+          </a:p>
+        </p:txBody>
+      </p:sp>
+      <p:pic>
+        <p:nvPicPr>
+          <p:cNvPr id="17" name="Picture 16">
+            <a:extLst>
+              <a:ext uri="{FF2B5EF4-FFF2-40B4-BE49-F238E27FC236}">
+                <a16:creationId xmlns:a16="http://schemas.microsoft.com/office/drawing/2014/main" id="{DA9D3D87-79B6-C146-AC63-FF8E230DAA59}"/>
+              </a:ext>
+            </a:extLst>
+          </p:cNvPr>
+          <p:cNvPicPr>
+            <a:picLocks noChangeAspect="1"/>
+          </p:cNvPicPr>
+          <p:nvPr/>
+        </p:nvPicPr>
+        <p:blipFill>
+          <a:blip r:embed="rId5"/>
+          <a:stretch>
+            <a:fillRect/>
+          </a:stretch>
+        </p:blipFill>
+        <p:spPr>
+          <a:xfrm>
+            <a:off x="6195876" y="4406582"/>
+            <a:ext cx="990399" cy="1725643"/>
+          </a:xfrm>
+          <a:prstGeom prst="rect">
+            <a:avLst/>
+          </a:prstGeom>
+        </p:spPr>
+      </p:pic>
+      <p:sp>
+        <p:nvSpPr>
+          <p:cNvPr id="18" name="TextBox 17">
+            <a:extLst>
+              <a:ext uri="{FF2B5EF4-FFF2-40B4-BE49-F238E27FC236}">
+                <a16:creationId xmlns:a16="http://schemas.microsoft.com/office/drawing/2014/main" id="{6511EB39-8AFF-901A-39FD-E60246B34A72}"/>
+              </a:ext>
+            </a:extLst>
+          </p:cNvPr>
+          <p:cNvSpPr txBox="1"/>
+          <p:nvPr/>
+        </p:nvSpPr>
+        <p:spPr>
+          <a:xfrm>
+            <a:off x="8793566" y="4761701"/>
+            <a:ext cx="381836" cy="369332"/>
+          </a:xfrm>
+          <a:prstGeom prst="rect">
+            <a:avLst/>
+          </a:prstGeom>
+          <a:noFill/>
+        </p:spPr>
+        <p:txBody>
+          <a:bodyPr wrap="none" rtlCol="0">
+            <a:spAutoFit/>
+          </a:bodyPr>
+          <a:lstStyle/>
+          <a:p>
+            <a:r>
+              <a:rPr lang="en-IN" dirty="0"/>
+              <a:t>M</a:t>
+            </a:r>
+          </a:p>
+        </p:txBody>
+      </p:sp>
+      <p:sp>
+        <p:nvSpPr>
+          <p:cNvPr id="19" name="TextBox 18">
+            <a:extLst>
+              <a:ext uri="{FF2B5EF4-FFF2-40B4-BE49-F238E27FC236}">
+                <a16:creationId xmlns:a16="http://schemas.microsoft.com/office/drawing/2014/main" id="{4F2D7826-202D-E69C-D66E-7C9ABA715F12}"/>
+              </a:ext>
+            </a:extLst>
+          </p:cNvPr>
+          <p:cNvSpPr txBox="1"/>
+          <p:nvPr/>
+        </p:nvSpPr>
+        <p:spPr>
+          <a:xfrm>
+            <a:off x="10026316" y="4761701"/>
+            <a:ext cx="290464" cy="369332"/>
+          </a:xfrm>
+          <a:prstGeom prst="rect">
+            <a:avLst/>
+          </a:prstGeom>
+          <a:noFill/>
+        </p:spPr>
+        <p:txBody>
+          <a:bodyPr wrap="none" rtlCol="0">
+            <a:spAutoFit/>
+          </a:bodyPr>
+          <a:lstStyle/>
+          <a:p>
+            <a:r>
+              <a:rPr lang="en-IN" dirty="0"/>
+              <a:t>F</a:t>
+            </a:r>
           </a:p>
         </p:txBody>
       </p:sp>
     </p:spTree>
     <p:extLst>
       <p:ext uri="{BB962C8B-B14F-4D97-AF65-F5344CB8AC3E}">
-        <p14:creationId xmlns:p14="http://schemas.microsoft.com/office/powerpoint/2010/main" val="730172255"/>
+        <p14:creationId xmlns:p14="http://schemas.microsoft.com/office/powerpoint/2010/main" val="969963409"/>
       </p:ext>
     </p:extLst>
   </p:cSld>
@@ -9799,6 +9171,1534 @@
 </p:sld>
 </file>
 
+<file path=ppt/slides/slide20.xml><?xml version="1.0" encoding="utf-8"?>
+<p:sld xmlns:a="http://schemas.openxmlformats.org/drawingml/2006/main" xmlns:r="http://schemas.openxmlformats.org/officeDocument/2006/relationships" xmlns:p="http://schemas.openxmlformats.org/presentationml/2006/main">
+  <p:cSld>
+    <p:spTree>
+      <p:nvGrpSpPr>
+        <p:cNvPr id="1" name=""/>
+        <p:cNvGrpSpPr/>
+        <p:nvPr/>
+      </p:nvGrpSpPr>
+      <p:grpSpPr>
+        <a:xfrm>
+          <a:off x="0" y="0"/>
+          <a:ext cx="0" cy="0"/>
+          <a:chOff x="0" y="0"/>
+          <a:chExt cx="0" cy="0"/>
+        </a:xfrm>
+      </p:grpSpPr>
+      <p:sp>
+        <p:nvSpPr>
+          <p:cNvPr id="2" name="Title 1">
+            <a:extLst>
+              <a:ext uri="{FF2B5EF4-FFF2-40B4-BE49-F238E27FC236}">
+                <a16:creationId xmlns:a16="http://schemas.microsoft.com/office/drawing/2014/main" id="{456FBD11-8B7B-7BF2-9D53-585FE75D1D31}"/>
+              </a:ext>
+            </a:extLst>
+          </p:cNvPr>
+          <p:cNvSpPr>
+            <a:spLocks noGrp="1"/>
+          </p:cNvSpPr>
+          <p:nvPr>
+            <p:ph type="title"/>
+          </p:nvPr>
+        </p:nvSpPr>
+        <p:spPr>
+          <a:xfrm>
+            <a:off x="838200" y="42434"/>
+            <a:ext cx="10515600" cy="629486"/>
+          </a:xfrm>
+        </p:spPr>
+        <p:txBody>
+          <a:bodyPr>
+            <a:noAutofit/>
+          </a:bodyPr>
+          <a:lstStyle/>
+          <a:p>
+            <a:r>
+              <a:rPr lang="en-IN" sz="3200" b="1" dirty="0" err="1">
+                <a:latin typeface="+mn-lt"/>
+              </a:rPr>
+              <a:t>XGBoost</a:t>
+            </a:r>
+            <a:r>
+              <a:rPr lang="en-IN" sz="3200" b="1" dirty="0">
+                <a:latin typeface="+mn-lt"/>
+              </a:rPr>
+              <a:t> Regressor with Hyperparameter Tuning</a:t>
+            </a:r>
+          </a:p>
+        </p:txBody>
+      </p:sp>
+      <p:sp>
+        <p:nvSpPr>
+          <p:cNvPr id="3" name="Content Placeholder 2">
+            <a:extLst>
+              <a:ext uri="{FF2B5EF4-FFF2-40B4-BE49-F238E27FC236}">
+                <a16:creationId xmlns:a16="http://schemas.microsoft.com/office/drawing/2014/main" id="{7628083F-234A-A296-2D98-6D90F9E543AA}"/>
+              </a:ext>
+            </a:extLst>
+          </p:cNvPr>
+          <p:cNvSpPr>
+            <a:spLocks noGrp="1"/>
+          </p:cNvSpPr>
+          <p:nvPr>
+            <p:ph idx="1"/>
+          </p:nvPr>
+        </p:nvSpPr>
+        <p:spPr>
+          <a:xfrm>
+            <a:off x="838200" y="818146"/>
+            <a:ext cx="10864516" cy="5997420"/>
+          </a:xfrm>
+        </p:spPr>
+        <p:txBody>
+          <a:bodyPr>
+            <a:normAutofit/>
+          </a:bodyPr>
+          <a:lstStyle/>
+          <a:p>
+            <a:endParaRPr lang="en-IN" sz="2000" dirty="0"/>
+          </a:p>
+          <a:p>
+            <a:endParaRPr lang="en-IN" sz="2000" dirty="0"/>
+          </a:p>
+          <a:p>
+            <a:endParaRPr lang="en-IN" sz="2000" dirty="0"/>
+          </a:p>
+          <a:p>
+            <a:endParaRPr lang="en-IN" sz="2000" dirty="0"/>
+          </a:p>
+          <a:p>
+            <a:endParaRPr lang="en-IN" sz="2000" dirty="0"/>
+          </a:p>
+          <a:p>
+            <a:endParaRPr lang="en-IN" sz="2000" dirty="0"/>
+          </a:p>
+          <a:p>
+            <a:endParaRPr lang="en-IN" sz="2000" dirty="0"/>
+          </a:p>
+          <a:p>
+            <a:endParaRPr lang="en-IN" sz="2000" dirty="0"/>
+          </a:p>
+          <a:p>
+            <a:endParaRPr lang="en-IN" sz="2000" dirty="0"/>
+          </a:p>
+          <a:p>
+            <a:endParaRPr lang="en-IN" sz="2000" dirty="0"/>
+          </a:p>
+          <a:p>
+            <a:pPr marL="0" indent="0">
+              <a:buNone/>
+            </a:pPr>
+            <a:endParaRPr lang="en-IN" sz="2000" dirty="0"/>
+          </a:p>
+          <a:p>
+            <a:pPr marL="0" indent="0">
+              <a:buNone/>
+            </a:pPr>
+            <a:endParaRPr lang="en-IN" sz="2000" dirty="0"/>
+          </a:p>
+          <a:p>
+            <a:pPr marL="0" indent="0">
+              <a:buNone/>
+            </a:pPr>
+            <a:r>
+              <a:rPr lang="en-IN" sz="2000" dirty="0"/>
+              <a:t>Using the hyperparameter tuning method we got the model with </a:t>
+            </a:r>
+            <a:r>
+              <a:rPr lang="en-IN" sz="2000" dirty="0" err="1"/>
+              <a:t>max_depth</a:t>
+            </a:r>
+            <a:r>
+              <a:rPr lang="en-IN" sz="2000" dirty="0"/>
+              <a:t> 4 and </a:t>
+            </a:r>
+            <a:r>
+              <a:rPr lang="en-IN" sz="2000" dirty="0" err="1"/>
+              <a:t>nrounds</a:t>
+            </a:r>
+            <a:r>
+              <a:rPr lang="en-IN" sz="2000" dirty="0"/>
+              <a:t> = 600 is giving the maximum </a:t>
+            </a:r>
+            <a:r>
+              <a:rPr lang="en-IN" sz="2000" dirty="0" err="1"/>
+              <a:t>Rsquared</a:t>
+            </a:r>
+            <a:r>
+              <a:rPr lang="en-IN" sz="2000" dirty="0"/>
+              <a:t> value and Minimum root mean squared error.</a:t>
+            </a:r>
+          </a:p>
+        </p:txBody>
+      </p:sp>
+      <p:pic>
+        <p:nvPicPr>
+          <p:cNvPr id="7" name="Picture 6">
+            <a:extLst>
+              <a:ext uri="{FF2B5EF4-FFF2-40B4-BE49-F238E27FC236}">
+                <a16:creationId xmlns:a16="http://schemas.microsoft.com/office/drawing/2014/main" id="{53C517CC-D1E9-42A4-CFFA-D5CF395E90E2}"/>
+              </a:ext>
+            </a:extLst>
+          </p:cNvPr>
+          <p:cNvPicPr>
+            <a:picLocks noChangeAspect="1"/>
+          </p:cNvPicPr>
+          <p:nvPr/>
+        </p:nvPicPr>
+        <p:blipFill>
+          <a:blip r:embed="rId2"/>
+          <a:stretch>
+            <a:fillRect/>
+          </a:stretch>
+        </p:blipFill>
+        <p:spPr>
+          <a:xfrm>
+            <a:off x="1402358" y="1998019"/>
+            <a:ext cx="2911092" cy="556308"/>
+          </a:xfrm>
+          <a:prstGeom prst="rect">
+            <a:avLst/>
+          </a:prstGeom>
+        </p:spPr>
+      </p:pic>
+      <p:pic>
+        <p:nvPicPr>
+          <p:cNvPr id="9" name="Picture 8">
+            <a:extLst>
+              <a:ext uri="{FF2B5EF4-FFF2-40B4-BE49-F238E27FC236}">
+                <a16:creationId xmlns:a16="http://schemas.microsoft.com/office/drawing/2014/main" id="{57601FF2-AEF6-AF2C-2022-DE49B1A0D6A2}"/>
+              </a:ext>
+            </a:extLst>
+          </p:cNvPr>
+          <p:cNvPicPr>
+            <a:picLocks noChangeAspect="1"/>
+          </p:cNvPicPr>
+          <p:nvPr/>
+        </p:nvPicPr>
+        <p:blipFill>
+          <a:blip r:embed="rId3"/>
+          <a:stretch>
+            <a:fillRect/>
+          </a:stretch>
+        </p:blipFill>
+        <p:spPr>
+          <a:xfrm>
+            <a:off x="2039341" y="3651453"/>
+            <a:ext cx="7521592" cy="1714649"/>
+          </a:xfrm>
+          <a:prstGeom prst="rect">
+            <a:avLst/>
+          </a:prstGeom>
+        </p:spPr>
+      </p:pic>
+      <p:pic>
+        <p:nvPicPr>
+          <p:cNvPr id="8" name="Picture 7">
+            <a:extLst>
+              <a:ext uri="{FF2B5EF4-FFF2-40B4-BE49-F238E27FC236}">
+                <a16:creationId xmlns:a16="http://schemas.microsoft.com/office/drawing/2014/main" id="{6B9AFACA-75A1-4F9E-2E89-335DB555DB8B}"/>
+              </a:ext>
+            </a:extLst>
+          </p:cNvPr>
+          <p:cNvPicPr>
+            <a:picLocks noChangeAspect="1"/>
+          </p:cNvPicPr>
+          <p:nvPr/>
+        </p:nvPicPr>
+        <p:blipFill>
+          <a:blip r:embed="rId4"/>
+          <a:stretch>
+            <a:fillRect/>
+          </a:stretch>
+        </p:blipFill>
+        <p:spPr>
+          <a:xfrm>
+            <a:off x="6905575" y="1704806"/>
+            <a:ext cx="3596952" cy="1089754"/>
+          </a:xfrm>
+          <a:prstGeom prst="rect">
+            <a:avLst/>
+          </a:prstGeom>
+        </p:spPr>
+      </p:pic>
+      <p:sp>
+        <p:nvSpPr>
+          <p:cNvPr id="10" name="TextBox 9">
+            <a:extLst>
+              <a:ext uri="{FF2B5EF4-FFF2-40B4-BE49-F238E27FC236}">
+                <a16:creationId xmlns:a16="http://schemas.microsoft.com/office/drawing/2014/main" id="{8C273F12-6DD8-2CCB-AC44-9B435C4C6723}"/>
+              </a:ext>
+            </a:extLst>
+          </p:cNvPr>
+          <p:cNvSpPr txBox="1"/>
+          <p:nvPr/>
+        </p:nvSpPr>
+        <p:spPr>
+          <a:xfrm>
+            <a:off x="2393221" y="3154770"/>
+            <a:ext cx="7042121" cy="400110"/>
+          </a:xfrm>
+          <a:prstGeom prst="rect">
+            <a:avLst/>
+          </a:prstGeom>
+          <a:noFill/>
+        </p:spPr>
+        <p:txBody>
+          <a:bodyPr wrap="none" rtlCol="0">
+            <a:spAutoFit/>
+          </a:bodyPr>
+          <a:lstStyle/>
+          <a:p>
+            <a:r>
+              <a:rPr lang="en-IN" sz="2000" dirty="0"/>
+              <a:t>An iterative algorithm to find the best value of depth and </a:t>
+            </a:r>
+            <a:r>
+              <a:rPr lang="en-IN" sz="2000" dirty="0" err="1"/>
+              <a:t>nrounds</a:t>
+            </a:r>
+            <a:endParaRPr lang="en-IN" sz="2000" dirty="0"/>
+          </a:p>
+        </p:txBody>
+      </p:sp>
+      <p:sp>
+        <p:nvSpPr>
+          <p:cNvPr id="11" name="TextBox 10">
+            <a:extLst>
+              <a:ext uri="{FF2B5EF4-FFF2-40B4-BE49-F238E27FC236}">
+                <a16:creationId xmlns:a16="http://schemas.microsoft.com/office/drawing/2014/main" id="{0545175F-B0D1-B4B0-AC42-B3083295CBD8}"/>
+              </a:ext>
+            </a:extLst>
+          </p:cNvPr>
+          <p:cNvSpPr txBox="1"/>
+          <p:nvPr/>
+        </p:nvSpPr>
+        <p:spPr>
+          <a:xfrm>
+            <a:off x="6217236" y="1152969"/>
+            <a:ext cx="5159426" cy="400110"/>
+          </a:xfrm>
+          <a:prstGeom prst="rect">
+            <a:avLst/>
+          </a:prstGeom>
+          <a:noFill/>
+        </p:spPr>
+        <p:txBody>
+          <a:bodyPr wrap="none" rtlCol="0">
+            <a:spAutoFit/>
+          </a:bodyPr>
+          <a:lstStyle/>
+          <a:p>
+            <a:r>
+              <a:rPr lang="en-IN" sz="2000" dirty="0"/>
+              <a:t>Matrix Transformation for training and test data</a:t>
+            </a:r>
+          </a:p>
+        </p:txBody>
+      </p:sp>
+      <p:sp>
+        <p:nvSpPr>
+          <p:cNvPr id="12" name="TextBox 11">
+            <a:extLst>
+              <a:ext uri="{FF2B5EF4-FFF2-40B4-BE49-F238E27FC236}">
+                <a16:creationId xmlns:a16="http://schemas.microsoft.com/office/drawing/2014/main" id="{495B9253-AEC1-0FFE-8581-C639B3D43440}"/>
+              </a:ext>
+            </a:extLst>
+          </p:cNvPr>
+          <p:cNvSpPr txBox="1"/>
+          <p:nvPr/>
+        </p:nvSpPr>
+        <p:spPr>
+          <a:xfrm>
+            <a:off x="628063" y="1160101"/>
+            <a:ext cx="4459682" cy="400110"/>
+          </a:xfrm>
+          <a:prstGeom prst="rect">
+            <a:avLst/>
+          </a:prstGeom>
+          <a:noFill/>
+        </p:spPr>
+        <p:txBody>
+          <a:bodyPr wrap="none" rtlCol="0">
+            <a:spAutoFit/>
+          </a:bodyPr>
+          <a:lstStyle/>
+          <a:p>
+            <a:r>
+              <a:rPr lang="en-IN" sz="2000" dirty="0"/>
+              <a:t>Passing range for hyperparameter Tuning</a:t>
+            </a:r>
+          </a:p>
+        </p:txBody>
+      </p:sp>
+      <p:cxnSp>
+        <p:nvCxnSpPr>
+          <p:cNvPr id="16" name="Straight Connector 15">
+            <a:extLst>
+              <a:ext uri="{FF2B5EF4-FFF2-40B4-BE49-F238E27FC236}">
+                <a16:creationId xmlns:a16="http://schemas.microsoft.com/office/drawing/2014/main" id="{5E6BDFD8-228E-C013-F161-BF847A507EB9}"/>
+              </a:ext>
+            </a:extLst>
+          </p:cNvPr>
+          <p:cNvCxnSpPr/>
+          <p:nvPr/>
+        </p:nvCxnSpPr>
+        <p:spPr>
+          <a:xfrm flipH="1">
+            <a:off x="1074821" y="3050751"/>
+            <a:ext cx="4369071" cy="0"/>
+          </a:xfrm>
+          <a:prstGeom prst="line">
+            <a:avLst/>
+          </a:prstGeom>
+        </p:spPr>
+        <p:style>
+          <a:lnRef idx="1">
+            <a:schemeClr val="accent1"/>
+          </a:lnRef>
+          <a:fillRef idx="0">
+            <a:schemeClr val="accent1"/>
+          </a:fillRef>
+          <a:effectRef idx="0">
+            <a:schemeClr val="accent1"/>
+          </a:effectRef>
+          <a:fontRef idx="minor">
+            <a:schemeClr val="tx1"/>
+          </a:fontRef>
+        </p:style>
+      </p:cxnSp>
+      <p:cxnSp>
+        <p:nvCxnSpPr>
+          <p:cNvPr id="18" name="Straight Connector 17">
+            <a:extLst>
+              <a:ext uri="{FF2B5EF4-FFF2-40B4-BE49-F238E27FC236}">
+                <a16:creationId xmlns:a16="http://schemas.microsoft.com/office/drawing/2014/main" id="{4E5DEB92-4259-F698-3F46-1D775B7F7322}"/>
+              </a:ext>
+            </a:extLst>
+          </p:cNvPr>
+          <p:cNvCxnSpPr/>
+          <p:nvPr/>
+        </p:nvCxnSpPr>
+        <p:spPr>
+          <a:xfrm>
+            <a:off x="5443892" y="3050751"/>
+            <a:ext cx="4897817" cy="0"/>
+          </a:xfrm>
+          <a:prstGeom prst="line">
+            <a:avLst/>
+          </a:prstGeom>
+        </p:spPr>
+        <p:style>
+          <a:lnRef idx="1">
+            <a:schemeClr val="accent1"/>
+          </a:lnRef>
+          <a:fillRef idx="0">
+            <a:schemeClr val="accent1"/>
+          </a:fillRef>
+          <a:effectRef idx="0">
+            <a:schemeClr val="accent1"/>
+          </a:effectRef>
+          <a:fontRef idx="minor">
+            <a:schemeClr val="tx1"/>
+          </a:fontRef>
+        </p:style>
+      </p:cxnSp>
+    </p:spTree>
+    <p:extLst>
+      <p:ext uri="{BB962C8B-B14F-4D97-AF65-F5344CB8AC3E}">
+        <p14:creationId xmlns:p14="http://schemas.microsoft.com/office/powerpoint/2010/main" val="581151939"/>
+      </p:ext>
+    </p:extLst>
+  </p:cSld>
+  <p:clrMapOvr>
+    <a:masterClrMapping/>
+  </p:clrMapOvr>
+</p:sld>
+</file>
+
+<file path=ppt/slides/slide21.xml><?xml version="1.0" encoding="utf-8"?>
+<p:sld xmlns:a="http://schemas.openxmlformats.org/drawingml/2006/main" xmlns:r="http://schemas.openxmlformats.org/officeDocument/2006/relationships" xmlns:p="http://schemas.openxmlformats.org/presentationml/2006/main">
+  <p:cSld>
+    <p:spTree>
+      <p:nvGrpSpPr>
+        <p:cNvPr id="1" name=""/>
+        <p:cNvGrpSpPr/>
+        <p:nvPr/>
+      </p:nvGrpSpPr>
+      <p:grpSpPr>
+        <a:xfrm>
+          <a:off x="0" y="0"/>
+          <a:ext cx="0" cy="0"/>
+          <a:chOff x="0" y="0"/>
+          <a:chExt cx="0" cy="0"/>
+        </a:xfrm>
+      </p:grpSpPr>
+      <p:sp>
+        <p:nvSpPr>
+          <p:cNvPr id="2" name="Title 1">
+            <a:extLst>
+              <a:ext uri="{FF2B5EF4-FFF2-40B4-BE49-F238E27FC236}">
+                <a16:creationId xmlns:a16="http://schemas.microsoft.com/office/drawing/2014/main" id="{265F92F4-49B1-0900-C83A-8CE9FE53DAE2}"/>
+              </a:ext>
+            </a:extLst>
+          </p:cNvPr>
+          <p:cNvSpPr>
+            <a:spLocks noGrp="1"/>
+          </p:cNvSpPr>
+          <p:nvPr>
+            <p:ph type="title"/>
+          </p:nvPr>
+        </p:nvSpPr>
+        <p:spPr>
+          <a:xfrm>
+            <a:off x="838200" y="0"/>
+            <a:ext cx="10515600" cy="597400"/>
+          </a:xfrm>
+        </p:spPr>
+        <p:txBody>
+          <a:bodyPr>
+            <a:normAutofit/>
+          </a:bodyPr>
+          <a:lstStyle/>
+          <a:p>
+            <a:r>
+              <a:rPr lang="en-IN" sz="3200" b="1" dirty="0" err="1">
+                <a:latin typeface="+mn-lt"/>
+              </a:rPr>
+              <a:t>XGBoost</a:t>
+            </a:r>
+            <a:r>
+              <a:rPr lang="en-IN" sz="3200" b="1" dirty="0">
+                <a:latin typeface="+mn-lt"/>
+              </a:rPr>
+              <a:t> – Best model selection with Hyperparameter Tuning</a:t>
+            </a:r>
+          </a:p>
+        </p:txBody>
+      </p:sp>
+      <p:sp>
+        <p:nvSpPr>
+          <p:cNvPr id="3" name="Content Placeholder 2">
+            <a:extLst>
+              <a:ext uri="{FF2B5EF4-FFF2-40B4-BE49-F238E27FC236}">
+                <a16:creationId xmlns:a16="http://schemas.microsoft.com/office/drawing/2014/main" id="{BB0956A1-B24B-0AB8-DE75-336352031BFB}"/>
+              </a:ext>
+            </a:extLst>
+          </p:cNvPr>
+          <p:cNvSpPr>
+            <a:spLocks noGrp="1"/>
+          </p:cNvSpPr>
+          <p:nvPr>
+            <p:ph idx="1"/>
+          </p:nvPr>
+        </p:nvSpPr>
+        <p:spPr>
+          <a:xfrm>
+            <a:off x="838200" y="1219200"/>
+            <a:ext cx="10515600" cy="4957763"/>
+          </a:xfrm>
+        </p:spPr>
+        <p:txBody>
+          <a:bodyPr/>
+          <a:lstStyle/>
+          <a:p>
+            <a:pPr marL="0" indent="0">
+              <a:buNone/>
+            </a:pPr>
+            <a:endParaRPr lang="en-IN" dirty="0"/>
+          </a:p>
+          <a:p>
+            <a:endParaRPr lang="en-IN" dirty="0"/>
+          </a:p>
+          <a:p>
+            <a:endParaRPr lang="en-IN" dirty="0"/>
+          </a:p>
+          <a:p>
+            <a:endParaRPr lang="en-IN" dirty="0"/>
+          </a:p>
+        </p:txBody>
+      </p:sp>
+      <p:pic>
+        <p:nvPicPr>
+          <p:cNvPr id="7" name="Picture 6">
+            <a:extLst>
+              <a:ext uri="{FF2B5EF4-FFF2-40B4-BE49-F238E27FC236}">
+                <a16:creationId xmlns:a16="http://schemas.microsoft.com/office/drawing/2014/main" id="{5062A7CB-300C-1E4D-C106-6669C58871E6}"/>
+              </a:ext>
+            </a:extLst>
+          </p:cNvPr>
+          <p:cNvPicPr>
+            <a:picLocks noChangeAspect="1"/>
+          </p:cNvPicPr>
+          <p:nvPr/>
+        </p:nvPicPr>
+        <p:blipFill>
+          <a:blip r:embed="rId2"/>
+          <a:stretch>
+            <a:fillRect/>
+          </a:stretch>
+        </p:blipFill>
+        <p:spPr>
+          <a:xfrm>
+            <a:off x="3363266" y="5871229"/>
+            <a:ext cx="4293418" cy="969576"/>
+          </a:xfrm>
+          <a:prstGeom prst="rect">
+            <a:avLst/>
+          </a:prstGeom>
+        </p:spPr>
+      </p:pic>
+      <p:pic>
+        <p:nvPicPr>
+          <p:cNvPr id="9" name="Picture 8">
+            <a:extLst>
+              <a:ext uri="{FF2B5EF4-FFF2-40B4-BE49-F238E27FC236}">
+                <a16:creationId xmlns:a16="http://schemas.microsoft.com/office/drawing/2014/main" id="{CA1EC61F-9AF8-4799-81C7-FEE51BD75934}"/>
+              </a:ext>
+            </a:extLst>
+          </p:cNvPr>
+          <p:cNvPicPr>
+            <a:picLocks noChangeAspect="1"/>
+          </p:cNvPicPr>
+          <p:nvPr/>
+        </p:nvPicPr>
+        <p:blipFill>
+          <a:blip r:embed="rId3"/>
+          <a:stretch>
+            <a:fillRect/>
+          </a:stretch>
+        </p:blipFill>
+        <p:spPr>
+          <a:xfrm>
+            <a:off x="685388" y="864450"/>
+            <a:ext cx="4012229" cy="2364748"/>
+          </a:xfrm>
+          <a:prstGeom prst="rect">
+            <a:avLst/>
+          </a:prstGeom>
+        </p:spPr>
+      </p:pic>
+      <p:pic>
+        <p:nvPicPr>
+          <p:cNvPr id="11" name="Picture 10">
+            <a:extLst>
+              <a:ext uri="{FF2B5EF4-FFF2-40B4-BE49-F238E27FC236}">
+                <a16:creationId xmlns:a16="http://schemas.microsoft.com/office/drawing/2014/main" id="{9EFFC309-6A8B-4F05-1D63-349E71E98E77}"/>
+              </a:ext>
+            </a:extLst>
+          </p:cNvPr>
+          <p:cNvPicPr>
+            <a:picLocks noChangeAspect="1"/>
+          </p:cNvPicPr>
+          <p:nvPr/>
+        </p:nvPicPr>
+        <p:blipFill>
+          <a:blip r:embed="rId4"/>
+          <a:stretch>
+            <a:fillRect/>
+          </a:stretch>
+        </p:blipFill>
+        <p:spPr>
+          <a:xfrm>
+            <a:off x="685388" y="3330930"/>
+            <a:ext cx="4293418" cy="2498096"/>
+          </a:xfrm>
+          <a:prstGeom prst="rect">
+            <a:avLst/>
+          </a:prstGeom>
+        </p:spPr>
+      </p:pic>
+      <p:pic>
+        <p:nvPicPr>
+          <p:cNvPr id="17" name="Picture 16">
+            <a:extLst>
+              <a:ext uri="{FF2B5EF4-FFF2-40B4-BE49-F238E27FC236}">
+                <a16:creationId xmlns:a16="http://schemas.microsoft.com/office/drawing/2014/main" id="{BBBC5877-51B1-1F9D-81CB-C5DC03F569C7}"/>
+              </a:ext>
+            </a:extLst>
+          </p:cNvPr>
+          <p:cNvPicPr>
+            <a:picLocks noChangeAspect="1"/>
+          </p:cNvPicPr>
+          <p:nvPr/>
+        </p:nvPicPr>
+        <p:blipFill>
+          <a:blip r:embed="rId5"/>
+          <a:stretch>
+            <a:fillRect/>
+          </a:stretch>
+        </p:blipFill>
+        <p:spPr>
+          <a:xfrm>
+            <a:off x="6103007" y="864450"/>
+            <a:ext cx="4078743" cy="2466480"/>
+          </a:xfrm>
+          <a:prstGeom prst="rect">
+            <a:avLst/>
+          </a:prstGeom>
+        </p:spPr>
+      </p:pic>
+      <p:pic>
+        <p:nvPicPr>
+          <p:cNvPr id="19" name="Picture 18">
+            <a:extLst>
+              <a:ext uri="{FF2B5EF4-FFF2-40B4-BE49-F238E27FC236}">
+                <a16:creationId xmlns:a16="http://schemas.microsoft.com/office/drawing/2014/main" id="{F56AAC6C-2BDB-A283-BC92-B37C41CEFA1F}"/>
+              </a:ext>
+            </a:extLst>
+          </p:cNvPr>
+          <p:cNvPicPr>
+            <a:picLocks noChangeAspect="1"/>
+          </p:cNvPicPr>
+          <p:nvPr/>
+        </p:nvPicPr>
+        <p:blipFill>
+          <a:blip r:embed="rId6"/>
+          <a:stretch>
+            <a:fillRect/>
+          </a:stretch>
+        </p:blipFill>
+        <p:spPr>
+          <a:xfrm>
+            <a:off x="6096000" y="3246560"/>
+            <a:ext cx="4402856" cy="2646493"/>
+          </a:xfrm>
+          <a:prstGeom prst="rect">
+            <a:avLst/>
+          </a:prstGeom>
+        </p:spPr>
+      </p:pic>
+      <p:cxnSp>
+        <p:nvCxnSpPr>
+          <p:cNvPr id="5" name="Straight Connector 4">
+            <a:extLst>
+              <a:ext uri="{FF2B5EF4-FFF2-40B4-BE49-F238E27FC236}">
+                <a16:creationId xmlns:a16="http://schemas.microsoft.com/office/drawing/2014/main" id="{EF2AB39F-F758-726B-4F20-359A8313E675}"/>
+              </a:ext>
+            </a:extLst>
+          </p:cNvPr>
+          <p:cNvCxnSpPr/>
+          <p:nvPr/>
+        </p:nvCxnSpPr>
+        <p:spPr>
+          <a:xfrm>
+            <a:off x="5509975" y="555358"/>
+            <a:ext cx="0" cy="5083442"/>
+          </a:xfrm>
+          <a:prstGeom prst="line">
+            <a:avLst/>
+          </a:prstGeom>
+        </p:spPr>
+        <p:style>
+          <a:lnRef idx="1">
+            <a:schemeClr val="accent1"/>
+          </a:lnRef>
+          <a:fillRef idx="0">
+            <a:schemeClr val="accent1"/>
+          </a:fillRef>
+          <a:effectRef idx="0">
+            <a:schemeClr val="accent1"/>
+          </a:effectRef>
+          <a:fontRef idx="minor">
+            <a:schemeClr val="tx1"/>
+          </a:fontRef>
+        </p:style>
+      </p:cxnSp>
+    </p:spTree>
+    <p:extLst>
+      <p:ext uri="{BB962C8B-B14F-4D97-AF65-F5344CB8AC3E}">
+        <p14:creationId xmlns:p14="http://schemas.microsoft.com/office/powerpoint/2010/main" val="841477307"/>
+      </p:ext>
+    </p:extLst>
+  </p:cSld>
+  <p:clrMapOvr>
+    <a:masterClrMapping/>
+  </p:clrMapOvr>
+</p:sld>
+</file>
+
+<file path=ppt/slides/slide22.xml><?xml version="1.0" encoding="utf-8"?>
+<p:sld xmlns:a="http://schemas.openxmlformats.org/drawingml/2006/main" xmlns:r="http://schemas.openxmlformats.org/officeDocument/2006/relationships" xmlns:p="http://schemas.openxmlformats.org/presentationml/2006/main">
+  <p:cSld>
+    <p:spTree>
+      <p:nvGrpSpPr>
+        <p:cNvPr id="1" name=""/>
+        <p:cNvGrpSpPr/>
+        <p:nvPr/>
+      </p:nvGrpSpPr>
+      <p:grpSpPr>
+        <a:xfrm>
+          <a:off x="0" y="0"/>
+          <a:ext cx="0" cy="0"/>
+          <a:chOff x="0" y="0"/>
+          <a:chExt cx="0" cy="0"/>
+        </a:xfrm>
+      </p:grpSpPr>
+      <p:sp>
+        <p:nvSpPr>
+          <p:cNvPr id="2" name="Title 1">
+            <a:extLst>
+              <a:ext uri="{FF2B5EF4-FFF2-40B4-BE49-F238E27FC236}">
+                <a16:creationId xmlns:a16="http://schemas.microsoft.com/office/drawing/2014/main" id="{F453E7CA-6BA4-AE64-5325-47E0EB9A20BA}"/>
+              </a:ext>
+            </a:extLst>
+          </p:cNvPr>
+          <p:cNvSpPr>
+            <a:spLocks noGrp="1"/>
+          </p:cNvSpPr>
+          <p:nvPr>
+            <p:ph type="title"/>
+          </p:nvPr>
+        </p:nvSpPr>
+        <p:spPr>
+          <a:xfrm>
+            <a:off x="838200" y="365126"/>
+            <a:ext cx="10515600" cy="773864"/>
+          </a:xfrm>
+        </p:spPr>
+        <p:txBody>
+          <a:bodyPr>
+            <a:normAutofit/>
+          </a:bodyPr>
+          <a:lstStyle/>
+          <a:p>
+            <a:r>
+              <a:rPr lang="en-IN" sz="3200" b="1" dirty="0">
+                <a:latin typeface="+mn-lt"/>
+              </a:rPr>
+              <a:t>Summary of Model Results:</a:t>
+            </a:r>
+          </a:p>
+        </p:txBody>
+      </p:sp>
+      <p:graphicFrame>
+        <p:nvGraphicFramePr>
+          <p:cNvPr id="4" name="Table 4">
+            <a:extLst>
+              <a:ext uri="{FF2B5EF4-FFF2-40B4-BE49-F238E27FC236}">
+                <a16:creationId xmlns:a16="http://schemas.microsoft.com/office/drawing/2014/main" id="{7677C3FE-5721-DA8C-3228-0FA0606EA12A}"/>
+              </a:ext>
+            </a:extLst>
+          </p:cNvPr>
+          <p:cNvGraphicFramePr>
+            <a:graphicFrameLocks noGrp="1"/>
+          </p:cNvGraphicFramePr>
+          <p:nvPr>
+            <p:ph idx="1"/>
+          </p:nvPr>
+        </p:nvGraphicFramePr>
+        <p:xfrm>
+          <a:off x="838200" y="1491916"/>
+          <a:ext cx="10515600" cy="3577387"/>
+        </p:xfrm>
+        <a:graphic>
+          <a:graphicData uri="http://schemas.openxmlformats.org/drawingml/2006/table">
+            <a:tbl>
+              <a:tblPr firstRow="1" bandRow="1">
+                <a:tableStyleId>{5C22544A-7EE6-4342-B048-85BDC9FD1C3A}</a:tableStyleId>
+              </a:tblPr>
+              <a:tblGrid>
+                <a:gridCol w="2103120">
+                  <a:extLst>
+                    <a:ext uri="{9D8B030D-6E8A-4147-A177-3AD203B41FA5}">
+                      <a16:colId xmlns:a16="http://schemas.microsoft.com/office/drawing/2014/main" val="2802901101"/>
+                    </a:ext>
+                  </a:extLst>
+                </a:gridCol>
+                <a:gridCol w="2103120">
+                  <a:extLst>
+                    <a:ext uri="{9D8B030D-6E8A-4147-A177-3AD203B41FA5}">
+                      <a16:colId xmlns:a16="http://schemas.microsoft.com/office/drawing/2014/main" val="351254930"/>
+                    </a:ext>
+                  </a:extLst>
+                </a:gridCol>
+                <a:gridCol w="2103120">
+                  <a:extLst>
+                    <a:ext uri="{9D8B030D-6E8A-4147-A177-3AD203B41FA5}">
+                      <a16:colId xmlns:a16="http://schemas.microsoft.com/office/drawing/2014/main" val="3437466710"/>
+                    </a:ext>
+                  </a:extLst>
+                </a:gridCol>
+                <a:gridCol w="2103120">
+                  <a:extLst>
+                    <a:ext uri="{9D8B030D-6E8A-4147-A177-3AD203B41FA5}">
+                      <a16:colId xmlns:a16="http://schemas.microsoft.com/office/drawing/2014/main" val="2993918040"/>
+                    </a:ext>
+                  </a:extLst>
+                </a:gridCol>
+                <a:gridCol w="2103120">
+                  <a:extLst>
+                    <a:ext uri="{9D8B030D-6E8A-4147-A177-3AD203B41FA5}">
+                      <a16:colId xmlns:a16="http://schemas.microsoft.com/office/drawing/2014/main" val="1594398749"/>
+                    </a:ext>
+                  </a:extLst>
+                </a:gridCol>
+              </a:tblGrid>
+              <a:tr h="787928">
+                <a:tc>
+                  <a:txBody>
+                    <a:bodyPr/>
+                    <a:lstStyle/>
+                    <a:p>
+                      <a:r>
+                        <a:rPr lang="en-IN" dirty="0"/>
+                        <a:t>Model(Algorithm)</a:t>
+                      </a:r>
+                    </a:p>
+                  </a:txBody>
+                  <a:tcPr/>
+                </a:tc>
+                <a:tc>
+                  <a:txBody>
+                    <a:bodyPr/>
+                    <a:lstStyle/>
+                    <a:p>
+                      <a:r>
+                        <a:rPr lang="en-IN" dirty="0"/>
+                        <a:t>R-squared(Train)</a:t>
+                      </a:r>
+                    </a:p>
+                  </a:txBody>
+                  <a:tcPr/>
+                </a:tc>
+                <a:tc>
+                  <a:txBody>
+                    <a:bodyPr/>
+                    <a:lstStyle/>
+                    <a:p>
+                      <a:pPr marL="0" marR="0" lvl="0" indent="0" algn="l" defTabSz="914400" rtl="0" eaLnBrk="1" fontAlgn="auto" latinLnBrk="0" hangingPunct="1">
+                        <a:lnSpc>
+                          <a:spcPct val="100000"/>
+                        </a:lnSpc>
+                        <a:spcBef>
+                          <a:spcPts val="0"/>
+                        </a:spcBef>
+                        <a:spcAft>
+                          <a:spcPts val="0"/>
+                        </a:spcAft>
+                        <a:buClrTx/>
+                        <a:buSzTx/>
+                        <a:buFontTx/>
+                        <a:buNone/>
+                        <a:tabLst/>
+                        <a:defRPr/>
+                      </a:pPr>
+                      <a:r>
+                        <a:rPr lang="en-IN" dirty="0"/>
+                        <a:t>R-squared(Test)</a:t>
+                      </a:r>
+                    </a:p>
+                  </a:txBody>
+                  <a:tcPr/>
+                </a:tc>
+                <a:tc>
+                  <a:txBody>
+                    <a:bodyPr/>
+                    <a:lstStyle/>
+                    <a:p>
+                      <a:r>
+                        <a:rPr lang="en-IN" dirty="0"/>
+                        <a:t>RMSE(Train)</a:t>
+                      </a:r>
+                    </a:p>
+                  </a:txBody>
+                  <a:tcPr/>
+                </a:tc>
+                <a:tc>
+                  <a:txBody>
+                    <a:bodyPr/>
+                    <a:lstStyle/>
+                    <a:p>
+                      <a:r>
+                        <a:rPr lang="en-IN" dirty="0"/>
+                        <a:t>RMSE(Test)</a:t>
+                      </a:r>
+                    </a:p>
+                  </a:txBody>
+                  <a:tcPr/>
+                </a:tc>
+                <a:extLst>
+                  <a:ext uri="{0D108BD9-81ED-4DB2-BD59-A6C34878D82A}">
+                    <a16:rowId xmlns:a16="http://schemas.microsoft.com/office/drawing/2014/main" val="2515094857"/>
+                  </a:ext>
+                </a:extLst>
+              </a:tr>
+              <a:tr h="414726">
+                <a:tc>
+                  <a:txBody>
+                    <a:bodyPr/>
+                    <a:lstStyle/>
+                    <a:p>
+                      <a:r>
+                        <a:rPr lang="en-IN" dirty="0"/>
+                        <a:t>Linear Regression</a:t>
+                      </a:r>
+                    </a:p>
+                  </a:txBody>
+                  <a:tcPr/>
+                </a:tc>
+                <a:tc>
+                  <a:txBody>
+                    <a:bodyPr/>
+                    <a:lstStyle/>
+                    <a:p>
+                      <a:r>
+                        <a:rPr lang="en-IN" dirty="0"/>
+                        <a:t>75.58%</a:t>
+                      </a:r>
+                    </a:p>
+                  </a:txBody>
+                  <a:tcPr/>
+                </a:tc>
+                <a:tc>
+                  <a:txBody>
+                    <a:bodyPr/>
+                    <a:lstStyle/>
+                    <a:p>
+                      <a:r>
+                        <a:rPr lang="en-IN" dirty="0"/>
+                        <a:t>74.65%</a:t>
+                      </a:r>
+                    </a:p>
+                  </a:txBody>
+                  <a:tcPr/>
+                </a:tc>
+                <a:tc>
+                  <a:txBody>
+                    <a:bodyPr/>
+                    <a:lstStyle/>
+                    <a:p>
+                      <a:r>
+                        <a:rPr lang="en-IN" dirty="0"/>
+                        <a:t>0.4933</a:t>
+                      </a:r>
+                    </a:p>
+                  </a:txBody>
+                  <a:tcPr/>
+                </a:tc>
+                <a:tc>
+                  <a:txBody>
+                    <a:bodyPr/>
+                    <a:lstStyle/>
+                    <a:p>
+                      <a:r>
+                        <a:rPr lang="en-IN" dirty="0"/>
+                        <a:t>0.5070</a:t>
+                      </a:r>
+                    </a:p>
+                  </a:txBody>
+                  <a:tcPr/>
+                </a:tc>
+                <a:extLst>
+                  <a:ext uri="{0D108BD9-81ED-4DB2-BD59-A6C34878D82A}">
+                    <a16:rowId xmlns:a16="http://schemas.microsoft.com/office/drawing/2014/main" val="3380751878"/>
+                  </a:ext>
+                </a:extLst>
+              </a:tr>
+              <a:tr h="414726">
+                <a:tc>
+                  <a:txBody>
+                    <a:bodyPr/>
+                    <a:lstStyle/>
+                    <a:p>
+                      <a:r>
+                        <a:rPr lang="en-IN" dirty="0"/>
+                        <a:t>Lasso Regression</a:t>
+                      </a:r>
+                    </a:p>
+                  </a:txBody>
+                  <a:tcPr/>
+                </a:tc>
+                <a:tc>
+                  <a:txBody>
+                    <a:bodyPr/>
+                    <a:lstStyle/>
+                    <a:p>
+                      <a:r>
+                        <a:rPr lang="en-IN" dirty="0"/>
+                        <a:t>75.84%</a:t>
+                      </a:r>
+                    </a:p>
+                  </a:txBody>
+                  <a:tcPr/>
+                </a:tc>
+                <a:tc>
+                  <a:txBody>
+                    <a:bodyPr/>
+                    <a:lstStyle/>
+                    <a:p>
+                      <a:r>
+                        <a:rPr lang="en-IN" dirty="0"/>
+                        <a:t>73.58%</a:t>
+                      </a:r>
+                    </a:p>
+                  </a:txBody>
+                  <a:tcPr/>
+                </a:tc>
+                <a:tc>
+                  <a:txBody>
+                    <a:bodyPr/>
+                    <a:lstStyle/>
+                    <a:p>
+                      <a:r>
+                        <a:rPr lang="en-IN" dirty="0"/>
+                        <a:t>0.4897</a:t>
+                      </a:r>
+                    </a:p>
+                  </a:txBody>
+                  <a:tcPr/>
+                </a:tc>
+                <a:tc>
+                  <a:txBody>
+                    <a:bodyPr/>
+                    <a:lstStyle/>
+                    <a:p>
+                      <a:r>
+                        <a:rPr lang="en-IN" dirty="0"/>
+                        <a:t>0.5212</a:t>
+                      </a:r>
+                    </a:p>
+                  </a:txBody>
+                  <a:tcPr/>
+                </a:tc>
+                <a:extLst>
+                  <a:ext uri="{0D108BD9-81ED-4DB2-BD59-A6C34878D82A}">
+                    <a16:rowId xmlns:a16="http://schemas.microsoft.com/office/drawing/2014/main" val="765008775"/>
+                  </a:ext>
+                </a:extLst>
+              </a:tr>
+              <a:tr h="414726">
+                <a:tc>
+                  <a:txBody>
+                    <a:bodyPr/>
+                    <a:lstStyle/>
+                    <a:p>
+                      <a:r>
+                        <a:rPr lang="en-IN" dirty="0"/>
+                        <a:t>Ridge Regression</a:t>
+                      </a:r>
+                    </a:p>
+                  </a:txBody>
+                  <a:tcPr/>
+                </a:tc>
+                <a:tc>
+                  <a:txBody>
+                    <a:bodyPr/>
+                    <a:lstStyle/>
+                    <a:p>
+                      <a:r>
+                        <a:rPr lang="en-IN" dirty="0"/>
+                        <a:t>75.64%</a:t>
+                      </a:r>
+                    </a:p>
+                  </a:txBody>
+                  <a:tcPr/>
+                </a:tc>
+                <a:tc>
+                  <a:txBody>
+                    <a:bodyPr/>
+                    <a:lstStyle/>
+                    <a:p>
+                      <a:r>
+                        <a:rPr lang="en-IN" dirty="0"/>
+                        <a:t>73.51%</a:t>
+                      </a:r>
+                    </a:p>
+                  </a:txBody>
+                  <a:tcPr/>
+                </a:tc>
+                <a:tc>
+                  <a:txBody>
+                    <a:bodyPr/>
+                    <a:lstStyle/>
+                    <a:p>
+                      <a:r>
+                        <a:rPr lang="en-IN" dirty="0"/>
+                        <a:t>0.4924</a:t>
+                      </a:r>
+                    </a:p>
+                  </a:txBody>
+                  <a:tcPr/>
+                </a:tc>
+                <a:tc>
+                  <a:txBody>
+                    <a:bodyPr/>
+                    <a:lstStyle/>
+                    <a:p>
+                      <a:r>
+                        <a:rPr lang="en-IN" dirty="0"/>
+                        <a:t>0.5226</a:t>
+                      </a:r>
+                    </a:p>
+                  </a:txBody>
+                  <a:tcPr/>
+                </a:tc>
+                <a:extLst>
+                  <a:ext uri="{0D108BD9-81ED-4DB2-BD59-A6C34878D82A}">
+                    <a16:rowId xmlns:a16="http://schemas.microsoft.com/office/drawing/2014/main" val="615029044"/>
+                  </a:ext>
+                </a:extLst>
+              </a:tr>
+              <a:tr h="414726">
+                <a:tc>
+                  <a:txBody>
+                    <a:bodyPr/>
+                    <a:lstStyle/>
+                    <a:p>
+                      <a:r>
+                        <a:rPr lang="en-IN" dirty="0"/>
+                        <a:t>SVM Regressor</a:t>
+                      </a:r>
+                    </a:p>
+                  </a:txBody>
+                  <a:tcPr/>
+                </a:tc>
+                <a:tc>
+                  <a:txBody>
+                    <a:bodyPr/>
+                    <a:lstStyle/>
+                    <a:p>
+                      <a:r>
+                        <a:rPr lang="en-IN" dirty="0"/>
+                        <a:t>88.04%</a:t>
+                      </a:r>
+                    </a:p>
+                  </a:txBody>
+                  <a:tcPr/>
+                </a:tc>
+                <a:tc>
+                  <a:txBody>
+                    <a:bodyPr/>
+                    <a:lstStyle/>
+                    <a:p>
+                      <a:r>
+                        <a:rPr lang="en-IN" dirty="0"/>
+                        <a:t>88.92%</a:t>
+                      </a:r>
+                    </a:p>
+                  </a:txBody>
+                  <a:tcPr/>
+                </a:tc>
+                <a:tc>
+                  <a:txBody>
+                    <a:bodyPr/>
+                    <a:lstStyle/>
+                    <a:p>
+                      <a:r>
+                        <a:rPr lang="en-IN" dirty="0"/>
+                        <a:t>0.3615</a:t>
+                      </a:r>
+                    </a:p>
+                  </a:txBody>
+                  <a:tcPr/>
+                </a:tc>
+                <a:tc>
+                  <a:txBody>
+                    <a:bodyPr/>
+                    <a:lstStyle/>
+                    <a:p>
+                      <a:r>
+                        <a:rPr lang="en-IN" dirty="0"/>
+                        <a:t>0.3415</a:t>
+                      </a:r>
+                    </a:p>
+                  </a:txBody>
+                  <a:tcPr/>
+                </a:tc>
+                <a:extLst>
+                  <a:ext uri="{0D108BD9-81ED-4DB2-BD59-A6C34878D82A}">
+                    <a16:rowId xmlns:a16="http://schemas.microsoft.com/office/drawing/2014/main" val="2951312833"/>
+                  </a:ext>
+                </a:extLst>
+              </a:tr>
+              <a:tr h="715829">
+                <a:tc>
+                  <a:txBody>
+                    <a:bodyPr/>
+                    <a:lstStyle/>
+                    <a:p>
+                      <a:r>
+                        <a:rPr lang="en-IN" dirty="0"/>
+                        <a:t>Random Forest Regressor</a:t>
+                      </a:r>
+                    </a:p>
+                  </a:txBody>
+                  <a:tcPr/>
+                </a:tc>
+                <a:tc>
+                  <a:txBody>
+                    <a:bodyPr/>
+                    <a:lstStyle/>
+                    <a:p>
+                      <a:r>
+                        <a:rPr lang="en-IN" dirty="0"/>
+                        <a:t>97.87%</a:t>
+                      </a:r>
+                    </a:p>
+                  </a:txBody>
+                  <a:tcPr/>
+                </a:tc>
+                <a:tc>
+                  <a:txBody>
+                    <a:bodyPr/>
+                    <a:lstStyle/>
+                    <a:p>
+                      <a:r>
+                        <a:rPr lang="en-IN" dirty="0"/>
+                        <a:t>90.64%</a:t>
+                      </a:r>
+                    </a:p>
+                  </a:txBody>
+                  <a:tcPr/>
+                </a:tc>
+                <a:tc>
+                  <a:txBody>
+                    <a:bodyPr/>
+                    <a:lstStyle/>
+                    <a:p>
+                      <a:r>
+                        <a:rPr lang="en-IN" dirty="0"/>
+                        <a:t>0.1511</a:t>
+                      </a:r>
+                    </a:p>
+                  </a:txBody>
+                  <a:tcPr/>
+                </a:tc>
+                <a:tc>
+                  <a:txBody>
+                    <a:bodyPr/>
+                    <a:lstStyle/>
+                    <a:p>
+                      <a:r>
+                        <a:rPr lang="en-IN" dirty="0"/>
+                        <a:t>0.3116</a:t>
+                      </a:r>
+                    </a:p>
+                  </a:txBody>
+                  <a:tcPr/>
+                </a:tc>
+                <a:extLst>
+                  <a:ext uri="{0D108BD9-81ED-4DB2-BD59-A6C34878D82A}">
+                    <a16:rowId xmlns:a16="http://schemas.microsoft.com/office/drawing/2014/main" val="3250272351"/>
+                  </a:ext>
+                </a:extLst>
+              </a:tr>
+              <a:tr h="414726">
+                <a:tc>
+                  <a:txBody>
+                    <a:bodyPr/>
+                    <a:lstStyle/>
+                    <a:p>
+                      <a:r>
+                        <a:rPr lang="en-IN" dirty="0" err="1"/>
+                        <a:t>XGBoost</a:t>
+                      </a:r>
+                      <a:r>
+                        <a:rPr lang="en-IN" dirty="0"/>
+                        <a:t> Regressor</a:t>
+                      </a:r>
+                    </a:p>
+                  </a:txBody>
+                  <a:tcPr/>
+                </a:tc>
+                <a:tc>
+                  <a:txBody>
+                    <a:bodyPr/>
+                    <a:lstStyle/>
+                    <a:p>
+                      <a:r>
+                        <a:rPr lang="en-IN" dirty="0"/>
+                        <a:t>96.56%</a:t>
+                      </a:r>
+                    </a:p>
+                  </a:txBody>
+                  <a:tcPr/>
+                </a:tc>
+                <a:tc>
+                  <a:txBody>
+                    <a:bodyPr/>
+                    <a:lstStyle/>
+                    <a:p>
+                      <a:r>
+                        <a:rPr lang="en-IN" dirty="0"/>
+                        <a:t>92.73%</a:t>
+                      </a:r>
+                    </a:p>
+                  </a:txBody>
+                  <a:tcPr/>
+                </a:tc>
+                <a:tc>
+                  <a:txBody>
+                    <a:bodyPr/>
+                    <a:lstStyle/>
+                    <a:p>
+                      <a:r>
+                        <a:rPr lang="en-IN" dirty="0"/>
+                        <a:t>0.1859</a:t>
+                      </a:r>
+                    </a:p>
+                  </a:txBody>
+                  <a:tcPr/>
+                </a:tc>
+                <a:tc>
+                  <a:txBody>
+                    <a:bodyPr/>
+                    <a:lstStyle/>
+                    <a:p>
+                      <a:r>
+                        <a:rPr lang="en-IN" dirty="0"/>
+                        <a:t>0.2688</a:t>
+                      </a:r>
+                    </a:p>
+                  </a:txBody>
+                  <a:tcPr/>
+                </a:tc>
+                <a:extLst>
+                  <a:ext uri="{0D108BD9-81ED-4DB2-BD59-A6C34878D82A}">
+                    <a16:rowId xmlns:a16="http://schemas.microsoft.com/office/drawing/2014/main" val="2285796489"/>
+                  </a:ext>
+                </a:extLst>
+              </a:tr>
+            </a:tbl>
+          </a:graphicData>
+        </a:graphic>
+      </p:graphicFrame>
+      <p:sp>
+        <p:nvSpPr>
+          <p:cNvPr id="5" name="TextBox 4">
+            <a:extLst>
+              <a:ext uri="{FF2B5EF4-FFF2-40B4-BE49-F238E27FC236}">
+                <a16:creationId xmlns:a16="http://schemas.microsoft.com/office/drawing/2014/main" id="{FF234027-3B78-D44E-0FBC-A7940AD3BCE6}"/>
+              </a:ext>
+            </a:extLst>
+          </p:cNvPr>
+          <p:cNvSpPr txBox="1"/>
+          <p:nvPr/>
+        </p:nvSpPr>
+        <p:spPr>
+          <a:xfrm>
+            <a:off x="838200" y="5422229"/>
+            <a:ext cx="9787636" cy="1323439"/>
+          </a:xfrm>
+          <a:prstGeom prst="rect">
+            <a:avLst/>
+          </a:prstGeom>
+          <a:noFill/>
+        </p:spPr>
+        <p:txBody>
+          <a:bodyPr wrap="square" rtlCol="0">
+            <a:spAutoFit/>
+          </a:bodyPr>
+          <a:lstStyle/>
+          <a:p>
+            <a:r>
+              <a:rPr lang="en-IN" sz="2000" dirty="0"/>
+              <a:t>The linear regression model performed significantly well and there is not much difference observed in the case of lasso and Ridge.</a:t>
+            </a:r>
+          </a:p>
+          <a:p>
+            <a:r>
+              <a:rPr lang="en-IN" sz="2000" dirty="0"/>
+              <a:t>Bagging and boosting regressors did very well and we got test R-squared above 90% with minimum RMSE compared to other models.</a:t>
+            </a:r>
+          </a:p>
+        </p:txBody>
+      </p:sp>
+    </p:spTree>
+    <p:extLst>
+      <p:ext uri="{BB962C8B-B14F-4D97-AF65-F5344CB8AC3E}">
+        <p14:creationId xmlns:p14="http://schemas.microsoft.com/office/powerpoint/2010/main" val="4090539189"/>
+      </p:ext>
+    </p:extLst>
+  </p:cSld>
+  <p:clrMapOvr>
+    <a:masterClrMapping/>
+  </p:clrMapOvr>
+</p:sld>
+</file>
+
+<file path=ppt/slides/slide23.xml><?xml version="1.0" encoding="utf-8"?>
+<p:sld xmlns:a="http://schemas.openxmlformats.org/drawingml/2006/main" xmlns:r="http://schemas.openxmlformats.org/officeDocument/2006/relationships" xmlns:p="http://schemas.openxmlformats.org/presentationml/2006/main">
+  <p:cSld>
+    <p:spTree>
+      <p:nvGrpSpPr>
+        <p:cNvPr id="1" name=""/>
+        <p:cNvGrpSpPr/>
+        <p:nvPr/>
+      </p:nvGrpSpPr>
+      <p:grpSpPr>
+        <a:xfrm>
+          <a:off x="0" y="0"/>
+          <a:ext cx="0" cy="0"/>
+          <a:chOff x="0" y="0"/>
+          <a:chExt cx="0" cy="0"/>
+        </a:xfrm>
+      </p:grpSpPr>
+      <p:sp>
+        <p:nvSpPr>
+          <p:cNvPr id="2" name="Title 1">
+            <a:extLst>
+              <a:ext uri="{FF2B5EF4-FFF2-40B4-BE49-F238E27FC236}">
+                <a16:creationId xmlns:a16="http://schemas.microsoft.com/office/drawing/2014/main" id="{2E474F94-4E61-17E6-1DC9-6753BCDB87E6}"/>
+              </a:ext>
+            </a:extLst>
+          </p:cNvPr>
+          <p:cNvSpPr>
+            <a:spLocks noGrp="1"/>
+          </p:cNvSpPr>
+          <p:nvPr>
+            <p:ph type="ctrTitle"/>
+          </p:nvPr>
+        </p:nvSpPr>
+        <p:spPr>
+          <a:xfrm>
+            <a:off x="3204642" y="2353641"/>
+            <a:ext cx="5782716" cy="2150719"/>
+          </a:xfrm>
+          <a:noFill/>
+        </p:spPr>
+        <p:txBody>
+          <a:bodyPr anchor="ctr">
+            <a:normAutofit/>
+          </a:bodyPr>
+          <a:lstStyle/>
+          <a:p>
+            <a:r>
+              <a:rPr lang="en-US" sz="5400" b="1" dirty="0">
+                <a:solidFill>
+                  <a:srgbClr val="080808"/>
+                </a:solidFill>
+                <a:latin typeface="Calibri" panose="020F0502020204030204" pitchFamily="34" charset="0"/>
+                <a:cs typeface="Calibri" panose="020F0502020204030204" pitchFamily="34" charset="0"/>
+              </a:rPr>
+              <a:t>THANK YOU</a:t>
+            </a:r>
+            <a:endParaRPr lang="hi-IN" sz="5400" b="1" dirty="0">
+              <a:solidFill>
+                <a:srgbClr val="080808"/>
+              </a:solidFill>
+              <a:latin typeface="Calibri" panose="020F0502020204030204" pitchFamily="34" charset="0"/>
+            </a:endParaRPr>
+          </a:p>
+        </p:txBody>
+      </p:sp>
+    </p:spTree>
+    <p:extLst>
+      <p:ext uri="{BB962C8B-B14F-4D97-AF65-F5344CB8AC3E}">
+        <p14:creationId xmlns:p14="http://schemas.microsoft.com/office/powerpoint/2010/main" val="730172255"/>
+      </p:ext>
+    </p:extLst>
+  </p:cSld>
+  <p:clrMapOvr>
+    <a:masterClrMapping/>
+  </p:clrMapOvr>
+</p:sld>
+</file>
+
 <file path=ppt/slides/slide3.xml><?xml version="1.0" encoding="utf-8"?>
 <p:sld xmlns:a="http://schemas.openxmlformats.org/drawingml/2006/main" xmlns:r="http://schemas.openxmlformats.org/officeDocument/2006/relationships" xmlns:p="http://schemas.openxmlformats.org/presentationml/2006/main">
   <p:cSld>

--- a/TEAM 8_FINAL_PRESENTATION.pptx
+++ b/TEAM 8_FINAL_PRESENTATION.pptx
@@ -14,20 +14,25 @@
     <p:sldId id="278" r:id="rId8"/>
     <p:sldId id="303" r:id="rId9"/>
     <p:sldId id="304" r:id="rId10"/>
-    <p:sldId id="279" r:id="rId11"/>
-    <p:sldId id="265" r:id="rId12"/>
-    <p:sldId id="281" r:id="rId13"/>
-    <p:sldId id="268" r:id="rId14"/>
-    <p:sldId id="293" r:id="rId15"/>
-    <p:sldId id="271" r:id="rId16"/>
-    <p:sldId id="307" r:id="rId17"/>
-    <p:sldId id="270" r:id="rId18"/>
-    <p:sldId id="284" r:id="rId19"/>
-    <p:sldId id="287" r:id="rId20"/>
-    <p:sldId id="308" r:id="rId21"/>
-    <p:sldId id="282" r:id="rId22"/>
-    <p:sldId id="309" r:id="rId23"/>
-    <p:sldId id="300" r:id="rId24"/>
+    <p:sldId id="275" r:id="rId11"/>
+    <p:sldId id="263" r:id="rId12"/>
+    <p:sldId id="279" r:id="rId13"/>
+    <p:sldId id="265" r:id="rId14"/>
+    <p:sldId id="281" r:id="rId15"/>
+    <p:sldId id="268" r:id="rId16"/>
+    <p:sldId id="293" r:id="rId17"/>
+    <p:sldId id="269" r:id="rId18"/>
+    <p:sldId id="288" r:id="rId19"/>
+    <p:sldId id="283" r:id="rId20"/>
+    <p:sldId id="271" r:id="rId21"/>
+    <p:sldId id="307" r:id="rId22"/>
+    <p:sldId id="270" r:id="rId23"/>
+    <p:sldId id="284" r:id="rId24"/>
+    <p:sldId id="287" r:id="rId25"/>
+    <p:sldId id="308" r:id="rId26"/>
+    <p:sldId id="282" r:id="rId27"/>
+    <p:sldId id="309" r:id="rId28"/>
+    <p:sldId id="300" r:id="rId29"/>
   </p:sldIdLst>
   <p:sldSz cx="12192000" cy="6858000"/>
   <p:notesSz cx="6858000" cy="9144000"/>
@@ -138,6 +143,7 @@
 <p1510:revInfo xmlns:a="http://schemas.openxmlformats.org/drawingml/2006/main" xmlns:r="http://schemas.openxmlformats.org/officeDocument/2006/relationships" xmlns:p1510="http://schemas.microsoft.com/office/powerpoint/2015/10/main">
   <p1510:revLst>
     <p1510:client id="{99DF3C28-EA72-44FB-B663-A163AB2F859F}" v="3" dt="2022-12-08T20:43:47.053"/>
+    <p1510:client id="{D71FA875-4C52-4A9E-B101-BB011939644F}" v="5" dt="2022-12-09T00:28:46.140"/>
   </p1510:revLst>
 </p1510:revInfo>
 </file>
@@ -475,7 +481,7 @@
           <a:p>
             <a:fld id="{5D086F0A-AF7E-4566-93F7-8A62D64384D9}" type="datetimeFigureOut">
               <a:rPr lang="en-IN" smtClean="0"/>
-              <a:t>08/12/22</a:t>
+              <a:t>08-12-2022</a:t>
             </a:fld>
             <a:endParaRPr lang="en-IN"/>
           </a:p>
@@ -673,7 +679,7 @@
           <a:p>
             <a:fld id="{5D086F0A-AF7E-4566-93F7-8A62D64384D9}" type="datetimeFigureOut">
               <a:rPr lang="en-IN" smtClean="0"/>
-              <a:t>08/12/22</a:t>
+              <a:t>08-12-2022</a:t>
             </a:fld>
             <a:endParaRPr lang="en-IN"/>
           </a:p>
@@ -881,7 +887,7 @@
           <a:p>
             <a:fld id="{5D086F0A-AF7E-4566-93F7-8A62D64384D9}" type="datetimeFigureOut">
               <a:rPr lang="en-IN" smtClean="0"/>
-              <a:t>08/12/22</a:t>
+              <a:t>08-12-2022</a:t>
             </a:fld>
             <a:endParaRPr lang="en-IN"/>
           </a:p>
@@ -1079,7 +1085,7 @@
           <a:p>
             <a:fld id="{5D086F0A-AF7E-4566-93F7-8A62D64384D9}" type="datetimeFigureOut">
               <a:rPr lang="en-IN" smtClean="0"/>
-              <a:t>08/12/22</a:t>
+              <a:t>08-12-2022</a:t>
             </a:fld>
             <a:endParaRPr lang="en-IN"/>
           </a:p>
@@ -1354,7 +1360,7 @@
           <a:p>
             <a:fld id="{5D086F0A-AF7E-4566-93F7-8A62D64384D9}" type="datetimeFigureOut">
               <a:rPr lang="en-IN" smtClean="0"/>
-              <a:t>08/12/22</a:t>
+              <a:t>08-12-2022</a:t>
             </a:fld>
             <a:endParaRPr lang="en-IN"/>
           </a:p>
@@ -1619,7 +1625,7 @@
           <a:p>
             <a:fld id="{5D086F0A-AF7E-4566-93F7-8A62D64384D9}" type="datetimeFigureOut">
               <a:rPr lang="en-IN" smtClean="0"/>
-              <a:t>08/12/22</a:t>
+              <a:t>08-12-2022</a:t>
             </a:fld>
             <a:endParaRPr lang="en-IN"/>
           </a:p>
@@ -2031,7 +2037,7 @@
           <a:p>
             <a:fld id="{5D086F0A-AF7E-4566-93F7-8A62D64384D9}" type="datetimeFigureOut">
               <a:rPr lang="en-IN" smtClean="0"/>
-              <a:t>08/12/22</a:t>
+              <a:t>08-12-2022</a:t>
             </a:fld>
             <a:endParaRPr lang="en-IN"/>
           </a:p>
@@ -2172,7 +2178,7 @@
           <a:p>
             <a:fld id="{5D086F0A-AF7E-4566-93F7-8A62D64384D9}" type="datetimeFigureOut">
               <a:rPr lang="en-IN" smtClean="0"/>
-              <a:t>08/12/22</a:t>
+              <a:t>08-12-2022</a:t>
             </a:fld>
             <a:endParaRPr lang="en-IN"/>
           </a:p>
@@ -2285,7 +2291,7 @@
           <a:p>
             <a:fld id="{5D086F0A-AF7E-4566-93F7-8A62D64384D9}" type="datetimeFigureOut">
               <a:rPr lang="en-IN" smtClean="0"/>
-              <a:t>08/12/22</a:t>
+              <a:t>08-12-2022</a:t>
             </a:fld>
             <a:endParaRPr lang="en-IN"/>
           </a:p>
@@ -2596,7 +2602,7 @@
           <a:p>
             <a:fld id="{5D086F0A-AF7E-4566-93F7-8A62D64384D9}" type="datetimeFigureOut">
               <a:rPr lang="en-IN" smtClean="0"/>
-              <a:t>08/12/22</a:t>
+              <a:t>08-12-2022</a:t>
             </a:fld>
             <a:endParaRPr lang="en-IN"/>
           </a:p>
@@ -2884,7 +2890,7 @@
           <a:p>
             <a:fld id="{5D086F0A-AF7E-4566-93F7-8A62D64384D9}" type="datetimeFigureOut">
               <a:rPr lang="en-IN" smtClean="0"/>
-              <a:t>08/12/22</a:t>
+              <a:t>08-12-2022</a:t>
             </a:fld>
             <a:endParaRPr lang="en-IN"/>
           </a:p>
@@ -3125,7 +3131,7 @@
           <a:p>
             <a:fld id="{5D086F0A-AF7E-4566-93F7-8A62D64384D9}" type="datetimeFigureOut">
               <a:rPr lang="en-IN" smtClean="0"/>
-              <a:t>08/12/22</a:t>
+              <a:t>08-12-2022</a:t>
             </a:fld>
             <a:endParaRPr lang="en-IN"/>
           </a:p>
@@ -4284,7 +4290,7 @@
           <p:cNvPr id="2" name="Title 1">
             <a:extLst>
               <a:ext uri="{FF2B5EF4-FFF2-40B4-BE49-F238E27FC236}">
-                <a16:creationId xmlns:a16="http://schemas.microsoft.com/office/drawing/2014/main" id="{53E6291E-D680-413F-9E39-E20E03AFDBD9}"/>
+                <a16:creationId xmlns:a16="http://schemas.microsoft.com/office/drawing/2014/main" id="{0B88A445-EDE9-21BA-35AE-EC65C2442E79}"/>
               </a:ext>
             </a:extLst>
           </p:cNvPr>
@@ -4308,11 +4314,18 @@
           <a:lstStyle/>
           <a:p>
             <a:r>
+              <a:rPr lang="en-IN" sz="3000" b="1">
+                <a:latin typeface="+mn-lt"/>
+                <a:cs typeface="Calibri Light" panose="020F0302020204030204" pitchFamily="34" charset="0"/>
+              </a:rPr>
+              <a:t>MARS </a:t>
+            </a:r>
+            <a:r>
               <a:rPr lang="en-IN" sz="3000" b="1" dirty="0">
                 <a:latin typeface="+mn-lt"/>
                 <a:cs typeface="Calibri Light" panose="020F0302020204030204" pitchFamily="34" charset="0"/>
               </a:rPr>
-              <a:t>Step Wise Regression Method:</a:t>
+              <a:t>Method:</a:t>
             </a:r>
           </a:p>
         </p:txBody>
@@ -4322,7 +4335,7 @@
           <p:cNvPr id="3" name="Content Placeholder 2">
             <a:extLst>
               <a:ext uri="{FF2B5EF4-FFF2-40B4-BE49-F238E27FC236}">
-                <a16:creationId xmlns:a16="http://schemas.microsoft.com/office/drawing/2014/main" id="{11FBBCF3-6E9D-0DEE-F311-24100B73E39F}"/>
+                <a16:creationId xmlns:a16="http://schemas.microsoft.com/office/drawing/2014/main" id="{8834E6B5-0ED5-6460-336A-CE2FD43976E4}"/>
               </a:ext>
             </a:extLst>
           </p:cNvPr>
@@ -4335,7 +4348,7 @@
         </p:nvSpPr>
         <p:spPr>
           <a:xfrm>
-            <a:off x="643467" y="1457471"/>
+            <a:off x="643467" y="1782981"/>
             <a:ext cx="10905066" cy="4393982"/>
           </a:xfrm>
         </p:spPr>
@@ -4348,101 +4361,85 @@
             <a:pPr marL="0" indent="0" fontAlgn="base">
               <a:buNone/>
             </a:pPr>
-            <a:endParaRPr lang="en-US" sz="2000" dirty="0">
-              <a:cs typeface="Calibri Light" panose="020F0302020204030204" pitchFamily="34" charset="0"/>
-            </a:endParaRPr>
-          </a:p>
-          <a:p>
-            <a:pPr fontAlgn="base"/>
-            <a:r>
-              <a:rPr lang="en-US" sz="2000" i="0" dirty="0">
-                <a:effectLst/>
+            <a:r>
+              <a:rPr lang="en-US" sz="2000" dirty="0">
                 <a:cs typeface="Calibri Light" panose="020F0302020204030204" pitchFamily="34" charset="0"/>
               </a:rPr>
-              <a:t>Step wise regression model is a procedure we can use to build a regression model from a set of predictor variables by entering and removing predictors in a stepwise manner into the model until there is no statistically valid reason to enter or remove any more.</a:t>
-            </a:r>
-          </a:p>
-          <a:p>
-            <a:pPr fontAlgn="base"/>
-            <a:r>
-              <a:rPr lang="en-US" sz="2000" i="0" dirty="0">
-                <a:effectLst/>
+              <a:t>Multivariate adaptive regression splines (MARS) can be used to model nonlinear relationships </a:t>
+            </a:r>
+          </a:p>
+          <a:p>
+            <a:pPr marL="0" indent="0" fontAlgn="base">
+              <a:buNone/>
+            </a:pPr>
+            <a:r>
+              <a:rPr lang="en-US" sz="2000" dirty="0">
                 <a:cs typeface="Calibri Light" panose="020F0302020204030204" pitchFamily="34" charset="0"/>
               </a:rPr>
-              <a:t>The goal of stepwise regression is to build a regression model that includes all of the predictor variables that are statistically significantly related to the response variable.</a:t>
-            </a:r>
-          </a:p>
-          <a:p>
-            <a:pPr fontAlgn="base"/>
-            <a:r>
-              <a:rPr lang="en-US" sz="2000" i="0" dirty="0">
-                <a:effectLst/>
+              <a:t>between a set of predictor variables and a response variable.</a:t>
+            </a:r>
+          </a:p>
+          <a:p>
+            <a:pPr marL="0" indent="0" fontAlgn="base">
+              <a:buNone/>
+            </a:pPr>
+            <a:r>
+              <a:rPr lang="en-US" sz="2000" dirty="0">
                 <a:cs typeface="Calibri Light" panose="020F0302020204030204" pitchFamily="34" charset="0"/>
               </a:rPr>
-              <a:t>There are three strategies of stepwise regression:</a:t>
-            </a:r>
-          </a:p>
-          <a:p>
-            <a:pPr marL="457200" indent="-457200" fontAlgn="base">
-              <a:buFont typeface="+mj-lt"/>
-              <a:buAutoNum type="arabicPeriod"/>
-            </a:pPr>
-            <a:r>
-              <a:rPr lang="en-US" sz="2000" i="0" dirty="0">
-                <a:effectLst/>
+              <a:t>This method works as follows:</a:t>
+            </a:r>
+          </a:p>
+          <a:p>
+            <a:pPr lvl="0" fontAlgn="base"/>
+            <a:r>
+              <a:rPr lang="en-US" sz="2000" dirty="0">
                 <a:cs typeface="Calibri Light" panose="020F0302020204030204" pitchFamily="34" charset="0"/>
               </a:rPr>
-              <a:t>Forward selection - starts with no predictors</a:t>
-            </a:r>
-          </a:p>
-          <a:p>
-            <a:pPr marL="457200" indent="-457200" fontAlgn="base">
-              <a:buFont typeface="+mj-lt"/>
-              <a:buAutoNum type="arabicPeriod"/>
-            </a:pPr>
-            <a:r>
-              <a:rPr lang="en-US" sz="2000" i="0" dirty="0">
-                <a:effectLst/>
+              <a:t>Divide a dataset into </a:t>
+            </a:r>
+            <a:r>
+              <a:rPr lang="en-US" sz="2000" i="1" dirty="0">
                 <a:cs typeface="Calibri Light" panose="020F0302020204030204" pitchFamily="34" charset="0"/>
               </a:rPr>
-              <a:t>Backward selection - starts with all predictors</a:t>
-            </a:r>
-          </a:p>
-          <a:p>
-            <a:pPr marL="457200" indent="-457200" fontAlgn="base">
-              <a:buFont typeface="+mj-lt"/>
-              <a:buAutoNum type="arabicPeriod"/>
-            </a:pPr>
-            <a:r>
-              <a:rPr lang="en-US" sz="2000" i="0" dirty="0">
-                <a:effectLst/>
+              <a:t>k</a:t>
+            </a:r>
+            <a:r>
+              <a:rPr lang="en-US" sz="2000" dirty="0">
                 <a:cs typeface="Calibri Light" panose="020F0302020204030204" pitchFamily="34" charset="0"/>
               </a:rPr>
-              <a:t>Stepwise selection - combination of both forward and backward selections</a:t>
-            </a:r>
-          </a:p>
-          <a:p>
-            <a:pPr fontAlgn="base"/>
-            <a:endParaRPr lang="en-US" sz="2000" i="0" dirty="0">
-              <a:effectLst/>
-              <a:cs typeface="Calibri Light" panose="020F0302020204030204" pitchFamily="34" charset="0"/>
-            </a:endParaRPr>
-          </a:p>
-          <a:p>
-            <a:pPr fontAlgn="base"/>
-            <a:endParaRPr lang="en-US" sz="2000" b="1" i="0" dirty="0">
-              <a:effectLst/>
-              <a:latin typeface="Calibri Light" panose="020F0302020204030204" pitchFamily="34" charset="0"/>
-              <a:cs typeface="Calibri Light" panose="020F0302020204030204" pitchFamily="34" charset="0"/>
-            </a:endParaRPr>
-          </a:p>
-          <a:p>
-            <a:pPr fontAlgn="base"/>
-            <a:endParaRPr lang="en-US" sz="2000" b="1" i="0" dirty="0">
-              <a:effectLst/>
-              <a:latin typeface="Calibri Light" panose="020F0302020204030204" pitchFamily="34" charset="0"/>
-              <a:cs typeface="Calibri Light" panose="020F0302020204030204" pitchFamily="34" charset="0"/>
-            </a:endParaRPr>
+              <a:t> pieces.</a:t>
+            </a:r>
+          </a:p>
+          <a:p>
+            <a:pPr lvl="0" fontAlgn="base"/>
+            <a:r>
+              <a:rPr lang="en-US" sz="2000" dirty="0">
+                <a:cs typeface="Calibri Light" panose="020F0302020204030204" pitchFamily="34" charset="0"/>
+              </a:rPr>
+              <a:t>Fit a regression model to each piece.</a:t>
+            </a:r>
+          </a:p>
+          <a:p>
+            <a:pPr lvl="0" fontAlgn="base"/>
+            <a:r>
+              <a:rPr lang="en-US" sz="2000" dirty="0">
+                <a:cs typeface="Calibri Light" panose="020F0302020204030204" pitchFamily="34" charset="0"/>
+              </a:rPr>
+              <a:t>Use k-fold cross-validation to choose a value for </a:t>
+            </a:r>
+            <a:r>
+              <a:rPr lang="en-US" sz="2000" i="1" dirty="0">
+                <a:cs typeface="Calibri Light" panose="020F0302020204030204" pitchFamily="34" charset="0"/>
+              </a:rPr>
+              <a:t>k</a:t>
+            </a:r>
+            <a:r>
+              <a:rPr lang="en-US" sz="2000" dirty="0">
+                <a:cs typeface="Calibri Light" panose="020F0302020204030204" pitchFamily="34" charset="0"/>
+              </a:rPr>
+              <a:t>.</a:t>
+            </a:r>
           </a:p>
           <a:p>
             <a:endParaRPr lang="en-IN" sz="2000" b="1" dirty="0">
@@ -4450,24 +4447,12 @@
               <a:cs typeface="Calibri Light" panose="020F0302020204030204" pitchFamily="34" charset="0"/>
             </a:endParaRPr>
           </a:p>
-          <a:p>
-            <a:endParaRPr lang="en-IN" sz="2000" b="1" dirty="0">
-              <a:latin typeface="Calibri Light" panose="020F0302020204030204" pitchFamily="34" charset="0"/>
-              <a:cs typeface="Calibri Light" panose="020F0302020204030204" pitchFamily="34" charset="0"/>
-            </a:endParaRPr>
-          </a:p>
-          <a:p>
-            <a:endParaRPr lang="en-IN" sz="2000" b="1" dirty="0">
-              <a:latin typeface="Calibri Light" panose="020F0302020204030204" pitchFamily="34" charset="0"/>
-              <a:cs typeface="Calibri Light" panose="020F0302020204030204" pitchFamily="34" charset="0"/>
-            </a:endParaRPr>
-          </a:p>
         </p:txBody>
       </p:sp>
     </p:spTree>
     <p:extLst>
       <p:ext uri="{BB962C8B-B14F-4D97-AF65-F5344CB8AC3E}">
-        <p14:creationId xmlns:p14="http://schemas.microsoft.com/office/powerpoint/2010/main" val="3740500737"/>
+        <p14:creationId xmlns:p14="http://schemas.microsoft.com/office/powerpoint/2010/main" val="3501156104"/>
       </p:ext>
     </p:extLst>
   </p:cSld>
@@ -4499,6 +4484,533 @@
           <p:cNvPr id="2" name="Title 1">
             <a:extLst>
               <a:ext uri="{FF2B5EF4-FFF2-40B4-BE49-F238E27FC236}">
+                <a16:creationId xmlns:a16="http://schemas.microsoft.com/office/drawing/2014/main" id="{F1696D39-525D-D73B-62E3-D951FEB751EA}"/>
+              </a:ext>
+            </a:extLst>
+          </p:cNvPr>
+          <p:cNvSpPr>
+            <a:spLocks noGrp="1"/>
+          </p:cNvSpPr>
+          <p:nvPr>
+            <p:ph type="title"/>
+          </p:nvPr>
+        </p:nvSpPr>
+        <p:spPr>
+          <a:xfrm>
+            <a:off x="838200" y="68346"/>
+            <a:ext cx="10515600" cy="910222"/>
+          </a:xfrm>
+        </p:spPr>
+        <p:txBody>
+          <a:bodyPr>
+            <a:normAutofit/>
+          </a:bodyPr>
+          <a:lstStyle/>
+          <a:p>
+            <a:r>
+              <a:rPr lang="en-IN" sz="3000" b="1" dirty="0">
+                <a:latin typeface="+mn-lt"/>
+                <a:cs typeface="Calibri Light" panose="020F0302020204030204" pitchFamily="34" charset="0"/>
+              </a:rPr>
+              <a:t>MARS Method: Results</a:t>
+            </a:r>
+          </a:p>
+        </p:txBody>
+      </p:sp>
+      <p:sp>
+        <p:nvSpPr>
+          <p:cNvPr id="3" name="Content Placeholder 2">
+            <a:extLst>
+              <a:ext uri="{FF2B5EF4-FFF2-40B4-BE49-F238E27FC236}">
+                <a16:creationId xmlns:a16="http://schemas.microsoft.com/office/drawing/2014/main" id="{3C9669CD-D082-8681-B4A3-24E63F18F5DE}"/>
+              </a:ext>
+            </a:extLst>
+          </p:cNvPr>
+          <p:cNvSpPr>
+            <a:spLocks noGrp="1"/>
+          </p:cNvSpPr>
+          <p:nvPr>
+            <p:ph idx="1"/>
+          </p:nvPr>
+        </p:nvSpPr>
+        <p:spPr>
+          <a:xfrm>
+            <a:off x="838200" y="998446"/>
+            <a:ext cx="10515600" cy="5839326"/>
+          </a:xfrm>
+        </p:spPr>
+        <p:txBody>
+          <a:bodyPr>
+            <a:normAutofit/>
+          </a:bodyPr>
+          <a:lstStyle/>
+          <a:p>
+            <a:r>
+              <a:rPr lang="en-US" sz="2000" b="1" i="0" dirty="0">
+                <a:solidFill>
+                  <a:srgbClr val="333333"/>
+                </a:solidFill>
+                <a:effectLst/>
+                <a:latin typeface="Calibri Light" panose="020F0302020204030204" pitchFamily="34" charset="0"/>
+                <a:cs typeface="Calibri Light" panose="020F0302020204030204" pitchFamily="34" charset="0"/>
+              </a:rPr>
+              <a:t>variable importance based on Generalized cross validation (GCV), number of subset </a:t>
+            </a:r>
+            <a:r>
+              <a:rPr lang="en-US" sz="2200" b="1" i="0" dirty="0">
+                <a:solidFill>
+                  <a:srgbClr val="333333"/>
+                </a:solidFill>
+                <a:effectLst/>
+                <a:latin typeface="Calibri Light" panose="020F0302020204030204" pitchFamily="34" charset="0"/>
+                <a:cs typeface="Calibri Light" panose="020F0302020204030204" pitchFamily="34" charset="0"/>
+              </a:rPr>
+              <a:t>models the variable occurs (</a:t>
+            </a:r>
+            <a:r>
+              <a:rPr lang="en-US" sz="2200" b="1" i="0" dirty="0" err="1">
+                <a:solidFill>
+                  <a:srgbClr val="333333"/>
+                </a:solidFill>
+                <a:effectLst/>
+                <a:latin typeface="Calibri Light" panose="020F0302020204030204" pitchFamily="34" charset="0"/>
+                <a:cs typeface="Calibri Light" panose="020F0302020204030204" pitchFamily="34" charset="0"/>
+              </a:rPr>
+              <a:t>nsubsets</a:t>
+            </a:r>
+            <a:r>
+              <a:rPr lang="en-US" sz="2200" b="1" i="0" dirty="0">
+                <a:solidFill>
+                  <a:srgbClr val="333333"/>
+                </a:solidFill>
+                <a:effectLst/>
+                <a:latin typeface="Calibri Light" panose="020F0302020204030204" pitchFamily="34" charset="0"/>
+                <a:cs typeface="Calibri Light" panose="020F0302020204030204" pitchFamily="34" charset="0"/>
+              </a:rPr>
+              <a:t>) and residual sum of squares (RSS).</a:t>
+            </a:r>
+          </a:p>
+          <a:p>
+            <a:endParaRPr lang="en-US" sz="3200" b="1" dirty="0">
+              <a:solidFill>
+                <a:srgbClr val="333333"/>
+              </a:solidFill>
+              <a:latin typeface="Calibri Light" panose="020F0302020204030204" pitchFamily="34" charset="0"/>
+              <a:cs typeface="Calibri Light" panose="020F0302020204030204" pitchFamily="34" charset="0"/>
+            </a:endParaRPr>
+          </a:p>
+          <a:p>
+            <a:endParaRPr lang="en-IN" sz="3200" b="1" dirty="0">
+              <a:latin typeface="Calibri Light" panose="020F0302020204030204" pitchFamily="34" charset="0"/>
+              <a:cs typeface="Calibri Light" panose="020F0302020204030204" pitchFamily="34" charset="0"/>
+            </a:endParaRPr>
+          </a:p>
+          <a:p>
+            <a:endParaRPr lang="en-IN" sz="3200" b="1" dirty="0">
+              <a:latin typeface="Calibri Light" panose="020F0302020204030204" pitchFamily="34" charset="0"/>
+              <a:cs typeface="Calibri Light" panose="020F0302020204030204" pitchFamily="34" charset="0"/>
+            </a:endParaRPr>
+          </a:p>
+          <a:p>
+            <a:endParaRPr lang="en-IN" sz="3200" b="1" dirty="0">
+              <a:latin typeface="Calibri Light" panose="020F0302020204030204" pitchFamily="34" charset="0"/>
+              <a:cs typeface="Calibri Light" panose="020F0302020204030204" pitchFamily="34" charset="0"/>
+            </a:endParaRPr>
+          </a:p>
+          <a:p>
+            <a:endParaRPr lang="en-IN" sz="3200" b="1" dirty="0">
+              <a:latin typeface="Calibri Light" panose="020F0302020204030204" pitchFamily="34" charset="0"/>
+              <a:cs typeface="Calibri Light" panose="020F0302020204030204" pitchFamily="34" charset="0"/>
+            </a:endParaRPr>
+          </a:p>
+          <a:p>
+            <a:pPr marL="0" indent="0">
+              <a:buNone/>
+            </a:pPr>
+            <a:endParaRPr lang="en-IN" sz="2000" b="1" dirty="0">
+              <a:latin typeface="Calibri Light" panose="020F0302020204030204" pitchFamily="34" charset="0"/>
+              <a:cs typeface="Calibri Light" panose="020F0302020204030204" pitchFamily="34" charset="0"/>
+            </a:endParaRPr>
+          </a:p>
+          <a:p>
+            <a:r>
+              <a:rPr lang="en-IN" sz="2000" b="1" dirty="0">
+                <a:latin typeface="Calibri Light" panose="020F0302020204030204" pitchFamily="34" charset="0"/>
+                <a:cs typeface="Calibri Light" panose="020F0302020204030204" pitchFamily="34" charset="0"/>
+              </a:rPr>
+              <a:t>Using MARS method, </a:t>
+            </a:r>
+            <a:r>
+              <a:rPr lang="en-IN" sz="2000" b="1" dirty="0" err="1">
+                <a:latin typeface="Calibri Light" panose="020F0302020204030204" pitchFamily="34" charset="0"/>
+                <a:cs typeface="Calibri Light" panose="020F0302020204030204" pitchFamily="34" charset="0"/>
+              </a:rPr>
+              <a:t>Total_Years</a:t>
+            </a:r>
+            <a:r>
+              <a:rPr lang="en-IN" sz="2000" b="1" dirty="0">
+                <a:latin typeface="Calibri Light" panose="020F0302020204030204" pitchFamily="34" charset="0"/>
+                <a:cs typeface="Calibri Light" panose="020F0302020204030204" pitchFamily="34" charset="0"/>
+              </a:rPr>
+              <a:t>, </a:t>
+            </a:r>
+            <a:r>
+              <a:rPr lang="en-IN" sz="2000" b="1" dirty="0" err="1">
+                <a:latin typeface="Calibri Light" panose="020F0302020204030204" pitchFamily="34" charset="0"/>
+                <a:cs typeface="Calibri Light" panose="020F0302020204030204" pitchFamily="34" charset="0"/>
+              </a:rPr>
+              <a:t>engine_capacity,drivetrain</a:t>
+            </a:r>
+            <a:r>
+              <a:rPr lang="en-IN" sz="2000" b="1" dirty="0">
+                <a:latin typeface="Calibri Light" panose="020F0302020204030204" pitchFamily="34" charset="0"/>
+                <a:cs typeface="Calibri Light" panose="020F0302020204030204" pitchFamily="34" charset="0"/>
+              </a:rPr>
+              <a:t>, Unknown_feature_6 are the important features. </a:t>
+            </a:r>
+          </a:p>
+        </p:txBody>
+      </p:sp>
+      <p:pic>
+        <p:nvPicPr>
+          <p:cNvPr id="5" name="Picture 4">
+            <a:extLst>
+              <a:ext uri="{FF2B5EF4-FFF2-40B4-BE49-F238E27FC236}">
+                <a16:creationId xmlns:a16="http://schemas.microsoft.com/office/drawing/2014/main" id="{73C101D1-D444-F75F-353A-6631774A9873}"/>
+              </a:ext>
+            </a:extLst>
+          </p:cNvPr>
+          <p:cNvPicPr>
+            <a:picLocks noChangeAspect="1"/>
+          </p:cNvPicPr>
+          <p:nvPr/>
+        </p:nvPicPr>
+        <p:blipFill>
+          <a:blip r:embed="rId2"/>
+          <a:stretch>
+            <a:fillRect/>
+          </a:stretch>
+        </p:blipFill>
+        <p:spPr>
+          <a:xfrm>
+            <a:off x="1427235" y="2287414"/>
+            <a:ext cx="3627434" cy="2283171"/>
+          </a:xfrm>
+          <a:prstGeom prst="rect">
+            <a:avLst/>
+          </a:prstGeom>
+        </p:spPr>
+      </p:pic>
+      <p:pic>
+        <p:nvPicPr>
+          <p:cNvPr id="7" name="Picture 6">
+            <a:extLst>
+              <a:ext uri="{FF2B5EF4-FFF2-40B4-BE49-F238E27FC236}">
+                <a16:creationId xmlns:a16="http://schemas.microsoft.com/office/drawing/2014/main" id="{DE63521C-C56C-0E8D-C943-ADC9CE8B7864}"/>
+              </a:ext>
+            </a:extLst>
+          </p:cNvPr>
+          <p:cNvPicPr>
+            <a:picLocks noChangeAspect="1"/>
+          </p:cNvPicPr>
+          <p:nvPr/>
+        </p:nvPicPr>
+        <p:blipFill>
+          <a:blip r:embed="rId3"/>
+          <a:stretch>
+            <a:fillRect/>
+          </a:stretch>
+        </p:blipFill>
+        <p:spPr>
+          <a:xfrm>
+            <a:off x="5643704" y="2176486"/>
+            <a:ext cx="6035563" cy="2827265"/>
+          </a:xfrm>
+          <a:prstGeom prst="rect">
+            <a:avLst/>
+          </a:prstGeom>
+        </p:spPr>
+      </p:pic>
+      <p:pic>
+        <p:nvPicPr>
+          <p:cNvPr id="9" name="Picture 8">
+            <a:extLst>
+              <a:ext uri="{FF2B5EF4-FFF2-40B4-BE49-F238E27FC236}">
+                <a16:creationId xmlns:a16="http://schemas.microsoft.com/office/drawing/2014/main" id="{DAD92AF6-9E2B-8393-1C4C-058594C6D734}"/>
+              </a:ext>
+            </a:extLst>
+          </p:cNvPr>
+          <p:cNvPicPr>
+            <a:picLocks noChangeAspect="1"/>
+          </p:cNvPicPr>
+          <p:nvPr/>
+        </p:nvPicPr>
+        <p:blipFill>
+          <a:blip r:embed="rId4"/>
+          <a:stretch>
+            <a:fillRect/>
+          </a:stretch>
+        </p:blipFill>
+        <p:spPr>
+          <a:xfrm>
+            <a:off x="2947071" y="2892304"/>
+            <a:ext cx="1501270" cy="175275"/>
+          </a:xfrm>
+          <a:prstGeom prst="rect">
+            <a:avLst/>
+          </a:prstGeom>
+        </p:spPr>
+      </p:pic>
+    </p:spTree>
+    <p:extLst>
+      <p:ext uri="{BB962C8B-B14F-4D97-AF65-F5344CB8AC3E}">
+        <p14:creationId xmlns:p14="http://schemas.microsoft.com/office/powerpoint/2010/main" val="4128673719"/>
+      </p:ext>
+    </p:extLst>
+  </p:cSld>
+  <p:clrMapOvr>
+    <a:masterClrMapping/>
+  </p:clrMapOvr>
+</p:sld>
+</file>
+
+<file path=ppt/slides/slide12.xml><?xml version="1.0" encoding="utf-8"?>
+<p:sld xmlns:a="http://schemas.openxmlformats.org/drawingml/2006/main" xmlns:r="http://schemas.openxmlformats.org/officeDocument/2006/relationships" xmlns:p="http://schemas.openxmlformats.org/presentationml/2006/main">
+  <p:cSld>
+    <p:spTree>
+      <p:nvGrpSpPr>
+        <p:cNvPr id="1" name=""/>
+        <p:cNvGrpSpPr/>
+        <p:nvPr/>
+      </p:nvGrpSpPr>
+      <p:grpSpPr>
+        <a:xfrm>
+          <a:off x="0" y="0"/>
+          <a:ext cx="0" cy="0"/>
+          <a:chOff x="0" y="0"/>
+          <a:chExt cx="0" cy="0"/>
+        </a:xfrm>
+      </p:grpSpPr>
+      <p:sp>
+        <p:nvSpPr>
+          <p:cNvPr id="2" name="Title 1">
+            <a:extLst>
+              <a:ext uri="{FF2B5EF4-FFF2-40B4-BE49-F238E27FC236}">
+                <a16:creationId xmlns:a16="http://schemas.microsoft.com/office/drawing/2014/main" id="{53E6291E-D680-413F-9E39-E20E03AFDBD9}"/>
+              </a:ext>
+            </a:extLst>
+          </p:cNvPr>
+          <p:cNvSpPr>
+            <a:spLocks noGrp="1"/>
+          </p:cNvSpPr>
+          <p:nvPr>
+            <p:ph type="title"/>
+          </p:nvPr>
+        </p:nvSpPr>
+        <p:spPr>
+          <a:xfrm>
+            <a:off x="643467" y="321734"/>
+            <a:ext cx="10905066" cy="1135737"/>
+          </a:xfrm>
+        </p:spPr>
+        <p:txBody>
+          <a:bodyPr>
+            <a:normAutofit/>
+          </a:bodyPr>
+          <a:lstStyle/>
+          <a:p>
+            <a:r>
+              <a:rPr lang="en-IN" sz="3000" b="1" dirty="0">
+                <a:latin typeface="+mn-lt"/>
+                <a:cs typeface="Calibri Light" panose="020F0302020204030204" pitchFamily="34" charset="0"/>
+              </a:rPr>
+              <a:t>Step Wise Regression Method:</a:t>
+            </a:r>
+          </a:p>
+        </p:txBody>
+      </p:sp>
+      <p:sp>
+        <p:nvSpPr>
+          <p:cNvPr id="3" name="Content Placeholder 2">
+            <a:extLst>
+              <a:ext uri="{FF2B5EF4-FFF2-40B4-BE49-F238E27FC236}">
+                <a16:creationId xmlns:a16="http://schemas.microsoft.com/office/drawing/2014/main" id="{11FBBCF3-6E9D-0DEE-F311-24100B73E39F}"/>
+              </a:ext>
+            </a:extLst>
+          </p:cNvPr>
+          <p:cNvSpPr>
+            <a:spLocks noGrp="1"/>
+          </p:cNvSpPr>
+          <p:nvPr>
+            <p:ph idx="1"/>
+          </p:nvPr>
+        </p:nvSpPr>
+        <p:spPr>
+          <a:xfrm>
+            <a:off x="643467" y="1457471"/>
+            <a:ext cx="10905066" cy="4393982"/>
+          </a:xfrm>
+        </p:spPr>
+        <p:txBody>
+          <a:bodyPr>
+            <a:normAutofit/>
+          </a:bodyPr>
+          <a:lstStyle/>
+          <a:p>
+            <a:pPr marL="0" indent="0" fontAlgn="base">
+              <a:buNone/>
+            </a:pPr>
+            <a:endParaRPr lang="en-US" sz="2000" dirty="0">
+              <a:cs typeface="Calibri Light" panose="020F0302020204030204" pitchFamily="34" charset="0"/>
+            </a:endParaRPr>
+          </a:p>
+          <a:p>
+            <a:pPr fontAlgn="base"/>
+            <a:r>
+              <a:rPr lang="en-US" sz="2000" i="0" dirty="0">
+                <a:effectLst/>
+                <a:cs typeface="Calibri Light" panose="020F0302020204030204" pitchFamily="34" charset="0"/>
+              </a:rPr>
+              <a:t>Step wise regression model is a procedure we can use to build a regression model from a set of predictor variables by entering and removing predictors in a stepwise manner into the model until there is no statistically valid reason to enter or remove any more.</a:t>
+            </a:r>
+          </a:p>
+          <a:p>
+            <a:pPr fontAlgn="base"/>
+            <a:r>
+              <a:rPr lang="en-US" sz="2000" i="0" dirty="0">
+                <a:effectLst/>
+                <a:cs typeface="Calibri Light" panose="020F0302020204030204" pitchFamily="34" charset="0"/>
+              </a:rPr>
+              <a:t>The goal of stepwise regression is to build a regression model that includes all of the predictor variables that are statistically significantly related to the response variable.</a:t>
+            </a:r>
+          </a:p>
+          <a:p>
+            <a:pPr fontAlgn="base"/>
+            <a:r>
+              <a:rPr lang="en-US" sz="2000" i="0" dirty="0">
+                <a:effectLst/>
+                <a:cs typeface="Calibri Light" panose="020F0302020204030204" pitchFamily="34" charset="0"/>
+              </a:rPr>
+              <a:t>There are three strategies of stepwise regression:</a:t>
+            </a:r>
+          </a:p>
+          <a:p>
+            <a:pPr marL="457200" indent="-457200" fontAlgn="base">
+              <a:buFont typeface="+mj-lt"/>
+              <a:buAutoNum type="arabicPeriod"/>
+            </a:pPr>
+            <a:r>
+              <a:rPr lang="en-US" sz="2000" i="0" dirty="0">
+                <a:effectLst/>
+                <a:cs typeface="Calibri Light" panose="020F0302020204030204" pitchFamily="34" charset="0"/>
+              </a:rPr>
+              <a:t>Forward selection - starts with no predictors</a:t>
+            </a:r>
+          </a:p>
+          <a:p>
+            <a:pPr marL="457200" indent="-457200" fontAlgn="base">
+              <a:buFont typeface="+mj-lt"/>
+              <a:buAutoNum type="arabicPeriod"/>
+            </a:pPr>
+            <a:r>
+              <a:rPr lang="en-US" sz="2000" i="0" dirty="0">
+                <a:effectLst/>
+                <a:cs typeface="Calibri Light" panose="020F0302020204030204" pitchFamily="34" charset="0"/>
+              </a:rPr>
+              <a:t>Backward selection - starts with all predictors</a:t>
+            </a:r>
+          </a:p>
+          <a:p>
+            <a:pPr marL="457200" indent="-457200" fontAlgn="base">
+              <a:buFont typeface="+mj-lt"/>
+              <a:buAutoNum type="arabicPeriod"/>
+            </a:pPr>
+            <a:r>
+              <a:rPr lang="en-US" sz="2000" i="0" dirty="0">
+                <a:effectLst/>
+                <a:cs typeface="Calibri Light" panose="020F0302020204030204" pitchFamily="34" charset="0"/>
+              </a:rPr>
+              <a:t>Stepwise selection - combination of both forward and backward selections</a:t>
+            </a:r>
+          </a:p>
+          <a:p>
+            <a:pPr fontAlgn="base"/>
+            <a:endParaRPr lang="en-US" sz="2000" i="0" dirty="0">
+              <a:effectLst/>
+              <a:cs typeface="Calibri Light" panose="020F0302020204030204" pitchFamily="34" charset="0"/>
+            </a:endParaRPr>
+          </a:p>
+          <a:p>
+            <a:pPr fontAlgn="base"/>
+            <a:endParaRPr lang="en-US" sz="2000" b="1" i="0" dirty="0">
+              <a:effectLst/>
+              <a:latin typeface="Calibri Light" panose="020F0302020204030204" pitchFamily="34" charset="0"/>
+              <a:cs typeface="Calibri Light" panose="020F0302020204030204" pitchFamily="34" charset="0"/>
+            </a:endParaRPr>
+          </a:p>
+          <a:p>
+            <a:pPr fontAlgn="base"/>
+            <a:endParaRPr lang="en-US" sz="2000" b="1" i="0" dirty="0">
+              <a:effectLst/>
+              <a:latin typeface="Calibri Light" panose="020F0302020204030204" pitchFamily="34" charset="0"/>
+              <a:cs typeface="Calibri Light" panose="020F0302020204030204" pitchFamily="34" charset="0"/>
+            </a:endParaRPr>
+          </a:p>
+          <a:p>
+            <a:endParaRPr lang="en-IN" sz="2000" b="1" dirty="0">
+              <a:latin typeface="Calibri Light" panose="020F0302020204030204" pitchFamily="34" charset="0"/>
+              <a:cs typeface="Calibri Light" panose="020F0302020204030204" pitchFamily="34" charset="0"/>
+            </a:endParaRPr>
+          </a:p>
+          <a:p>
+            <a:endParaRPr lang="en-IN" sz="2000" b="1" dirty="0">
+              <a:latin typeface="Calibri Light" panose="020F0302020204030204" pitchFamily="34" charset="0"/>
+              <a:cs typeface="Calibri Light" panose="020F0302020204030204" pitchFamily="34" charset="0"/>
+            </a:endParaRPr>
+          </a:p>
+          <a:p>
+            <a:endParaRPr lang="en-IN" sz="2000" b="1" dirty="0">
+              <a:latin typeface="Calibri Light" panose="020F0302020204030204" pitchFamily="34" charset="0"/>
+              <a:cs typeface="Calibri Light" panose="020F0302020204030204" pitchFamily="34" charset="0"/>
+            </a:endParaRPr>
+          </a:p>
+        </p:txBody>
+      </p:sp>
+    </p:spTree>
+    <p:extLst>
+      <p:ext uri="{BB962C8B-B14F-4D97-AF65-F5344CB8AC3E}">
+        <p14:creationId xmlns:p14="http://schemas.microsoft.com/office/powerpoint/2010/main" val="3740500737"/>
+      </p:ext>
+    </p:extLst>
+  </p:cSld>
+  <p:clrMapOvr>
+    <a:masterClrMapping/>
+  </p:clrMapOvr>
+</p:sld>
+</file>
+
+<file path=ppt/slides/slide13.xml><?xml version="1.0" encoding="utf-8"?>
+<p:sld xmlns:a="http://schemas.openxmlformats.org/drawingml/2006/main" xmlns:r="http://schemas.openxmlformats.org/officeDocument/2006/relationships" xmlns:p="http://schemas.openxmlformats.org/presentationml/2006/main">
+  <p:cSld>
+    <p:spTree>
+      <p:nvGrpSpPr>
+        <p:cNvPr id="1" name=""/>
+        <p:cNvGrpSpPr/>
+        <p:nvPr/>
+      </p:nvGrpSpPr>
+      <p:grpSpPr>
+        <a:xfrm>
+          <a:off x="0" y="0"/>
+          <a:ext cx="0" cy="0"/>
+          <a:chOff x="0" y="0"/>
+          <a:chExt cx="0" cy="0"/>
+        </a:xfrm>
+      </p:grpSpPr>
+      <p:sp>
+        <p:nvSpPr>
+          <p:cNvPr id="2" name="Title 1">
+            <a:extLst>
+              <a:ext uri="{FF2B5EF4-FFF2-40B4-BE49-F238E27FC236}">
                 <a16:creationId xmlns:a16="http://schemas.microsoft.com/office/drawing/2014/main" id="{519158BA-6A92-700D-D8AD-282CEF27BA22}"/>
               </a:ext>
             </a:extLst>
@@ -4722,7 +5234,7 @@
 </p:sld>
 </file>
 
-<file path=ppt/slides/slide12.xml><?xml version="1.0" encoding="utf-8"?>
+<file path=ppt/slides/slide14.xml><?xml version="1.0" encoding="utf-8"?>
 <p:sld xmlns:a="http://schemas.openxmlformats.org/drawingml/2006/main" xmlns:r="http://schemas.openxmlformats.org/officeDocument/2006/relationships" xmlns:p="http://schemas.openxmlformats.org/presentationml/2006/main">
   <p:cSld>
     <p:bg>
@@ -5844,731 +6356,6 @@
 </p:sld>
 </file>
 
-<file path=ppt/slides/slide13.xml><?xml version="1.0" encoding="utf-8"?>
-<p:sld xmlns:a="http://schemas.openxmlformats.org/drawingml/2006/main" xmlns:r="http://schemas.openxmlformats.org/officeDocument/2006/relationships" xmlns:p="http://schemas.openxmlformats.org/presentationml/2006/main">
-  <p:cSld>
-    <p:spTree>
-      <p:nvGrpSpPr>
-        <p:cNvPr id="1" name=""/>
-        <p:cNvGrpSpPr/>
-        <p:nvPr/>
-      </p:nvGrpSpPr>
-      <p:grpSpPr>
-        <a:xfrm>
-          <a:off x="0" y="0"/>
-          <a:ext cx="0" cy="0"/>
-          <a:chOff x="0" y="0"/>
-          <a:chExt cx="0" cy="0"/>
-        </a:xfrm>
-      </p:grpSpPr>
-      <p:sp>
-        <p:nvSpPr>
-          <p:cNvPr id="2" name="Title 1">
-            <a:extLst>
-              <a:ext uri="{FF2B5EF4-FFF2-40B4-BE49-F238E27FC236}">
-                <a16:creationId xmlns:a16="http://schemas.microsoft.com/office/drawing/2014/main" id="{CD52AA27-B80B-9A2F-A14A-B59CB473427D}"/>
-              </a:ext>
-            </a:extLst>
-          </p:cNvPr>
-          <p:cNvSpPr>
-            <a:spLocks noGrp="1"/>
-          </p:cNvSpPr>
-          <p:nvPr>
-            <p:ph type="title"/>
-          </p:nvPr>
-        </p:nvSpPr>
-        <p:spPr>
-          <a:xfrm>
-            <a:off x="838200" y="235045"/>
-            <a:ext cx="10515600" cy="719112"/>
-          </a:xfrm>
-        </p:spPr>
-        <p:txBody>
-          <a:bodyPr>
-            <a:normAutofit/>
-          </a:bodyPr>
-          <a:lstStyle/>
-          <a:p>
-            <a:r>
-              <a:rPr lang="en-IN" sz="3000" b="1" dirty="0">
-                <a:latin typeface="+mn-lt"/>
-                <a:cs typeface="Calibri Light" panose="020F0302020204030204" pitchFamily="34" charset="0"/>
-              </a:rPr>
-              <a:t>Linear Regression Model:</a:t>
-            </a:r>
-          </a:p>
-        </p:txBody>
-      </p:sp>
-      <p:sp>
-        <p:nvSpPr>
-          <p:cNvPr id="3" name="Content Placeholder 2">
-            <a:extLst>
-              <a:ext uri="{FF2B5EF4-FFF2-40B4-BE49-F238E27FC236}">
-                <a16:creationId xmlns:a16="http://schemas.microsoft.com/office/drawing/2014/main" id="{00C9AD76-31F6-C25B-A71F-6F72622045D9}"/>
-              </a:ext>
-            </a:extLst>
-          </p:cNvPr>
-          <p:cNvSpPr>
-            <a:spLocks noGrp="1"/>
-          </p:cNvSpPr>
-          <p:nvPr>
-            <p:ph idx="1"/>
-          </p:nvPr>
-        </p:nvSpPr>
-        <p:spPr>
-          <a:xfrm>
-            <a:off x="838199" y="1086678"/>
-            <a:ext cx="9987455" cy="5194852"/>
-          </a:xfrm>
-        </p:spPr>
-        <p:txBody>
-          <a:bodyPr>
-            <a:normAutofit/>
-          </a:bodyPr>
-          <a:lstStyle/>
-          <a:p>
-            <a:r>
-              <a:rPr lang="en-US" sz="1900" dirty="0">
-                <a:cs typeface="Calibri Light" panose="020F0302020204030204" pitchFamily="34" charset="0"/>
-              </a:rPr>
-              <a:t>Linear regression is a linear approach for modelling the relationship between a scalar response and one or more explanatory variables.</a:t>
-            </a:r>
-          </a:p>
-          <a:p>
-            <a:pPr marL="0" indent="0">
-              <a:buNone/>
-            </a:pPr>
-            <a:endParaRPr lang="en-US" sz="1900" b="1" dirty="0">
-              <a:cs typeface="Calibri Light" panose="020F0302020204030204" pitchFamily="34" charset="0"/>
-            </a:endParaRPr>
-          </a:p>
-          <a:p>
-            <a:pPr marL="0" indent="0">
-              <a:buNone/>
-            </a:pPr>
-            <a:r>
-              <a:rPr lang="en-US" sz="2000" b="1" dirty="0">
-                <a:cs typeface="Calibri Light" panose="020F0302020204030204" pitchFamily="34" charset="0"/>
-              </a:rPr>
-              <a:t>Mathematical Equation: </a:t>
-            </a:r>
-            <a:r>
-              <a:rPr lang="en-IN" sz="2000" b="1" i="0" dirty="0">
-                <a:effectLst/>
-                <a:cs typeface="Calibri Light" panose="020F0302020204030204" pitchFamily="34" charset="0"/>
-              </a:rPr>
-              <a:t>      </a:t>
-            </a:r>
-            <a:r>
-              <a:rPr lang="en-IN" sz="2000" i="1" dirty="0">
-                <a:effectLst/>
-                <a:cs typeface="Calibri Light" panose="020F0302020204030204" pitchFamily="34" charset="0"/>
-              </a:rPr>
-              <a:t>y =b0+b1x</a:t>
-            </a:r>
-            <a:endParaRPr lang="en-US" sz="2000" dirty="0"/>
-          </a:p>
-          <a:p>
-            <a:pPr marL="457200" lvl="1" indent="0">
-              <a:buNone/>
-            </a:pPr>
-            <a:endParaRPr lang="en-IN" sz="2000" i="0" dirty="0">
-              <a:effectLst/>
-            </a:endParaRPr>
-          </a:p>
-          <a:p>
-            <a:pPr marL="457200" lvl="1" indent="0">
-              <a:buNone/>
-            </a:pPr>
-            <a:endParaRPr lang="en-US" sz="2800" dirty="0">
-              <a:solidFill>
-                <a:schemeClr val="tx1"/>
-              </a:solidFill>
-              <a:latin typeface="+mj-lt"/>
-            </a:endParaRPr>
-          </a:p>
-          <a:p>
-            <a:pPr marL="457200" lvl="1" indent="0">
-              <a:buNone/>
-            </a:pPr>
-            <a:endParaRPr lang="en-US" sz="2800" dirty="0">
-              <a:solidFill>
-                <a:schemeClr val="tx1"/>
-              </a:solidFill>
-              <a:latin typeface="+mj-lt"/>
-            </a:endParaRPr>
-          </a:p>
-        </p:txBody>
-      </p:sp>
-      <p:pic>
-        <p:nvPicPr>
-          <p:cNvPr id="8" name="Picture 7">
-            <a:extLst>
-              <a:ext uri="{FF2B5EF4-FFF2-40B4-BE49-F238E27FC236}">
-                <a16:creationId xmlns:a16="http://schemas.microsoft.com/office/drawing/2014/main" id="{82D84A91-1815-CA7F-8E7B-DECAC506B360}"/>
-              </a:ext>
-            </a:extLst>
-          </p:cNvPr>
-          <p:cNvPicPr>
-            <a:picLocks noChangeAspect="1"/>
-          </p:cNvPicPr>
-          <p:nvPr/>
-        </p:nvPicPr>
-        <p:blipFill>
-          <a:blip r:embed="rId2"/>
-          <a:stretch>
-            <a:fillRect/>
-          </a:stretch>
-        </p:blipFill>
-        <p:spPr>
-          <a:xfrm>
-            <a:off x="657018" y="3207758"/>
-            <a:ext cx="5692016" cy="2739336"/>
-          </a:xfrm>
-          <a:prstGeom prst="rect">
-            <a:avLst/>
-          </a:prstGeom>
-        </p:spPr>
-      </p:pic>
-      <p:sp>
-        <p:nvSpPr>
-          <p:cNvPr id="4" name="TextBox 3">
-            <a:extLst>
-              <a:ext uri="{FF2B5EF4-FFF2-40B4-BE49-F238E27FC236}">
-                <a16:creationId xmlns:a16="http://schemas.microsoft.com/office/drawing/2014/main" id="{2C796A73-E7E2-0A67-B353-27C323AC5538}"/>
-              </a:ext>
-            </a:extLst>
-          </p:cNvPr>
-          <p:cNvSpPr txBox="1"/>
-          <p:nvPr/>
-        </p:nvSpPr>
-        <p:spPr>
-          <a:xfrm>
-            <a:off x="2705201" y="4817076"/>
-            <a:ext cx="2955444" cy="707886"/>
-          </a:xfrm>
-          <a:prstGeom prst="rect">
-            <a:avLst/>
-          </a:prstGeom>
-          <a:noFill/>
-        </p:spPr>
-        <p:txBody>
-          <a:bodyPr wrap="square" rtlCol="0">
-            <a:spAutoFit/>
-          </a:bodyPr>
-          <a:lstStyle/>
-          <a:p>
-            <a:r>
-              <a:rPr lang="en-US" sz="2000" b="1" i="1" dirty="0">
-                <a:solidFill>
-                  <a:srgbClr val="000000"/>
-                </a:solidFill>
-                <a:latin typeface="Calibri Light" panose="020F0302020204030204" pitchFamily="34" charset="0"/>
-                <a:cs typeface="Calibri Light" panose="020F0302020204030204" pitchFamily="34" charset="0"/>
-              </a:rPr>
-              <a:t>b0: </a:t>
-            </a:r>
-            <a:r>
-              <a:rPr lang="en-US" sz="2000" b="1" i="1" dirty="0">
-                <a:solidFill>
-                  <a:srgbClr val="000000"/>
-                </a:solidFill>
-                <a:effectLst/>
-                <a:latin typeface="Calibri Light" panose="020F0302020204030204" pitchFamily="34" charset="0"/>
-                <a:cs typeface="Calibri Light" panose="020F0302020204030204" pitchFamily="34" charset="0"/>
-              </a:rPr>
-              <a:t>Intercept of the line</a:t>
-            </a:r>
-          </a:p>
-          <a:p>
-            <a:r>
-              <a:rPr lang="en-US" sz="2000" b="1" i="1" dirty="0">
-                <a:solidFill>
-                  <a:srgbClr val="000000"/>
-                </a:solidFill>
-                <a:latin typeface="Calibri Light" panose="020F0302020204030204" pitchFamily="34" charset="0"/>
-                <a:cs typeface="Calibri Light" panose="020F0302020204030204" pitchFamily="34" charset="0"/>
-              </a:rPr>
-              <a:t>b1: Regression Coefficient</a:t>
-            </a:r>
-            <a:endParaRPr lang="hi-IN" sz="2000" b="1" dirty="0">
-              <a:latin typeface="Calibri Light" panose="020F0302020204030204" pitchFamily="34" charset="0"/>
-            </a:endParaRPr>
-          </a:p>
-        </p:txBody>
-      </p:sp>
-      <p:pic>
-        <p:nvPicPr>
-          <p:cNvPr id="14" name="Picture 13">
-            <a:extLst>
-              <a:ext uri="{FF2B5EF4-FFF2-40B4-BE49-F238E27FC236}">
-                <a16:creationId xmlns:a16="http://schemas.microsoft.com/office/drawing/2014/main" id="{C0903322-231D-92B6-2CC8-1C55ED5A4117}"/>
-              </a:ext>
-            </a:extLst>
-          </p:cNvPr>
-          <p:cNvPicPr>
-            <a:picLocks noChangeAspect="1"/>
-          </p:cNvPicPr>
-          <p:nvPr/>
-        </p:nvPicPr>
-        <p:blipFill>
-          <a:blip r:embed="rId3"/>
-          <a:stretch>
-            <a:fillRect/>
-          </a:stretch>
-        </p:blipFill>
-        <p:spPr>
-          <a:xfrm>
-            <a:off x="5831926" y="2822713"/>
-            <a:ext cx="5934075" cy="3246781"/>
-          </a:xfrm>
-          <a:prstGeom prst="rect">
-            <a:avLst/>
-          </a:prstGeom>
-        </p:spPr>
-      </p:pic>
-    </p:spTree>
-    <p:extLst>
-      <p:ext uri="{BB962C8B-B14F-4D97-AF65-F5344CB8AC3E}">
-        <p14:creationId xmlns:p14="http://schemas.microsoft.com/office/powerpoint/2010/main" val="4287874977"/>
-      </p:ext>
-    </p:extLst>
-  </p:cSld>
-  <p:clrMapOvr>
-    <a:masterClrMapping/>
-  </p:clrMapOvr>
-</p:sld>
-</file>
-
-<file path=ppt/slides/slide14.xml><?xml version="1.0" encoding="utf-8"?>
-<p:sld xmlns:a="http://schemas.openxmlformats.org/drawingml/2006/main" xmlns:r="http://schemas.openxmlformats.org/officeDocument/2006/relationships" xmlns:p="http://schemas.openxmlformats.org/presentationml/2006/main">
-  <p:cSld>
-    <p:spTree>
-      <p:nvGrpSpPr>
-        <p:cNvPr id="1" name=""/>
-        <p:cNvGrpSpPr/>
-        <p:nvPr/>
-      </p:nvGrpSpPr>
-      <p:grpSpPr>
-        <a:xfrm>
-          <a:off x="0" y="0"/>
-          <a:ext cx="0" cy="0"/>
-          <a:chOff x="0" y="0"/>
-          <a:chExt cx="0" cy="0"/>
-        </a:xfrm>
-      </p:grpSpPr>
-      <p:sp>
-        <p:nvSpPr>
-          <p:cNvPr id="2" name="Title 1">
-            <a:extLst>
-              <a:ext uri="{FF2B5EF4-FFF2-40B4-BE49-F238E27FC236}">
-                <a16:creationId xmlns:a16="http://schemas.microsoft.com/office/drawing/2014/main" id="{CD52AA27-B80B-9A2F-A14A-B59CB473427D}"/>
-              </a:ext>
-            </a:extLst>
-          </p:cNvPr>
-          <p:cNvSpPr>
-            <a:spLocks noGrp="1"/>
-          </p:cNvSpPr>
-          <p:nvPr>
-            <p:ph type="title"/>
-          </p:nvPr>
-        </p:nvSpPr>
-        <p:spPr>
-          <a:xfrm>
-            <a:off x="838200" y="228768"/>
-            <a:ext cx="10515600" cy="966370"/>
-          </a:xfrm>
-        </p:spPr>
-        <p:txBody>
-          <a:bodyPr>
-            <a:normAutofit/>
-          </a:bodyPr>
-          <a:lstStyle/>
-          <a:p>
-            <a:r>
-              <a:rPr lang="en-IN" sz="3000" b="1" dirty="0">
-                <a:latin typeface="+mn-lt"/>
-              </a:rPr>
-              <a:t>Linear Regression model</a:t>
-            </a:r>
-            <a:r>
-              <a:rPr lang="en-IN" sz="3000" b="1">
-                <a:latin typeface="+mn-lt"/>
-              </a:rPr>
-              <a:t>: Results</a:t>
-            </a:r>
-            <a:endParaRPr lang="en-IN" sz="3000" b="1" dirty="0">
-              <a:latin typeface="+mn-lt"/>
-            </a:endParaRPr>
-          </a:p>
-        </p:txBody>
-      </p:sp>
-      <p:sp>
-        <p:nvSpPr>
-          <p:cNvPr id="3" name="Content Placeholder 2">
-            <a:extLst>
-              <a:ext uri="{FF2B5EF4-FFF2-40B4-BE49-F238E27FC236}">
-                <a16:creationId xmlns:a16="http://schemas.microsoft.com/office/drawing/2014/main" id="{00C9AD76-31F6-C25B-A71F-6F72622045D9}"/>
-              </a:ext>
-            </a:extLst>
-          </p:cNvPr>
-          <p:cNvSpPr>
-            <a:spLocks noGrp="1"/>
-          </p:cNvSpPr>
-          <p:nvPr>
-            <p:ph idx="1"/>
-          </p:nvPr>
-        </p:nvSpPr>
-        <p:spPr>
-          <a:xfrm>
-            <a:off x="838200" y="1331495"/>
-            <a:ext cx="10515600" cy="4845468"/>
-          </a:xfrm>
-        </p:spPr>
-        <p:txBody>
-          <a:bodyPr/>
-          <a:lstStyle/>
-          <a:p>
-            <a:pPr marL="0" indent="0">
-              <a:buNone/>
-            </a:pPr>
-            <a:endParaRPr lang="en-IN" dirty="0"/>
-          </a:p>
-          <a:p>
-            <a:endParaRPr lang="en-IN" dirty="0"/>
-          </a:p>
-        </p:txBody>
-      </p:sp>
-      <p:pic>
-        <p:nvPicPr>
-          <p:cNvPr id="9" name="Picture 8">
-            <a:extLst>
-              <a:ext uri="{FF2B5EF4-FFF2-40B4-BE49-F238E27FC236}">
-                <a16:creationId xmlns:a16="http://schemas.microsoft.com/office/drawing/2014/main" id="{222A02A7-39A2-E68C-73B5-6E364B6098E9}"/>
-              </a:ext>
-            </a:extLst>
-          </p:cNvPr>
-          <p:cNvPicPr>
-            <a:picLocks noChangeAspect="1"/>
-          </p:cNvPicPr>
-          <p:nvPr/>
-        </p:nvPicPr>
-        <p:blipFill>
-          <a:blip r:embed="rId2"/>
-          <a:stretch>
-            <a:fillRect/>
-          </a:stretch>
-        </p:blipFill>
-        <p:spPr>
-          <a:xfrm>
-            <a:off x="838200" y="2829548"/>
-            <a:ext cx="5185467" cy="924681"/>
-          </a:xfrm>
-          <a:prstGeom prst="rect">
-            <a:avLst/>
-          </a:prstGeom>
-        </p:spPr>
-      </p:pic>
-      <p:pic>
-        <p:nvPicPr>
-          <p:cNvPr id="5" name="Picture 4">
-            <a:extLst>
-              <a:ext uri="{FF2B5EF4-FFF2-40B4-BE49-F238E27FC236}">
-                <a16:creationId xmlns:a16="http://schemas.microsoft.com/office/drawing/2014/main" id="{E064F01B-4533-F99D-007A-2C028920D573}"/>
-              </a:ext>
-            </a:extLst>
-          </p:cNvPr>
-          <p:cNvPicPr>
-            <a:picLocks noChangeAspect="1"/>
-          </p:cNvPicPr>
-          <p:nvPr/>
-        </p:nvPicPr>
-        <p:blipFill>
-          <a:blip r:embed="rId3"/>
-          <a:stretch>
-            <a:fillRect/>
-          </a:stretch>
-        </p:blipFill>
-        <p:spPr>
-          <a:xfrm>
-            <a:off x="887852" y="1331495"/>
-            <a:ext cx="5944115" cy="1044030"/>
-          </a:xfrm>
-          <a:prstGeom prst="rect">
-            <a:avLst/>
-          </a:prstGeom>
-        </p:spPr>
-      </p:pic>
-      <p:sp>
-        <p:nvSpPr>
-          <p:cNvPr id="4" name="TextBox 3">
-            <a:extLst>
-              <a:ext uri="{FF2B5EF4-FFF2-40B4-BE49-F238E27FC236}">
-                <a16:creationId xmlns:a16="http://schemas.microsoft.com/office/drawing/2014/main" id="{2CAF80DB-FFB4-FB1B-FAD2-7920BA249001}"/>
-              </a:ext>
-            </a:extLst>
-          </p:cNvPr>
-          <p:cNvSpPr txBox="1"/>
-          <p:nvPr/>
-        </p:nvSpPr>
-        <p:spPr>
-          <a:xfrm>
-            <a:off x="7366369" y="1391845"/>
-            <a:ext cx="4438006" cy="923330"/>
-          </a:xfrm>
-          <a:prstGeom prst="rect">
-            <a:avLst/>
-          </a:prstGeom>
-          <a:noFill/>
-        </p:spPr>
-        <p:txBody>
-          <a:bodyPr wrap="square" rtlCol="0">
-            <a:spAutoFit/>
-          </a:bodyPr>
-          <a:lstStyle/>
-          <a:p>
-            <a:r>
-              <a:rPr lang="en-US" dirty="0"/>
-              <a:t>R-Squared Value: It means this model can explain 75% of variation in price of the used car.</a:t>
-            </a:r>
-            <a:endParaRPr lang="hi-IN" dirty="0"/>
-          </a:p>
-        </p:txBody>
-      </p:sp>
-      <p:pic>
-        <p:nvPicPr>
-          <p:cNvPr id="2056" name="Picture 8" descr="Multiple Linear Regression &amp; Adjusted R-Squared | K2 Analytics">
-            <a:extLst>
-              <a:ext uri="{FF2B5EF4-FFF2-40B4-BE49-F238E27FC236}">
-                <a16:creationId xmlns:a16="http://schemas.microsoft.com/office/drawing/2014/main" id="{363EC711-89CE-F3CC-B62C-F52B2F5A8127}"/>
-              </a:ext>
-            </a:extLst>
-          </p:cNvPr>
-          <p:cNvPicPr>
-            <a:picLocks noChangeAspect="1" noChangeArrowheads="1"/>
-          </p:cNvPicPr>
-          <p:nvPr/>
-        </p:nvPicPr>
-        <p:blipFill>
-          <a:blip r:embed="rId4">
-            <a:extLst>
-              <a:ext uri="{28A0092B-C50C-407E-A947-70E740481C1C}">
-                <a14:useLocalDpi xmlns:a14="http://schemas.microsoft.com/office/drawing/2010/main" val="0"/>
-              </a:ext>
-            </a:extLst>
-          </a:blip>
-          <a:srcRect/>
-          <a:stretch>
-            <a:fillRect/>
-          </a:stretch>
-        </p:blipFill>
-        <p:spPr bwMode="auto">
-          <a:xfrm>
-            <a:off x="6949970" y="4759270"/>
-            <a:ext cx="4943475" cy="923925"/>
-          </a:xfrm>
-          <a:prstGeom prst="rect">
-            <a:avLst/>
-          </a:prstGeom>
-          <a:noFill/>
-          <a:extLst>
-            <a:ext uri="{909E8E84-426E-40DD-AFC4-6F175D3DCCD1}">
-              <a14:hiddenFill xmlns:a14="http://schemas.microsoft.com/office/drawing/2010/main">
-                <a:solidFill>
-                  <a:srgbClr val="FFFFFF"/>
-                </a:solidFill>
-              </a14:hiddenFill>
-            </a:ext>
-          </a:extLst>
-        </p:spPr>
-      </p:pic>
-      <p:pic>
-        <p:nvPicPr>
-          <p:cNvPr id="2064" name="Picture 16" descr="Looking at R-Squared. In data science we create regression… | by Erika D |  Medium">
-            <a:extLst>
-              <a:ext uri="{FF2B5EF4-FFF2-40B4-BE49-F238E27FC236}">
-                <a16:creationId xmlns:a16="http://schemas.microsoft.com/office/drawing/2014/main" id="{7FA045CA-2B14-03C4-F84B-31F41BCC5704}"/>
-              </a:ext>
-            </a:extLst>
-          </p:cNvPr>
-          <p:cNvPicPr>
-            <a:picLocks noChangeAspect="1" noChangeArrowheads="1"/>
-          </p:cNvPicPr>
-          <p:nvPr/>
-        </p:nvPicPr>
-        <p:blipFill>
-          <a:blip r:embed="rId5">
-            <a:extLst>
-              <a:ext uri="{28A0092B-C50C-407E-A947-70E740481C1C}">
-                <a14:useLocalDpi xmlns:a14="http://schemas.microsoft.com/office/drawing/2010/main" val="0"/>
-              </a:ext>
-            </a:extLst>
-          </a:blip>
-          <a:srcRect/>
-          <a:stretch>
-            <a:fillRect/>
-          </a:stretch>
-        </p:blipFill>
-        <p:spPr bwMode="auto">
-          <a:xfrm>
-            <a:off x="7016644" y="3806770"/>
-            <a:ext cx="4810125" cy="952500"/>
-          </a:xfrm>
-          <a:prstGeom prst="rect">
-            <a:avLst/>
-          </a:prstGeom>
-          <a:noFill/>
-          <a:extLst>
-            <a:ext uri="{909E8E84-426E-40DD-AFC4-6F175D3DCCD1}">
-              <a14:hiddenFill xmlns:a14="http://schemas.microsoft.com/office/drawing/2010/main">
-                <a:solidFill>
-                  <a:srgbClr val="FFFFFF"/>
-                </a:solidFill>
-              </a14:hiddenFill>
-            </a:ext>
-          </a:extLst>
-        </p:spPr>
-      </p:pic>
-      <p:sp>
-        <p:nvSpPr>
-          <p:cNvPr id="12" name="TextBox 11">
-            <a:extLst>
-              <a:ext uri="{FF2B5EF4-FFF2-40B4-BE49-F238E27FC236}">
-                <a16:creationId xmlns:a16="http://schemas.microsoft.com/office/drawing/2014/main" id="{CB52CB6D-DD6B-8225-0FF4-CA9DB29535FF}"/>
-              </a:ext>
-            </a:extLst>
-          </p:cNvPr>
-          <p:cNvSpPr txBox="1"/>
-          <p:nvPr/>
-        </p:nvSpPr>
-        <p:spPr>
-          <a:xfrm>
-            <a:off x="7135112" y="2394215"/>
-            <a:ext cx="2045881" cy="369332"/>
-          </a:xfrm>
-          <a:prstGeom prst="rect">
-            <a:avLst/>
-          </a:prstGeom>
-          <a:noFill/>
-        </p:spPr>
-        <p:txBody>
-          <a:bodyPr wrap="none" rtlCol="0">
-            <a:spAutoFit/>
-          </a:bodyPr>
-          <a:lstStyle/>
-          <a:p>
-            <a:r>
-              <a:rPr lang="en-US" b="1" dirty="0"/>
-              <a:t>Standard Formulas:</a:t>
-            </a:r>
-            <a:endParaRPr lang="hi-IN" b="1" dirty="0"/>
-          </a:p>
-        </p:txBody>
-      </p:sp>
-      <p:pic>
-        <p:nvPicPr>
-          <p:cNvPr id="1026" name="Picture 2" descr="What does RMSE really mean?. Root Mean Square Error (RMSE) is a… | by James  Moody | Towards Data Science">
-            <a:extLst>
-              <a:ext uri="{FF2B5EF4-FFF2-40B4-BE49-F238E27FC236}">
-                <a16:creationId xmlns:a16="http://schemas.microsoft.com/office/drawing/2014/main" id="{5121F997-C9AA-C128-14F3-7E1F27B45FEA}"/>
-              </a:ext>
-            </a:extLst>
-          </p:cNvPr>
-          <p:cNvPicPr>
-            <a:picLocks noChangeAspect="1" noChangeArrowheads="1"/>
-          </p:cNvPicPr>
-          <p:nvPr/>
-        </p:nvPicPr>
-        <p:blipFill>
-          <a:blip r:embed="rId6">
-            <a:extLst>
-              <a:ext uri="{28A0092B-C50C-407E-A947-70E740481C1C}">
-                <a14:useLocalDpi xmlns:a14="http://schemas.microsoft.com/office/drawing/2010/main" val="0"/>
-              </a:ext>
-            </a:extLst>
-          </a:blip>
-          <a:srcRect/>
-          <a:stretch>
-            <a:fillRect/>
-          </a:stretch>
-        </p:blipFill>
-        <p:spPr bwMode="auto">
-          <a:xfrm>
-            <a:off x="7266468" y="2757371"/>
-            <a:ext cx="3829050" cy="1190625"/>
-          </a:xfrm>
-          <a:prstGeom prst="rect">
-            <a:avLst/>
-          </a:prstGeom>
-          <a:noFill/>
-          <a:extLst>
-            <a:ext uri="{909E8E84-426E-40DD-AFC4-6F175D3DCCD1}">
-              <a14:hiddenFill xmlns:a14="http://schemas.microsoft.com/office/drawing/2010/main">
-                <a:solidFill>
-                  <a:srgbClr val="FFFFFF"/>
-                </a:solidFill>
-              </a14:hiddenFill>
-            </a:ext>
-          </a:extLst>
-        </p:spPr>
-      </p:pic>
-      <p:pic>
-        <p:nvPicPr>
-          <p:cNvPr id="7" name="Picture 6">
-            <a:extLst>
-              <a:ext uri="{FF2B5EF4-FFF2-40B4-BE49-F238E27FC236}">
-                <a16:creationId xmlns:a16="http://schemas.microsoft.com/office/drawing/2014/main" id="{45491969-CEE3-D187-E43B-FA8979F804D0}"/>
-              </a:ext>
-            </a:extLst>
-          </p:cNvPr>
-          <p:cNvPicPr>
-            <a:picLocks noChangeAspect="1"/>
-          </p:cNvPicPr>
-          <p:nvPr/>
-        </p:nvPicPr>
-        <p:blipFill>
-          <a:blip r:embed="rId7">
-            <a:extLst>
-              <a:ext uri="{28A0092B-C50C-407E-A947-70E740481C1C}">
-                <a14:useLocalDpi xmlns:a14="http://schemas.microsoft.com/office/drawing/2010/main" val="0"/>
-              </a:ext>
-            </a:extLst>
-          </a:blip>
-          <a:stretch>
-            <a:fillRect/>
-          </a:stretch>
-        </p:blipFill>
-        <p:spPr>
-          <a:xfrm>
-            <a:off x="784900" y="4245003"/>
-            <a:ext cx="6047067" cy="1638300"/>
-          </a:xfrm>
-          <a:prstGeom prst="rect">
-            <a:avLst/>
-          </a:prstGeom>
-        </p:spPr>
-      </p:pic>
-    </p:spTree>
-    <p:extLst>
-      <p:ext uri="{BB962C8B-B14F-4D97-AF65-F5344CB8AC3E}">
-        <p14:creationId xmlns:p14="http://schemas.microsoft.com/office/powerpoint/2010/main" val="2614821580"/>
-      </p:ext>
-    </p:extLst>
-  </p:cSld>
-  <p:clrMapOvr>
-    <a:masterClrMapping/>
-  </p:clrMapOvr>
-  <mc:AlternateContent xmlns:mc="http://schemas.openxmlformats.org/markup-compatibility/2006" xmlns:p14="http://schemas.microsoft.com/office/powerpoint/2010/main">
-    <mc:Choice Requires="p14">
-      <p:transition spd="slow" p14:dur="2000" advTm="9028"/>
-    </mc:Choice>
-    <mc:Fallback xmlns="">
-      <p:transition spd="slow" advTm="9028"/>
-    </mc:Fallback>
-  </mc:AlternateContent>
-</p:sld>
-</file>
-
 <file path=ppt/slides/slide15.xml><?xml version="1.0" encoding="utf-8"?>
 <p:sld xmlns:a="http://schemas.openxmlformats.org/drawingml/2006/main" xmlns:r="http://schemas.openxmlformats.org/officeDocument/2006/relationships" xmlns:p="http://schemas.openxmlformats.org/presentationml/2006/main">
   <p:cSld>
@@ -6591,7 +6378,7 @@
           <p:cNvPr id="2" name="Title 1">
             <a:extLst>
               <a:ext uri="{FF2B5EF4-FFF2-40B4-BE49-F238E27FC236}">
-                <a16:creationId xmlns:a16="http://schemas.microsoft.com/office/drawing/2014/main" id="{BD76F5DC-947E-7F44-F695-683988A91641}"/>
+                <a16:creationId xmlns:a16="http://schemas.microsoft.com/office/drawing/2014/main" id="{CD52AA27-B80B-9A2F-A14A-B59CB473427D}"/>
               </a:ext>
             </a:extLst>
           </p:cNvPr>
@@ -6604,8 +6391,8 @@
         </p:nvSpPr>
         <p:spPr>
           <a:xfrm>
-            <a:off x="387178" y="0"/>
-            <a:ext cx="10515600" cy="713665"/>
+            <a:off x="838200" y="235045"/>
+            <a:ext cx="10515600" cy="719112"/>
           </a:xfrm>
         </p:spPr>
         <p:txBody>
@@ -6615,10 +6402,11 @@
           <a:lstStyle/>
           <a:p>
             <a:r>
-              <a:rPr lang="en-IN" sz="3200" b="1" dirty="0">
+              <a:rPr lang="en-IN" sz="3000" b="1" dirty="0">
                 <a:latin typeface="+mn-lt"/>
-              </a:rPr>
-              <a:t>Random Forest Regressor</a:t>
+                <a:cs typeface="Calibri Light" panose="020F0302020204030204" pitchFamily="34" charset="0"/>
+              </a:rPr>
+              <a:t>Linear Regression Model:</a:t>
             </a:r>
           </a:p>
         </p:txBody>
@@ -6628,7 +6416,7 @@
           <p:cNvPr id="3" name="Content Placeholder 2">
             <a:extLst>
               <a:ext uri="{FF2B5EF4-FFF2-40B4-BE49-F238E27FC236}">
-                <a16:creationId xmlns:a16="http://schemas.microsoft.com/office/drawing/2014/main" id="{997CA512-24F3-ECA9-AB32-6426466FA640}"/>
+                <a16:creationId xmlns:a16="http://schemas.microsoft.com/office/drawing/2014/main" id="{00C9AD76-31F6-C25B-A71F-6F72622045D9}"/>
               </a:ext>
             </a:extLst>
           </p:cNvPr>
@@ -6641,42 +6429,95 @@
         </p:nvSpPr>
         <p:spPr>
           <a:xfrm>
-            <a:off x="387178" y="825277"/>
-            <a:ext cx="11588254" cy="5880323"/>
-          </a:xfrm>
-        </p:spPr>
-        <p:txBody>
-          <a:bodyPr/>
+            <a:off x="838199" y="1086678"/>
+            <a:ext cx="9987455" cy="5194852"/>
+          </a:xfrm>
+        </p:spPr>
+        <p:txBody>
+          <a:bodyPr>
+            <a:normAutofit/>
+          </a:bodyPr>
           <a:lstStyle/>
+          <a:p>
+            <a:r>
+              <a:rPr lang="en-US" sz="1900" dirty="0">
+                <a:cs typeface="Calibri Light" panose="020F0302020204030204" pitchFamily="34" charset="0"/>
+              </a:rPr>
+              <a:t>Linear regression is a linear approach for modelling the relationship between a scalar response and one or more explanatory variables.</a:t>
+            </a:r>
+          </a:p>
           <a:p>
             <a:pPr marL="0" indent="0">
               <a:buNone/>
             </a:pPr>
-            <a:r>
-              <a:rPr lang="en-IN" sz="2000" dirty="0"/>
-              <a:t>Random forest is a decision tree-based algorithm that uses the bagging(Bootstrap Aggregation)</a:t>
-            </a:r>
+            <a:endParaRPr lang="en-US" sz="1900" b="1" dirty="0">
+              <a:cs typeface="Calibri Light" panose="020F0302020204030204" pitchFamily="34" charset="0"/>
+            </a:endParaRPr>
           </a:p>
           <a:p>
             <a:pPr marL="0" indent="0">
               <a:buNone/>
             </a:pPr>
             <a:r>
-              <a:rPr lang="en-IN" sz="2000" dirty="0"/>
-              <a:t> technique to reduce the variance of the model.</a:t>
-            </a:r>
-          </a:p>
-          <a:p>
-            <a:endParaRPr lang="en-IN" b="1" dirty="0"/>
+              <a:rPr lang="en-US" sz="2000" b="1" dirty="0">
+                <a:cs typeface="Calibri Light" panose="020F0302020204030204" pitchFamily="34" charset="0"/>
+              </a:rPr>
+              <a:t>Mathematical Equation: </a:t>
+            </a:r>
+            <a:r>
+              <a:rPr lang="en-IN" sz="2000" b="1" i="0" dirty="0">
+                <a:effectLst/>
+                <a:cs typeface="Calibri Light" panose="020F0302020204030204" pitchFamily="34" charset="0"/>
+              </a:rPr>
+              <a:t>      </a:t>
+            </a:r>
+            <a:r>
+              <a:rPr lang="en-IN" sz="2000" i="1" dirty="0">
+                <a:effectLst/>
+                <a:cs typeface="Calibri Light" panose="020F0302020204030204" pitchFamily="34" charset="0"/>
+              </a:rPr>
+              <a:t>y =b0+b1x</a:t>
+            </a:r>
+            <a:endParaRPr lang="en-US" sz="2000" dirty="0"/>
+          </a:p>
+          <a:p>
+            <a:pPr marL="457200" lvl="1" indent="0">
+              <a:buNone/>
+            </a:pPr>
+            <a:endParaRPr lang="en-IN" sz="2000" i="0" dirty="0">
+              <a:effectLst/>
+            </a:endParaRPr>
+          </a:p>
+          <a:p>
+            <a:pPr marL="457200" lvl="1" indent="0">
+              <a:buNone/>
+            </a:pPr>
+            <a:endParaRPr lang="en-US" sz="2800" dirty="0">
+              <a:solidFill>
+                <a:schemeClr val="tx1"/>
+              </a:solidFill>
+              <a:latin typeface="+mj-lt"/>
+            </a:endParaRPr>
+          </a:p>
+          <a:p>
+            <a:pPr marL="457200" lvl="1" indent="0">
+              <a:buNone/>
+            </a:pPr>
+            <a:endParaRPr lang="en-US" sz="2800" dirty="0">
+              <a:solidFill>
+                <a:schemeClr val="tx1"/>
+              </a:solidFill>
+              <a:latin typeface="+mj-lt"/>
+            </a:endParaRPr>
           </a:p>
         </p:txBody>
       </p:sp>
       <p:pic>
         <p:nvPicPr>
-          <p:cNvPr id="10" name="Picture 9">
-            <a:extLst>
-              <a:ext uri="{FF2B5EF4-FFF2-40B4-BE49-F238E27FC236}">
-                <a16:creationId xmlns:a16="http://schemas.microsoft.com/office/drawing/2014/main" id="{4EF98919-EEE6-9D37-34E5-8A630A15E538}"/>
+          <p:cNvPr id="8" name="Picture 7">
+            <a:extLst>
+              <a:ext uri="{FF2B5EF4-FFF2-40B4-BE49-F238E27FC236}">
+                <a16:creationId xmlns:a16="http://schemas.microsoft.com/office/drawing/2014/main" id="{82D84A91-1815-CA7F-8E7B-DECAC506B360}"/>
               </a:ext>
             </a:extLst>
           </p:cNvPr>
@@ -6693,20 +6534,87 @@
         </p:blipFill>
         <p:spPr>
           <a:xfrm>
-            <a:off x="485822" y="2179773"/>
-            <a:ext cx="5334000" cy="4371681"/>
+            <a:off x="657018" y="3207758"/>
+            <a:ext cx="5692016" cy="2739336"/>
           </a:xfrm>
           <a:prstGeom prst="rect">
             <a:avLst/>
           </a:prstGeom>
         </p:spPr>
       </p:pic>
+      <p:sp>
+        <p:nvSpPr>
+          <p:cNvPr id="4" name="TextBox 3">
+            <a:extLst>
+              <a:ext uri="{FF2B5EF4-FFF2-40B4-BE49-F238E27FC236}">
+                <a16:creationId xmlns:a16="http://schemas.microsoft.com/office/drawing/2014/main" id="{2C796A73-E7E2-0A67-B353-27C323AC5538}"/>
+              </a:ext>
+            </a:extLst>
+          </p:cNvPr>
+          <p:cNvSpPr txBox="1"/>
+          <p:nvPr/>
+        </p:nvSpPr>
+        <p:spPr>
+          <a:xfrm>
+            <a:off x="2705201" y="4817076"/>
+            <a:ext cx="2955444" cy="707886"/>
+          </a:xfrm>
+          <a:prstGeom prst="rect">
+            <a:avLst/>
+          </a:prstGeom>
+          <a:noFill/>
+        </p:spPr>
+        <p:txBody>
+          <a:bodyPr wrap="square" rtlCol="0">
+            <a:spAutoFit/>
+          </a:bodyPr>
+          <a:lstStyle/>
+          <a:p>
+            <a:r>
+              <a:rPr lang="en-US" sz="2000" b="1" i="1" dirty="0">
+                <a:solidFill>
+                  <a:srgbClr val="000000"/>
+                </a:solidFill>
+                <a:latin typeface="Calibri Light" panose="020F0302020204030204" pitchFamily="34" charset="0"/>
+                <a:cs typeface="Calibri Light" panose="020F0302020204030204" pitchFamily="34" charset="0"/>
+              </a:rPr>
+              <a:t>b0: </a:t>
+            </a:r>
+            <a:r>
+              <a:rPr lang="en-US" sz="2000" b="1" i="1" dirty="0">
+                <a:solidFill>
+                  <a:srgbClr val="000000"/>
+                </a:solidFill>
+                <a:effectLst/>
+                <a:latin typeface="Calibri Light" panose="020F0302020204030204" pitchFamily="34" charset="0"/>
+                <a:cs typeface="Calibri Light" panose="020F0302020204030204" pitchFamily="34" charset="0"/>
+              </a:rPr>
+              <a:t>Intercept of the line</a:t>
+            </a:r>
+          </a:p>
+          <a:p>
+            <a:r>
+              <a:rPr lang="en-US" sz="2000" b="1" i="1" dirty="0">
+                <a:solidFill>
+                  <a:srgbClr val="000000"/>
+                </a:solidFill>
+                <a:latin typeface="Calibri Light" panose="020F0302020204030204" pitchFamily="34" charset="0"/>
+                <a:cs typeface="Calibri Light" panose="020F0302020204030204" pitchFamily="34" charset="0"/>
+              </a:rPr>
+              <a:t>b1: Regression Coefficient</a:t>
+            </a:r>
+            <a:endParaRPr lang="hi-IN" sz="2000" b="1" dirty="0">
+              <a:latin typeface="Calibri Light" panose="020F0302020204030204" pitchFamily="34" charset="0"/>
+            </a:endParaRPr>
+          </a:p>
+        </p:txBody>
+      </p:sp>
       <p:pic>
         <p:nvPicPr>
-          <p:cNvPr id="12" name="Picture 11">
-            <a:extLst>
-              <a:ext uri="{FF2B5EF4-FFF2-40B4-BE49-F238E27FC236}">
-                <a16:creationId xmlns:a16="http://schemas.microsoft.com/office/drawing/2014/main" id="{D49ECD90-0840-6902-59BE-12C49FCD18B3}"/>
+          <p:cNvPr id="14" name="Picture 13">
+            <a:extLst>
+              <a:ext uri="{FF2B5EF4-FFF2-40B4-BE49-F238E27FC236}">
+                <a16:creationId xmlns:a16="http://schemas.microsoft.com/office/drawing/2014/main" id="{C0903322-231D-92B6-2CC8-1C55ED5A4117}"/>
               </a:ext>
             </a:extLst>
           </p:cNvPr>
@@ -6723,284 +6631,18 @@
         </p:blipFill>
         <p:spPr>
           <a:xfrm>
-            <a:off x="6841080" y="2730555"/>
-            <a:ext cx="4568712" cy="3302168"/>
+            <a:off x="5831926" y="2822713"/>
+            <a:ext cx="5934075" cy="3246781"/>
           </a:xfrm>
           <a:prstGeom prst="rect">
             <a:avLst/>
           </a:prstGeom>
         </p:spPr>
       </p:pic>
-      <p:sp>
-        <p:nvSpPr>
-          <p:cNvPr id="4" name="TextBox 3">
-            <a:extLst>
-              <a:ext uri="{FF2B5EF4-FFF2-40B4-BE49-F238E27FC236}">
-                <a16:creationId xmlns:a16="http://schemas.microsoft.com/office/drawing/2014/main" id="{14DDB1BA-BD50-F93E-88E0-55A2F0BE6949}"/>
-              </a:ext>
-            </a:extLst>
-          </p:cNvPr>
-          <p:cNvSpPr txBox="1"/>
-          <p:nvPr/>
-        </p:nvSpPr>
-        <p:spPr>
-          <a:xfrm>
-            <a:off x="1374981" y="1718108"/>
-            <a:ext cx="4363182" cy="400110"/>
-          </a:xfrm>
-          <a:prstGeom prst="rect">
-            <a:avLst/>
-          </a:prstGeom>
-          <a:noFill/>
-        </p:spPr>
-        <p:txBody>
-          <a:bodyPr wrap="none" rtlCol="0">
-            <a:spAutoFit/>
-          </a:bodyPr>
-          <a:lstStyle/>
-          <a:p>
-            <a:r>
-              <a:rPr lang="en-IN" sz="2000" dirty="0"/>
-              <a:t>Random forest Regressor – Visualization</a:t>
-            </a:r>
-          </a:p>
-        </p:txBody>
-      </p:sp>
-      <p:sp>
-        <p:nvSpPr>
-          <p:cNvPr id="6" name="TextBox 5">
-            <a:extLst>
-              <a:ext uri="{FF2B5EF4-FFF2-40B4-BE49-F238E27FC236}">
-                <a16:creationId xmlns:a16="http://schemas.microsoft.com/office/drawing/2014/main" id="{E25A6926-0D67-A99E-AD6A-54C777425EB3}"/>
-              </a:ext>
-            </a:extLst>
-          </p:cNvPr>
-          <p:cNvSpPr txBox="1"/>
-          <p:nvPr/>
-        </p:nvSpPr>
-        <p:spPr>
-          <a:xfrm>
-            <a:off x="7524248" y="1779663"/>
-            <a:ext cx="4141824" cy="400110"/>
-          </a:xfrm>
-          <a:prstGeom prst="rect">
-            <a:avLst/>
-          </a:prstGeom>
-          <a:noFill/>
-        </p:spPr>
-        <p:txBody>
-          <a:bodyPr wrap="square" rtlCol="0">
-            <a:spAutoFit/>
-          </a:bodyPr>
-          <a:lstStyle/>
-          <a:p>
-            <a:r>
-              <a:rPr lang="en-IN" sz="2000" dirty="0"/>
-              <a:t>Decision Tree Example(Base Lerner)</a:t>
-            </a:r>
-          </a:p>
-        </p:txBody>
-      </p:sp>
-      <p:sp>
-        <p:nvSpPr>
-          <p:cNvPr id="7" name="TextBox 6">
-            <a:extLst>
-              <a:ext uri="{FF2B5EF4-FFF2-40B4-BE49-F238E27FC236}">
-                <a16:creationId xmlns:a16="http://schemas.microsoft.com/office/drawing/2014/main" id="{3D68D8FA-BE3B-33C9-63C6-8B0CD7D0C25B}"/>
-              </a:ext>
-            </a:extLst>
-          </p:cNvPr>
-          <p:cNvSpPr txBox="1"/>
-          <p:nvPr/>
-        </p:nvSpPr>
-        <p:spPr>
-          <a:xfrm>
-            <a:off x="5370562" y="2270498"/>
-            <a:ext cx="1656094" cy="400110"/>
-          </a:xfrm>
-          <a:prstGeom prst="rect">
-            <a:avLst/>
-          </a:prstGeom>
-          <a:noFill/>
-        </p:spPr>
-        <p:txBody>
-          <a:bodyPr wrap="none" rtlCol="0">
-            <a:spAutoFit/>
-          </a:bodyPr>
-          <a:lstStyle/>
-          <a:p>
-            <a:r>
-              <a:rPr lang="en-IN" sz="2000" dirty="0"/>
-              <a:t>Bootstrapping</a:t>
-            </a:r>
-          </a:p>
-        </p:txBody>
-      </p:sp>
-      <p:cxnSp>
-        <p:nvCxnSpPr>
-          <p:cNvPr id="9" name="Straight Arrow Connector 8">
-            <a:extLst>
-              <a:ext uri="{FF2B5EF4-FFF2-40B4-BE49-F238E27FC236}">
-                <a16:creationId xmlns:a16="http://schemas.microsoft.com/office/drawing/2014/main" id="{588379ED-64FB-AF5B-7546-3D51092EC660}"/>
-              </a:ext>
-            </a:extLst>
-          </p:cNvPr>
-          <p:cNvCxnSpPr>
-            <a:cxnSpLocks/>
-            <a:stCxn id="7" idx="1"/>
-          </p:cNvCxnSpPr>
-          <p:nvPr/>
-        </p:nvCxnSpPr>
-        <p:spPr>
-          <a:xfrm flipH="1">
-            <a:off x="4139771" y="2470553"/>
-            <a:ext cx="1230791" cy="186575"/>
-          </a:xfrm>
-          <a:prstGeom prst="straightConnector1">
-            <a:avLst/>
-          </a:prstGeom>
-          <a:ln>
-            <a:tailEnd type="triangle"/>
-          </a:ln>
-        </p:spPr>
-        <p:style>
-          <a:lnRef idx="1">
-            <a:schemeClr val="accent1"/>
-          </a:lnRef>
-          <a:fillRef idx="0">
-            <a:schemeClr val="accent1"/>
-          </a:fillRef>
-          <a:effectRef idx="0">
-            <a:schemeClr val="accent1"/>
-          </a:effectRef>
-          <a:fontRef idx="minor">
-            <a:schemeClr val="tx1"/>
-          </a:fontRef>
-        </p:style>
-      </p:cxnSp>
-      <p:cxnSp>
-        <p:nvCxnSpPr>
-          <p:cNvPr id="16" name="Straight Arrow Connector 15">
-            <a:extLst>
-              <a:ext uri="{FF2B5EF4-FFF2-40B4-BE49-F238E27FC236}">
-                <a16:creationId xmlns:a16="http://schemas.microsoft.com/office/drawing/2014/main" id="{308436C5-308B-0365-3C50-9D1AD70B9BA3}"/>
-              </a:ext>
-            </a:extLst>
-          </p:cNvPr>
-          <p:cNvCxnSpPr>
-            <a:cxnSpLocks/>
-            <a:stCxn id="7" idx="1"/>
-          </p:cNvCxnSpPr>
-          <p:nvPr/>
-        </p:nvCxnSpPr>
-        <p:spPr>
-          <a:xfrm flipH="1">
-            <a:off x="3850105" y="2470553"/>
-            <a:ext cx="1520457" cy="425047"/>
-          </a:xfrm>
-          <a:prstGeom prst="straightConnector1">
-            <a:avLst/>
-          </a:prstGeom>
-          <a:ln>
-            <a:tailEnd type="triangle"/>
-          </a:ln>
-        </p:spPr>
-        <p:style>
-          <a:lnRef idx="1">
-            <a:schemeClr val="accent1"/>
-          </a:lnRef>
-          <a:fillRef idx="0">
-            <a:schemeClr val="accent1"/>
-          </a:fillRef>
-          <a:effectRef idx="0">
-            <a:schemeClr val="accent1"/>
-          </a:effectRef>
-          <a:fontRef idx="minor">
-            <a:schemeClr val="tx1"/>
-          </a:fontRef>
-        </p:style>
-      </p:cxnSp>
-      <p:sp>
-        <p:nvSpPr>
-          <p:cNvPr id="17" name="TextBox 16">
-            <a:extLst>
-              <a:ext uri="{FF2B5EF4-FFF2-40B4-BE49-F238E27FC236}">
-                <a16:creationId xmlns:a16="http://schemas.microsoft.com/office/drawing/2014/main" id="{9B3FA692-4D35-DFA0-0B30-38BEB48D2284}"/>
-              </a:ext>
-            </a:extLst>
-          </p:cNvPr>
-          <p:cNvSpPr txBox="1"/>
-          <p:nvPr/>
-        </p:nvSpPr>
-        <p:spPr>
-          <a:xfrm>
-            <a:off x="4958348" y="4983892"/>
-            <a:ext cx="1442896" cy="400110"/>
-          </a:xfrm>
-          <a:prstGeom prst="rect">
-            <a:avLst/>
-          </a:prstGeom>
-          <a:noFill/>
-        </p:spPr>
-        <p:txBody>
-          <a:bodyPr wrap="none" rtlCol="0">
-            <a:spAutoFit/>
-          </a:bodyPr>
-          <a:lstStyle/>
-          <a:p>
-            <a:r>
-              <a:rPr lang="en-IN" sz="2000" dirty="0"/>
-              <a:t>Aggregation</a:t>
-            </a:r>
-          </a:p>
-        </p:txBody>
-      </p:sp>
-      <p:cxnSp>
-        <p:nvCxnSpPr>
-          <p:cNvPr id="19" name="Straight Arrow Connector 18">
-            <a:extLst>
-              <a:ext uri="{FF2B5EF4-FFF2-40B4-BE49-F238E27FC236}">
-                <a16:creationId xmlns:a16="http://schemas.microsoft.com/office/drawing/2014/main" id="{1CB662A4-907C-3AC5-2209-74C7DCC3D313}"/>
-              </a:ext>
-            </a:extLst>
-          </p:cNvPr>
-          <p:cNvCxnSpPr>
-            <a:cxnSpLocks/>
-            <a:stCxn id="17" idx="1"/>
-          </p:cNvCxnSpPr>
-          <p:nvPr/>
-        </p:nvCxnSpPr>
-        <p:spPr>
-          <a:xfrm flipH="1">
-            <a:off x="3748216" y="5183947"/>
-            <a:ext cx="1210132" cy="169277"/>
-          </a:xfrm>
-          <a:prstGeom prst="straightConnector1">
-            <a:avLst/>
-          </a:prstGeom>
-          <a:ln>
-            <a:tailEnd type="triangle"/>
-          </a:ln>
-        </p:spPr>
-        <p:style>
-          <a:lnRef idx="1">
-            <a:schemeClr val="accent1"/>
-          </a:lnRef>
-          <a:fillRef idx="0">
-            <a:schemeClr val="accent1"/>
-          </a:fillRef>
-          <a:effectRef idx="0">
-            <a:schemeClr val="accent1"/>
-          </a:effectRef>
-          <a:fontRef idx="minor">
-            <a:schemeClr val="tx1"/>
-          </a:fontRef>
-        </p:style>
-      </p:cxnSp>
     </p:spTree>
     <p:extLst>
       <p:ext uri="{BB962C8B-B14F-4D97-AF65-F5344CB8AC3E}">
-        <p14:creationId xmlns:p14="http://schemas.microsoft.com/office/powerpoint/2010/main" val="1428237834"/>
+        <p14:creationId xmlns:p14="http://schemas.microsoft.com/office/powerpoint/2010/main" val="4287874977"/>
       </p:ext>
     </p:extLst>
   </p:cSld>
@@ -7032,7 +6674,7 @@
           <p:cNvPr id="2" name="Title 1">
             <a:extLst>
               <a:ext uri="{FF2B5EF4-FFF2-40B4-BE49-F238E27FC236}">
-                <a16:creationId xmlns:a16="http://schemas.microsoft.com/office/drawing/2014/main" id="{BD76F5DC-947E-7F44-F695-683988A91641}"/>
+                <a16:creationId xmlns:a16="http://schemas.microsoft.com/office/drawing/2014/main" id="{CD52AA27-B80B-9A2F-A14A-B59CB473427D}"/>
               </a:ext>
             </a:extLst>
           </p:cNvPr>
@@ -7045,8 +6687,8 @@
         </p:nvSpPr>
         <p:spPr>
           <a:xfrm>
-            <a:off x="466305" y="324525"/>
-            <a:ext cx="10515600" cy="672843"/>
+            <a:off x="838200" y="228768"/>
+            <a:ext cx="10515600" cy="966370"/>
           </a:xfrm>
         </p:spPr>
         <p:txBody>
@@ -7056,11 +6698,20 @@
           <a:lstStyle/>
           <a:p>
             <a:r>
-              <a:rPr lang="en-IN" sz="3200" b="1" dirty="0">
+              <a:rPr lang="en-IN" sz="3000" b="1" dirty="0">
                 <a:latin typeface="+mn-lt"/>
               </a:rPr>
-              <a:t>Random Forest Regressor: Results</a:t>
-            </a:r>
+              <a:t>Linear Regression model</a:t>
+            </a:r>
+            <a:r>
+              <a:rPr lang="en-IN" sz="3000" b="1">
+                <a:latin typeface="+mn-lt"/>
+              </a:rPr>
+              <a:t>: Results</a:t>
+            </a:r>
+            <a:endParaRPr lang="en-IN" sz="3000" b="1" dirty="0">
+              <a:latin typeface="+mn-lt"/>
+            </a:endParaRPr>
           </a:p>
         </p:txBody>
       </p:sp>
@@ -7069,7 +6720,7 @@
           <p:cNvPr id="3" name="Content Placeholder 2">
             <a:extLst>
               <a:ext uri="{FF2B5EF4-FFF2-40B4-BE49-F238E27FC236}">
-                <a16:creationId xmlns:a16="http://schemas.microsoft.com/office/drawing/2014/main" id="{997CA512-24F3-ECA9-AB32-6426466FA640}"/>
+                <a16:creationId xmlns:a16="http://schemas.microsoft.com/office/drawing/2014/main" id="{00C9AD76-31F6-C25B-A71F-6F72622045D9}"/>
               </a:ext>
             </a:extLst>
           </p:cNvPr>
@@ -7082,14 +6733,12 @@
         </p:nvSpPr>
         <p:spPr>
           <a:xfrm>
-            <a:off x="345989" y="997368"/>
-            <a:ext cx="11467070" cy="5708232"/>
-          </a:xfrm>
-        </p:spPr>
-        <p:txBody>
-          <a:bodyPr>
-            <a:normAutofit/>
-          </a:bodyPr>
+            <a:off x="838200" y="1331495"/>
+            <a:ext cx="10515600" cy="4845468"/>
+          </a:xfrm>
+        </p:spPr>
+        <p:txBody>
+          <a:bodyPr/>
           <a:lstStyle/>
           <a:p>
             <a:pPr marL="0" indent="0">
@@ -7098,90 +6747,16 @@
             <a:endParaRPr lang="en-IN" dirty="0"/>
           </a:p>
           <a:p>
-            <a:pPr marL="0" indent="0">
-              <a:buNone/>
-            </a:pPr>
-            <a:endParaRPr lang="en-IN" dirty="0"/>
-          </a:p>
-          <a:p>
-            <a:pPr marL="0" indent="0">
-              <a:buNone/>
-            </a:pPr>
-            <a:endParaRPr lang="en-IN" dirty="0"/>
-          </a:p>
-          <a:p>
-            <a:pPr marL="0" indent="0">
-              <a:buNone/>
-            </a:pPr>
-            <a:endParaRPr lang="en-IN" dirty="0"/>
-          </a:p>
-          <a:p>
-            <a:pPr marL="0" indent="0">
-              <a:buNone/>
-            </a:pPr>
-            <a:endParaRPr lang="en-IN" dirty="0"/>
-          </a:p>
-          <a:p>
-            <a:pPr marL="0" indent="0">
-              <a:buNone/>
-            </a:pPr>
-            <a:endParaRPr lang="en-IN" dirty="0"/>
-          </a:p>
-          <a:p>
-            <a:pPr marL="0" indent="0">
-              <a:buNone/>
-            </a:pPr>
-            <a:endParaRPr lang="en-IN" dirty="0"/>
-          </a:p>
-          <a:p>
-            <a:pPr marL="0" indent="0">
-              <a:buNone/>
-            </a:pPr>
-            <a:endParaRPr lang="en-IN" dirty="0"/>
-          </a:p>
-          <a:p>
-            <a:pPr marL="0" indent="0">
-              <a:buNone/>
-            </a:pPr>
-            <a:endParaRPr lang="en-IN" dirty="0"/>
-          </a:p>
-          <a:p>
-            <a:pPr marL="0" indent="0">
-              <a:buNone/>
-            </a:pPr>
-            <a:r>
-              <a:rPr lang="en-IN" sz="2000" dirty="0"/>
-              <a:t>Using an iterative algorithm, we got the best value for the number of trees as 200 and the test </a:t>
-            </a:r>
-            <a:r>
-              <a:rPr lang="en-IN" sz="2000" dirty="0" err="1"/>
-              <a:t>Rsquared</a:t>
-            </a:r>
-            <a:r>
-              <a:rPr lang="en-IN" sz="2000" dirty="0"/>
-              <a:t> value for the best RF model is 90.64%.</a:t>
-            </a:r>
-          </a:p>
-          <a:p>
-            <a:pPr marL="0" indent="0">
-              <a:buNone/>
-            </a:pPr>
-            <a:endParaRPr lang="en-IN" dirty="0"/>
-          </a:p>
-          <a:p>
-            <a:endParaRPr lang="en-IN" dirty="0"/>
-          </a:p>
-          <a:p>
             <a:endParaRPr lang="en-IN" dirty="0"/>
           </a:p>
         </p:txBody>
       </p:sp>
       <p:pic>
         <p:nvPicPr>
-          <p:cNvPr id="5" name="Picture 4">
-            <a:extLst>
-              <a:ext uri="{FF2B5EF4-FFF2-40B4-BE49-F238E27FC236}">
-                <a16:creationId xmlns:a16="http://schemas.microsoft.com/office/drawing/2014/main" id="{EA26B0DE-07EE-2F83-BF6A-E965040E5CED}"/>
+          <p:cNvPr id="9" name="Picture 8">
+            <a:extLst>
+              <a:ext uri="{FF2B5EF4-FFF2-40B4-BE49-F238E27FC236}">
+                <a16:creationId xmlns:a16="http://schemas.microsoft.com/office/drawing/2014/main" id="{222A02A7-39A2-E68C-73B5-6E364B6098E9}"/>
               </a:ext>
             </a:extLst>
           </p:cNvPr>
@@ -7198,8 +6773,8 @@
         </p:blipFill>
         <p:spPr>
           <a:xfrm>
-            <a:off x="1655924" y="1380988"/>
-            <a:ext cx="8591393" cy="1518425"/>
+            <a:off x="838200" y="2829548"/>
+            <a:ext cx="5185467" cy="924681"/>
           </a:xfrm>
           <a:prstGeom prst="rect">
             <a:avLst/>
@@ -7208,10 +6783,10 @@
       </p:pic>
       <p:pic>
         <p:nvPicPr>
-          <p:cNvPr id="8" name="Picture 7">
-            <a:extLst>
-              <a:ext uri="{FF2B5EF4-FFF2-40B4-BE49-F238E27FC236}">
-                <a16:creationId xmlns:a16="http://schemas.microsoft.com/office/drawing/2014/main" id="{CA0F4F21-2A3E-35F9-A47C-030A6143B518}"/>
+          <p:cNvPr id="5" name="Picture 4">
+            <a:extLst>
+              <a:ext uri="{FF2B5EF4-FFF2-40B4-BE49-F238E27FC236}">
+                <a16:creationId xmlns:a16="http://schemas.microsoft.com/office/drawing/2014/main" id="{E064F01B-4533-F99D-007A-2C028920D573}"/>
               </a:ext>
             </a:extLst>
           </p:cNvPr>
@@ -7228,8 +6803,257 @@
         </p:blipFill>
         <p:spPr>
           <a:xfrm>
-            <a:off x="3217626" y="3429000"/>
-            <a:ext cx="4290432" cy="1386960"/>
+            <a:off x="887852" y="1331495"/>
+            <a:ext cx="5944115" cy="1044030"/>
+          </a:xfrm>
+          <a:prstGeom prst="rect">
+            <a:avLst/>
+          </a:prstGeom>
+        </p:spPr>
+      </p:pic>
+      <p:sp>
+        <p:nvSpPr>
+          <p:cNvPr id="4" name="TextBox 3">
+            <a:extLst>
+              <a:ext uri="{FF2B5EF4-FFF2-40B4-BE49-F238E27FC236}">
+                <a16:creationId xmlns:a16="http://schemas.microsoft.com/office/drawing/2014/main" id="{2CAF80DB-FFB4-FB1B-FAD2-7920BA249001}"/>
+              </a:ext>
+            </a:extLst>
+          </p:cNvPr>
+          <p:cNvSpPr txBox="1"/>
+          <p:nvPr/>
+        </p:nvSpPr>
+        <p:spPr>
+          <a:xfrm>
+            <a:off x="7366369" y="1391845"/>
+            <a:ext cx="4438006" cy="923330"/>
+          </a:xfrm>
+          <a:prstGeom prst="rect">
+            <a:avLst/>
+          </a:prstGeom>
+          <a:noFill/>
+        </p:spPr>
+        <p:txBody>
+          <a:bodyPr wrap="square" rtlCol="0">
+            <a:spAutoFit/>
+          </a:bodyPr>
+          <a:lstStyle/>
+          <a:p>
+            <a:r>
+              <a:rPr lang="en-US" dirty="0"/>
+              <a:t>R-Squared Value: It means this model can explain 75% of variation in price of the used car.</a:t>
+            </a:r>
+            <a:endParaRPr lang="hi-IN" dirty="0"/>
+          </a:p>
+        </p:txBody>
+      </p:sp>
+      <p:pic>
+        <p:nvPicPr>
+          <p:cNvPr id="2056" name="Picture 8" descr="Multiple Linear Regression &amp; Adjusted R-Squared | K2 Analytics">
+            <a:extLst>
+              <a:ext uri="{FF2B5EF4-FFF2-40B4-BE49-F238E27FC236}">
+                <a16:creationId xmlns:a16="http://schemas.microsoft.com/office/drawing/2014/main" id="{363EC711-89CE-F3CC-B62C-F52B2F5A8127}"/>
+              </a:ext>
+            </a:extLst>
+          </p:cNvPr>
+          <p:cNvPicPr>
+            <a:picLocks noChangeAspect="1" noChangeArrowheads="1"/>
+          </p:cNvPicPr>
+          <p:nvPr/>
+        </p:nvPicPr>
+        <p:blipFill>
+          <a:blip r:embed="rId4">
+            <a:extLst>
+              <a:ext uri="{28A0092B-C50C-407E-A947-70E740481C1C}">
+                <a14:useLocalDpi xmlns:a14="http://schemas.microsoft.com/office/drawing/2010/main" val="0"/>
+              </a:ext>
+            </a:extLst>
+          </a:blip>
+          <a:srcRect/>
+          <a:stretch>
+            <a:fillRect/>
+          </a:stretch>
+        </p:blipFill>
+        <p:spPr bwMode="auto">
+          <a:xfrm>
+            <a:off x="6949970" y="4759270"/>
+            <a:ext cx="4943475" cy="923925"/>
+          </a:xfrm>
+          <a:prstGeom prst="rect">
+            <a:avLst/>
+          </a:prstGeom>
+          <a:noFill/>
+          <a:extLst>
+            <a:ext uri="{909E8E84-426E-40DD-AFC4-6F175D3DCCD1}">
+              <a14:hiddenFill xmlns:a14="http://schemas.microsoft.com/office/drawing/2010/main">
+                <a:solidFill>
+                  <a:srgbClr val="FFFFFF"/>
+                </a:solidFill>
+              </a14:hiddenFill>
+            </a:ext>
+          </a:extLst>
+        </p:spPr>
+      </p:pic>
+      <p:pic>
+        <p:nvPicPr>
+          <p:cNvPr id="2064" name="Picture 16" descr="Looking at R-Squared. In data science we create regression… | by Erika D |  Medium">
+            <a:extLst>
+              <a:ext uri="{FF2B5EF4-FFF2-40B4-BE49-F238E27FC236}">
+                <a16:creationId xmlns:a16="http://schemas.microsoft.com/office/drawing/2014/main" id="{7FA045CA-2B14-03C4-F84B-31F41BCC5704}"/>
+              </a:ext>
+            </a:extLst>
+          </p:cNvPr>
+          <p:cNvPicPr>
+            <a:picLocks noChangeAspect="1" noChangeArrowheads="1"/>
+          </p:cNvPicPr>
+          <p:nvPr/>
+        </p:nvPicPr>
+        <p:blipFill>
+          <a:blip r:embed="rId5">
+            <a:extLst>
+              <a:ext uri="{28A0092B-C50C-407E-A947-70E740481C1C}">
+                <a14:useLocalDpi xmlns:a14="http://schemas.microsoft.com/office/drawing/2010/main" val="0"/>
+              </a:ext>
+            </a:extLst>
+          </a:blip>
+          <a:srcRect/>
+          <a:stretch>
+            <a:fillRect/>
+          </a:stretch>
+        </p:blipFill>
+        <p:spPr bwMode="auto">
+          <a:xfrm>
+            <a:off x="7016644" y="3806770"/>
+            <a:ext cx="4810125" cy="952500"/>
+          </a:xfrm>
+          <a:prstGeom prst="rect">
+            <a:avLst/>
+          </a:prstGeom>
+          <a:noFill/>
+          <a:extLst>
+            <a:ext uri="{909E8E84-426E-40DD-AFC4-6F175D3DCCD1}">
+              <a14:hiddenFill xmlns:a14="http://schemas.microsoft.com/office/drawing/2010/main">
+                <a:solidFill>
+                  <a:srgbClr val="FFFFFF"/>
+                </a:solidFill>
+              </a14:hiddenFill>
+            </a:ext>
+          </a:extLst>
+        </p:spPr>
+      </p:pic>
+      <p:sp>
+        <p:nvSpPr>
+          <p:cNvPr id="12" name="TextBox 11">
+            <a:extLst>
+              <a:ext uri="{FF2B5EF4-FFF2-40B4-BE49-F238E27FC236}">
+                <a16:creationId xmlns:a16="http://schemas.microsoft.com/office/drawing/2014/main" id="{CB52CB6D-DD6B-8225-0FF4-CA9DB29535FF}"/>
+              </a:ext>
+            </a:extLst>
+          </p:cNvPr>
+          <p:cNvSpPr txBox="1"/>
+          <p:nvPr/>
+        </p:nvSpPr>
+        <p:spPr>
+          <a:xfrm>
+            <a:off x="7135112" y="2394215"/>
+            <a:ext cx="2045881" cy="369332"/>
+          </a:xfrm>
+          <a:prstGeom prst="rect">
+            <a:avLst/>
+          </a:prstGeom>
+          <a:noFill/>
+        </p:spPr>
+        <p:txBody>
+          <a:bodyPr wrap="none" rtlCol="0">
+            <a:spAutoFit/>
+          </a:bodyPr>
+          <a:lstStyle/>
+          <a:p>
+            <a:r>
+              <a:rPr lang="en-US" b="1" dirty="0"/>
+              <a:t>Standard Formulas:</a:t>
+            </a:r>
+            <a:endParaRPr lang="hi-IN" b="1" dirty="0"/>
+          </a:p>
+        </p:txBody>
+      </p:sp>
+      <p:pic>
+        <p:nvPicPr>
+          <p:cNvPr id="1026" name="Picture 2" descr="What does RMSE really mean?. Root Mean Square Error (RMSE) is a… | by James  Moody | Towards Data Science">
+            <a:extLst>
+              <a:ext uri="{FF2B5EF4-FFF2-40B4-BE49-F238E27FC236}">
+                <a16:creationId xmlns:a16="http://schemas.microsoft.com/office/drawing/2014/main" id="{5121F997-C9AA-C128-14F3-7E1F27B45FEA}"/>
+              </a:ext>
+            </a:extLst>
+          </p:cNvPr>
+          <p:cNvPicPr>
+            <a:picLocks noChangeAspect="1" noChangeArrowheads="1"/>
+          </p:cNvPicPr>
+          <p:nvPr/>
+        </p:nvPicPr>
+        <p:blipFill>
+          <a:blip r:embed="rId6">
+            <a:extLst>
+              <a:ext uri="{28A0092B-C50C-407E-A947-70E740481C1C}">
+                <a14:useLocalDpi xmlns:a14="http://schemas.microsoft.com/office/drawing/2010/main" val="0"/>
+              </a:ext>
+            </a:extLst>
+          </a:blip>
+          <a:srcRect/>
+          <a:stretch>
+            <a:fillRect/>
+          </a:stretch>
+        </p:blipFill>
+        <p:spPr bwMode="auto">
+          <a:xfrm>
+            <a:off x="7266468" y="2757371"/>
+            <a:ext cx="3829050" cy="1190625"/>
+          </a:xfrm>
+          <a:prstGeom prst="rect">
+            <a:avLst/>
+          </a:prstGeom>
+          <a:noFill/>
+          <a:extLst>
+            <a:ext uri="{909E8E84-426E-40DD-AFC4-6F175D3DCCD1}">
+              <a14:hiddenFill xmlns:a14="http://schemas.microsoft.com/office/drawing/2010/main">
+                <a:solidFill>
+                  <a:srgbClr val="FFFFFF"/>
+                </a:solidFill>
+              </a14:hiddenFill>
+            </a:ext>
+          </a:extLst>
+        </p:spPr>
+      </p:pic>
+      <p:pic>
+        <p:nvPicPr>
+          <p:cNvPr id="7" name="Picture 6">
+            <a:extLst>
+              <a:ext uri="{FF2B5EF4-FFF2-40B4-BE49-F238E27FC236}">
+                <a16:creationId xmlns:a16="http://schemas.microsoft.com/office/drawing/2014/main" id="{45491969-CEE3-D187-E43B-FA8979F804D0}"/>
+              </a:ext>
+            </a:extLst>
+          </p:cNvPr>
+          <p:cNvPicPr>
+            <a:picLocks noChangeAspect="1"/>
+          </p:cNvPicPr>
+          <p:nvPr/>
+        </p:nvPicPr>
+        <p:blipFill>
+          <a:blip r:embed="rId7">
+            <a:extLst>
+              <a:ext uri="{28A0092B-C50C-407E-A947-70E740481C1C}">
+                <a14:useLocalDpi xmlns:a14="http://schemas.microsoft.com/office/drawing/2010/main" val="0"/>
+              </a:ext>
+            </a:extLst>
+          </a:blip>
+          <a:stretch>
+            <a:fillRect/>
+          </a:stretch>
+        </p:blipFill>
+        <p:spPr>
+          <a:xfrm>
+            <a:off x="784900" y="4245003"/>
+            <a:ext cx="6047067" cy="1638300"/>
           </a:xfrm>
           <a:prstGeom prst="rect">
             <a:avLst/>
@@ -7239,13 +7063,21 @@
     </p:spTree>
     <p:extLst>
       <p:ext uri="{BB962C8B-B14F-4D97-AF65-F5344CB8AC3E}">
-        <p14:creationId xmlns:p14="http://schemas.microsoft.com/office/powerpoint/2010/main" val="909250607"/>
+        <p14:creationId xmlns:p14="http://schemas.microsoft.com/office/powerpoint/2010/main" val="2614821580"/>
       </p:ext>
     </p:extLst>
   </p:cSld>
   <p:clrMapOvr>
     <a:masterClrMapping/>
   </p:clrMapOvr>
+  <mc:AlternateContent xmlns:mc="http://schemas.openxmlformats.org/markup-compatibility/2006" xmlns:p14="http://schemas.microsoft.com/office/powerpoint/2010/main">
+    <mc:Choice Requires="p14">
+      <p:transition spd="slow" p14:dur="2000" advTm="9028"/>
+    </mc:Choice>
+    <mc:Fallback xmlns="">
+      <p:transition spd="slow" advTm="9028"/>
+    </mc:Fallback>
+  </mc:AlternateContent>
 </p:sld>
 </file>
 
@@ -7271,7 +7103,7 @@
           <p:cNvPr id="2" name="Title 1">
             <a:extLst>
               <a:ext uri="{FF2B5EF4-FFF2-40B4-BE49-F238E27FC236}">
-                <a16:creationId xmlns:a16="http://schemas.microsoft.com/office/drawing/2014/main" id="{EEEEF9C9-55DC-5403-875C-001F30EED9B1}"/>
+                <a16:creationId xmlns:a16="http://schemas.microsoft.com/office/drawing/2014/main" id="{45CC4961-AE8E-5013-16E1-633CA6F9406F}"/>
               </a:ext>
             </a:extLst>
           </p:cNvPr>
@@ -7284,8 +7116,8 @@
         </p:nvSpPr>
         <p:spPr>
           <a:xfrm>
-            <a:off x="643467" y="321734"/>
-            <a:ext cx="10905066" cy="1135737"/>
+            <a:off x="838200" y="182933"/>
+            <a:ext cx="10515600" cy="1325563"/>
           </a:xfrm>
         </p:spPr>
         <p:txBody>
@@ -7299,125 +7131,504 @@
                 <a:latin typeface="+mn-lt"/>
                 <a:cs typeface="Calibri Light" panose="020F0302020204030204" pitchFamily="34" charset="0"/>
               </a:rPr>
-              <a:t>SVM Regressor:</a:t>
-            </a:r>
-          </a:p>
-        </p:txBody>
-      </p:sp>
-      <p:sp>
-        <p:nvSpPr>
-          <p:cNvPr id="3" name="Content Placeholder 2">
-            <a:extLst>
-              <a:ext uri="{FF2B5EF4-FFF2-40B4-BE49-F238E27FC236}">
-                <a16:creationId xmlns:a16="http://schemas.microsoft.com/office/drawing/2014/main" id="{FC940CB6-01B8-B804-9962-CCC2425AB771}"/>
-              </a:ext>
-            </a:extLst>
-          </p:cNvPr>
+              <a:t>Lasso Regression:</a:t>
+            </a:r>
+          </a:p>
+        </p:txBody>
+      </p:sp>
+      <p:sp>
+        <p:nvSpPr>
+          <p:cNvPr id="4" name="Rectangle 2"/>
           <p:cNvSpPr>
-            <a:spLocks noGrp="1"/>
+            <a:spLocks noChangeArrowheads="1"/>
           </p:cNvSpPr>
-          <p:nvPr>
-            <p:ph idx="1"/>
-          </p:nvPr>
-        </p:nvSpPr>
-        <p:spPr>
+          <p:nvPr/>
+        </p:nvSpPr>
+        <p:spPr bwMode="auto">
           <a:xfrm>
-            <a:off x="643467" y="1113183"/>
-            <a:ext cx="10905066" cy="4721160"/>
-          </a:xfrm>
-        </p:spPr>
-        <p:txBody>
-          <a:bodyPr>
-            <a:normAutofit/>
+            <a:off x="838200" y="1131219"/>
+            <a:ext cx="9843052" cy="1969770"/>
+          </a:xfrm>
+          <a:prstGeom prst="rect">
+            <a:avLst/>
+          </a:prstGeom>
+          <a:noFill/>
+          <a:ln>
+            <a:noFill/>
+          </a:ln>
+          <a:effectLst/>
+          <a:extLst>
+            <a:ext uri="{909E8E84-426E-40DD-AFC4-6F175D3DCCD1}">
+              <a14:hiddenFill xmlns:a14="http://schemas.microsoft.com/office/drawing/2010/main">
+                <a:solidFill>
+                  <a:schemeClr val="accent1"/>
+                </a:solidFill>
+              </a14:hiddenFill>
+            </a:ext>
+            <a:ext uri="{91240B29-F687-4F45-9708-019B960494DF}">
+              <a14:hiddenLine xmlns:a14="http://schemas.microsoft.com/office/drawing/2010/main" w="9525">
+                <a:solidFill>
+                  <a:schemeClr val="tx1"/>
+                </a:solidFill>
+                <a:miter lim="800000"/>
+                <a:headEnd/>
+                <a:tailEnd/>
+              </a14:hiddenLine>
+            </a:ext>
+            <a:ext uri="{AF507438-7753-43E0-B8FC-AC1667EBCBE1}">
+              <a14:hiddenEffects xmlns:a14="http://schemas.microsoft.com/office/drawing/2010/main">
+                <a:effectLst>
+                  <a:outerShdw dist="35921" dir="2700000" algn="ctr" rotWithShape="0">
+                    <a:schemeClr val="bg2"/>
+                  </a:outerShdw>
+                </a:effectLst>
+              </a14:hiddenEffects>
+            </a:ext>
+          </a:extLst>
+        </p:spPr>
+        <p:txBody>
+          <a:bodyPr vert="horz" wrap="square" lIns="91440" tIns="45720" rIns="91440" bIns="45720" numCol="1" anchor="ctr" anchorCtr="0" compatLnSpc="1">
+            <a:prstTxWarp prst="textNoShape">
+              <a:avLst/>
+            </a:prstTxWarp>
+            <a:spAutoFit/>
           </a:bodyPr>
-          <a:lstStyle/>
-          <a:p>
-            <a:pPr fontAlgn="base"/>
-            <a:endParaRPr lang="en-US" sz="1800" i="0" dirty="0">
+          <a:lstStyle>
+            <a:lvl1pPr eaLnBrk="0" fontAlgn="base" hangingPunct="0">
+              <a:spcBef>
+                <a:spcPct val="0"/>
+              </a:spcBef>
+              <a:spcAft>
+                <a:spcPct val="0"/>
+              </a:spcAft>
+              <a:defRPr>
+                <a:solidFill>
+                  <a:schemeClr val="tx1"/>
+                </a:solidFill>
+                <a:latin typeface="Arial" panose="020B0604020202020204" pitchFamily="34" charset="0"/>
+              </a:defRPr>
+            </a:lvl1pPr>
+            <a:lvl2pPr eaLnBrk="0" fontAlgn="base" hangingPunct="0">
+              <a:spcBef>
+                <a:spcPct val="0"/>
+              </a:spcBef>
+              <a:spcAft>
+                <a:spcPct val="0"/>
+              </a:spcAft>
+              <a:defRPr>
+                <a:solidFill>
+                  <a:schemeClr val="tx1"/>
+                </a:solidFill>
+                <a:latin typeface="Arial" panose="020B0604020202020204" pitchFamily="34" charset="0"/>
+              </a:defRPr>
+            </a:lvl2pPr>
+            <a:lvl3pPr eaLnBrk="0" fontAlgn="base" hangingPunct="0">
+              <a:spcBef>
+                <a:spcPct val="0"/>
+              </a:spcBef>
+              <a:spcAft>
+                <a:spcPct val="0"/>
+              </a:spcAft>
+              <a:defRPr>
+                <a:solidFill>
+                  <a:schemeClr val="tx1"/>
+                </a:solidFill>
+                <a:latin typeface="Arial" panose="020B0604020202020204" pitchFamily="34" charset="0"/>
+              </a:defRPr>
+            </a:lvl3pPr>
+            <a:lvl4pPr eaLnBrk="0" fontAlgn="base" hangingPunct="0">
+              <a:spcBef>
+                <a:spcPct val="0"/>
+              </a:spcBef>
+              <a:spcAft>
+                <a:spcPct val="0"/>
+              </a:spcAft>
+              <a:defRPr>
+                <a:solidFill>
+                  <a:schemeClr val="tx1"/>
+                </a:solidFill>
+                <a:latin typeface="Arial" panose="020B0604020202020204" pitchFamily="34" charset="0"/>
+              </a:defRPr>
+            </a:lvl4pPr>
+            <a:lvl5pPr eaLnBrk="0" fontAlgn="base" hangingPunct="0">
+              <a:spcBef>
+                <a:spcPct val="0"/>
+              </a:spcBef>
+              <a:spcAft>
+                <a:spcPct val="0"/>
+              </a:spcAft>
+              <a:defRPr>
+                <a:solidFill>
+                  <a:schemeClr val="tx1"/>
+                </a:solidFill>
+                <a:latin typeface="Arial" panose="020B0604020202020204" pitchFamily="34" charset="0"/>
+              </a:defRPr>
+            </a:lvl5pPr>
+            <a:lvl6pPr eaLnBrk="0" fontAlgn="base" hangingPunct="0">
+              <a:spcBef>
+                <a:spcPct val="0"/>
+              </a:spcBef>
+              <a:spcAft>
+                <a:spcPct val="0"/>
+              </a:spcAft>
+              <a:defRPr>
+                <a:solidFill>
+                  <a:schemeClr val="tx1"/>
+                </a:solidFill>
+                <a:latin typeface="Arial" panose="020B0604020202020204" pitchFamily="34" charset="0"/>
+              </a:defRPr>
+            </a:lvl6pPr>
+            <a:lvl7pPr eaLnBrk="0" fontAlgn="base" hangingPunct="0">
+              <a:spcBef>
+                <a:spcPct val="0"/>
+              </a:spcBef>
+              <a:spcAft>
+                <a:spcPct val="0"/>
+              </a:spcAft>
+              <a:defRPr>
+                <a:solidFill>
+                  <a:schemeClr val="tx1"/>
+                </a:solidFill>
+                <a:latin typeface="Arial" panose="020B0604020202020204" pitchFamily="34" charset="0"/>
+              </a:defRPr>
+            </a:lvl7pPr>
+            <a:lvl8pPr eaLnBrk="0" fontAlgn="base" hangingPunct="0">
+              <a:spcBef>
+                <a:spcPct val="0"/>
+              </a:spcBef>
+              <a:spcAft>
+                <a:spcPct val="0"/>
+              </a:spcAft>
+              <a:defRPr>
+                <a:solidFill>
+                  <a:schemeClr val="tx1"/>
+                </a:solidFill>
+                <a:latin typeface="Arial" panose="020B0604020202020204" pitchFamily="34" charset="0"/>
+              </a:defRPr>
+            </a:lvl8pPr>
+            <a:lvl9pPr eaLnBrk="0" fontAlgn="base" hangingPunct="0">
+              <a:spcBef>
+                <a:spcPct val="0"/>
+              </a:spcBef>
+              <a:spcAft>
+                <a:spcPct val="0"/>
+              </a:spcAft>
+              <a:defRPr>
+                <a:solidFill>
+                  <a:schemeClr val="tx1"/>
+                </a:solidFill>
+                <a:latin typeface="Arial" panose="020B0604020202020204" pitchFamily="34" charset="0"/>
+              </a:defRPr>
+            </a:lvl9pPr>
+          </a:lstStyle>
+          <a:p>
+            <a:pPr marL="0" marR="0" lvl="0" indent="0" algn="l" defTabSz="914400" rtl="0" eaLnBrk="0" fontAlgn="base" latinLnBrk="0" hangingPunct="0">
+              <a:lnSpc>
+                <a:spcPct val="100000"/>
+              </a:lnSpc>
+              <a:spcBef>
+                <a:spcPct val="0"/>
+              </a:spcBef>
+              <a:spcAft>
+                <a:spcPct val="0"/>
+              </a:spcAft>
+              <a:buClrTx/>
+              <a:buSzTx/>
+              <a:buFontTx/>
+              <a:buChar char="•"/>
+              <a:tabLst/>
+            </a:pPr>
+            <a:r>
+              <a:rPr kumimoji="0" lang="en-US" altLang="en-US" b="0" i="0" u="none" strike="noStrike" cap="none" normalizeH="0" baseline="0" dirty="0">
+                <a:ln>
+                  <a:noFill/>
+                </a:ln>
+                <a:effectLst/>
+                <a:latin typeface="+mn-lt"/>
+                <a:ea typeface="Calibri" panose="020F0502020204030204" pitchFamily="34" charset="0"/>
+                <a:cs typeface="Calibri Light" panose="020F0302020204030204" pitchFamily="34" charset="0"/>
+              </a:rPr>
+              <a:t>LASSO is short for </a:t>
+            </a:r>
+            <a:r>
+              <a:rPr kumimoji="0" lang="en-US" altLang="en-US" b="1" i="0" u="none" strike="noStrike" cap="none" normalizeH="0" baseline="0" dirty="0">
+                <a:ln>
+                  <a:noFill/>
+                </a:ln>
+                <a:effectLst/>
+                <a:latin typeface="+mn-lt"/>
+                <a:ea typeface="Calibri" panose="020F0502020204030204" pitchFamily="34" charset="0"/>
+                <a:cs typeface="Calibri Light" panose="020F0302020204030204" pitchFamily="34" charset="0"/>
+              </a:rPr>
+              <a:t>L</a:t>
+            </a:r>
+            <a:r>
+              <a:rPr kumimoji="0" lang="en-US" altLang="en-US" b="0" i="0" u="none" strike="noStrike" cap="none" normalizeH="0" baseline="0" dirty="0">
+                <a:ln>
+                  <a:noFill/>
+                </a:ln>
+                <a:effectLst/>
+                <a:latin typeface="+mn-lt"/>
+                <a:ea typeface="Calibri" panose="020F0502020204030204" pitchFamily="34" charset="0"/>
+                <a:cs typeface="Calibri Light" panose="020F0302020204030204" pitchFamily="34" charset="0"/>
+              </a:rPr>
+              <a:t>east </a:t>
+            </a:r>
+            <a:r>
+              <a:rPr kumimoji="0" lang="en-US" altLang="en-US" b="1" i="0" u="none" strike="noStrike" cap="none" normalizeH="0" baseline="0" dirty="0">
+                <a:ln>
+                  <a:noFill/>
+                </a:ln>
+                <a:effectLst/>
+                <a:latin typeface="+mn-lt"/>
+                <a:ea typeface="Calibri" panose="020F0502020204030204" pitchFamily="34" charset="0"/>
+                <a:cs typeface="Calibri Light" panose="020F0302020204030204" pitchFamily="34" charset="0"/>
+              </a:rPr>
+              <a:t>A</a:t>
+            </a:r>
+            <a:r>
+              <a:rPr kumimoji="0" lang="en-US" altLang="en-US" b="0" i="0" u="none" strike="noStrike" cap="none" normalizeH="0" baseline="0" dirty="0">
+                <a:ln>
+                  <a:noFill/>
+                </a:ln>
+                <a:effectLst/>
+                <a:latin typeface="+mn-lt"/>
+                <a:ea typeface="Calibri" panose="020F0502020204030204" pitchFamily="34" charset="0"/>
+                <a:cs typeface="Calibri Light" panose="020F0302020204030204" pitchFamily="34" charset="0"/>
+              </a:rPr>
+              <a:t>bsolute </a:t>
+            </a:r>
+            <a:r>
+              <a:rPr kumimoji="0" lang="en-US" altLang="en-US" b="1" i="0" u="none" strike="noStrike" cap="none" normalizeH="0" baseline="0" dirty="0">
+                <a:ln>
+                  <a:noFill/>
+                </a:ln>
+                <a:effectLst/>
+                <a:latin typeface="+mn-lt"/>
+                <a:ea typeface="Calibri" panose="020F0502020204030204" pitchFamily="34" charset="0"/>
+                <a:cs typeface="Calibri Light" panose="020F0302020204030204" pitchFamily="34" charset="0"/>
+              </a:rPr>
+              <a:t>S</a:t>
+            </a:r>
+            <a:r>
+              <a:rPr kumimoji="0" lang="en-US" altLang="en-US" b="0" i="0" u="none" strike="noStrike" cap="none" normalizeH="0" baseline="0" dirty="0">
+                <a:ln>
+                  <a:noFill/>
+                </a:ln>
+                <a:effectLst/>
+                <a:latin typeface="+mn-lt"/>
+                <a:ea typeface="Calibri" panose="020F0502020204030204" pitchFamily="34" charset="0"/>
+                <a:cs typeface="Calibri Light" panose="020F0302020204030204" pitchFamily="34" charset="0"/>
+              </a:rPr>
+              <a:t>hrinkage and </a:t>
+            </a:r>
+            <a:r>
+              <a:rPr kumimoji="0" lang="en-US" altLang="en-US" b="1" i="0" u="none" strike="noStrike" cap="none" normalizeH="0" baseline="0" dirty="0">
+                <a:ln>
+                  <a:noFill/>
+                </a:ln>
+                <a:effectLst/>
+                <a:latin typeface="+mn-lt"/>
+                <a:ea typeface="Calibri" panose="020F0502020204030204" pitchFamily="34" charset="0"/>
+                <a:cs typeface="Calibri Light" panose="020F0302020204030204" pitchFamily="34" charset="0"/>
+              </a:rPr>
+              <a:t>S</a:t>
+            </a:r>
+            <a:r>
+              <a:rPr kumimoji="0" lang="en-US" altLang="en-US" b="0" i="0" u="none" strike="noStrike" cap="none" normalizeH="0" baseline="0" dirty="0">
+                <a:ln>
+                  <a:noFill/>
+                </a:ln>
+                <a:effectLst/>
+                <a:latin typeface="+mn-lt"/>
+                <a:ea typeface="Calibri" panose="020F0502020204030204" pitchFamily="34" charset="0"/>
+                <a:cs typeface="Calibri Light" panose="020F0302020204030204" pitchFamily="34" charset="0"/>
+              </a:rPr>
+              <a:t>election </a:t>
+            </a:r>
+            <a:r>
+              <a:rPr kumimoji="0" lang="en-US" altLang="en-US" b="1" i="0" u="none" strike="noStrike" cap="none" normalizeH="0" baseline="0" dirty="0">
+                <a:ln>
+                  <a:noFill/>
+                </a:ln>
+                <a:effectLst/>
+                <a:latin typeface="+mn-lt"/>
+                <a:ea typeface="Calibri" panose="020F0502020204030204" pitchFamily="34" charset="0"/>
+                <a:cs typeface="Calibri Light" panose="020F0302020204030204" pitchFamily="34" charset="0"/>
+              </a:rPr>
+              <a:t>O</a:t>
+            </a:r>
+            <a:r>
+              <a:rPr kumimoji="0" lang="en-US" altLang="en-US" b="0" i="0" u="none" strike="noStrike" cap="none" normalizeH="0" baseline="0" dirty="0">
+                <a:ln>
+                  <a:noFill/>
+                </a:ln>
+                <a:effectLst/>
+                <a:latin typeface="+mn-lt"/>
+                <a:ea typeface="Calibri" panose="020F0502020204030204" pitchFamily="34" charset="0"/>
+                <a:cs typeface="Calibri Light" panose="020F0302020204030204" pitchFamily="34" charset="0"/>
+              </a:rPr>
+              <a:t>perator which is used for both regularization and model selection.</a:t>
+            </a:r>
+            <a:endParaRPr kumimoji="0" lang="en-US" altLang="en-US" b="0" i="0" u="none" strike="noStrike" cap="none" normalizeH="0" baseline="0" dirty="0">
+              <a:ln>
+                <a:noFill/>
+              </a:ln>
               <a:effectLst/>
+              <a:latin typeface="+mn-lt"/>
               <a:cs typeface="Calibri Light" panose="020F0302020204030204" pitchFamily="34" charset="0"/>
             </a:endParaRPr>
           </a:p>
           <a:p>
-            <a:pPr fontAlgn="base"/>
-            <a:r>
-              <a:rPr lang="en-US" sz="1800" i="0" dirty="0">
+            <a:pPr marL="0" marR="0" lvl="0" indent="0" algn="l" defTabSz="914400" rtl="0" eaLnBrk="0" fontAlgn="base" latinLnBrk="0" hangingPunct="0">
+              <a:lnSpc>
+                <a:spcPct val="100000"/>
+              </a:lnSpc>
+              <a:spcBef>
+                <a:spcPct val="0"/>
+              </a:spcBef>
+              <a:spcAft>
+                <a:spcPct val="0"/>
+              </a:spcAft>
+              <a:buClrTx/>
+              <a:buSzTx/>
+              <a:buFontTx/>
+              <a:buChar char="•"/>
+              <a:tabLst/>
+            </a:pPr>
+            <a:r>
+              <a:rPr kumimoji="0" lang="en-US" altLang="en-US" b="0" i="0" u="none" strike="noStrike" cap="none" normalizeH="0" baseline="0" dirty="0">
+                <a:ln>
+                  <a:noFill/>
+                </a:ln>
                 <a:effectLst/>
+                <a:latin typeface="+mn-lt"/>
+                <a:ea typeface="Calibri" panose="020F0502020204030204" pitchFamily="34" charset="0"/>
                 <a:cs typeface="Calibri Light" panose="020F0302020204030204" pitchFamily="34" charset="0"/>
               </a:rPr>
-              <a:t>Support Vector Machine can also be used for regression problem wherein dependent, or target variable is continuous.</a:t>
-            </a:r>
-          </a:p>
-          <a:p>
-            <a:pPr fontAlgn="base"/>
-            <a:r>
-              <a:rPr lang="en-US" sz="1800" i="0" dirty="0">
-                <a:effectLst/>
-                <a:cs typeface="Calibri Light" panose="020F0302020204030204" pitchFamily="34" charset="0"/>
-              </a:rPr>
-              <a:t>The goal of SVM regression is same as classification problem i.e. to find maximum margin. Here, it means minimize error. </a:t>
-            </a:r>
-          </a:p>
-          <a:p>
-            <a:pPr fontAlgn="base"/>
-            <a:r>
-              <a:rPr lang="en-US" sz="1800" i="0" dirty="0">
-                <a:effectLst/>
-                <a:cs typeface="Calibri Light" panose="020F0302020204030204" pitchFamily="34" charset="0"/>
-              </a:rPr>
-              <a:t>In the case of regression, a margin of tolerance (epsilon) is set in approximation to the SVM. </a:t>
-            </a:r>
-          </a:p>
-          <a:p>
-            <a:pPr fontAlgn="base"/>
-            <a:r>
-              <a:rPr lang="en-US" sz="1800" i="0" dirty="0">
-                <a:effectLst/>
-                <a:cs typeface="Calibri Light" panose="020F0302020204030204" pitchFamily="34" charset="0"/>
-              </a:rPr>
-              <a:t>The primary goal is to minimize error, individualizing the hyperplane which maximizes the margin, keeping in mind that part of the error is tolerated.</a:t>
-            </a:r>
-            <a:br>
-              <a:rPr lang="en-US" sz="1800" dirty="0">
-                <a:cs typeface="Calibri Light" panose="020F0302020204030204" pitchFamily="34" charset="0"/>
-              </a:rPr>
-            </a:br>
-            <a:endParaRPr lang="en-US" sz="1800" i="0" dirty="0">
+              <a:t>This method is usually used in machine learning for the selection of the subset of variables. </a:t>
+            </a:r>
+            <a:endParaRPr kumimoji="0" lang="en-US" altLang="en-US" b="0" i="0" u="none" strike="noStrike" cap="none" normalizeH="0" baseline="0" dirty="0">
+              <a:ln>
+                <a:noFill/>
+              </a:ln>
               <a:effectLst/>
+              <a:latin typeface="+mn-lt"/>
               <a:cs typeface="Calibri Light" panose="020F0302020204030204" pitchFamily="34" charset="0"/>
             </a:endParaRPr>
           </a:p>
           <a:p>
-            <a:endParaRPr lang="en-US" sz="2000" b="1" dirty="0">
+            <a:pPr marL="0" marR="0" lvl="0" indent="0" algn="l" defTabSz="914400" rtl="0" eaLnBrk="0" fontAlgn="base" latinLnBrk="0" hangingPunct="0">
+              <a:lnSpc>
+                <a:spcPct val="100000"/>
+              </a:lnSpc>
+              <a:spcBef>
+                <a:spcPct val="0"/>
+              </a:spcBef>
+              <a:spcAft>
+                <a:spcPct val="0"/>
+              </a:spcAft>
+              <a:buClrTx/>
+              <a:buSzTx/>
+              <a:buFontTx/>
+              <a:buChar char="•"/>
+              <a:tabLst/>
+            </a:pPr>
+            <a:r>
+              <a:rPr kumimoji="0" lang="en-US" altLang="en-US" b="0" i="0" u="none" strike="noStrike" cap="none" normalizeH="0" baseline="0" dirty="0">
+                <a:ln>
+                  <a:noFill/>
+                </a:ln>
+                <a:effectLst/>
+                <a:latin typeface="+mn-lt"/>
+                <a:ea typeface="Calibri" panose="020F0502020204030204" pitchFamily="34" charset="0"/>
+                <a:cs typeface="Calibri Light" panose="020F0302020204030204" pitchFamily="34" charset="0"/>
+              </a:rPr>
+              <a:t>It provides greater prediction accuracy as compared to other regression models. </a:t>
+            </a:r>
+            <a:endParaRPr kumimoji="0" lang="en-US" altLang="en-US" b="0" i="0" u="none" strike="noStrike" cap="none" normalizeH="0" baseline="0" dirty="0">
+              <a:ln>
+                <a:noFill/>
+              </a:ln>
+              <a:effectLst/>
+              <a:latin typeface="+mn-lt"/>
+              <a:cs typeface="Calibri Light" panose="020F0302020204030204" pitchFamily="34" charset="0"/>
+            </a:endParaRPr>
+          </a:p>
+          <a:p>
+            <a:pPr marL="0" marR="0" lvl="0" indent="0" algn="l" defTabSz="914400" rtl="0" eaLnBrk="0" fontAlgn="base" latinLnBrk="0" hangingPunct="0">
+              <a:lnSpc>
+                <a:spcPct val="100000"/>
+              </a:lnSpc>
+              <a:spcBef>
+                <a:spcPct val="0"/>
+              </a:spcBef>
+              <a:spcAft>
+                <a:spcPct val="0"/>
+              </a:spcAft>
+              <a:buClrTx/>
+              <a:buSzTx/>
+              <a:buFontTx/>
+              <a:buChar char="•"/>
+              <a:tabLst/>
+            </a:pPr>
+            <a:r>
+              <a:rPr kumimoji="0" lang="en-US" altLang="en-US" b="0" i="0" u="none" strike="noStrike" cap="none" normalizeH="0" baseline="0" dirty="0">
+                <a:ln>
+                  <a:noFill/>
+                </a:ln>
+                <a:effectLst/>
+                <a:latin typeface="+mn-lt"/>
+                <a:ea typeface="Calibri" panose="020F0502020204030204" pitchFamily="34" charset="0"/>
+                <a:cs typeface="Calibri Light" panose="020F0302020204030204" pitchFamily="34" charset="0"/>
+              </a:rPr>
+              <a:t>Lasso Regularization helps to increase model interpretation.</a:t>
+            </a:r>
+            <a:endParaRPr kumimoji="0" lang="en-US" altLang="en-US" b="0" i="0" u="none" strike="noStrike" cap="none" normalizeH="0" baseline="0" dirty="0">
+              <a:ln>
+                <a:noFill/>
+              </a:ln>
+              <a:effectLst/>
+              <a:latin typeface="+mn-lt"/>
+              <a:cs typeface="Calibri Light" panose="020F0302020204030204" pitchFamily="34" charset="0"/>
+            </a:endParaRPr>
+          </a:p>
+          <a:p>
+            <a:pPr marL="0" marR="0" lvl="0" indent="0" algn="l" defTabSz="914400" rtl="0" eaLnBrk="0" fontAlgn="base" latinLnBrk="0" hangingPunct="0">
+              <a:lnSpc>
+                <a:spcPct val="100000"/>
+              </a:lnSpc>
+              <a:spcBef>
+                <a:spcPct val="0"/>
+              </a:spcBef>
+              <a:spcAft>
+                <a:spcPct val="0"/>
+              </a:spcAft>
+              <a:buClrTx/>
+              <a:buSzTx/>
+              <a:buFontTx/>
+              <a:buNone/>
+              <a:tabLst/>
+            </a:pPr>
+            <a:endParaRPr kumimoji="0" lang="en-US" altLang="en-US" sz="3200" b="0" i="0" u="none" strike="noStrike" cap="none" normalizeH="0" baseline="0" dirty="0">
+              <a:ln>
+                <a:noFill/>
+              </a:ln>
+              <a:solidFill>
+                <a:schemeClr val="tx1"/>
+              </a:solidFill>
+              <a:effectLst/>
               <a:latin typeface="Calibri Light" panose="020F0302020204030204" pitchFamily="34" charset="0"/>
               <a:cs typeface="Calibri Light" panose="020F0302020204030204" pitchFamily="34" charset="0"/>
             </a:endParaRPr>
           </a:p>
-          <a:p>
-            <a:endParaRPr lang="en-IN" sz="2000" b="1" dirty="0">
-              <a:latin typeface="Calibri Light" panose="020F0302020204030204" pitchFamily="34" charset="0"/>
-              <a:cs typeface="Calibri Light" panose="020F0302020204030204" pitchFamily="34" charset="0"/>
-            </a:endParaRPr>
-          </a:p>
-          <a:p>
-            <a:endParaRPr lang="en-IN" sz="2000" b="1" dirty="0">
-              <a:latin typeface="Calibri Light" panose="020F0302020204030204" pitchFamily="34" charset="0"/>
-              <a:cs typeface="Calibri Light" panose="020F0302020204030204" pitchFamily="34" charset="0"/>
-            </a:endParaRPr>
-          </a:p>
         </p:txBody>
       </p:sp>
       <p:pic>
         <p:nvPicPr>
-          <p:cNvPr id="5" name="Picture 4" descr="Chart, scatter chart&#10;&#10;Description automatically generated">
-            <a:extLst>
-              <a:ext uri="{FF2B5EF4-FFF2-40B4-BE49-F238E27FC236}">
-                <a16:creationId xmlns:a16="http://schemas.microsoft.com/office/drawing/2014/main" id="{58DD720B-4466-C981-BC70-D14004C56DAA}"/>
-              </a:ext>
-            </a:extLst>
-          </p:cNvPr>
+          <p:cNvPr id="1025" name="Picture 2" descr="https://www.statisticshowto.com/wp-content/uploads/2015/09/lasso-regression.png"/>
           <p:cNvPicPr>
-            <a:picLocks noChangeAspect="1"/>
+            <a:picLocks noChangeAspect="1" noChangeArrowheads="1"/>
           </p:cNvPicPr>
           <p:nvPr/>
         </p:nvPicPr>
@@ -7429,24 +7640,470 @@
               </a:ext>
             </a:extLst>
           </a:blip>
+          <a:srcRect/>
           <a:stretch>
             <a:fillRect/>
           </a:stretch>
         </p:blipFill>
-        <p:spPr>
+        <p:spPr bwMode="auto">
           <a:xfrm>
-            <a:off x="6096000" y="3538010"/>
-            <a:ext cx="4419600" cy="2352912"/>
+            <a:off x="3193775" y="2723711"/>
+            <a:ext cx="3510422" cy="752475"/>
           </a:xfrm>
           <a:prstGeom prst="rect">
             <a:avLst/>
           </a:prstGeom>
+          <a:noFill/>
+          <a:extLst>
+            <a:ext uri="{909E8E84-426E-40DD-AFC4-6F175D3DCCD1}">
+              <a14:hiddenFill xmlns:a14="http://schemas.microsoft.com/office/drawing/2010/main">
+                <a:solidFill>
+                  <a:srgbClr val="FFFFFF"/>
+                </a:solidFill>
+              </a14:hiddenFill>
+            </a:ext>
+          </a:extLst>
         </p:spPr>
       </p:pic>
+      <p:sp>
+        <p:nvSpPr>
+          <p:cNvPr id="5" name="Rectangle 3"/>
+          <p:cNvSpPr>
+            <a:spLocks noChangeArrowheads="1"/>
+          </p:cNvSpPr>
+          <p:nvPr/>
+        </p:nvSpPr>
+        <p:spPr bwMode="auto">
+          <a:xfrm>
+            <a:off x="838200" y="3966633"/>
+            <a:ext cx="11075504" cy="2585323"/>
+          </a:xfrm>
+          <a:prstGeom prst="rect">
+            <a:avLst/>
+          </a:prstGeom>
+          <a:noFill/>
+          <a:ln>
+            <a:noFill/>
+          </a:ln>
+          <a:effectLst/>
+          <a:extLst>
+            <a:ext uri="{909E8E84-426E-40DD-AFC4-6F175D3DCCD1}">
+              <a14:hiddenFill xmlns:a14="http://schemas.microsoft.com/office/drawing/2010/main">
+                <a:solidFill>
+                  <a:schemeClr val="accent1"/>
+                </a:solidFill>
+              </a14:hiddenFill>
+            </a:ext>
+            <a:ext uri="{91240B29-F687-4F45-9708-019B960494DF}">
+              <a14:hiddenLine xmlns:a14="http://schemas.microsoft.com/office/drawing/2010/main" w="9525">
+                <a:solidFill>
+                  <a:schemeClr val="tx1"/>
+                </a:solidFill>
+                <a:miter lim="800000"/>
+                <a:headEnd/>
+                <a:tailEnd/>
+              </a14:hiddenLine>
+            </a:ext>
+            <a:ext uri="{AF507438-7753-43E0-B8FC-AC1667EBCBE1}">
+              <a14:hiddenEffects xmlns:a14="http://schemas.microsoft.com/office/drawing/2010/main">
+                <a:effectLst>
+                  <a:outerShdw dist="35921" dir="2700000" algn="ctr" rotWithShape="0">
+                    <a:schemeClr val="bg2"/>
+                  </a:outerShdw>
+                </a:effectLst>
+              </a14:hiddenEffects>
+            </a:ext>
+          </a:extLst>
+        </p:spPr>
+        <p:txBody>
+          <a:bodyPr vert="horz" wrap="square" lIns="91440" tIns="0" rIns="91440" bIns="0" numCol="1" anchor="ctr" anchorCtr="0" compatLnSpc="1">
+            <a:prstTxWarp prst="textNoShape">
+              <a:avLst/>
+            </a:prstTxWarp>
+            <a:spAutoFit/>
+          </a:bodyPr>
+          <a:lstStyle/>
+          <a:p>
+            <a:pPr marL="0" marR="0" lvl="0" indent="0" algn="l" defTabSz="914400" rtl="0" eaLnBrk="0" fontAlgn="base" latinLnBrk="0" hangingPunct="0">
+              <a:lnSpc>
+                <a:spcPct val="100000"/>
+              </a:lnSpc>
+              <a:spcBef>
+                <a:spcPct val="0"/>
+              </a:spcBef>
+              <a:spcAft>
+                <a:spcPct val="0"/>
+              </a:spcAft>
+              <a:buClrTx/>
+              <a:buSzTx/>
+              <a:buFontTx/>
+              <a:buNone/>
+              <a:tabLst/>
+            </a:pPr>
+            <a:r>
+              <a:rPr kumimoji="0" lang="en-US" altLang="en-US" i="0" u="none" strike="noStrike" cap="none" normalizeH="0" baseline="0" dirty="0">
+                <a:ln>
+                  <a:noFill/>
+                </a:ln>
+                <a:effectLst/>
+                <a:ea typeface="Times New Roman" panose="02020603050405020304" pitchFamily="18" charset="0"/>
+                <a:cs typeface="Calibri Light" panose="020F0302020204030204" pitchFamily="34" charset="0"/>
+              </a:rPr>
+              <a:t>Which is the same as minimizing the </a:t>
+            </a:r>
+            <a:r>
+              <a:rPr lang="en-US" altLang="en-US" dirty="0">
+                <a:ea typeface="Times New Roman" panose="02020603050405020304" pitchFamily="18" charset="0"/>
+                <a:cs typeface="Calibri Light" panose="020F0302020204030204" pitchFamily="34" charset="0"/>
+              </a:rPr>
+              <a:t>sum of squares </a:t>
+            </a:r>
+            <a:r>
+              <a:rPr kumimoji="0" lang="en-US" altLang="en-US" i="0" u="none" strike="noStrike" cap="none" normalizeH="0" baseline="0" dirty="0">
+                <a:ln>
+                  <a:noFill/>
+                </a:ln>
+                <a:effectLst/>
+                <a:ea typeface="Times New Roman" panose="02020603050405020304" pitchFamily="18" charset="0"/>
+                <a:cs typeface="Calibri Light" panose="020F0302020204030204" pitchFamily="34" charset="0"/>
+              </a:rPr>
+              <a:t>with constraint Σ |</a:t>
+            </a:r>
+            <a:r>
+              <a:rPr kumimoji="0" lang="en-US" altLang="en-US" i="0" u="none" strike="noStrike" cap="none" normalizeH="0" baseline="0" dirty="0" err="1">
+                <a:ln>
+                  <a:noFill/>
+                </a:ln>
+                <a:effectLst/>
+                <a:ea typeface="Times New Roman" panose="02020603050405020304" pitchFamily="18" charset="0"/>
+                <a:cs typeface="Calibri Light" panose="020F0302020204030204" pitchFamily="34" charset="0"/>
+              </a:rPr>
+              <a:t>B</a:t>
+            </a:r>
+            <a:r>
+              <a:rPr kumimoji="0" lang="en-US" altLang="en-US" i="0" u="none" strike="noStrike" cap="none" normalizeH="0" baseline="-30000" dirty="0" err="1">
+                <a:ln>
+                  <a:noFill/>
+                </a:ln>
+                <a:effectLst/>
+                <a:ea typeface="Times New Roman" panose="02020603050405020304" pitchFamily="18" charset="0"/>
+                <a:cs typeface="Calibri Light" panose="020F0302020204030204" pitchFamily="34" charset="0"/>
+              </a:rPr>
+              <a:t>j</a:t>
+            </a:r>
+            <a:r>
+              <a:rPr kumimoji="0" lang="en-US" altLang="en-US" i="0" u="none" strike="noStrike" cap="none" normalizeH="0" baseline="0" dirty="0">
+                <a:ln>
+                  <a:noFill/>
+                </a:ln>
+                <a:effectLst/>
+                <a:ea typeface="Times New Roman" panose="02020603050405020304" pitchFamily="18" charset="0"/>
+                <a:cs typeface="Calibri Light" panose="020F0302020204030204" pitchFamily="34" charset="0"/>
+              </a:rPr>
+              <a:t>≤ s. Some of the βs are shrunk to exactly zero, resulting in a regression model that’s easier to interpret.</a:t>
+            </a:r>
+            <a:endParaRPr kumimoji="0" lang="en-US" altLang="en-US" i="0" u="none" strike="noStrike" cap="none" normalizeH="0" baseline="0" dirty="0">
+              <a:ln>
+                <a:noFill/>
+              </a:ln>
+              <a:effectLst/>
+              <a:cs typeface="Calibri Light" panose="020F0302020204030204" pitchFamily="34" charset="0"/>
+            </a:endParaRPr>
+          </a:p>
+          <a:p>
+            <a:pPr marL="0" marR="0" lvl="0" indent="0" algn="l" defTabSz="914400" rtl="0" eaLnBrk="0" fontAlgn="base" latinLnBrk="0" hangingPunct="0">
+              <a:lnSpc>
+                <a:spcPct val="100000"/>
+              </a:lnSpc>
+              <a:spcBef>
+                <a:spcPct val="0"/>
+              </a:spcBef>
+              <a:spcAft>
+                <a:spcPct val="0"/>
+              </a:spcAft>
+              <a:buClrTx/>
+              <a:buSzTx/>
+              <a:buFontTx/>
+              <a:buNone/>
+              <a:tabLst/>
+            </a:pPr>
+            <a:r>
+              <a:rPr kumimoji="0" lang="en-US" altLang="en-US" i="0" u="none" strike="noStrike" cap="none" normalizeH="0" baseline="0" dirty="0">
+                <a:ln>
+                  <a:noFill/>
+                </a:ln>
+                <a:effectLst/>
+                <a:ea typeface="Times New Roman" panose="02020603050405020304" pitchFamily="18" charset="0"/>
+                <a:cs typeface="Calibri Light" panose="020F0302020204030204" pitchFamily="34" charset="0"/>
+              </a:rPr>
+              <a:t>A </a:t>
+            </a:r>
+            <a:r>
+              <a:rPr lang="en-US" altLang="en-US" dirty="0">
+                <a:ea typeface="Times New Roman" panose="02020603050405020304" pitchFamily="18" charset="0"/>
+                <a:cs typeface="Calibri Light" panose="020F0302020204030204" pitchFamily="34" charset="0"/>
+              </a:rPr>
+              <a:t>tuning parameter</a:t>
+            </a:r>
+            <a:r>
+              <a:rPr kumimoji="0" lang="en-US" altLang="en-US" i="0" u="none" strike="noStrike" cap="none" normalizeH="0" baseline="0" dirty="0">
+                <a:ln>
+                  <a:noFill/>
+                </a:ln>
+                <a:effectLst/>
+                <a:ea typeface="Times New Roman" panose="02020603050405020304" pitchFamily="18" charset="0"/>
+                <a:cs typeface="Calibri Light" panose="020F0302020204030204" pitchFamily="34" charset="0"/>
+              </a:rPr>
+              <a:t>, λ controls the strength of the L1 penalty. λ is basically the amount of shrinkage:</a:t>
+            </a:r>
+            <a:endParaRPr kumimoji="0" lang="en-US" altLang="en-US" i="0" u="none" strike="noStrike" cap="none" normalizeH="0" baseline="0" dirty="0">
+              <a:ln>
+                <a:noFill/>
+              </a:ln>
+              <a:effectLst/>
+              <a:cs typeface="Calibri Light" panose="020F0302020204030204" pitchFamily="34" charset="0"/>
+            </a:endParaRPr>
+          </a:p>
+          <a:p>
+            <a:pPr marL="0" marR="0" lvl="0" indent="0" algn="l" defTabSz="914400" rtl="0" eaLnBrk="0" fontAlgn="base" latinLnBrk="0" hangingPunct="0">
+              <a:lnSpc>
+                <a:spcPct val="100000"/>
+              </a:lnSpc>
+              <a:spcBef>
+                <a:spcPct val="0"/>
+              </a:spcBef>
+              <a:spcAft>
+                <a:spcPct val="0"/>
+              </a:spcAft>
+              <a:buClrTx/>
+              <a:buSzTx/>
+              <a:buFontTx/>
+              <a:buChar char="•"/>
+              <a:tabLst/>
+            </a:pPr>
+            <a:r>
+              <a:rPr kumimoji="0" lang="en-US" altLang="en-US" i="0" u="none" strike="noStrike" cap="none" normalizeH="0" baseline="0" dirty="0">
+                <a:ln>
+                  <a:noFill/>
+                </a:ln>
+                <a:effectLst/>
+                <a:ea typeface="Times New Roman" panose="02020603050405020304" pitchFamily="18" charset="0"/>
+                <a:cs typeface="Calibri Light" panose="020F0302020204030204" pitchFamily="34" charset="0"/>
+              </a:rPr>
+              <a:t>When λ = 0, no parameters are eliminated. The estimate is equal to the one found with linear regression.</a:t>
+            </a:r>
+            <a:endParaRPr kumimoji="0" lang="en-US" altLang="en-US" i="0" u="none" strike="noStrike" cap="none" normalizeH="0" baseline="0" dirty="0">
+              <a:ln>
+                <a:noFill/>
+              </a:ln>
+              <a:effectLst/>
+              <a:ea typeface="Calibri" panose="020F0502020204030204" pitchFamily="34" charset="0"/>
+              <a:cs typeface="Calibri Light" panose="020F0302020204030204" pitchFamily="34" charset="0"/>
+            </a:endParaRPr>
+          </a:p>
+          <a:p>
+            <a:pPr marL="0" marR="0" lvl="0" indent="0" algn="l" defTabSz="914400" rtl="0" eaLnBrk="0" fontAlgn="base" latinLnBrk="0" hangingPunct="0">
+              <a:lnSpc>
+                <a:spcPct val="100000"/>
+              </a:lnSpc>
+              <a:spcBef>
+                <a:spcPct val="0"/>
+              </a:spcBef>
+              <a:spcAft>
+                <a:spcPct val="0"/>
+              </a:spcAft>
+              <a:buClrTx/>
+              <a:buSzTx/>
+              <a:buFontTx/>
+              <a:buChar char="•"/>
+              <a:tabLst/>
+            </a:pPr>
+            <a:r>
+              <a:rPr kumimoji="0" lang="en-US" altLang="en-US" i="0" u="none" strike="noStrike" cap="none" normalizeH="0" baseline="0" dirty="0">
+                <a:ln>
+                  <a:noFill/>
+                </a:ln>
+                <a:effectLst/>
+                <a:ea typeface="Times New Roman" panose="02020603050405020304" pitchFamily="18" charset="0"/>
+                <a:cs typeface="Calibri Light" panose="020F0302020204030204" pitchFamily="34" charset="0"/>
+              </a:rPr>
+              <a:t>As λ increases, more and more coefficients are set to zero and eliminated (theoretically, when λ = ∞, </a:t>
+            </a:r>
+            <a:r>
+              <a:rPr kumimoji="0" lang="en-US" altLang="en-US" i="1" u="none" strike="noStrike" cap="none" normalizeH="0" baseline="0" dirty="0">
+                <a:ln>
+                  <a:noFill/>
+                </a:ln>
+                <a:effectLst/>
+                <a:ea typeface="Times New Roman" panose="02020603050405020304" pitchFamily="18" charset="0"/>
+                <a:cs typeface="Calibri Light" panose="020F0302020204030204" pitchFamily="34" charset="0"/>
+              </a:rPr>
+              <a:t>all </a:t>
+            </a:r>
+            <a:r>
+              <a:rPr kumimoji="0" lang="en-US" altLang="en-US" i="0" u="none" strike="noStrike" cap="none" normalizeH="0" baseline="0" dirty="0">
+                <a:ln>
+                  <a:noFill/>
+                </a:ln>
+                <a:effectLst/>
+                <a:ea typeface="Times New Roman" panose="02020603050405020304" pitchFamily="18" charset="0"/>
+                <a:cs typeface="Calibri Light" panose="020F0302020204030204" pitchFamily="34" charset="0"/>
+              </a:rPr>
+              <a:t>coefficients are eliminated).</a:t>
+            </a:r>
+            <a:endParaRPr kumimoji="0" lang="en-US" altLang="en-US" i="0" u="none" strike="noStrike" cap="none" normalizeH="0" baseline="0" dirty="0">
+              <a:ln>
+                <a:noFill/>
+              </a:ln>
+              <a:effectLst/>
+              <a:ea typeface="Calibri" panose="020F0502020204030204" pitchFamily="34" charset="0"/>
+              <a:cs typeface="Calibri Light" panose="020F0302020204030204" pitchFamily="34" charset="0"/>
+            </a:endParaRPr>
+          </a:p>
+          <a:p>
+            <a:pPr marL="0" marR="0" lvl="0" indent="0" algn="l" defTabSz="914400" rtl="0" eaLnBrk="0" fontAlgn="base" latinLnBrk="0" hangingPunct="0">
+              <a:lnSpc>
+                <a:spcPct val="100000"/>
+              </a:lnSpc>
+              <a:spcBef>
+                <a:spcPct val="0"/>
+              </a:spcBef>
+              <a:spcAft>
+                <a:spcPct val="0"/>
+              </a:spcAft>
+              <a:buClrTx/>
+              <a:buSzTx/>
+              <a:buFontTx/>
+              <a:buChar char="•"/>
+              <a:tabLst/>
+            </a:pPr>
+            <a:r>
+              <a:rPr kumimoji="0" lang="en-US" altLang="en-US" i="0" u="none" strike="noStrike" cap="none" normalizeH="0" baseline="0" dirty="0">
+                <a:ln>
+                  <a:noFill/>
+                </a:ln>
+                <a:effectLst/>
+                <a:ea typeface="Times New Roman" panose="02020603050405020304" pitchFamily="18" charset="0"/>
+                <a:cs typeface="Calibri Light" panose="020F0302020204030204" pitchFamily="34" charset="0"/>
+              </a:rPr>
+              <a:t>As λ increases, </a:t>
+            </a:r>
+            <a:r>
+              <a:rPr lang="en-US" altLang="en-US" dirty="0">
+                <a:ea typeface="Times New Roman" panose="02020603050405020304" pitchFamily="18" charset="0"/>
+                <a:cs typeface="Calibri Light" panose="020F0302020204030204" pitchFamily="34" charset="0"/>
+              </a:rPr>
+              <a:t>bias </a:t>
+            </a:r>
+            <a:r>
+              <a:rPr kumimoji="0" lang="en-US" altLang="en-US" i="0" u="none" strike="noStrike" cap="none" normalizeH="0" baseline="0" dirty="0">
+                <a:ln>
+                  <a:noFill/>
+                </a:ln>
+                <a:effectLst/>
+                <a:ea typeface="Times New Roman" panose="02020603050405020304" pitchFamily="18" charset="0"/>
+                <a:cs typeface="Calibri Light" panose="020F0302020204030204" pitchFamily="34" charset="0"/>
+              </a:rPr>
+              <a:t>increases.</a:t>
+            </a:r>
+            <a:endParaRPr kumimoji="0" lang="en-US" altLang="en-US" i="0" u="none" strike="noStrike" cap="none" normalizeH="0" baseline="0" dirty="0">
+              <a:ln>
+                <a:noFill/>
+              </a:ln>
+              <a:effectLst/>
+              <a:ea typeface="Calibri" panose="020F0502020204030204" pitchFamily="34" charset="0"/>
+              <a:cs typeface="Calibri Light" panose="020F0302020204030204" pitchFamily="34" charset="0"/>
+            </a:endParaRPr>
+          </a:p>
+          <a:p>
+            <a:pPr marL="0" marR="0" lvl="0" indent="0" algn="l" defTabSz="914400" rtl="0" eaLnBrk="0" fontAlgn="base" latinLnBrk="0" hangingPunct="0">
+              <a:lnSpc>
+                <a:spcPct val="100000"/>
+              </a:lnSpc>
+              <a:spcBef>
+                <a:spcPct val="0"/>
+              </a:spcBef>
+              <a:spcAft>
+                <a:spcPct val="0"/>
+              </a:spcAft>
+              <a:buClrTx/>
+              <a:buSzTx/>
+              <a:buFontTx/>
+              <a:buChar char="•"/>
+              <a:tabLst/>
+            </a:pPr>
+            <a:r>
+              <a:rPr kumimoji="0" lang="en-US" altLang="en-US" i="0" u="none" strike="noStrike" cap="none" normalizeH="0" baseline="0" dirty="0">
+                <a:ln>
+                  <a:noFill/>
+                </a:ln>
+                <a:effectLst/>
+                <a:ea typeface="Times New Roman" panose="02020603050405020304" pitchFamily="18" charset="0"/>
+                <a:cs typeface="Calibri Light" panose="020F0302020204030204" pitchFamily="34" charset="0"/>
+              </a:rPr>
+              <a:t>As λ decreases, </a:t>
+            </a:r>
+            <a:r>
+              <a:rPr lang="en-US" altLang="en-US" dirty="0">
+                <a:ea typeface="Times New Roman" panose="02020603050405020304" pitchFamily="18" charset="0"/>
+                <a:cs typeface="Calibri Light" panose="020F0302020204030204" pitchFamily="34" charset="0"/>
+              </a:rPr>
+              <a:t>variance </a:t>
+            </a:r>
+            <a:r>
+              <a:rPr kumimoji="0" lang="en-US" altLang="en-US" i="0" u="none" strike="noStrike" cap="none" normalizeH="0" baseline="0" dirty="0">
+                <a:ln>
+                  <a:noFill/>
+                </a:ln>
+                <a:effectLst/>
+                <a:ea typeface="Times New Roman" panose="02020603050405020304" pitchFamily="18" charset="0"/>
+                <a:cs typeface="Calibri Light" panose="020F0302020204030204" pitchFamily="34" charset="0"/>
+              </a:rPr>
+              <a:t>increases.</a:t>
+            </a:r>
+            <a:endParaRPr kumimoji="0" lang="en-US" altLang="en-US" i="0" u="none" strike="noStrike" cap="none" normalizeH="0" baseline="0" dirty="0">
+              <a:ln>
+                <a:noFill/>
+              </a:ln>
+              <a:effectLst/>
+              <a:cs typeface="Calibri Light" panose="020F0302020204030204" pitchFamily="34" charset="0"/>
+            </a:endParaRPr>
+          </a:p>
+          <a:p>
+            <a:pPr marL="0" marR="0" lvl="0" indent="0" algn="l" defTabSz="914400" rtl="0" eaLnBrk="0" fontAlgn="base" latinLnBrk="0" hangingPunct="0">
+              <a:lnSpc>
+                <a:spcPct val="100000"/>
+              </a:lnSpc>
+              <a:spcBef>
+                <a:spcPct val="0"/>
+              </a:spcBef>
+              <a:spcAft>
+                <a:spcPct val="0"/>
+              </a:spcAft>
+              <a:buClrTx/>
+              <a:buSzTx/>
+              <a:buFontTx/>
+              <a:buNone/>
+              <a:tabLst/>
+            </a:pPr>
+            <a:endParaRPr kumimoji="0" lang="en-US" altLang="en-US" sz="2400" b="0" i="0" u="none" strike="noStrike" cap="none" normalizeH="0" baseline="0" dirty="0">
+              <a:ln>
+                <a:noFill/>
+              </a:ln>
+              <a:solidFill>
+                <a:schemeClr val="tx1"/>
+              </a:solidFill>
+              <a:effectLst/>
+              <a:latin typeface="Calibri Light" panose="020F0302020204030204" pitchFamily="34" charset="0"/>
+              <a:cs typeface="Calibri Light" panose="020F0302020204030204" pitchFamily="34" charset="0"/>
+            </a:endParaRPr>
+          </a:p>
+        </p:txBody>
+      </p:sp>
     </p:spTree>
     <p:extLst>
       <p:ext uri="{BB962C8B-B14F-4D97-AF65-F5344CB8AC3E}">
-        <p14:creationId xmlns:p14="http://schemas.microsoft.com/office/powerpoint/2010/main" val="4106631437"/>
+        <p14:creationId xmlns:p14="http://schemas.microsoft.com/office/powerpoint/2010/main" val="2276323243"/>
       </p:ext>
     </p:extLst>
   </p:cSld>
@@ -7478,7 +8135,7 @@
           <p:cNvPr id="2" name="Title 1">
             <a:extLst>
               <a:ext uri="{FF2B5EF4-FFF2-40B4-BE49-F238E27FC236}">
-                <a16:creationId xmlns:a16="http://schemas.microsoft.com/office/drawing/2014/main" id="{EEEEF9C9-55DC-5403-875C-001F30EED9B1}"/>
+                <a16:creationId xmlns:a16="http://schemas.microsoft.com/office/drawing/2014/main" id="{45CC4961-AE8E-5013-16E1-633CA6F9406F}"/>
               </a:ext>
             </a:extLst>
           </p:cNvPr>
@@ -7496,186 +8153,176 @@
           </a:xfrm>
         </p:spPr>
         <p:txBody>
-          <a:bodyPr vert="horz" lIns="91440" tIns="45720" rIns="91440" bIns="45720" rtlCol="0" anchor="ctr">
+          <a:bodyPr>
             <a:normAutofit/>
           </a:bodyPr>
           <a:lstStyle/>
           <a:p>
             <a:r>
-              <a:rPr lang="en-US" sz="3000" b="1" dirty="0">
+              <a:rPr lang="en-IN" sz="3000" b="1" dirty="0">
                 <a:latin typeface="+mn-lt"/>
-              </a:rPr>
-              <a:t>SVM Regressor: Results</a:t>
-            </a:r>
-          </a:p>
-        </p:txBody>
-      </p:sp>
-      <p:sp>
-        <p:nvSpPr>
-          <p:cNvPr id="6" name="TextBox 5">
-            <a:extLst>
-              <a:ext uri="{FF2B5EF4-FFF2-40B4-BE49-F238E27FC236}">
-                <a16:creationId xmlns:a16="http://schemas.microsoft.com/office/drawing/2014/main" id="{0E1DE864-D1A2-45E8-F057-5EFA137B9E8E}"/>
-              </a:ext>
-            </a:extLst>
-          </p:cNvPr>
-          <p:cNvSpPr txBox="1"/>
-          <p:nvPr/>
+                <a:cs typeface="Calibri Light" panose="020F0302020204030204" pitchFamily="34" charset="0"/>
+              </a:rPr>
+              <a:t>Ridge Regression:</a:t>
+            </a:r>
+          </a:p>
+        </p:txBody>
+      </p:sp>
+      <p:sp>
+        <p:nvSpPr>
+          <p:cNvPr id="3" name="Content Placeholder 2">
+            <a:extLst>
+              <a:ext uri="{FF2B5EF4-FFF2-40B4-BE49-F238E27FC236}">
+                <a16:creationId xmlns:a16="http://schemas.microsoft.com/office/drawing/2014/main" id="{424DB78C-C558-1B75-BB82-D02EA1581D68}"/>
+              </a:ext>
+            </a:extLst>
+          </p:cNvPr>
+          <p:cNvSpPr>
+            <a:spLocks noGrp="1"/>
+          </p:cNvSpPr>
+          <p:nvPr>
+            <p:ph idx="1"/>
+          </p:nvPr>
         </p:nvSpPr>
         <p:spPr>
           <a:xfrm>
-            <a:off x="643469" y="1782981"/>
-            <a:ext cx="4008384" cy="4393982"/>
-          </a:xfrm>
-          <a:prstGeom prst="rect">
-            <a:avLst/>
-          </a:prstGeom>
-        </p:spPr>
-        <p:txBody>
-          <a:bodyPr vert="horz" lIns="91440" tIns="45720" rIns="91440" bIns="45720" rtlCol="0">
-            <a:normAutofit/>
+            <a:off x="643467" y="1457471"/>
+            <a:ext cx="10905066" cy="4393982"/>
+          </a:xfrm>
+        </p:spPr>
+        <p:txBody>
+          <a:bodyPr>
+            <a:normAutofit lnSpcReduction="10000"/>
           </a:bodyPr>
           <a:lstStyle/>
           <a:p>
-            <a:pPr marL="285750" indent="-228600">
-              <a:lnSpc>
-                <a:spcPct val="90000"/>
-              </a:lnSpc>
-              <a:spcAft>
-                <a:spcPts val="600"/>
-              </a:spcAft>
-              <a:buFont typeface="Arial" panose="020B0604020202020204" pitchFamily="34" charset="0"/>
-              <a:buChar char="•"/>
+            <a:pPr lvl="0"/>
+            <a:r>
+              <a:rPr lang="en-US" sz="1800" dirty="0">
+                <a:cs typeface="Calibri Light" panose="020F0302020204030204" pitchFamily="34" charset="0"/>
+              </a:rPr>
+              <a:t>Ridge </a:t>
+            </a:r>
+            <a:r>
+              <a:rPr lang="en-US" sz="1800" dirty="0">
+                <a:cs typeface="Calibri Light" panose="020F0302020204030204" pitchFamily="34" charset="0"/>
+                <a:hlinkClick r:id="rId2">
+                  <a:extLst>
+                    <a:ext uri="{A12FA001-AC4F-418D-AE19-62706E023703}">
+                      <ahyp:hlinkClr xmlns:ahyp="http://schemas.microsoft.com/office/drawing/2018/hyperlinkcolor" val="tx"/>
+                    </a:ext>
+                  </a:extLst>
+                </a:hlinkClick>
+              </a:rPr>
+              <a:t>regression</a:t>
+            </a:r>
+            <a:r>
+              <a:rPr lang="en-US" sz="1800" dirty="0">
+                <a:cs typeface="Calibri Light" panose="020F0302020204030204" pitchFamily="34" charset="0"/>
+              </a:rPr>
+              <a:t> is a model tuning method that is used to analyze any data that suffers from multicollinearity. This method performs L2 regularization. </a:t>
+            </a:r>
+          </a:p>
+          <a:p>
+            <a:pPr lvl="0"/>
+            <a:r>
+              <a:rPr lang="en-US" sz="1800" dirty="0">
+                <a:cs typeface="Calibri Light" panose="020F0302020204030204" pitchFamily="34" charset="0"/>
+              </a:rPr>
+              <a:t>When the issue of multicollinearity occurs, least-squares are unbiased, and variances are large, this       results in predicted values being far away from the actual values. </a:t>
+            </a:r>
+          </a:p>
+          <a:p>
+            <a:pPr lvl="0"/>
+            <a:endParaRPr lang="en-US" sz="1800" dirty="0">
+              <a:cs typeface="Calibri Light" panose="020F0302020204030204" pitchFamily="34" charset="0"/>
+            </a:endParaRPr>
+          </a:p>
+          <a:p>
+            <a:pPr marL="0" lvl="0" indent="0" algn="ctr">
+              <a:buNone/>
             </a:pPr>
             <a:r>
-              <a:rPr lang="en-US" dirty="0" err="1"/>
-              <a:t>Svm</a:t>
-            </a:r>
-            <a:r>
-              <a:rPr lang="en-US" dirty="0"/>
-              <a:t> model is passed with the best features .</a:t>
-            </a:r>
-          </a:p>
-          <a:p>
-            <a:pPr marL="285750" indent="-228600">
-              <a:lnSpc>
-                <a:spcPct val="90000"/>
-              </a:lnSpc>
-              <a:spcAft>
-                <a:spcPts val="600"/>
-              </a:spcAft>
-              <a:buFont typeface="Arial" panose="020B0604020202020204" pitchFamily="34" charset="0"/>
-              <a:buChar char="•"/>
+              <a:rPr lang="en-US" sz="2600" b="1" dirty="0">
+                <a:cs typeface="Calibri Light" panose="020F0302020204030204" pitchFamily="34" charset="0"/>
+              </a:rPr>
+              <a:t>Min (||Y – X (theta) ||^2 + λ||theta||^2)</a:t>
+            </a:r>
+          </a:p>
+          <a:p>
+            <a:pPr marL="0" lvl="0" indent="0" algn="ctr">
+              <a:buNone/>
             </a:pPr>
-            <a:r>
-              <a:rPr lang="en-US" dirty="0"/>
-              <a:t>The RMSE and </a:t>
-            </a:r>
-            <a:r>
-              <a:rPr lang="en-US" dirty="0" err="1"/>
-              <a:t>Rsquared</a:t>
-            </a:r>
-            <a:r>
-              <a:rPr lang="en-US" dirty="0"/>
-              <a:t> values for the test ad train data is shown </a:t>
-            </a:r>
-          </a:p>
-        </p:txBody>
-      </p:sp>
-      <p:pic>
-        <p:nvPicPr>
-          <p:cNvPr id="5" name="Picture 4">
-            <a:extLst>
-              <a:ext uri="{FF2B5EF4-FFF2-40B4-BE49-F238E27FC236}">
-                <a16:creationId xmlns:a16="http://schemas.microsoft.com/office/drawing/2014/main" id="{DD6EAFE1-0CF6-39DC-3EAC-514B715D4539}"/>
-              </a:ext>
-            </a:extLst>
-          </p:cNvPr>
-          <p:cNvPicPr>
-            <a:picLocks noChangeAspect="1"/>
-          </p:cNvPicPr>
-          <p:nvPr/>
-        </p:nvPicPr>
-        <p:blipFill>
-          <a:blip r:embed="rId2"/>
-          <a:stretch>
-            <a:fillRect/>
-          </a:stretch>
-        </p:blipFill>
-        <p:spPr>
-          <a:xfrm>
-            <a:off x="5295320" y="4317307"/>
-            <a:ext cx="6253212" cy="1570665"/>
-          </a:xfrm>
-          <a:prstGeom prst="rect">
-            <a:avLst/>
-          </a:prstGeom>
-        </p:spPr>
-      </p:pic>
-      <p:pic>
-        <p:nvPicPr>
-          <p:cNvPr id="3" name="Picture 2">
-            <a:extLst>
-              <a:ext uri="{FF2B5EF4-FFF2-40B4-BE49-F238E27FC236}">
-                <a16:creationId xmlns:a16="http://schemas.microsoft.com/office/drawing/2014/main" id="{0C01ED45-109C-15D0-DE70-96BEAF24A4F0}"/>
-              </a:ext>
-            </a:extLst>
-          </p:cNvPr>
-          <p:cNvPicPr>
-            <a:picLocks noChangeAspect="1"/>
-          </p:cNvPicPr>
-          <p:nvPr/>
-        </p:nvPicPr>
-        <p:blipFill>
-          <a:blip r:embed="rId3"/>
-          <a:stretch>
-            <a:fillRect/>
-          </a:stretch>
-        </p:blipFill>
-        <p:spPr>
-          <a:xfrm>
-            <a:off x="5295320" y="1515727"/>
-            <a:ext cx="5802171" cy="1024965"/>
-          </a:xfrm>
-          <a:prstGeom prst="rect">
-            <a:avLst/>
-          </a:prstGeom>
-        </p:spPr>
-      </p:pic>
-      <p:pic>
-        <p:nvPicPr>
-          <p:cNvPr id="7" name="Picture 6">
-            <a:extLst>
-              <a:ext uri="{FF2B5EF4-FFF2-40B4-BE49-F238E27FC236}">
-                <a16:creationId xmlns:a16="http://schemas.microsoft.com/office/drawing/2014/main" id="{8D81B251-2277-FDE0-964C-1098D635B2F3}"/>
-              </a:ext>
-            </a:extLst>
-          </p:cNvPr>
-          <p:cNvPicPr>
-            <a:picLocks noChangeAspect="1"/>
-          </p:cNvPicPr>
-          <p:nvPr/>
-        </p:nvPicPr>
-        <p:blipFill>
-          <a:blip r:embed="rId4"/>
-          <a:stretch>
-            <a:fillRect/>
-          </a:stretch>
-        </p:blipFill>
-        <p:spPr>
-          <a:xfrm>
-            <a:off x="5295320" y="2707322"/>
-            <a:ext cx="3010161" cy="1272650"/>
-          </a:xfrm>
-          <a:prstGeom prst="rect">
-            <a:avLst/>
-          </a:prstGeom>
-        </p:spPr>
-      </p:pic>
+            <a:endParaRPr lang="en-US" sz="2600" dirty="0">
+              <a:cs typeface="Calibri Light" panose="020F0302020204030204" pitchFamily="34" charset="0"/>
+            </a:endParaRPr>
+          </a:p>
+          <a:p>
+            <a:pPr lvl="0" fontAlgn="base"/>
+            <a:r>
+              <a:rPr lang="en-US" sz="1800" dirty="0">
+                <a:cs typeface="Calibri Light" panose="020F0302020204030204" pitchFamily="34" charset="0"/>
+              </a:rPr>
+              <a:t>Lambda is the penalty term.</a:t>
+            </a:r>
+          </a:p>
+          <a:p>
+            <a:pPr lvl="0" fontAlgn="base"/>
+            <a:r>
+              <a:rPr lang="en-US" sz="1800" dirty="0" err="1">
+                <a:cs typeface="Calibri Light" panose="020F0302020204030204" pitchFamily="34" charset="0"/>
+              </a:rPr>
+              <a:t>λ</a:t>
+            </a:r>
+            <a:r>
+              <a:rPr lang="en-US" sz="1800" dirty="0">
+                <a:cs typeface="Calibri Light" panose="020F0302020204030204" pitchFamily="34" charset="0"/>
+              </a:rPr>
+              <a:t> given here is denoted by an alpha parameter in the ridge function. </a:t>
+            </a:r>
+          </a:p>
+          <a:p>
+            <a:pPr lvl="0" fontAlgn="base"/>
+            <a:r>
+              <a:rPr lang="en-US" sz="1800" dirty="0">
+                <a:cs typeface="Calibri Light" panose="020F0302020204030204" pitchFamily="34" charset="0"/>
+              </a:rPr>
+              <a:t>So, by changing the values of alpha, we are controlling the penalty term. The higher the values of alpha, the bigger is the penalty and therefore the magnitude of coefficients is reduced.</a:t>
+            </a:r>
+          </a:p>
+          <a:p>
+            <a:pPr lvl="0" fontAlgn="base"/>
+            <a:r>
+              <a:rPr lang="en-US" sz="1800" dirty="0">
+                <a:cs typeface="Calibri Light" panose="020F0302020204030204" pitchFamily="34" charset="0"/>
+              </a:rPr>
+              <a:t>It shrinks the parameters. Therefore, it is used to prevent multicollinearity.</a:t>
+            </a:r>
+          </a:p>
+          <a:p>
+            <a:pPr lvl="0" fontAlgn="base"/>
+            <a:r>
+              <a:rPr lang="en-US" sz="1800" dirty="0">
+                <a:cs typeface="Calibri Light" panose="020F0302020204030204" pitchFamily="34" charset="0"/>
+              </a:rPr>
+              <a:t>It reduces the model complexity by coefficient shrinkage.</a:t>
+            </a:r>
+          </a:p>
+          <a:p>
+            <a:pPr marL="0" indent="0">
+              <a:buNone/>
+            </a:pPr>
+            <a:endParaRPr lang="en-IN" sz="2000" dirty="0">
+              <a:latin typeface="Calibri Light" panose="020F0302020204030204" pitchFamily="34" charset="0"/>
+              <a:cs typeface="Calibri Light" panose="020F0302020204030204" pitchFamily="34" charset="0"/>
+            </a:endParaRPr>
+          </a:p>
+        </p:txBody>
+      </p:sp>
     </p:spTree>
     <p:extLst>
       <p:ext uri="{BB962C8B-B14F-4D97-AF65-F5344CB8AC3E}">
-        <p14:creationId xmlns:p14="http://schemas.microsoft.com/office/powerpoint/2010/main" val="2410918077"/>
+        <p14:creationId xmlns:p14="http://schemas.microsoft.com/office/powerpoint/2010/main" val="1715933046"/>
       </p:ext>
     </p:extLst>
   </p:cSld>
@@ -7707,7 +8354,7 @@
           <p:cNvPr id="2" name="Title 1">
             <a:extLst>
               <a:ext uri="{FF2B5EF4-FFF2-40B4-BE49-F238E27FC236}">
-                <a16:creationId xmlns:a16="http://schemas.microsoft.com/office/drawing/2014/main" id="{BD76F5DC-947E-7F44-F695-683988A91641}"/>
+                <a16:creationId xmlns:a16="http://schemas.microsoft.com/office/drawing/2014/main" id="{53F19C3D-A78D-E488-7B5E-960EBE91C2D8}"/>
               </a:ext>
             </a:extLst>
           </p:cNvPr>
@@ -7720,8 +8367,8 @@
         </p:nvSpPr>
         <p:spPr>
           <a:xfrm>
-            <a:off x="765752" y="93278"/>
-            <a:ext cx="10515600" cy="661570"/>
+            <a:off x="708429" y="349135"/>
+            <a:ext cx="10515600" cy="1034184"/>
           </a:xfrm>
         </p:spPr>
         <p:txBody>
@@ -7731,104 +8378,21 @@
           <a:lstStyle/>
           <a:p>
             <a:r>
-              <a:rPr lang="en-IN" sz="3200" b="1" dirty="0" err="1">
+              <a:rPr lang="en-US" sz="3000" b="1" dirty="0">
                 <a:latin typeface="+mn-lt"/>
-              </a:rPr>
-              <a:t>XGBoost</a:t>
-            </a:r>
-            <a:r>
-              <a:rPr lang="en-IN" sz="3200" b="1" dirty="0">
-                <a:latin typeface="+mn-lt"/>
-              </a:rPr>
-              <a:t> Regressor – Intuition</a:t>
-            </a:r>
-          </a:p>
-        </p:txBody>
-      </p:sp>
-      <p:sp>
-        <p:nvSpPr>
-          <p:cNvPr id="3" name="Content Placeholder 2">
-            <a:extLst>
-              <a:ext uri="{FF2B5EF4-FFF2-40B4-BE49-F238E27FC236}">
-                <a16:creationId xmlns:a16="http://schemas.microsoft.com/office/drawing/2014/main" id="{997CA512-24F3-ECA9-AB32-6426466FA640}"/>
-              </a:ext>
-            </a:extLst>
-          </p:cNvPr>
-          <p:cNvSpPr>
-            <a:spLocks noGrp="1"/>
-          </p:cNvSpPr>
-          <p:nvPr>
-            <p:ph idx="1"/>
-          </p:nvPr>
-        </p:nvSpPr>
-        <p:spPr>
-          <a:xfrm>
-            <a:off x="329514" y="858252"/>
-            <a:ext cx="11681253" cy="5906469"/>
-          </a:xfrm>
-        </p:spPr>
-        <p:txBody>
-          <a:bodyPr>
-            <a:normAutofit/>
-          </a:bodyPr>
-          <a:lstStyle/>
-          <a:p>
-            <a:pPr marL="0" indent="0">
-              <a:buNone/>
-            </a:pPr>
-            <a:r>
-              <a:rPr lang="en-IN" sz="2000" dirty="0" err="1"/>
-              <a:t>XGBoost</a:t>
-            </a:r>
-            <a:r>
-              <a:rPr lang="en-IN" sz="2000" dirty="0"/>
-              <a:t> Regressor is one of the ensemble techniques which is based on the boosting mechanism.</a:t>
-            </a:r>
-          </a:p>
-        </p:txBody>
-      </p:sp>
-      <p:sp>
-        <p:nvSpPr>
-          <p:cNvPr id="5" name="TextBox 4">
-            <a:extLst>
-              <a:ext uri="{FF2B5EF4-FFF2-40B4-BE49-F238E27FC236}">
-                <a16:creationId xmlns:a16="http://schemas.microsoft.com/office/drawing/2014/main" id="{95E3701D-6FF2-6C5E-D17E-5DBBF52D079E}"/>
-              </a:ext>
-            </a:extLst>
-          </p:cNvPr>
-          <p:cNvSpPr txBox="1"/>
-          <p:nvPr/>
-        </p:nvSpPr>
-        <p:spPr>
-          <a:xfrm>
-            <a:off x="6714635" y="3492478"/>
-            <a:ext cx="4774234" cy="369332"/>
-          </a:xfrm>
-          <a:prstGeom prst="rect">
-            <a:avLst/>
-          </a:prstGeom>
-          <a:noFill/>
-        </p:spPr>
-        <p:txBody>
-          <a:bodyPr wrap="square" rtlCol="0">
-            <a:spAutoFit/>
-          </a:bodyPr>
-          <a:lstStyle/>
-          <a:p>
-            <a:pPr algn="ctr"/>
-            <a:r>
-              <a:rPr lang="en-IN" b="1" dirty="0"/>
-              <a:t>Calculating gain using similarity score</a:t>
+                <a:cs typeface="Calibri Light" panose="020F0302020204030204" pitchFamily="34" charset="0"/>
+              </a:rPr>
+              <a:t>Ridge Results			          Lasso Results</a:t>
             </a:r>
           </a:p>
         </p:txBody>
       </p:sp>
       <p:pic>
         <p:nvPicPr>
-          <p:cNvPr id="7" name="Picture 6">
-            <a:extLst>
-              <a:ext uri="{FF2B5EF4-FFF2-40B4-BE49-F238E27FC236}">
-                <a16:creationId xmlns:a16="http://schemas.microsoft.com/office/drawing/2014/main" id="{0B3134F0-93EE-E7F1-0440-EAC1F40D9014}"/>
+          <p:cNvPr id="10" name="Picture 9" descr="Table&#10;&#10;Description automatically generated">
+            <a:extLst>
+              <a:ext uri="{FF2B5EF4-FFF2-40B4-BE49-F238E27FC236}">
+                <a16:creationId xmlns:a16="http://schemas.microsoft.com/office/drawing/2014/main" id="{CAAEFC40-CD95-FE01-DB8F-002374B08D57}"/>
               </a:ext>
             </a:extLst>
           </p:cNvPr>
@@ -7838,15 +8402,21 @@
           <p:nvPr/>
         </p:nvPicPr>
         <p:blipFill>
-          <a:blip r:embed="rId2"/>
+          <a:blip r:embed="rId2">
+            <a:extLst>
+              <a:ext uri="{28A0092B-C50C-407E-A947-70E740481C1C}">
+                <a14:useLocalDpi xmlns:a14="http://schemas.microsoft.com/office/drawing/2010/main" val="0"/>
+              </a:ext>
+            </a:extLst>
+          </a:blip>
           <a:stretch>
             <a:fillRect/>
           </a:stretch>
         </p:blipFill>
         <p:spPr>
           <a:xfrm>
-            <a:off x="572967" y="2217901"/>
-            <a:ext cx="4927959" cy="4397121"/>
+            <a:off x="6213766" y="3910645"/>
+            <a:ext cx="5334000" cy="1844362"/>
           </a:xfrm>
           <a:prstGeom prst="rect">
             <a:avLst/>
@@ -7855,10 +8425,10 @@
       </p:pic>
       <p:pic>
         <p:nvPicPr>
-          <p:cNvPr id="9" name="Picture 8">
-            <a:extLst>
-              <a:ext uri="{FF2B5EF4-FFF2-40B4-BE49-F238E27FC236}">
-                <a16:creationId xmlns:a16="http://schemas.microsoft.com/office/drawing/2014/main" id="{C30164FD-5106-09B6-4054-44362A155EB2}"/>
+          <p:cNvPr id="12" name="Picture 11" descr="Table&#10;&#10;Description automatically generated">
+            <a:extLst>
+              <a:ext uri="{FF2B5EF4-FFF2-40B4-BE49-F238E27FC236}">
+                <a16:creationId xmlns:a16="http://schemas.microsoft.com/office/drawing/2014/main" id="{7057E3F2-B099-F1C0-1CB5-A8BD8C01A9EA}"/>
               </a:ext>
             </a:extLst>
           </p:cNvPr>
@@ -7868,194 +8438,157 @@
           <p:nvPr/>
         </p:nvPicPr>
         <p:blipFill>
-          <a:blip r:embed="rId3"/>
+          <a:blip r:embed="rId3">
+            <a:extLst>
+              <a:ext uri="{28A0092B-C50C-407E-A947-70E740481C1C}">
+                <a14:useLocalDpi xmlns:a14="http://schemas.microsoft.com/office/drawing/2010/main" val="0"/>
+              </a:ext>
+            </a:extLst>
+          </a:blip>
           <a:stretch>
             <a:fillRect/>
           </a:stretch>
         </p:blipFill>
         <p:spPr>
           <a:xfrm>
-            <a:off x="6665604" y="1546467"/>
-            <a:ext cx="4953429" cy="1447925"/>
+            <a:off x="796636" y="4194659"/>
+            <a:ext cx="5181599" cy="1560348"/>
           </a:xfrm>
           <a:prstGeom prst="rect">
             <a:avLst/>
           </a:prstGeom>
         </p:spPr>
       </p:pic>
+      <p:sp>
+        <p:nvSpPr>
+          <p:cNvPr id="17" name="TextBox 16">
+            <a:extLst>
+              <a:ext uri="{FF2B5EF4-FFF2-40B4-BE49-F238E27FC236}">
+                <a16:creationId xmlns:a16="http://schemas.microsoft.com/office/drawing/2014/main" id="{AA4EE446-B3F1-C203-C8CD-74F79BC68504}"/>
+              </a:ext>
+            </a:extLst>
+          </p:cNvPr>
+          <p:cNvSpPr txBox="1"/>
+          <p:nvPr/>
+        </p:nvSpPr>
+        <p:spPr>
+          <a:xfrm>
+            <a:off x="708429" y="1312775"/>
+            <a:ext cx="8936182" cy="369332"/>
+          </a:xfrm>
+          <a:prstGeom prst="rect">
+            <a:avLst/>
+          </a:prstGeom>
+          <a:noFill/>
+        </p:spPr>
+        <p:txBody>
+          <a:bodyPr wrap="square" rtlCol="0">
+            <a:spAutoFit/>
+          </a:bodyPr>
+          <a:lstStyle/>
+          <a:p>
+            <a:r>
+              <a:rPr lang="en-US" b="1" dirty="0">
+                <a:cs typeface="Calibri Light" panose="020F0302020204030204" pitchFamily="34" charset="0"/>
+              </a:rPr>
+              <a:t>The same function </a:t>
+            </a:r>
+            <a:r>
+              <a:rPr lang="en-US" b="1" dirty="0" err="1">
+                <a:cs typeface="Calibri Light" panose="020F0302020204030204" pitchFamily="34" charset="0"/>
+              </a:rPr>
+              <a:t>glmnet</a:t>
+            </a:r>
+            <a:r>
+              <a:rPr lang="en-US" b="1" dirty="0">
+                <a:cs typeface="Calibri Light" panose="020F0302020204030204" pitchFamily="34" charset="0"/>
+              </a:rPr>
+              <a:t>( ) with </a:t>
+            </a:r>
+            <a:r>
+              <a:rPr lang="en-US" b="1" dirty="0">
+                <a:latin typeface="Calibri Light" panose="020F0302020204030204" pitchFamily="34" charset="0"/>
+                <a:cs typeface="Calibri Light" panose="020F0302020204030204" pitchFamily="34" charset="0"/>
+              </a:rPr>
+              <a:t>alpha set to 1 will build the Lasso regression model</a:t>
+            </a:r>
+          </a:p>
+        </p:txBody>
+      </p:sp>
       <p:pic>
         <p:nvPicPr>
-          <p:cNvPr id="11" name="Picture 10">
-            <a:extLst>
-              <a:ext uri="{FF2B5EF4-FFF2-40B4-BE49-F238E27FC236}">
-                <a16:creationId xmlns:a16="http://schemas.microsoft.com/office/drawing/2014/main" id="{AC775000-845C-4417-F76A-0FA7C0346FFF}"/>
+          <p:cNvPr id="6" name="Content Placeholder 5" descr="Graphical user interface, text&#10;&#10;Description automatically generated">
+            <a:extLst>
+              <a:ext uri="{FF2B5EF4-FFF2-40B4-BE49-F238E27FC236}">
+                <a16:creationId xmlns:a16="http://schemas.microsoft.com/office/drawing/2014/main" id="{240074F6-721F-D9C4-F161-7D2790C22BE9}"/>
               </a:ext>
             </a:extLst>
           </p:cNvPr>
           <p:cNvPicPr>
-            <a:picLocks noChangeAspect="1"/>
+            <a:picLocks noGrp="1" noChangeAspect="1"/>
           </p:cNvPicPr>
-          <p:nvPr/>
+          <p:nvPr>
+            <p:ph sz="half" idx="2"/>
+          </p:nvPr>
         </p:nvPicPr>
         <p:blipFill>
-          <a:blip r:embed="rId4"/>
+          <a:blip r:embed="rId4">
+            <a:extLst>
+              <a:ext uri="{28A0092B-C50C-407E-A947-70E740481C1C}">
+                <a14:useLocalDpi xmlns:a14="http://schemas.microsoft.com/office/drawing/2010/main" val="0"/>
+              </a:ext>
+            </a:extLst>
+          </a:blip>
           <a:stretch>
             <a:fillRect/>
           </a:stretch>
         </p:blipFill>
         <p:spPr>
           <a:xfrm>
-            <a:off x="7490053" y="3970082"/>
-            <a:ext cx="4701947" cy="2598645"/>
-          </a:xfrm>
-          <a:prstGeom prst="rect">
-            <a:avLst/>
-          </a:prstGeom>
+            <a:off x="6096000" y="1695388"/>
+            <a:ext cx="5181600" cy="2052723"/>
+          </a:xfrm>
         </p:spPr>
       </p:pic>
-      <p:sp>
-        <p:nvSpPr>
-          <p:cNvPr id="12" name="TextBox 11">
-            <a:extLst>
-              <a:ext uri="{FF2B5EF4-FFF2-40B4-BE49-F238E27FC236}">
-                <a16:creationId xmlns:a16="http://schemas.microsoft.com/office/drawing/2014/main" id="{B8951F85-DC26-6DBD-EF7D-CFF1001BC6DE}"/>
-              </a:ext>
-            </a:extLst>
-          </p:cNvPr>
-          <p:cNvSpPr txBox="1"/>
-          <p:nvPr/>
-        </p:nvSpPr>
-        <p:spPr>
-          <a:xfrm>
-            <a:off x="1860883" y="1848569"/>
-            <a:ext cx="2382960" cy="400110"/>
-          </a:xfrm>
-          <a:prstGeom prst="rect">
-            <a:avLst/>
-          </a:prstGeom>
-          <a:noFill/>
-        </p:spPr>
-        <p:txBody>
-          <a:bodyPr wrap="none" rtlCol="0">
-            <a:spAutoFit/>
-          </a:bodyPr>
-          <a:lstStyle/>
-          <a:p>
-            <a:r>
-              <a:rPr lang="en-IN" sz="2000" b="1" dirty="0" err="1"/>
-              <a:t>XGBoost</a:t>
-            </a:r>
-            <a:r>
-              <a:rPr lang="en-IN" sz="2000" b="1" dirty="0"/>
-              <a:t> Mechanism</a:t>
-            </a:r>
-          </a:p>
-        </p:txBody>
-      </p:sp>
       <p:pic>
         <p:nvPicPr>
-          <p:cNvPr id="17" name="Picture 16">
-            <a:extLst>
-              <a:ext uri="{FF2B5EF4-FFF2-40B4-BE49-F238E27FC236}">
-                <a16:creationId xmlns:a16="http://schemas.microsoft.com/office/drawing/2014/main" id="{DA9D3D87-79B6-C146-AC63-FF8E230DAA59}"/>
+          <p:cNvPr id="13" name="Content Placeholder 12" descr="Graphical user interface, text&#10;&#10;Description automatically generated">
+            <a:extLst>
+              <a:ext uri="{FF2B5EF4-FFF2-40B4-BE49-F238E27FC236}">
+                <a16:creationId xmlns:a16="http://schemas.microsoft.com/office/drawing/2014/main" id="{8F03CAC3-62E0-BE6B-C093-593AB50C7576}"/>
               </a:ext>
             </a:extLst>
           </p:cNvPr>
           <p:cNvPicPr>
-            <a:picLocks noChangeAspect="1"/>
+            <a:picLocks noGrp="1" noChangeAspect="1"/>
           </p:cNvPicPr>
-          <p:nvPr/>
+          <p:nvPr>
+            <p:ph sz="half" idx="1"/>
+          </p:nvPr>
         </p:nvPicPr>
         <p:blipFill>
-          <a:blip r:embed="rId5"/>
+          <a:blip r:embed="rId5">
+            <a:extLst>
+              <a:ext uri="{28A0092B-C50C-407E-A947-70E740481C1C}">
+                <a14:useLocalDpi xmlns:a14="http://schemas.microsoft.com/office/drawing/2010/main" val="0"/>
+              </a:ext>
+            </a:extLst>
+          </a:blip>
           <a:stretch>
             <a:fillRect/>
           </a:stretch>
         </p:blipFill>
         <p:spPr>
           <a:xfrm>
-            <a:off x="6195876" y="4406582"/>
-            <a:ext cx="990399" cy="1725643"/>
-          </a:xfrm>
-          <a:prstGeom prst="rect">
-            <a:avLst/>
-          </a:prstGeom>
+            <a:off x="796635" y="1794152"/>
+            <a:ext cx="5181600" cy="1953959"/>
+          </a:xfrm>
         </p:spPr>
       </p:pic>
-      <p:sp>
-        <p:nvSpPr>
-          <p:cNvPr id="18" name="TextBox 17">
-            <a:extLst>
-              <a:ext uri="{FF2B5EF4-FFF2-40B4-BE49-F238E27FC236}">
-                <a16:creationId xmlns:a16="http://schemas.microsoft.com/office/drawing/2014/main" id="{6511EB39-8AFF-901A-39FD-E60246B34A72}"/>
-              </a:ext>
-            </a:extLst>
-          </p:cNvPr>
-          <p:cNvSpPr txBox="1"/>
-          <p:nvPr/>
-        </p:nvSpPr>
-        <p:spPr>
-          <a:xfrm>
-            <a:off x="8793566" y="4761701"/>
-            <a:ext cx="381836" cy="369332"/>
-          </a:xfrm>
-          <a:prstGeom prst="rect">
-            <a:avLst/>
-          </a:prstGeom>
-          <a:noFill/>
-        </p:spPr>
-        <p:txBody>
-          <a:bodyPr wrap="none" rtlCol="0">
-            <a:spAutoFit/>
-          </a:bodyPr>
-          <a:lstStyle/>
-          <a:p>
-            <a:r>
-              <a:rPr lang="en-IN" dirty="0"/>
-              <a:t>M</a:t>
-            </a:r>
-          </a:p>
-        </p:txBody>
-      </p:sp>
-      <p:sp>
-        <p:nvSpPr>
-          <p:cNvPr id="19" name="TextBox 18">
-            <a:extLst>
-              <a:ext uri="{FF2B5EF4-FFF2-40B4-BE49-F238E27FC236}">
-                <a16:creationId xmlns:a16="http://schemas.microsoft.com/office/drawing/2014/main" id="{4F2D7826-202D-E69C-D66E-7C9ABA715F12}"/>
-              </a:ext>
-            </a:extLst>
-          </p:cNvPr>
-          <p:cNvSpPr txBox="1"/>
-          <p:nvPr/>
-        </p:nvSpPr>
-        <p:spPr>
-          <a:xfrm>
-            <a:off x="10026316" y="4761701"/>
-            <a:ext cx="290464" cy="369332"/>
-          </a:xfrm>
-          <a:prstGeom prst="rect">
-            <a:avLst/>
-          </a:prstGeom>
-          <a:noFill/>
-        </p:spPr>
-        <p:txBody>
-          <a:bodyPr wrap="none" rtlCol="0">
-            <a:spAutoFit/>
-          </a:bodyPr>
-          <a:lstStyle/>
-          <a:p>
-            <a:r>
-              <a:rPr lang="en-IN" dirty="0"/>
-              <a:t>F</a:t>
-            </a:r>
-          </a:p>
-        </p:txBody>
-      </p:sp>
     </p:spTree>
     <p:extLst>
       <p:ext uri="{BB962C8B-B14F-4D97-AF65-F5344CB8AC3E}">
-        <p14:creationId xmlns:p14="http://schemas.microsoft.com/office/powerpoint/2010/main" val="969963409"/>
+        <p14:creationId xmlns:p14="http://schemas.microsoft.com/office/powerpoint/2010/main" val="3639941801"/>
       </p:ext>
     </p:extLst>
   </p:cSld>
@@ -9193,6 +9726,1502 @@
           <p:cNvPr id="2" name="Title 1">
             <a:extLst>
               <a:ext uri="{FF2B5EF4-FFF2-40B4-BE49-F238E27FC236}">
+                <a16:creationId xmlns:a16="http://schemas.microsoft.com/office/drawing/2014/main" id="{BD76F5DC-947E-7F44-F695-683988A91641}"/>
+              </a:ext>
+            </a:extLst>
+          </p:cNvPr>
+          <p:cNvSpPr>
+            <a:spLocks noGrp="1"/>
+          </p:cNvSpPr>
+          <p:nvPr>
+            <p:ph type="title"/>
+          </p:nvPr>
+        </p:nvSpPr>
+        <p:spPr>
+          <a:xfrm>
+            <a:off x="387178" y="0"/>
+            <a:ext cx="10515600" cy="713665"/>
+          </a:xfrm>
+        </p:spPr>
+        <p:txBody>
+          <a:bodyPr>
+            <a:normAutofit/>
+          </a:bodyPr>
+          <a:lstStyle/>
+          <a:p>
+            <a:r>
+              <a:rPr lang="en-IN" sz="3200" b="1" dirty="0">
+                <a:latin typeface="+mn-lt"/>
+              </a:rPr>
+              <a:t>Random Forest Regressor</a:t>
+            </a:r>
+          </a:p>
+        </p:txBody>
+      </p:sp>
+      <p:sp>
+        <p:nvSpPr>
+          <p:cNvPr id="3" name="Content Placeholder 2">
+            <a:extLst>
+              <a:ext uri="{FF2B5EF4-FFF2-40B4-BE49-F238E27FC236}">
+                <a16:creationId xmlns:a16="http://schemas.microsoft.com/office/drawing/2014/main" id="{997CA512-24F3-ECA9-AB32-6426466FA640}"/>
+              </a:ext>
+            </a:extLst>
+          </p:cNvPr>
+          <p:cNvSpPr>
+            <a:spLocks noGrp="1"/>
+          </p:cNvSpPr>
+          <p:nvPr>
+            <p:ph idx="1"/>
+          </p:nvPr>
+        </p:nvSpPr>
+        <p:spPr>
+          <a:xfrm>
+            <a:off x="387178" y="825277"/>
+            <a:ext cx="11588254" cy="5880323"/>
+          </a:xfrm>
+        </p:spPr>
+        <p:txBody>
+          <a:bodyPr/>
+          <a:lstStyle/>
+          <a:p>
+            <a:pPr marL="0" indent="0">
+              <a:buNone/>
+            </a:pPr>
+            <a:r>
+              <a:rPr lang="en-IN" sz="2000" dirty="0"/>
+              <a:t>Random forest is a decision tree-based algorithm that uses the bagging(Bootstrap Aggregation)</a:t>
+            </a:r>
+          </a:p>
+          <a:p>
+            <a:pPr marL="0" indent="0">
+              <a:buNone/>
+            </a:pPr>
+            <a:r>
+              <a:rPr lang="en-IN" sz="2000" dirty="0"/>
+              <a:t> technique to reduce the variance of the model.</a:t>
+            </a:r>
+          </a:p>
+          <a:p>
+            <a:endParaRPr lang="en-IN" b="1" dirty="0"/>
+          </a:p>
+        </p:txBody>
+      </p:sp>
+      <p:pic>
+        <p:nvPicPr>
+          <p:cNvPr id="10" name="Picture 9">
+            <a:extLst>
+              <a:ext uri="{FF2B5EF4-FFF2-40B4-BE49-F238E27FC236}">
+                <a16:creationId xmlns:a16="http://schemas.microsoft.com/office/drawing/2014/main" id="{4EF98919-EEE6-9D37-34E5-8A630A15E538}"/>
+              </a:ext>
+            </a:extLst>
+          </p:cNvPr>
+          <p:cNvPicPr>
+            <a:picLocks noChangeAspect="1"/>
+          </p:cNvPicPr>
+          <p:nvPr/>
+        </p:nvPicPr>
+        <p:blipFill>
+          <a:blip r:embed="rId2"/>
+          <a:stretch>
+            <a:fillRect/>
+          </a:stretch>
+        </p:blipFill>
+        <p:spPr>
+          <a:xfrm>
+            <a:off x="485822" y="2179773"/>
+            <a:ext cx="5334000" cy="4371681"/>
+          </a:xfrm>
+          <a:prstGeom prst="rect">
+            <a:avLst/>
+          </a:prstGeom>
+        </p:spPr>
+      </p:pic>
+      <p:pic>
+        <p:nvPicPr>
+          <p:cNvPr id="12" name="Picture 11">
+            <a:extLst>
+              <a:ext uri="{FF2B5EF4-FFF2-40B4-BE49-F238E27FC236}">
+                <a16:creationId xmlns:a16="http://schemas.microsoft.com/office/drawing/2014/main" id="{D49ECD90-0840-6902-59BE-12C49FCD18B3}"/>
+              </a:ext>
+            </a:extLst>
+          </p:cNvPr>
+          <p:cNvPicPr>
+            <a:picLocks noChangeAspect="1"/>
+          </p:cNvPicPr>
+          <p:nvPr/>
+        </p:nvPicPr>
+        <p:blipFill>
+          <a:blip r:embed="rId3"/>
+          <a:stretch>
+            <a:fillRect/>
+          </a:stretch>
+        </p:blipFill>
+        <p:spPr>
+          <a:xfrm>
+            <a:off x="6841080" y="2730555"/>
+            <a:ext cx="4568712" cy="3302168"/>
+          </a:xfrm>
+          <a:prstGeom prst="rect">
+            <a:avLst/>
+          </a:prstGeom>
+        </p:spPr>
+      </p:pic>
+      <p:sp>
+        <p:nvSpPr>
+          <p:cNvPr id="4" name="TextBox 3">
+            <a:extLst>
+              <a:ext uri="{FF2B5EF4-FFF2-40B4-BE49-F238E27FC236}">
+                <a16:creationId xmlns:a16="http://schemas.microsoft.com/office/drawing/2014/main" id="{14DDB1BA-BD50-F93E-88E0-55A2F0BE6949}"/>
+              </a:ext>
+            </a:extLst>
+          </p:cNvPr>
+          <p:cNvSpPr txBox="1"/>
+          <p:nvPr/>
+        </p:nvSpPr>
+        <p:spPr>
+          <a:xfrm>
+            <a:off x="1374981" y="1718108"/>
+            <a:ext cx="4363182" cy="400110"/>
+          </a:xfrm>
+          <a:prstGeom prst="rect">
+            <a:avLst/>
+          </a:prstGeom>
+          <a:noFill/>
+        </p:spPr>
+        <p:txBody>
+          <a:bodyPr wrap="none" rtlCol="0">
+            <a:spAutoFit/>
+          </a:bodyPr>
+          <a:lstStyle/>
+          <a:p>
+            <a:r>
+              <a:rPr lang="en-IN" sz="2000" dirty="0"/>
+              <a:t>Random forest Regressor – Visualization</a:t>
+            </a:r>
+          </a:p>
+        </p:txBody>
+      </p:sp>
+      <p:sp>
+        <p:nvSpPr>
+          <p:cNvPr id="6" name="TextBox 5">
+            <a:extLst>
+              <a:ext uri="{FF2B5EF4-FFF2-40B4-BE49-F238E27FC236}">
+                <a16:creationId xmlns:a16="http://schemas.microsoft.com/office/drawing/2014/main" id="{E25A6926-0D67-A99E-AD6A-54C777425EB3}"/>
+              </a:ext>
+            </a:extLst>
+          </p:cNvPr>
+          <p:cNvSpPr txBox="1"/>
+          <p:nvPr/>
+        </p:nvSpPr>
+        <p:spPr>
+          <a:xfrm>
+            <a:off x="7524248" y="1779663"/>
+            <a:ext cx="4141824" cy="400110"/>
+          </a:xfrm>
+          <a:prstGeom prst="rect">
+            <a:avLst/>
+          </a:prstGeom>
+          <a:noFill/>
+        </p:spPr>
+        <p:txBody>
+          <a:bodyPr wrap="square" rtlCol="0">
+            <a:spAutoFit/>
+          </a:bodyPr>
+          <a:lstStyle/>
+          <a:p>
+            <a:r>
+              <a:rPr lang="en-IN" sz="2000" dirty="0"/>
+              <a:t>Decision Tree Example(Base Lerner)</a:t>
+            </a:r>
+          </a:p>
+        </p:txBody>
+      </p:sp>
+      <p:sp>
+        <p:nvSpPr>
+          <p:cNvPr id="7" name="TextBox 6">
+            <a:extLst>
+              <a:ext uri="{FF2B5EF4-FFF2-40B4-BE49-F238E27FC236}">
+                <a16:creationId xmlns:a16="http://schemas.microsoft.com/office/drawing/2014/main" id="{3D68D8FA-BE3B-33C9-63C6-8B0CD7D0C25B}"/>
+              </a:ext>
+            </a:extLst>
+          </p:cNvPr>
+          <p:cNvSpPr txBox="1"/>
+          <p:nvPr/>
+        </p:nvSpPr>
+        <p:spPr>
+          <a:xfrm>
+            <a:off x="5370562" y="2270498"/>
+            <a:ext cx="1656094" cy="400110"/>
+          </a:xfrm>
+          <a:prstGeom prst="rect">
+            <a:avLst/>
+          </a:prstGeom>
+          <a:noFill/>
+        </p:spPr>
+        <p:txBody>
+          <a:bodyPr wrap="none" rtlCol="0">
+            <a:spAutoFit/>
+          </a:bodyPr>
+          <a:lstStyle/>
+          <a:p>
+            <a:r>
+              <a:rPr lang="en-IN" sz="2000" dirty="0"/>
+              <a:t>Bootstrapping</a:t>
+            </a:r>
+          </a:p>
+        </p:txBody>
+      </p:sp>
+      <p:cxnSp>
+        <p:nvCxnSpPr>
+          <p:cNvPr id="9" name="Straight Arrow Connector 8">
+            <a:extLst>
+              <a:ext uri="{FF2B5EF4-FFF2-40B4-BE49-F238E27FC236}">
+                <a16:creationId xmlns:a16="http://schemas.microsoft.com/office/drawing/2014/main" id="{588379ED-64FB-AF5B-7546-3D51092EC660}"/>
+              </a:ext>
+            </a:extLst>
+          </p:cNvPr>
+          <p:cNvCxnSpPr>
+            <a:cxnSpLocks/>
+            <a:stCxn id="7" idx="1"/>
+          </p:cNvCxnSpPr>
+          <p:nvPr/>
+        </p:nvCxnSpPr>
+        <p:spPr>
+          <a:xfrm flipH="1">
+            <a:off x="4139771" y="2470553"/>
+            <a:ext cx="1230791" cy="186575"/>
+          </a:xfrm>
+          <a:prstGeom prst="straightConnector1">
+            <a:avLst/>
+          </a:prstGeom>
+          <a:ln>
+            <a:tailEnd type="triangle"/>
+          </a:ln>
+        </p:spPr>
+        <p:style>
+          <a:lnRef idx="1">
+            <a:schemeClr val="accent1"/>
+          </a:lnRef>
+          <a:fillRef idx="0">
+            <a:schemeClr val="accent1"/>
+          </a:fillRef>
+          <a:effectRef idx="0">
+            <a:schemeClr val="accent1"/>
+          </a:effectRef>
+          <a:fontRef idx="minor">
+            <a:schemeClr val="tx1"/>
+          </a:fontRef>
+        </p:style>
+      </p:cxnSp>
+      <p:cxnSp>
+        <p:nvCxnSpPr>
+          <p:cNvPr id="16" name="Straight Arrow Connector 15">
+            <a:extLst>
+              <a:ext uri="{FF2B5EF4-FFF2-40B4-BE49-F238E27FC236}">
+                <a16:creationId xmlns:a16="http://schemas.microsoft.com/office/drawing/2014/main" id="{308436C5-308B-0365-3C50-9D1AD70B9BA3}"/>
+              </a:ext>
+            </a:extLst>
+          </p:cNvPr>
+          <p:cNvCxnSpPr>
+            <a:cxnSpLocks/>
+            <a:stCxn id="7" idx="1"/>
+          </p:cNvCxnSpPr>
+          <p:nvPr/>
+        </p:nvCxnSpPr>
+        <p:spPr>
+          <a:xfrm flipH="1">
+            <a:off x="3850105" y="2470553"/>
+            <a:ext cx="1520457" cy="425047"/>
+          </a:xfrm>
+          <a:prstGeom prst="straightConnector1">
+            <a:avLst/>
+          </a:prstGeom>
+          <a:ln>
+            <a:tailEnd type="triangle"/>
+          </a:ln>
+        </p:spPr>
+        <p:style>
+          <a:lnRef idx="1">
+            <a:schemeClr val="accent1"/>
+          </a:lnRef>
+          <a:fillRef idx="0">
+            <a:schemeClr val="accent1"/>
+          </a:fillRef>
+          <a:effectRef idx="0">
+            <a:schemeClr val="accent1"/>
+          </a:effectRef>
+          <a:fontRef idx="minor">
+            <a:schemeClr val="tx1"/>
+          </a:fontRef>
+        </p:style>
+      </p:cxnSp>
+      <p:sp>
+        <p:nvSpPr>
+          <p:cNvPr id="17" name="TextBox 16">
+            <a:extLst>
+              <a:ext uri="{FF2B5EF4-FFF2-40B4-BE49-F238E27FC236}">
+                <a16:creationId xmlns:a16="http://schemas.microsoft.com/office/drawing/2014/main" id="{9B3FA692-4D35-DFA0-0B30-38BEB48D2284}"/>
+              </a:ext>
+            </a:extLst>
+          </p:cNvPr>
+          <p:cNvSpPr txBox="1"/>
+          <p:nvPr/>
+        </p:nvSpPr>
+        <p:spPr>
+          <a:xfrm>
+            <a:off x="4958348" y="4983892"/>
+            <a:ext cx="1442896" cy="400110"/>
+          </a:xfrm>
+          <a:prstGeom prst="rect">
+            <a:avLst/>
+          </a:prstGeom>
+          <a:noFill/>
+        </p:spPr>
+        <p:txBody>
+          <a:bodyPr wrap="none" rtlCol="0">
+            <a:spAutoFit/>
+          </a:bodyPr>
+          <a:lstStyle/>
+          <a:p>
+            <a:r>
+              <a:rPr lang="en-IN" sz="2000" dirty="0"/>
+              <a:t>Aggregation</a:t>
+            </a:r>
+          </a:p>
+        </p:txBody>
+      </p:sp>
+      <p:cxnSp>
+        <p:nvCxnSpPr>
+          <p:cNvPr id="19" name="Straight Arrow Connector 18">
+            <a:extLst>
+              <a:ext uri="{FF2B5EF4-FFF2-40B4-BE49-F238E27FC236}">
+                <a16:creationId xmlns:a16="http://schemas.microsoft.com/office/drawing/2014/main" id="{1CB662A4-907C-3AC5-2209-74C7DCC3D313}"/>
+              </a:ext>
+            </a:extLst>
+          </p:cNvPr>
+          <p:cNvCxnSpPr>
+            <a:cxnSpLocks/>
+            <a:stCxn id="17" idx="1"/>
+          </p:cNvCxnSpPr>
+          <p:nvPr/>
+        </p:nvCxnSpPr>
+        <p:spPr>
+          <a:xfrm flipH="1">
+            <a:off x="3748216" y="5183947"/>
+            <a:ext cx="1210132" cy="169277"/>
+          </a:xfrm>
+          <a:prstGeom prst="straightConnector1">
+            <a:avLst/>
+          </a:prstGeom>
+          <a:ln>
+            <a:tailEnd type="triangle"/>
+          </a:ln>
+        </p:spPr>
+        <p:style>
+          <a:lnRef idx="1">
+            <a:schemeClr val="accent1"/>
+          </a:lnRef>
+          <a:fillRef idx="0">
+            <a:schemeClr val="accent1"/>
+          </a:fillRef>
+          <a:effectRef idx="0">
+            <a:schemeClr val="accent1"/>
+          </a:effectRef>
+          <a:fontRef idx="minor">
+            <a:schemeClr val="tx1"/>
+          </a:fontRef>
+        </p:style>
+      </p:cxnSp>
+    </p:spTree>
+    <p:extLst>
+      <p:ext uri="{BB962C8B-B14F-4D97-AF65-F5344CB8AC3E}">
+        <p14:creationId xmlns:p14="http://schemas.microsoft.com/office/powerpoint/2010/main" val="1428237834"/>
+      </p:ext>
+    </p:extLst>
+  </p:cSld>
+  <p:clrMapOvr>
+    <a:masterClrMapping/>
+  </p:clrMapOvr>
+</p:sld>
+</file>
+
+<file path=ppt/slides/slide21.xml><?xml version="1.0" encoding="utf-8"?>
+<p:sld xmlns:a="http://schemas.openxmlformats.org/drawingml/2006/main" xmlns:r="http://schemas.openxmlformats.org/officeDocument/2006/relationships" xmlns:p="http://schemas.openxmlformats.org/presentationml/2006/main">
+  <p:cSld>
+    <p:spTree>
+      <p:nvGrpSpPr>
+        <p:cNvPr id="1" name=""/>
+        <p:cNvGrpSpPr/>
+        <p:nvPr/>
+      </p:nvGrpSpPr>
+      <p:grpSpPr>
+        <a:xfrm>
+          <a:off x="0" y="0"/>
+          <a:ext cx="0" cy="0"/>
+          <a:chOff x="0" y="0"/>
+          <a:chExt cx="0" cy="0"/>
+        </a:xfrm>
+      </p:grpSpPr>
+      <p:sp>
+        <p:nvSpPr>
+          <p:cNvPr id="2" name="Title 1">
+            <a:extLst>
+              <a:ext uri="{FF2B5EF4-FFF2-40B4-BE49-F238E27FC236}">
+                <a16:creationId xmlns:a16="http://schemas.microsoft.com/office/drawing/2014/main" id="{BD76F5DC-947E-7F44-F695-683988A91641}"/>
+              </a:ext>
+            </a:extLst>
+          </p:cNvPr>
+          <p:cNvSpPr>
+            <a:spLocks noGrp="1"/>
+          </p:cNvSpPr>
+          <p:nvPr>
+            <p:ph type="title"/>
+          </p:nvPr>
+        </p:nvSpPr>
+        <p:spPr>
+          <a:xfrm>
+            <a:off x="466305" y="324525"/>
+            <a:ext cx="10515600" cy="672843"/>
+          </a:xfrm>
+        </p:spPr>
+        <p:txBody>
+          <a:bodyPr>
+            <a:normAutofit/>
+          </a:bodyPr>
+          <a:lstStyle/>
+          <a:p>
+            <a:r>
+              <a:rPr lang="en-IN" sz="3200" b="1" dirty="0">
+                <a:latin typeface="+mn-lt"/>
+              </a:rPr>
+              <a:t>Random Forest Regressor: Results</a:t>
+            </a:r>
+          </a:p>
+        </p:txBody>
+      </p:sp>
+      <p:sp>
+        <p:nvSpPr>
+          <p:cNvPr id="3" name="Content Placeholder 2">
+            <a:extLst>
+              <a:ext uri="{FF2B5EF4-FFF2-40B4-BE49-F238E27FC236}">
+                <a16:creationId xmlns:a16="http://schemas.microsoft.com/office/drawing/2014/main" id="{997CA512-24F3-ECA9-AB32-6426466FA640}"/>
+              </a:ext>
+            </a:extLst>
+          </p:cNvPr>
+          <p:cNvSpPr>
+            <a:spLocks noGrp="1"/>
+          </p:cNvSpPr>
+          <p:nvPr>
+            <p:ph idx="1"/>
+          </p:nvPr>
+        </p:nvSpPr>
+        <p:spPr>
+          <a:xfrm>
+            <a:off x="345989" y="997368"/>
+            <a:ext cx="11467070" cy="5708232"/>
+          </a:xfrm>
+        </p:spPr>
+        <p:txBody>
+          <a:bodyPr>
+            <a:normAutofit/>
+          </a:bodyPr>
+          <a:lstStyle/>
+          <a:p>
+            <a:pPr marL="0" indent="0">
+              <a:buNone/>
+            </a:pPr>
+            <a:endParaRPr lang="en-IN" dirty="0"/>
+          </a:p>
+          <a:p>
+            <a:pPr marL="0" indent="0">
+              <a:buNone/>
+            </a:pPr>
+            <a:endParaRPr lang="en-IN" dirty="0"/>
+          </a:p>
+          <a:p>
+            <a:pPr marL="0" indent="0">
+              <a:buNone/>
+            </a:pPr>
+            <a:endParaRPr lang="en-IN" dirty="0"/>
+          </a:p>
+          <a:p>
+            <a:pPr marL="0" indent="0">
+              <a:buNone/>
+            </a:pPr>
+            <a:endParaRPr lang="en-IN" dirty="0"/>
+          </a:p>
+          <a:p>
+            <a:pPr marL="0" indent="0">
+              <a:buNone/>
+            </a:pPr>
+            <a:endParaRPr lang="en-IN" dirty="0"/>
+          </a:p>
+          <a:p>
+            <a:pPr marL="0" indent="0">
+              <a:buNone/>
+            </a:pPr>
+            <a:endParaRPr lang="en-IN" dirty="0"/>
+          </a:p>
+          <a:p>
+            <a:pPr marL="0" indent="0">
+              <a:buNone/>
+            </a:pPr>
+            <a:endParaRPr lang="en-IN" dirty="0"/>
+          </a:p>
+          <a:p>
+            <a:pPr marL="0" indent="0">
+              <a:buNone/>
+            </a:pPr>
+            <a:endParaRPr lang="en-IN" dirty="0"/>
+          </a:p>
+          <a:p>
+            <a:pPr marL="0" indent="0">
+              <a:buNone/>
+            </a:pPr>
+            <a:endParaRPr lang="en-IN" dirty="0"/>
+          </a:p>
+          <a:p>
+            <a:pPr marL="0" indent="0">
+              <a:buNone/>
+            </a:pPr>
+            <a:r>
+              <a:rPr lang="en-IN" sz="2000" dirty="0"/>
+              <a:t>Using an iterative algorithm, we got the best value for the number of trees as 200 and the test </a:t>
+            </a:r>
+            <a:r>
+              <a:rPr lang="en-IN" sz="2000" dirty="0" err="1"/>
+              <a:t>Rsquared</a:t>
+            </a:r>
+            <a:r>
+              <a:rPr lang="en-IN" sz="2000" dirty="0"/>
+              <a:t> value for the best RF model is 90.64%.</a:t>
+            </a:r>
+          </a:p>
+          <a:p>
+            <a:pPr marL="0" indent="0">
+              <a:buNone/>
+            </a:pPr>
+            <a:endParaRPr lang="en-IN" dirty="0"/>
+          </a:p>
+          <a:p>
+            <a:endParaRPr lang="en-IN" dirty="0"/>
+          </a:p>
+          <a:p>
+            <a:endParaRPr lang="en-IN" dirty="0"/>
+          </a:p>
+        </p:txBody>
+      </p:sp>
+      <p:pic>
+        <p:nvPicPr>
+          <p:cNvPr id="5" name="Picture 4">
+            <a:extLst>
+              <a:ext uri="{FF2B5EF4-FFF2-40B4-BE49-F238E27FC236}">
+                <a16:creationId xmlns:a16="http://schemas.microsoft.com/office/drawing/2014/main" id="{EA26B0DE-07EE-2F83-BF6A-E965040E5CED}"/>
+              </a:ext>
+            </a:extLst>
+          </p:cNvPr>
+          <p:cNvPicPr>
+            <a:picLocks noChangeAspect="1"/>
+          </p:cNvPicPr>
+          <p:nvPr/>
+        </p:nvPicPr>
+        <p:blipFill>
+          <a:blip r:embed="rId2"/>
+          <a:stretch>
+            <a:fillRect/>
+          </a:stretch>
+        </p:blipFill>
+        <p:spPr>
+          <a:xfrm>
+            <a:off x="1655924" y="1380988"/>
+            <a:ext cx="8591393" cy="1518425"/>
+          </a:xfrm>
+          <a:prstGeom prst="rect">
+            <a:avLst/>
+          </a:prstGeom>
+        </p:spPr>
+      </p:pic>
+      <p:pic>
+        <p:nvPicPr>
+          <p:cNvPr id="8" name="Picture 7">
+            <a:extLst>
+              <a:ext uri="{FF2B5EF4-FFF2-40B4-BE49-F238E27FC236}">
+                <a16:creationId xmlns:a16="http://schemas.microsoft.com/office/drawing/2014/main" id="{CA0F4F21-2A3E-35F9-A47C-030A6143B518}"/>
+              </a:ext>
+            </a:extLst>
+          </p:cNvPr>
+          <p:cNvPicPr>
+            <a:picLocks noChangeAspect="1"/>
+          </p:cNvPicPr>
+          <p:nvPr/>
+        </p:nvPicPr>
+        <p:blipFill>
+          <a:blip r:embed="rId3"/>
+          <a:stretch>
+            <a:fillRect/>
+          </a:stretch>
+        </p:blipFill>
+        <p:spPr>
+          <a:xfrm>
+            <a:off x="3217626" y="3429000"/>
+            <a:ext cx="4290432" cy="1386960"/>
+          </a:xfrm>
+          <a:prstGeom prst="rect">
+            <a:avLst/>
+          </a:prstGeom>
+        </p:spPr>
+      </p:pic>
+    </p:spTree>
+    <p:extLst>
+      <p:ext uri="{BB962C8B-B14F-4D97-AF65-F5344CB8AC3E}">
+        <p14:creationId xmlns:p14="http://schemas.microsoft.com/office/powerpoint/2010/main" val="909250607"/>
+      </p:ext>
+    </p:extLst>
+  </p:cSld>
+  <p:clrMapOvr>
+    <a:masterClrMapping/>
+  </p:clrMapOvr>
+</p:sld>
+</file>
+
+<file path=ppt/slides/slide22.xml><?xml version="1.0" encoding="utf-8"?>
+<p:sld xmlns:a="http://schemas.openxmlformats.org/drawingml/2006/main" xmlns:r="http://schemas.openxmlformats.org/officeDocument/2006/relationships" xmlns:p="http://schemas.openxmlformats.org/presentationml/2006/main">
+  <p:cSld>
+    <p:spTree>
+      <p:nvGrpSpPr>
+        <p:cNvPr id="1" name=""/>
+        <p:cNvGrpSpPr/>
+        <p:nvPr/>
+      </p:nvGrpSpPr>
+      <p:grpSpPr>
+        <a:xfrm>
+          <a:off x="0" y="0"/>
+          <a:ext cx="0" cy="0"/>
+          <a:chOff x="0" y="0"/>
+          <a:chExt cx="0" cy="0"/>
+        </a:xfrm>
+      </p:grpSpPr>
+      <p:sp>
+        <p:nvSpPr>
+          <p:cNvPr id="2" name="Title 1">
+            <a:extLst>
+              <a:ext uri="{FF2B5EF4-FFF2-40B4-BE49-F238E27FC236}">
+                <a16:creationId xmlns:a16="http://schemas.microsoft.com/office/drawing/2014/main" id="{EEEEF9C9-55DC-5403-875C-001F30EED9B1}"/>
+              </a:ext>
+            </a:extLst>
+          </p:cNvPr>
+          <p:cNvSpPr>
+            <a:spLocks noGrp="1"/>
+          </p:cNvSpPr>
+          <p:nvPr>
+            <p:ph type="title"/>
+          </p:nvPr>
+        </p:nvSpPr>
+        <p:spPr>
+          <a:xfrm>
+            <a:off x="643467" y="321734"/>
+            <a:ext cx="10905066" cy="1135737"/>
+          </a:xfrm>
+        </p:spPr>
+        <p:txBody>
+          <a:bodyPr>
+            <a:normAutofit/>
+          </a:bodyPr>
+          <a:lstStyle/>
+          <a:p>
+            <a:r>
+              <a:rPr lang="en-IN" sz="3000" b="1" dirty="0">
+                <a:latin typeface="+mn-lt"/>
+                <a:cs typeface="Calibri Light" panose="020F0302020204030204" pitchFamily="34" charset="0"/>
+              </a:rPr>
+              <a:t>SVM Regressor:</a:t>
+            </a:r>
+          </a:p>
+        </p:txBody>
+      </p:sp>
+      <p:sp>
+        <p:nvSpPr>
+          <p:cNvPr id="3" name="Content Placeholder 2">
+            <a:extLst>
+              <a:ext uri="{FF2B5EF4-FFF2-40B4-BE49-F238E27FC236}">
+                <a16:creationId xmlns:a16="http://schemas.microsoft.com/office/drawing/2014/main" id="{FC940CB6-01B8-B804-9962-CCC2425AB771}"/>
+              </a:ext>
+            </a:extLst>
+          </p:cNvPr>
+          <p:cNvSpPr>
+            <a:spLocks noGrp="1"/>
+          </p:cNvSpPr>
+          <p:nvPr>
+            <p:ph idx="1"/>
+          </p:nvPr>
+        </p:nvSpPr>
+        <p:spPr>
+          <a:xfrm>
+            <a:off x="643467" y="1113183"/>
+            <a:ext cx="10905066" cy="4721160"/>
+          </a:xfrm>
+        </p:spPr>
+        <p:txBody>
+          <a:bodyPr>
+            <a:normAutofit/>
+          </a:bodyPr>
+          <a:lstStyle/>
+          <a:p>
+            <a:pPr fontAlgn="base"/>
+            <a:endParaRPr lang="en-US" sz="1800" i="0" dirty="0">
+              <a:effectLst/>
+              <a:cs typeface="Calibri Light" panose="020F0302020204030204" pitchFamily="34" charset="0"/>
+            </a:endParaRPr>
+          </a:p>
+          <a:p>
+            <a:pPr fontAlgn="base"/>
+            <a:r>
+              <a:rPr lang="en-US" sz="1800" i="0" dirty="0">
+                <a:effectLst/>
+                <a:cs typeface="Calibri Light" panose="020F0302020204030204" pitchFamily="34" charset="0"/>
+              </a:rPr>
+              <a:t>Support Vector Machine can also be used for regression problem wherein dependent, or target variable is continuous.</a:t>
+            </a:r>
+          </a:p>
+          <a:p>
+            <a:pPr fontAlgn="base"/>
+            <a:r>
+              <a:rPr lang="en-US" sz="1800" i="0" dirty="0">
+                <a:effectLst/>
+                <a:cs typeface="Calibri Light" panose="020F0302020204030204" pitchFamily="34" charset="0"/>
+              </a:rPr>
+              <a:t>The goal of SVM regression is same as classification problem i.e. to find maximum margin. Here, it means minimize error. </a:t>
+            </a:r>
+          </a:p>
+          <a:p>
+            <a:pPr fontAlgn="base"/>
+            <a:r>
+              <a:rPr lang="en-US" sz="1800" i="0" dirty="0">
+                <a:effectLst/>
+                <a:cs typeface="Calibri Light" panose="020F0302020204030204" pitchFamily="34" charset="0"/>
+              </a:rPr>
+              <a:t>In the case of regression, a margin of tolerance (epsilon) is set in approximation to the SVM. </a:t>
+            </a:r>
+          </a:p>
+          <a:p>
+            <a:pPr fontAlgn="base"/>
+            <a:r>
+              <a:rPr lang="en-US" sz="1800" i="0" dirty="0">
+                <a:effectLst/>
+                <a:cs typeface="Calibri Light" panose="020F0302020204030204" pitchFamily="34" charset="0"/>
+              </a:rPr>
+              <a:t>The primary goal is to minimize error, individualizing the hyperplane which maximizes the margin, keeping in mind that part of the error is tolerated.</a:t>
+            </a:r>
+            <a:br>
+              <a:rPr lang="en-US" sz="1800" dirty="0">
+                <a:cs typeface="Calibri Light" panose="020F0302020204030204" pitchFamily="34" charset="0"/>
+              </a:rPr>
+            </a:br>
+            <a:endParaRPr lang="en-US" sz="1800" i="0" dirty="0">
+              <a:effectLst/>
+              <a:cs typeface="Calibri Light" panose="020F0302020204030204" pitchFamily="34" charset="0"/>
+            </a:endParaRPr>
+          </a:p>
+          <a:p>
+            <a:endParaRPr lang="en-US" sz="2000" b="1" dirty="0">
+              <a:latin typeface="Calibri Light" panose="020F0302020204030204" pitchFamily="34" charset="0"/>
+              <a:cs typeface="Calibri Light" panose="020F0302020204030204" pitchFamily="34" charset="0"/>
+            </a:endParaRPr>
+          </a:p>
+          <a:p>
+            <a:endParaRPr lang="en-IN" sz="2000" b="1" dirty="0">
+              <a:latin typeface="Calibri Light" panose="020F0302020204030204" pitchFamily="34" charset="0"/>
+              <a:cs typeface="Calibri Light" panose="020F0302020204030204" pitchFamily="34" charset="0"/>
+            </a:endParaRPr>
+          </a:p>
+          <a:p>
+            <a:endParaRPr lang="en-IN" sz="2000" b="1" dirty="0">
+              <a:latin typeface="Calibri Light" panose="020F0302020204030204" pitchFamily="34" charset="0"/>
+              <a:cs typeface="Calibri Light" panose="020F0302020204030204" pitchFamily="34" charset="0"/>
+            </a:endParaRPr>
+          </a:p>
+        </p:txBody>
+      </p:sp>
+      <p:pic>
+        <p:nvPicPr>
+          <p:cNvPr id="5" name="Picture 4" descr="Chart, scatter chart&#10;&#10;Description automatically generated">
+            <a:extLst>
+              <a:ext uri="{FF2B5EF4-FFF2-40B4-BE49-F238E27FC236}">
+                <a16:creationId xmlns:a16="http://schemas.microsoft.com/office/drawing/2014/main" id="{58DD720B-4466-C981-BC70-D14004C56DAA}"/>
+              </a:ext>
+            </a:extLst>
+          </p:cNvPr>
+          <p:cNvPicPr>
+            <a:picLocks noChangeAspect="1"/>
+          </p:cNvPicPr>
+          <p:nvPr/>
+        </p:nvPicPr>
+        <p:blipFill>
+          <a:blip r:embed="rId2">
+            <a:extLst>
+              <a:ext uri="{28A0092B-C50C-407E-A947-70E740481C1C}">
+                <a14:useLocalDpi xmlns:a14="http://schemas.microsoft.com/office/drawing/2010/main" val="0"/>
+              </a:ext>
+            </a:extLst>
+          </a:blip>
+          <a:stretch>
+            <a:fillRect/>
+          </a:stretch>
+        </p:blipFill>
+        <p:spPr>
+          <a:xfrm>
+            <a:off x="6096000" y="3538010"/>
+            <a:ext cx="4419600" cy="2352912"/>
+          </a:xfrm>
+          <a:prstGeom prst="rect">
+            <a:avLst/>
+          </a:prstGeom>
+        </p:spPr>
+      </p:pic>
+    </p:spTree>
+    <p:extLst>
+      <p:ext uri="{BB962C8B-B14F-4D97-AF65-F5344CB8AC3E}">
+        <p14:creationId xmlns:p14="http://schemas.microsoft.com/office/powerpoint/2010/main" val="4106631437"/>
+      </p:ext>
+    </p:extLst>
+  </p:cSld>
+  <p:clrMapOvr>
+    <a:masterClrMapping/>
+  </p:clrMapOvr>
+</p:sld>
+</file>
+
+<file path=ppt/slides/slide23.xml><?xml version="1.0" encoding="utf-8"?>
+<p:sld xmlns:a="http://schemas.openxmlformats.org/drawingml/2006/main" xmlns:r="http://schemas.openxmlformats.org/officeDocument/2006/relationships" xmlns:p="http://schemas.openxmlformats.org/presentationml/2006/main">
+  <p:cSld>
+    <p:spTree>
+      <p:nvGrpSpPr>
+        <p:cNvPr id="1" name=""/>
+        <p:cNvGrpSpPr/>
+        <p:nvPr/>
+      </p:nvGrpSpPr>
+      <p:grpSpPr>
+        <a:xfrm>
+          <a:off x="0" y="0"/>
+          <a:ext cx="0" cy="0"/>
+          <a:chOff x="0" y="0"/>
+          <a:chExt cx="0" cy="0"/>
+        </a:xfrm>
+      </p:grpSpPr>
+      <p:sp>
+        <p:nvSpPr>
+          <p:cNvPr id="2" name="Title 1">
+            <a:extLst>
+              <a:ext uri="{FF2B5EF4-FFF2-40B4-BE49-F238E27FC236}">
+                <a16:creationId xmlns:a16="http://schemas.microsoft.com/office/drawing/2014/main" id="{EEEEF9C9-55DC-5403-875C-001F30EED9B1}"/>
+              </a:ext>
+            </a:extLst>
+          </p:cNvPr>
+          <p:cNvSpPr>
+            <a:spLocks noGrp="1"/>
+          </p:cNvSpPr>
+          <p:nvPr>
+            <p:ph type="title"/>
+          </p:nvPr>
+        </p:nvSpPr>
+        <p:spPr>
+          <a:xfrm>
+            <a:off x="643467" y="321734"/>
+            <a:ext cx="10905066" cy="1135737"/>
+          </a:xfrm>
+        </p:spPr>
+        <p:txBody>
+          <a:bodyPr vert="horz" lIns="91440" tIns="45720" rIns="91440" bIns="45720" rtlCol="0" anchor="ctr">
+            <a:normAutofit/>
+          </a:bodyPr>
+          <a:lstStyle/>
+          <a:p>
+            <a:r>
+              <a:rPr lang="en-US" sz="3000" b="1" dirty="0">
+                <a:latin typeface="+mn-lt"/>
+              </a:rPr>
+              <a:t>SVM Regressor: Results</a:t>
+            </a:r>
+          </a:p>
+        </p:txBody>
+      </p:sp>
+      <p:sp>
+        <p:nvSpPr>
+          <p:cNvPr id="6" name="TextBox 5">
+            <a:extLst>
+              <a:ext uri="{FF2B5EF4-FFF2-40B4-BE49-F238E27FC236}">
+                <a16:creationId xmlns:a16="http://schemas.microsoft.com/office/drawing/2014/main" id="{0E1DE864-D1A2-45E8-F057-5EFA137B9E8E}"/>
+              </a:ext>
+            </a:extLst>
+          </p:cNvPr>
+          <p:cNvSpPr txBox="1"/>
+          <p:nvPr/>
+        </p:nvSpPr>
+        <p:spPr>
+          <a:xfrm>
+            <a:off x="643469" y="1782981"/>
+            <a:ext cx="4008384" cy="4393982"/>
+          </a:xfrm>
+          <a:prstGeom prst="rect">
+            <a:avLst/>
+          </a:prstGeom>
+        </p:spPr>
+        <p:txBody>
+          <a:bodyPr vert="horz" lIns="91440" tIns="45720" rIns="91440" bIns="45720" rtlCol="0">
+            <a:normAutofit/>
+          </a:bodyPr>
+          <a:lstStyle/>
+          <a:p>
+            <a:pPr marL="285750" indent="-228600">
+              <a:lnSpc>
+                <a:spcPct val="90000"/>
+              </a:lnSpc>
+              <a:spcAft>
+                <a:spcPts val="600"/>
+              </a:spcAft>
+              <a:buFont typeface="Arial" panose="020B0604020202020204" pitchFamily="34" charset="0"/>
+              <a:buChar char="•"/>
+            </a:pPr>
+            <a:r>
+              <a:rPr lang="en-US" dirty="0" err="1"/>
+              <a:t>Svm</a:t>
+            </a:r>
+            <a:r>
+              <a:rPr lang="en-US" dirty="0"/>
+              <a:t> model is passed with the best features .</a:t>
+            </a:r>
+          </a:p>
+          <a:p>
+            <a:pPr marL="285750" indent="-228600">
+              <a:lnSpc>
+                <a:spcPct val="90000"/>
+              </a:lnSpc>
+              <a:spcAft>
+                <a:spcPts val="600"/>
+              </a:spcAft>
+              <a:buFont typeface="Arial" panose="020B0604020202020204" pitchFamily="34" charset="0"/>
+              <a:buChar char="•"/>
+            </a:pPr>
+            <a:r>
+              <a:rPr lang="en-US" dirty="0"/>
+              <a:t>The RMSE and </a:t>
+            </a:r>
+            <a:r>
+              <a:rPr lang="en-US" dirty="0" err="1"/>
+              <a:t>Rsquared</a:t>
+            </a:r>
+            <a:r>
+              <a:rPr lang="en-US" dirty="0"/>
+              <a:t> values for the test ad train data is shown </a:t>
+            </a:r>
+          </a:p>
+        </p:txBody>
+      </p:sp>
+      <p:pic>
+        <p:nvPicPr>
+          <p:cNvPr id="5" name="Picture 4">
+            <a:extLst>
+              <a:ext uri="{FF2B5EF4-FFF2-40B4-BE49-F238E27FC236}">
+                <a16:creationId xmlns:a16="http://schemas.microsoft.com/office/drawing/2014/main" id="{DD6EAFE1-0CF6-39DC-3EAC-514B715D4539}"/>
+              </a:ext>
+            </a:extLst>
+          </p:cNvPr>
+          <p:cNvPicPr>
+            <a:picLocks noChangeAspect="1"/>
+          </p:cNvPicPr>
+          <p:nvPr/>
+        </p:nvPicPr>
+        <p:blipFill>
+          <a:blip r:embed="rId2"/>
+          <a:stretch>
+            <a:fillRect/>
+          </a:stretch>
+        </p:blipFill>
+        <p:spPr>
+          <a:xfrm>
+            <a:off x="5295320" y="4317307"/>
+            <a:ext cx="6253212" cy="1570665"/>
+          </a:xfrm>
+          <a:prstGeom prst="rect">
+            <a:avLst/>
+          </a:prstGeom>
+        </p:spPr>
+      </p:pic>
+      <p:pic>
+        <p:nvPicPr>
+          <p:cNvPr id="3" name="Picture 2">
+            <a:extLst>
+              <a:ext uri="{FF2B5EF4-FFF2-40B4-BE49-F238E27FC236}">
+                <a16:creationId xmlns:a16="http://schemas.microsoft.com/office/drawing/2014/main" id="{0C01ED45-109C-15D0-DE70-96BEAF24A4F0}"/>
+              </a:ext>
+            </a:extLst>
+          </p:cNvPr>
+          <p:cNvPicPr>
+            <a:picLocks noChangeAspect="1"/>
+          </p:cNvPicPr>
+          <p:nvPr/>
+        </p:nvPicPr>
+        <p:blipFill>
+          <a:blip r:embed="rId3"/>
+          <a:stretch>
+            <a:fillRect/>
+          </a:stretch>
+        </p:blipFill>
+        <p:spPr>
+          <a:xfrm>
+            <a:off x="5295320" y="1515727"/>
+            <a:ext cx="5802171" cy="1024965"/>
+          </a:xfrm>
+          <a:prstGeom prst="rect">
+            <a:avLst/>
+          </a:prstGeom>
+        </p:spPr>
+      </p:pic>
+      <p:pic>
+        <p:nvPicPr>
+          <p:cNvPr id="7" name="Picture 6">
+            <a:extLst>
+              <a:ext uri="{FF2B5EF4-FFF2-40B4-BE49-F238E27FC236}">
+                <a16:creationId xmlns:a16="http://schemas.microsoft.com/office/drawing/2014/main" id="{8D81B251-2277-FDE0-964C-1098D635B2F3}"/>
+              </a:ext>
+            </a:extLst>
+          </p:cNvPr>
+          <p:cNvPicPr>
+            <a:picLocks noChangeAspect="1"/>
+          </p:cNvPicPr>
+          <p:nvPr/>
+        </p:nvPicPr>
+        <p:blipFill>
+          <a:blip r:embed="rId4"/>
+          <a:stretch>
+            <a:fillRect/>
+          </a:stretch>
+        </p:blipFill>
+        <p:spPr>
+          <a:xfrm>
+            <a:off x="5295320" y="2707322"/>
+            <a:ext cx="3010161" cy="1272650"/>
+          </a:xfrm>
+          <a:prstGeom prst="rect">
+            <a:avLst/>
+          </a:prstGeom>
+        </p:spPr>
+      </p:pic>
+    </p:spTree>
+    <p:extLst>
+      <p:ext uri="{BB962C8B-B14F-4D97-AF65-F5344CB8AC3E}">
+        <p14:creationId xmlns:p14="http://schemas.microsoft.com/office/powerpoint/2010/main" val="2410918077"/>
+      </p:ext>
+    </p:extLst>
+  </p:cSld>
+  <p:clrMapOvr>
+    <a:masterClrMapping/>
+  </p:clrMapOvr>
+</p:sld>
+</file>
+
+<file path=ppt/slides/slide24.xml><?xml version="1.0" encoding="utf-8"?>
+<p:sld xmlns:a="http://schemas.openxmlformats.org/drawingml/2006/main" xmlns:r="http://schemas.openxmlformats.org/officeDocument/2006/relationships" xmlns:p="http://schemas.openxmlformats.org/presentationml/2006/main">
+  <p:cSld>
+    <p:spTree>
+      <p:nvGrpSpPr>
+        <p:cNvPr id="1" name=""/>
+        <p:cNvGrpSpPr/>
+        <p:nvPr/>
+      </p:nvGrpSpPr>
+      <p:grpSpPr>
+        <a:xfrm>
+          <a:off x="0" y="0"/>
+          <a:ext cx="0" cy="0"/>
+          <a:chOff x="0" y="0"/>
+          <a:chExt cx="0" cy="0"/>
+        </a:xfrm>
+      </p:grpSpPr>
+      <p:sp>
+        <p:nvSpPr>
+          <p:cNvPr id="2" name="Title 1">
+            <a:extLst>
+              <a:ext uri="{FF2B5EF4-FFF2-40B4-BE49-F238E27FC236}">
+                <a16:creationId xmlns:a16="http://schemas.microsoft.com/office/drawing/2014/main" id="{BD76F5DC-947E-7F44-F695-683988A91641}"/>
+              </a:ext>
+            </a:extLst>
+          </p:cNvPr>
+          <p:cNvSpPr>
+            <a:spLocks noGrp="1"/>
+          </p:cNvSpPr>
+          <p:nvPr>
+            <p:ph type="title"/>
+          </p:nvPr>
+        </p:nvSpPr>
+        <p:spPr>
+          <a:xfrm>
+            <a:off x="765752" y="93278"/>
+            <a:ext cx="10515600" cy="661570"/>
+          </a:xfrm>
+        </p:spPr>
+        <p:txBody>
+          <a:bodyPr>
+            <a:normAutofit/>
+          </a:bodyPr>
+          <a:lstStyle/>
+          <a:p>
+            <a:r>
+              <a:rPr lang="en-IN" sz="3200" b="1" dirty="0" err="1">
+                <a:latin typeface="+mn-lt"/>
+              </a:rPr>
+              <a:t>XGBoost</a:t>
+            </a:r>
+            <a:r>
+              <a:rPr lang="en-IN" sz="3200" b="1" dirty="0">
+                <a:latin typeface="+mn-lt"/>
+              </a:rPr>
+              <a:t> Regressor – Intuition</a:t>
+            </a:r>
+          </a:p>
+        </p:txBody>
+      </p:sp>
+      <p:sp>
+        <p:nvSpPr>
+          <p:cNvPr id="3" name="Content Placeholder 2">
+            <a:extLst>
+              <a:ext uri="{FF2B5EF4-FFF2-40B4-BE49-F238E27FC236}">
+                <a16:creationId xmlns:a16="http://schemas.microsoft.com/office/drawing/2014/main" id="{997CA512-24F3-ECA9-AB32-6426466FA640}"/>
+              </a:ext>
+            </a:extLst>
+          </p:cNvPr>
+          <p:cNvSpPr>
+            <a:spLocks noGrp="1"/>
+          </p:cNvSpPr>
+          <p:nvPr>
+            <p:ph idx="1"/>
+          </p:nvPr>
+        </p:nvSpPr>
+        <p:spPr>
+          <a:xfrm>
+            <a:off x="329514" y="858252"/>
+            <a:ext cx="11681253" cy="5906469"/>
+          </a:xfrm>
+        </p:spPr>
+        <p:txBody>
+          <a:bodyPr>
+            <a:normAutofit/>
+          </a:bodyPr>
+          <a:lstStyle/>
+          <a:p>
+            <a:pPr marL="0" indent="0">
+              <a:buNone/>
+            </a:pPr>
+            <a:r>
+              <a:rPr lang="en-IN" sz="2000" dirty="0" err="1"/>
+              <a:t>XGBoost</a:t>
+            </a:r>
+            <a:r>
+              <a:rPr lang="en-IN" sz="2000" dirty="0"/>
+              <a:t> Regressor is one of the ensemble techniques which is based on the boosting mechanism.</a:t>
+            </a:r>
+          </a:p>
+        </p:txBody>
+      </p:sp>
+      <p:sp>
+        <p:nvSpPr>
+          <p:cNvPr id="5" name="TextBox 4">
+            <a:extLst>
+              <a:ext uri="{FF2B5EF4-FFF2-40B4-BE49-F238E27FC236}">
+                <a16:creationId xmlns:a16="http://schemas.microsoft.com/office/drawing/2014/main" id="{95E3701D-6FF2-6C5E-D17E-5DBBF52D079E}"/>
+              </a:ext>
+            </a:extLst>
+          </p:cNvPr>
+          <p:cNvSpPr txBox="1"/>
+          <p:nvPr/>
+        </p:nvSpPr>
+        <p:spPr>
+          <a:xfrm>
+            <a:off x="6714635" y="3492478"/>
+            <a:ext cx="4774234" cy="369332"/>
+          </a:xfrm>
+          <a:prstGeom prst="rect">
+            <a:avLst/>
+          </a:prstGeom>
+          <a:noFill/>
+        </p:spPr>
+        <p:txBody>
+          <a:bodyPr wrap="square" rtlCol="0">
+            <a:spAutoFit/>
+          </a:bodyPr>
+          <a:lstStyle/>
+          <a:p>
+            <a:pPr algn="ctr"/>
+            <a:r>
+              <a:rPr lang="en-IN" b="1" dirty="0"/>
+              <a:t>Calculating gain using similarity score</a:t>
+            </a:r>
+          </a:p>
+        </p:txBody>
+      </p:sp>
+      <p:pic>
+        <p:nvPicPr>
+          <p:cNvPr id="7" name="Picture 6">
+            <a:extLst>
+              <a:ext uri="{FF2B5EF4-FFF2-40B4-BE49-F238E27FC236}">
+                <a16:creationId xmlns:a16="http://schemas.microsoft.com/office/drawing/2014/main" id="{0B3134F0-93EE-E7F1-0440-EAC1F40D9014}"/>
+              </a:ext>
+            </a:extLst>
+          </p:cNvPr>
+          <p:cNvPicPr>
+            <a:picLocks noChangeAspect="1"/>
+          </p:cNvPicPr>
+          <p:nvPr/>
+        </p:nvPicPr>
+        <p:blipFill>
+          <a:blip r:embed="rId2"/>
+          <a:stretch>
+            <a:fillRect/>
+          </a:stretch>
+        </p:blipFill>
+        <p:spPr>
+          <a:xfrm>
+            <a:off x="572967" y="2217901"/>
+            <a:ext cx="4927959" cy="4397121"/>
+          </a:xfrm>
+          <a:prstGeom prst="rect">
+            <a:avLst/>
+          </a:prstGeom>
+        </p:spPr>
+      </p:pic>
+      <p:pic>
+        <p:nvPicPr>
+          <p:cNvPr id="9" name="Picture 8">
+            <a:extLst>
+              <a:ext uri="{FF2B5EF4-FFF2-40B4-BE49-F238E27FC236}">
+                <a16:creationId xmlns:a16="http://schemas.microsoft.com/office/drawing/2014/main" id="{C30164FD-5106-09B6-4054-44362A155EB2}"/>
+              </a:ext>
+            </a:extLst>
+          </p:cNvPr>
+          <p:cNvPicPr>
+            <a:picLocks noChangeAspect="1"/>
+          </p:cNvPicPr>
+          <p:nvPr/>
+        </p:nvPicPr>
+        <p:blipFill>
+          <a:blip r:embed="rId3"/>
+          <a:stretch>
+            <a:fillRect/>
+          </a:stretch>
+        </p:blipFill>
+        <p:spPr>
+          <a:xfrm>
+            <a:off x="6665604" y="1546467"/>
+            <a:ext cx="4953429" cy="1447925"/>
+          </a:xfrm>
+          <a:prstGeom prst="rect">
+            <a:avLst/>
+          </a:prstGeom>
+        </p:spPr>
+      </p:pic>
+      <p:pic>
+        <p:nvPicPr>
+          <p:cNvPr id="11" name="Picture 10">
+            <a:extLst>
+              <a:ext uri="{FF2B5EF4-FFF2-40B4-BE49-F238E27FC236}">
+                <a16:creationId xmlns:a16="http://schemas.microsoft.com/office/drawing/2014/main" id="{AC775000-845C-4417-F76A-0FA7C0346FFF}"/>
+              </a:ext>
+            </a:extLst>
+          </p:cNvPr>
+          <p:cNvPicPr>
+            <a:picLocks noChangeAspect="1"/>
+          </p:cNvPicPr>
+          <p:nvPr/>
+        </p:nvPicPr>
+        <p:blipFill>
+          <a:blip r:embed="rId4"/>
+          <a:stretch>
+            <a:fillRect/>
+          </a:stretch>
+        </p:blipFill>
+        <p:spPr>
+          <a:xfrm>
+            <a:off x="7490053" y="3970082"/>
+            <a:ext cx="4701947" cy="2598645"/>
+          </a:xfrm>
+          <a:prstGeom prst="rect">
+            <a:avLst/>
+          </a:prstGeom>
+        </p:spPr>
+      </p:pic>
+      <p:sp>
+        <p:nvSpPr>
+          <p:cNvPr id="12" name="TextBox 11">
+            <a:extLst>
+              <a:ext uri="{FF2B5EF4-FFF2-40B4-BE49-F238E27FC236}">
+                <a16:creationId xmlns:a16="http://schemas.microsoft.com/office/drawing/2014/main" id="{B8951F85-DC26-6DBD-EF7D-CFF1001BC6DE}"/>
+              </a:ext>
+            </a:extLst>
+          </p:cNvPr>
+          <p:cNvSpPr txBox="1"/>
+          <p:nvPr/>
+        </p:nvSpPr>
+        <p:spPr>
+          <a:xfrm>
+            <a:off x="1860883" y="1848569"/>
+            <a:ext cx="2382960" cy="400110"/>
+          </a:xfrm>
+          <a:prstGeom prst="rect">
+            <a:avLst/>
+          </a:prstGeom>
+          <a:noFill/>
+        </p:spPr>
+        <p:txBody>
+          <a:bodyPr wrap="none" rtlCol="0">
+            <a:spAutoFit/>
+          </a:bodyPr>
+          <a:lstStyle/>
+          <a:p>
+            <a:r>
+              <a:rPr lang="en-IN" sz="2000" b="1" dirty="0" err="1"/>
+              <a:t>XGBoost</a:t>
+            </a:r>
+            <a:r>
+              <a:rPr lang="en-IN" sz="2000" b="1" dirty="0"/>
+              <a:t> Mechanism</a:t>
+            </a:r>
+          </a:p>
+        </p:txBody>
+      </p:sp>
+      <p:pic>
+        <p:nvPicPr>
+          <p:cNvPr id="17" name="Picture 16">
+            <a:extLst>
+              <a:ext uri="{FF2B5EF4-FFF2-40B4-BE49-F238E27FC236}">
+                <a16:creationId xmlns:a16="http://schemas.microsoft.com/office/drawing/2014/main" id="{DA9D3D87-79B6-C146-AC63-FF8E230DAA59}"/>
+              </a:ext>
+            </a:extLst>
+          </p:cNvPr>
+          <p:cNvPicPr>
+            <a:picLocks noChangeAspect="1"/>
+          </p:cNvPicPr>
+          <p:nvPr/>
+        </p:nvPicPr>
+        <p:blipFill>
+          <a:blip r:embed="rId5"/>
+          <a:stretch>
+            <a:fillRect/>
+          </a:stretch>
+        </p:blipFill>
+        <p:spPr>
+          <a:xfrm>
+            <a:off x="6195876" y="4406582"/>
+            <a:ext cx="990399" cy="1725643"/>
+          </a:xfrm>
+          <a:prstGeom prst="rect">
+            <a:avLst/>
+          </a:prstGeom>
+        </p:spPr>
+      </p:pic>
+      <p:sp>
+        <p:nvSpPr>
+          <p:cNvPr id="18" name="TextBox 17">
+            <a:extLst>
+              <a:ext uri="{FF2B5EF4-FFF2-40B4-BE49-F238E27FC236}">
+                <a16:creationId xmlns:a16="http://schemas.microsoft.com/office/drawing/2014/main" id="{6511EB39-8AFF-901A-39FD-E60246B34A72}"/>
+              </a:ext>
+            </a:extLst>
+          </p:cNvPr>
+          <p:cNvSpPr txBox="1"/>
+          <p:nvPr/>
+        </p:nvSpPr>
+        <p:spPr>
+          <a:xfrm>
+            <a:off x="8793566" y="4761701"/>
+            <a:ext cx="381836" cy="369332"/>
+          </a:xfrm>
+          <a:prstGeom prst="rect">
+            <a:avLst/>
+          </a:prstGeom>
+          <a:noFill/>
+        </p:spPr>
+        <p:txBody>
+          <a:bodyPr wrap="none" rtlCol="0">
+            <a:spAutoFit/>
+          </a:bodyPr>
+          <a:lstStyle/>
+          <a:p>
+            <a:r>
+              <a:rPr lang="en-IN" dirty="0"/>
+              <a:t>M</a:t>
+            </a:r>
+          </a:p>
+        </p:txBody>
+      </p:sp>
+      <p:sp>
+        <p:nvSpPr>
+          <p:cNvPr id="19" name="TextBox 18">
+            <a:extLst>
+              <a:ext uri="{FF2B5EF4-FFF2-40B4-BE49-F238E27FC236}">
+                <a16:creationId xmlns:a16="http://schemas.microsoft.com/office/drawing/2014/main" id="{4F2D7826-202D-E69C-D66E-7C9ABA715F12}"/>
+              </a:ext>
+            </a:extLst>
+          </p:cNvPr>
+          <p:cNvSpPr txBox="1"/>
+          <p:nvPr/>
+        </p:nvSpPr>
+        <p:spPr>
+          <a:xfrm>
+            <a:off x="10026316" y="4761701"/>
+            <a:ext cx="290464" cy="369332"/>
+          </a:xfrm>
+          <a:prstGeom prst="rect">
+            <a:avLst/>
+          </a:prstGeom>
+          <a:noFill/>
+        </p:spPr>
+        <p:txBody>
+          <a:bodyPr wrap="none" rtlCol="0">
+            <a:spAutoFit/>
+          </a:bodyPr>
+          <a:lstStyle/>
+          <a:p>
+            <a:r>
+              <a:rPr lang="en-IN" dirty="0"/>
+              <a:t>F</a:t>
+            </a:r>
+          </a:p>
+        </p:txBody>
+      </p:sp>
+    </p:spTree>
+    <p:extLst>
+      <p:ext uri="{BB962C8B-B14F-4D97-AF65-F5344CB8AC3E}">
+        <p14:creationId xmlns:p14="http://schemas.microsoft.com/office/powerpoint/2010/main" val="969963409"/>
+      </p:ext>
+    </p:extLst>
+  </p:cSld>
+  <p:clrMapOvr>
+    <a:masterClrMapping/>
+  </p:clrMapOvr>
+</p:sld>
+</file>
+
+<file path=ppt/slides/slide25.xml><?xml version="1.0" encoding="utf-8"?>
+<p:sld xmlns:a="http://schemas.openxmlformats.org/drawingml/2006/main" xmlns:r="http://schemas.openxmlformats.org/officeDocument/2006/relationships" xmlns:p="http://schemas.openxmlformats.org/presentationml/2006/main">
+  <p:cSld>
+    <p:spTree>
+      <p:nvGrpSpPr>
+        <p:cNvPr id="1" name=""/>
+        <p:cNvGrpSpPr/>
+        <p:nvPr/>
+      </p:nvGrpSpPr>
+      <p:grpSpPr>
+        <a:xfrm>
+          <a:off x="0" y="0"/>
+          <a:ext cx="0" cy="0"/>
+          <a:chOff x="0" y="0"/>
+          <a:chExt cx="0" cy="0"/>
+        </a:xfrm>
+      </p:grpSpPr>
+      <p:sp>
+        <p:nvSpPr>
+          <p:cNvPr id="2" name="Title 1">
+            <a:extLst>
+              <a:ext uri="{FF2B5EF4-FFF2-40B4-BE49-F238E27FC236}">
                 <a16:creationId xmlns:a16="http://schemas.microsoft.com/office/drawing/2014/main" id="{456FBD11-8B7B-7BF2-9D53-585FE75D1D31}"/>
               </a:ext>
             </a:extLst>
@@ -9620,7 +11649,7 @@
 </p:sld>
 </file>
 
-<file path=ppt/slides/slide21.xml><?xml version="1.0" encoding="utf-8"?>
+<file path=ppt/slides/slide26.xml><?xml version="1.0" encoding="utf-8"?>
 <p:sld xmlns:a="http://schemas.openxmlformats.org/drawingml/2006/main" xmlns:r="http://schemas.openxmlformats.org/officeDocument/2006/relationships" xmlns:p="http://schemas.openxmlformats.org/presentationml/2006/main">
   <p:cSld>
     <p:spTree>
@@ -9921,7 +11950,7 @@
 </p:sld>
 </file>
 
-<file path=ppt/slides/slide22.xml><?xml version="1.0" encoding="utf-8"?>
+<file path=ppt/slides/slide27.xml><?xml version="1.0" encoding="utf-8"?>
 <p:sld xmlns:a="http://schemas.openxmlformats.org/drawingml/2006/main" xmlns:r="http://schemas.openxmlformats.org/officeDocument/2006/relationships" xmlns:p="http://schemas.openxmlformats.org/presentationml/2006/main">
   <p:cSld>
     <p:spTree>
@@ -10621,7 +12650,7 @@
 </p:sld>
 </file>
 
-<file path=ppt/slides/slide23.xml><?xml version="1.0" encoding="utf-8"?>
+<file path=ppt/slides/slide28.xml><?xml version="1.0" encoding="utf-8"?>
 <p:sld xmlns:a="http://schemas.openxmlformats.org/drawingml/2006/main" xmlns:r="http://schemas.openxmlformats.org/officeDocument/2006/relationships" xmlns:p="http://schemas.openxmlformats.org/presentationml/2006/main">
   <p:cSld>
     <p:spTree>

--- a/TEAM 8_FINAL_PRESENTATION.pptx
+++ b/TEAM 8_FINAL_PRESENTATION.pptx
@@ -142,7 +142,6 @@
 <file path=ppt/revisionInfo.xml><?xml version="1.0" encoding="utf-8"?>
 <p1510:revInfo xmlns:a="http://schemas.openxmlformats.org/drawingml/2006/main" xmlns:r="http://schemas.openxmlformats.org/officeDocument/2006/relationships" xmlns:p1510="http://schemas.microsoft.com/office/powerpoint/2015/10/main">
   <p1510:revLst>
-    <p1510:client id="{99DF3C28-EA72-44FB-B663-A163AB2F859F}" v="3" dt="2022-12-08T20:43:47.053"/>
     <p1510:client id="{D71FA875-4C52-4A9E-B101-BB011939644F}" v="5" dt="2022-12-09T00:28:46.140"/>
   </p1510:revLst>
 </p1510:revInfo>
@@ -481,7 +480,7 @@
           <a:p>
             <a:fld id="{5D086F0A-AF7E-4566-93F7-8A62D64384D9}" type="datetimeFigureOut">
               <a:rPr lang="en-IN" smtClean="0"/>
-              <a:t>08-12-2022</a:t>
+              <a:t>14-12-2022</a:t>
             </a:fld>
             <a:endParaRPr lang="en-IN"/>
           </a:p>
@@ -679,7 +678,7 @@
           <a:p>
             <a:fld id="{5D086F0A-AF7E-4566-93F7-8A62D64384D9}" type="datetimeFigureOut">
               <a:rPr lang="en-IN" smtClean="0"/>
-              <a:t>08-12-2022</a:t>
+              <a:t>14-12-2022</a:t>
             </a:fld>
             <a:endParaRPr lang="en-IN"/>
           </a:p>
@@ -887,7 +886,7 @@
           <a:p>
             <a:fld id="{5D086F0A-AF7E-4566-93F7-8A62D64384D9}" type="datetimeFigureOut">
               <a:rPr lang="en-IN" smtClean="0"/>
-              <a:t>08-12-2022</a:t>
+              <a:t>14-12-2022</a:t>
             </a:fld>
             <a:endParaRPr lang="en-IN"/>
           </a:p>
@@ -1085,7 +1084,7 @@
           <a:p>
             <a:fld id="{5D086F0A-AF7E-4566-93F7-8A62D64384D9}" type="datetimeFigureOut">
               <a:rPr lang="en-IN" smtClean="0"/>
-              <a:t>08-12-2022</a:t>
+              <a:t>14-12-2022</a:t>
             </a:fld>
             <a:endParaRPr lang="en-IN"/>
           </a:p>
@@ -1360,7 +1359,7 @@
           <a:p>
             <a:fld id="{5D086F0A-AF7E-4566-93F7-8A62D64384D9}" type="datetimeFigureOut">
               <a:rPr lang="en-IN" smtClean="0"/>
-              <a:t>08-12-2022</a:t>
+              <a:t>14-12-2022</a:t>
             </a:fld>
             <a:endParaRPr lang="en-IN"/>
           </a:p>
@@ -1625,7 +1624,7 @@
           <a:p>
             <a:fld id="{5D086F0A-AF7E-4566-93F7-8A62D64384D9}" type="datetimeFigureOut">
               <a:rPr lang="en-IN" smtClean="0"/>
-              <a:t>08-12-2022</a:t>
+              <a:t>14-12-2022</a:t>
             </a:fld>
             <a:endParaRPr lang="en-IN"/>
           </a:p>
@@ -2037,7 +2036,7 @@
           <a:p>
             <a:fld id="{5D086F0A-AF7E-4566-93F7-8A62D64384D9}" type="datetimeFigureOut">
               <a:rPr lang="en-IN" smtClean="0"/>
-              <a:t>08-12-2022</a:t>
+              <a:t>14-12-2022</a:t>
             </a:fld>
             <a:endParaRPr lang="en-IN"/>
           </a:p>
@@ -2178,7 +2177,7 @@
           <a:p>
             <a:fld id="{5D086F0A-AF7E-4566-93F7-8A62D64384D9}" type="datetimeFigureOut">
               <a:rPr lang="en-IN" smtClean="0"/>
-              <a:t>08-12-2022</a:t>
+              <a:t>14-12-2022</a:t>
             </a:fld>
             <a:endParaRPr lang="en-IN"/>
           </a:p>
@@ -2291,7 +2290,7 @@
           <a:p>
             <a:fld id="{5D086F0A-AF7E-4566-93F7-8A62D64384D9}" type="datetimeFigureOut">
               <a:rPr lang="en-IN" smtClean="0"/>
-              <a:t>08-12-2022</a:t>
+              <a:t>14-12-2022</a:t>
             </a:fld>
             <a:endParaRPr lang="en-IN"/>
           </a:p>
@@ -2602,7 +2601,7 @@
           <a:p>
             <a:fld id="{5D086F0A-AF7E-4566-93F7-8A62D64384D9}" type="datetimeFigureOut">
               <a:rPr lang="en-IN" smtClean="0"/>
-              <a:t>08-12-2022</a:t>
+              <a:t>14-12-2022</a:t>
             </a:fld>
             <a:endParaRPr lang="en-IN"/>
           </a:p>
@@ -2890,7 +2889,7 @@
           <a:p>
             <a:fld id="{5D086F0A-AF7E-4566-93F7-8A62D64384D9}" type="datetimeFigureOut">
               <a:rPr lang="en-IN" smtClean="0"/>
-              <a:t>08-12-2022</a:t>
+              <a:t>14-12-2022</a:t>
             </a:fld>
             <a:endParaRPr lang="en-IN"/>
           </a:p>
@@ -3131,7 +3130,7 @@
           <a:p>
             <a:fld id="{5D086F0A-AF7E-4566-93F7-8A62D64384D9}" type="datetimeFigureOut">
               <a:rPr lang="en-IN" smtClean="0"/>
-              <a:t>08-12-2022</a:t>
+              <a:t>14-12-2022</a:t>
             </a:fld>
             <a:endParaRPr lang="en-IN"/>
           </a:p>
